--- a/게임 기획파일/화면 기획.pptx
+++ b/게임 기획파일/화면 기획.pptx
@@ -9,7 +9,8 @@
     <p:sldId id="258" r:id="rId3"/>
     <p:sldId id="261" r:id="rId4"/>
     <p:sldId id="259" r:id="rId5"/>
-    <p:sldId id="260" r:id="rId6"/>
+    <p:sldId id="262" r:id="rId6"/>
+    <p:sldId id="260" r:id="rId7"/>
   </p:sldIdLst>
   <p:sldSz cx="12192000" cy="6858000"/>
   <p:notesSz cx="6858000" cy="9144000"/>
@@ -263,7 +264,7 @@
           <a:p>
             <a:fld id="{F893D3BF-84EF-4F8A-9F24-44EBC5984044}" type="datetimeFigureOut">
               <a:rPr lang="ko-KR" altLang="en-US" smtClean="0"/>
-              <a:t>2020-08-14</a:t>
+              <a:t>2020-08-15</a:t>
             </a:fld>
             <a:endParaRPr lang="ko-KR" altLang="en-US"/>
           </a:p>
@@ -461,7 +462,7 @@
           <a:p>
             <a:fld id="{F893D3BF-84EF-4F8A-9F24-44EBC5984044}" type="datetimeFigureOut">
               <a:rPr lang="ko-KR" altLang="en-US" smtClean="0"/>
-              <a:t>2020-08-14</a:t>
+              <a:t>2020-08-15</a:t>
             </a:fld>
             <a:endParaRPr lang="ko-KR" altLang="en-US"/>
           </a:p>
@@ -669,7 +670,7 @@
           <a:p>
             <a:fld id="{F893D3BF-84EF-4F8A-9F24-44EBC5984044}" type="datetimeFigureOut">
               <a:rPr lang="ko-KR" altLang="en-US" smtClean="0"/>
-              <a:t>2020-08-14</a:t>
+              <a:t>2020-08-15</a:t>
             </a:fld>
             <a:endParaRPr lang="ko-KR" altLang="en-US"/>
           </a:p>
@@ -867,7 +868,7 @@
           <a:p>
             <a:fld id="{F893D3BF-84EF-4F8A-9F24-44EBC5984044}" type="datetimeFigureOut">
               <a:rPr lang="ko-KR" altLang="en-US" smtClean="0"/>
-              <a:t>2020-08-14</a:t>
+              <a:t>2020-08-15</a:t>
             </a:fld>
             <a:endParaRPr lang="ko-KR" altLang="en-US"/>
           </a:p>
@@ -1142,7 +1143,7 @@
           <a:p>
             <a:fld id="{F893D3BF-84EF-4F8A-9F24-44EBC5984044}" type="datetimeFigureOut">
               <a:rPr lang="ko-KR" altLang="en-US" smtClean="0"/>
-              <a:t>2020-08-14</a:t>
+              <a:t>2020-08-15</a:t>
             </a:fld>
             <a:endParaRPr lang="ko-KR" altLang="en-US"/>
           </a:p>
@@ -1407,7 +1408,7 @@
           <a:p>
             <a:fld id="{F893D3BF-84EF-4F8A-9F24-44EBC5984044}" type="datetimeFigureOut">
               <a:rPr lang="ko-KR" altLang="en-US" smtClean="0"/>
-              <a:t>2020-08-14</a:t>
+              <a:t>2020-08-15</a:t>
             </a:fld>
             <a:endParaRPr lang="ko-KR" altLang="en-US"/>
           </a:p>
@@ -1819,7 +1820,7 @@
           <a:p>
             <a:fld id="{F893D3BF-84EF-4F8A-9F24-44EBC5984044}" type="datetimeFigureOut">
               <a:rPr lang="ko-KR" altLang="en-US" smtClean="0"/>
-              <a:t>2020-08-14</a:t>
+              <a:t>2020-08-15</a:t>
             </a:fld>
             <a:endParaRPr lang="ko-KR" altLang="en-US"/>
           </a:p>
@@ -1960,7 +1961,7 @@
           <a:p>
             <a:fld id="{F893D3BF-84EF-4F8A-9F24-44EBC5984044}" type="datetimeFigureOut">
               <a:rPr lang="ko-KR" altLang="en-US" smtClean="0"/>
-              <a:t>2020-08-14</a:t>
+              <a:t>2020-08-15</a:t>
             </a:fld>
             <a:endParaRPr lang="ko-KR" altLang="en-US"/>
           </a:p>
@@ -2073,7 +2074,7 @@
           <a:p>
             <a:fld id="{F893D3BF-84EF-4F8A-9F24-44EBC5984044}" type="datetimeFigureOut">
               <a:rPr lang="ko-KR" altLang="en-US" smtClean="0"/>
-              <a:t>2020-08-14</a:t>
+              <a:t>2020-08-15</a:t>
             </a:fld>
             <a:endParaRPr lang="ko-KR" altLang="en-US"/>
           </a:p>
@@ -2384,7 +2385,7 @@
           <a:p>
             <a:fld id="{F893D3BF-84EF-4F8A-9F24-44EBC5984044}" type="datetimeFigureOut">
               <a:rPr lang="ko-KR" altLang="en-US" smtClean="0"/>
-              <a:t>2020-08-14</a:t>
+              <a:t>2020-08-15</a:t>
             </a:fld>
             <a:endParaRPr lang="ko-KR" altLang="en-US"/>
           </a:p>
@@ -2672,7 +2673,7 @@
           <a:p>
             <a:fld id="{F893D3BF-84EF-4F8A-9F24-44EBC5984044}" type="datetimeFigureOut">
               <a:rPr lang="ko-KR" altLang="en-US" smtClean="0"/>
-              <a:t>2020-08-14</a:t>
+              <a:t>2020-08-15</a:t>
             </a:fld>
             <a:endParaRPr lang="ko-KR" altLang="en-US"/>
           </a:p>
@@ -2913,7 +2914,7 @@
           <a:p>
             <a:fld id="{F893D3BF-84EF-4F8A-9F24-44EBC5984044}" type="datetimeFigureOut">
               <a:rPr lang="ko-KR" altLang="en-US" smtClean="0"/>
-              <a:t>2020-08-14</a:t>
+              <a:t>2020-08-15</a:t>
             </a:fld>
             <a:endParaRPr lang="ko-KR" altLang="en-US"/>
           </a:p>
@@ -3438,8 +3439,8 @@
         </p:nvSpPr>
         <p:spPr>
           <a:xfrm>
-            <a:off x="375343" y="241489"/>
-            <a:ext cx="4538520" cy="584775"/>
+            <a:off x="375342" y="241489"/>
+            <a:ext cx="4719987" cy="584775"/>
           </a:xfrm>
           <a:prstGeom prst="rect">
             <a:avLst/>
@@ -3462,13 +3463,12 @@
             </a:r>
             <a:r>
               <a:rPr lang="en-US" altLang="ko-KR" sz="3200" b="1" dirty="0"/>
-              <a:t>- </a:t>
-            </a:r>
-            <a:r>
-              <a:rPr lang="ko-KR" altLang="en-US" sz="3200" b="1" dirty="0" err="1"/>
-              <a:t>메인화면</a:t>
-            </a:r>
-            <a:endParaRPr lang="ko-KR" altLang="en-US" sz="3200" b="1" dirty="0"/>
+              <a:t>– </a:t>
+            </a:r>
+            <a:r>
+              <a:rPr lang="ko-KR" altLang="en-US" sz="3200" b="1" dirty="0"/>
+              <a:t>메인 화면</a:t>
+            </a:r>
           </a:p>
         </p:txBody>
       </p:sp>
@@ -5039,42 +5039,62 @@
           <a:chExt cx="0" cy="0"/>
         </a:xfrm>
       </p:grpSpPr>
-      <p:pic>
-        <p:nvPicPr>
-          <p:cNvPr id="11" name="그림 10">
-            <a:extLst>
-              <a:ext uri="{FF2B5EF4-FFF2-40B4-BE49-F238E27FC236}">
-                <a16:creationId xmlns:a16="http://schemas.microsoft.com/office/drawing/2014/main" id="{198AE217-26FC-4349-9AB3-A7CFD411BD4C}"/>
-              </a:ext>
-            </a:extLst>
-          </p:cNvPr>
-          <p:cNvPicPr>
-            <a:picLocks noChangeAspect="1"/>
-          </p:cNvPicPr>
-          <p:nvPr/>
-        </p:nvPicPr>
-        <p:blipFill>
-          <a:blip r:embed="rId2">
-            <a:extLst>
-              <a:ext uri="{28A0092B-C50C-407E-A947-70E740481C1C}">
-                <a14:useLocalDpi xmlns:a14="http://schemas.microsoft.com/office/drawing/2010/main" val="0"/>
-              </a:ext>
-            </a:extLst>
-          </a:blip>
-          <a:stretch>
-            <a:fillRect/>
-          </a:stretch>
-        </p:blipFill>
-        <p:spPr>
-          <a:xfrm>
-            <a:off x="2816239" y="1217901"/>
-            <a:ext cx="2953957" cy="5485600"/>
+      <p:sp>
+        <p:nvSpPr>
+          <p:cNvPr id="63" name="직사각형 62">
+            <a:extLst>
+              <a:ext uri="{FF2B5EF4-FFF2-40B4-BE49-F238E27FC236}">
+                <a16:creationId xmlns:a16="http://schemas.microsoft.com/office/drawing/2014/main" id="{2987DAE3-E678-4F15-8989-441EE5331121}"/>
+              </a:ext>
+            </a:extLst>
+          </p:cNvPr>
+          <p:cNvSpPr/>
+          <p:nvPr/>
+        </p:nvSpPr>
+        <p:spPr>
+          <a:xfrm>
+            <a:off x="93306" y="1320133"/>
+            <a:ext cx="5357119" cy="4472280"/>
           </a:xfrm>
           <a:prstGeom prst="rect">
             <a:avLst/>
           </a:prstGeom>
-        </p:spPr>
-      </p:pic>
+          <a:noFill/>
+          <a:ln w="31750">
+            <a:solidFill>
+              <a:schemeClr val="accent2">
+                <a:lumMod val="40000"/>
+                <a:lumOff val="60000"/>
+              </a:schemeClr>
+            </a:solidFill>
+            <a:prstDash val="dash"/>
+          </a:ln>
+        </p:spPr>
+        <p:style>
+          <a:lnRef idx="2">
+            <a:schemeClr val="accent1">
+              <a:shade val="50000"/>
+            </a:schemeClr>
+          </a:lnRef>
+          <a:fillRef idx="1">
+            <a:schemeClr val="accent1"/>
+          </a:fillRef>
+          <a:effectRef idx="0">
+            <a:schemeClr val="accent1"/>
+          </a:effectRef>
+          <a:fontRef idx="minor">
+            <a:schemeClr val="lt1"/>
+          </a:fontRef>
+        </p:style>
+        <p:txBody>
+          <a:bodyPr rtlCol="0" anchor="ctr"/>
+          <a:lstStyle/>
+          <a:p>
+            <a:pPr algn="ctr"/>
+            <a:endParaRPr lang="ko-KR" altLang="en-US"/>
+          </a:p>
+        </p:txBody>
+      </p:sp>
       <p:sp>
         <p:nvSpPr>
           <p:cNvPr id="5" name="TextBox 4">
@@ -5289,7 +5309,7 @@
         <p:spPr>
           <a:xfrm>
             <a:off x="8643668" y="1011511"/>
-            <a:ext cx="2621230" cy="523220"/>
+            <a:ext cx="2616422" cy="1815882"/>
           </a:xfrm>
           <a:prstGeom prst="rect">
             <a:avLst/>
@@ -5302,33 +5322,1838 @@
           </a:bodyPr>
           <a:lstStyle/>
           <a:p>
+            <a:pPr marL="342900" indent="-342900">
+              <a:buAutoNum type="arabicParenR"/>
+            </a:pPr>
+            <a:r>
+              <a:rPr lang="ko-KR" altLang="en-US" sz="1400" dirty="0"/>
+              <a:t>전장에 대한 설명</a:t>
+            </a:r>
+            <a:endParaRPr lang="en-US" altLang="ko-KR" sz="1400" dirty="0"/>
+          </a:p>
+          <a:p>
+            <a:pPr marL="342900" indent="-342900">
+              <a:buAutoNum type="arabicParenR"/>
+            </a:pPr>
+            <a:endParaRPr lang="en-US" altLang="ko-KR" sz="1400" dirty="0"/>
+          </a:p>
+          <a:p>
+            <a:pPr marL="342900" indent="-342900">
+              <a:buAutoNum type="arabicParenR"/>
+            </a:pPr>
+            <a:r>
+              <a:rPr lang="ko-KR" altLang="en-US" sz="1400" dirty="0"/>
+              <a:t>성공 시 능력</a:t>
+            </a:r>
             <a:r>
               <a:rPr lang="en-US" altLang="ko-KR" sz="1400" dirty="0"/>
-              <a:t>1) </a:t>
+              <a:t>, </a:t>
             </a:r>
             <a:r>
               <a:rPr lang="ko-KR" altLang="en-US" sz="1400" dirty="0"/>
-              <a:t>터치 시 수련 </a:t>
+              <a:t>재화를 지급</a:t>
+            </a:r>
+            <a:endParaRPr lang="en-US" altLang="ko-KR" sz="1400" dirty="0"/>
+          </a:p>
+          <a:p>
+            <a:pPr marL="342900" indent="-342900">
+              <a:buAutoNum type="arabicParenR"/>
+            </a:pPr>
+            <a:endParaRPr lang="en-US" altLang="ko-KR" sz="1400" dirty="0"/>
+          </a:p>
+          <a:p>
+            <a:pPr marL="342900" indent="-342900">
+              <a:buAutoNum type="arabicParenR"/>
+            </a:pPr>
+            <a:r>
+              <a:rPr lang="ko-KR" altLang="en-US" sz="1400" dirty="0"/>
+              <a:t>실패 시 최종 직급 표기</a:t>
             </a:r>
             <a:r>
               <a:rPr lang="en-US" altLang="ko-KR" sz="1400" dirty="0"/>
-              <a:t>UI</a:t>
+              <a:t>,</a:t>
+            </a:r>
+          </a:p>
+          <a:p>
+            <a:r>
+              <a:rPr lang="en-US" altLang="ko-KR" sz="1400" dirty="0"/>
+              <a:t>      </a:t>
             </a:r>
             <a:r>
               <a:rPr lang="ko-KR" altLang="en-US" sz="1400" dirty="0"/>
-              <a:t>창이 </a:t>
-            </a:r>
-            <a:r>
-              <a:rPr lang="ko-KR" altLang="en-US" sz="1400" dirty="0" err="1"/>
-              <a:t>팝업됨</a:t>
+              <a:t>생존 확률을 증가</a:t>
             </a:r>
             <a:endParaRPr lang="en-US" altLang="ko-KR" sz="1400" dirty="0"/>
+          </a:p>
+          <a:p>
+            <a:r>
+              <a:rPr lang="en-US" altLang="ko-KR" sz="1400" dirty="0"/>
+              <a:t>( 5% </a:t>
+            </a:r>
+            <a:r>
+              <a:rPr lang="ko-KR" altLang="en-US" sz="1400" dirty="0"/>
+              <a:t>▶ </a:t>
+            </a:r>
+            <a:r>
+              <a:rPr lang="en-US" altLang="ko-KR" sz="1400" dirty="0"/>
+              <a:t>20% </a:t>
+            </a:r>
+            <a:r>
+              <a:rPr lang="ko-KR" altLang="en-US" sz="1400" dirty="0"/>
+              <a:t>▶ </a:t>
+            </a:r>
+            <a:r>
+              <a:rPr lang="en-US" altLang="ko-KR" sz="1400" dirty="0"/>
+              <a:t>40% </a:t>
+            </a:r>
+            <a:r>
+              <a:rPr lang="ko-KR" altLang="en-US" sz="1400" dirty="0"/>
+              <a:t>▶ </a:t>
+            </a:r>
+            <a:r>
+              <a:rPr lang="en-US" altLang="ko-KR" sz="1400" dirty="0"/>
+              <a:t>60%)</a:t>
+            </a:r>
           </a:p>
           <a:p>
             <a:r>
               <a:rPr lang="en-US" altLang="ko-KR" sz="1400" dirty="0"/>
               <a:t>   </a:t>
             </a:r>
+          </a:p>
+        </p:txBody>
+      </p:sp>
+      <p:sp>
+        <p:nvSpPr>
+          <p:cNvPr id="12" name="사각형: 둥근 모서리 11">
+            <a:extLst>
+              <a:ext uri="{FF2B5EF4-FFF2-40B4-BE49-F238E27FC236}">
+                <a16:creationId xmlns:a16="http://schemas.microsoft.com/office/drawing/2014/main" id="{8FCB1484-027C-43BE-9B83-56BCF1027A8F}"/>
+              </a:ext>
+            </a:extLst>
+          </p:cNvPr>
+          <p:cNvSpPr/>
+          <p:nvPr/>
+        </p:nvSpPr>
+        <p:spPr>
+          <a:xfrm>
+            <a:off x="223450" y="1740920"/>
+            <a:ext cx="2220686" cy="3773977"/>
+          </a:xfrm>
+          <a:prstGeom prst="roundRect">
+            <a:avLst/>
+          </a:prstGeom>
+          <a:solidFill>
+            <a:schemeClr val="accent2">
+              <a:lumMod val="40000"/>
+              <a:lumOff val="60000"/>
+            </a:schemeClr>
+          </a:solidFill>
+          <a:ln w="38100">
+            <a:solidFill>
+              <a:schemeClr val="accent2">
+                <a:lumMod val="75000"/>
+              </a:schemeClr>
+            </a:solidFill>
+          </a:ln>
+        </p:spPr>
+        <p:style>
+          <a:lnRef idx="2">
+            <a:schemeClr val="accent1">
+              <a:shade val="50000"/>
+            </a:schemeClr>
+          </a:lnRef>
+          <a:fillRef idx="1">
+            <a:schemeClr val="accent1"/>
+          </a:fillRef>
+          <a:effectRef idx="0">
+            <a:schemeClr val="accent1"/>
+          </a:effectRef>
+          <a:fontRef idx="minor">
+            <a:schemeClr val="lt1"/>
+          </a:fontRef>
+        </p:style>
+        <p:txBody>
+          <a:bodyPr rtlCol="0" anchor="ctr"/>
+          <a:lstStyle/>
+          <a:p>
+            <a:pPr algn="ctr"/>
+            <a:endParaRPr lang="ko-KR" altLang="en-US" dirty="0"/>
+          </a:p>
+        </p:txBody>
+      </p:sp>
+      <p:pic>
+        <p:nvPicPr>
+          <p:cNvPr id="3" name="그림 2">
+            <a:extLst>
+              <a:ext uri="{FF2B5EF4-FFF2-40B4-BE49-F238E27FC236}">
+                <a16:creationId xmlns:a16="http://schemas.microsoft.com/office/drawing/2014/main" id="{C3CF80B8-2D34-448A-ACFC-5E417ECE9CC3}"/>
+              </a:ext>
+            </a:extLst>
+          </p:cNvPr>
+          <p:cNvPicPr>
+            <a:picLocks noChangeAspect="1"/>
+          </p:cNvPicPr>
+          <p:nvPr/>
+        </p:nvPicPr>
+        <p:blipFill>
+          <a:blip r:embed="rId3">
+            <a:extLst>
+              <a:ext uri="{28A0092B-C50C-407E-A947-70E740481C1C}">
+                <a14:useLocalDpi xmlns:a14="http://schemas.microsoft.com/office/drawing/2010/main" val="0"/>
+              </a:ext>
+            </a:extLst>
+          </a:blip>
+          <a:stretch>
+            <a:fillRect/>
+          </a:stretch>
+        </p:blipFill>
+        <p:spPr>
+          <a:xfrm>
+            <a:off x="581187" y="2121159"/>
+            <a:ext cx="1505211" cy="1046373"/>
+          </a:xfrm>
+          <a:prstGeom prst="rect">
+            <a:avLst/>
+          </a:prstGeom>
+        </p:spPr>
+      </p:pic>
+      <p:sp>
+        <p:nvSpPr>
+          <p:cNvPr id="7" name="직사각형 6">
+            <a:extLst>
+              <a:ext uri="{FF2B5EF4-FFF2-40B4-BE49-F238E27FC236}">
+                <a16:creationId xmlns:a16="http://schemas.microsoft.com/office/drawing/2014/main" id="{52D2D218-1977-40C7-BCFC-76A352DE07D8}"/>
+              </a:ext>
+            </a:extLst>
+          </p:cNvPr>
+          <p:cNvSpPr/>
+          <p:nvPr/>
+        </p:nvSpPr>
+        <p:spPr>
+          <a:xfrm>
+            <a:off x="581187" y="2121159"/>
+            <a:ext cx="1505211" cy="1046373"/>
+          </a:xfrm>
+          <a:prstGeom prst="rect">
+            <a:avLst/>
+          </a:prstGeom>
+          <a:noFill/>
+          <a:ln w="34925">
+            <a:solidFill>
+              <a:schemeClr val="accent2">
+                <a:lumMod val="50000"/>
+              </a:schemeClr>
+            </a:solidFill>
+          </a:ln>
+        </p:spPr>
+        <p:style>
+          <a:lnRef idx="2">
+            <a:schemeClr val="accent1">
+              <a:shade val="50000"/>
+            </a:schemeClr>
+          </a:lnRef>
+          <a:fillRef idx="1">
+            <a:schemeClr val="accent1"/>
+          </a:fillRef>
+          <a:effectRef idx="0">
+            <a:schemeClr val="accent1"/>
+          </a:effectRef>
+          <a:fontRef idx="minor">
+            <a:schemeClr val="lt1"/>
+          </a:fontRef>
+        </p:style>
+        <p:txBody>
+          <a:bodyPr rtlCol="0" anchor="ctr"/>
+          <a:lstStyle/>
+          <a:p>
+            <a:pPr algn="ctr"/>
+            <a:endParaRPr lang="ko-KR" altLang="en-US"/>
+          </a:p>
+        </p:txBody>
+      </p:sp>
+      <p:sp>
+        <p:nvSpPr>
+          <p:cNvPr id="14" name="사각형: 둥근 모서리 13">
+            <a:extLst>
+              <a:ext uri="{FF2B5EF4-FFF2-40B4-BE49-F238E27FC236}">
+                <a16:creationId xmlns:a16="http://schemas.microsoft.com/office/drawing/2014/main" id="{1767A504-08C6-45DD-A740-3684DFA6494A}"/>
+              </a:ext>
+            </a:extLst>
+          </p:cNvPr>
+          <p:cNvSpPr/>
+          <p:nvPr/>
+        </p:nvSpPr>
+        <p:spPr>
+          <a:xfrm>
+            <a:off x="417514" y="3328500"/>
+            <a:ext cx="1827065" cy="438539"/>
+          </a:xfrm>
+          <a:prstGeom prst="roundRect">
+            <a:avLst/>
+          </a:prstGeom>
+          <a:solidFill>
+            <a:schemeClr val="accent2">
+              <a:lumMod val="20000"/>
+              <a:lumOff val="80000"/>
+            </a:schemeClr>
+          </a:solidFill>
+          <a:ln w="25400">
+            <a:solidFill>
+              <a:schemeClr val="accent2">
+                <a:lumMod val="50000"/>
+              </a:schemeClr>
+            </a:solidFill>
+          </a:ln>
+        </p:spPr>
+        <p:style>
+          <a:lnRef idx="2">
+            <a:schemeClr val="accent1">
+              <a:shade val="50000"/>
+            </a:schemeClr>
+          </a:lnRef>
+          <a:fillRef idx="1">
+            <a:schemeClr val="accent1"/>
+          </a:fillRef>
+          <a:effectRef idx="0">
+            <a:schemeClr val="accent1"/>
+          </a:effectRef>
+          <a:fontRef idx="minor">
+            <a:schemeClr val="lt1"/>
+          </a:fontRef>
+        </p:style>
+        <p:txBody>
+          <a:bodyPr rtlCol="0" anchor="ctr"/>
+          <a:lstStyle/>
+          <a:p>
+            <a:pPr algn="ctr"/>
+            <a:endParaRPr lang="ko-KR" altLang="en-US"/>
+          </a:p>
+        </p:txBody>
+      </p:sp>
+      <p:sp>
+        <p:nvSpPr>
+          <p:cNvPr id="13" name="TextBox 12">
+            <a:extLst>
+              <a:ext uri="{FF2B5EF4-FFF2-40B4-BE49-F238E27FC236}">
+                <a16:creationId xmlns:a16="http://schemas.microsoft.com/office/drawing/2014/main" id="{CBCC6B93-6559-4A6E-9D71-641126BC1F32}"/>
+              </a:ext>
+            </a:extLst>
+          </p:cNvPr>
+          <p:cNvSpPr txBox="1"/>
+          <p:nvPr/>
+        </p:nvSpPr>
+        <p:spPr>
+          <a:xfrm>
+            <a:off x="412026" y="3348963"/>
+            <a:ext cx="1832553" cy="461665"/>
+          </a:xfrm>
+          <a:prstGeom prst="rect">
+            <a:avLst/>
+          </a:prstGeom>
+          <a:noFill/>
+          <a:ln w="3175">
+            <a:noFill/>
+          </a:ln>
+        </p:spPr>
+        <p:txBody>
+          <a:bodyPr wrap="square" rtlCol="0">
+            <a:spAutoFit/>
+          </a:bodyPr>
+          <a:lstStyle/>
+          <a:p>
+            <a:r>
+              <a:rPr lang="ko-KR" altLang="en-US" sz="2400" b="1" dirty="0">
+                <a:ln w="12700">
+                  <a:solidFill>
+                    <a:schemeClr val="accent2">
+                      <a:lumMod val="60000"/>
+                      <a:lumOff val="40000"/>
+                    </a:schemeClr>
+                  </a:solidFill>
+                </a:ln>
+                <a:solidFill>
+                  <a:schemeClr val="accent2">
+                    <a:lumMod val="50000"/>
+                  </a:schemeClr>
+                </a:solidFill>
+              </a:rPr>
+              <a:t>황건적의 난</a:t>
+            </a:r>
+          </a:p>
+        </p:txBody>
+      </p:sp>
+      <p:sp>
+        <p:nvSpPr>
+          <p:cNvPr id="15" name="TextBox 14">
+            <a:extLst>
+              <a:ext uri="{FF2B5EF4-FFF2-40B4-BE49-F238E27FC236}">
+                <a16:creationId xmlns:a16="http://schemas.microsoft.com/office/drawing/2014/main" id="{5A006A2B-89EF-4066-A84F-05CB9F8553B6}"/>
+              </a:ext>
+            </a:extLst>
+          </p:cNvPr>
+          <p:cNvSpPr txBox="1"/>
+          <p:nvPr/>
+        </p:nvSpPr>
+        <p:spPr>
+          <a:xfrm>
+            <a:off x="284402" y="4022961"/>
+            <a:ext cx="2184841" cy="1200329"/>
+          </a:xfrm>
+          <a:prstGeom prst="rect">
+            <a:avLst/>
+          </a:prstGeom>
+          <a:noFill/>
+        </p:spPr>
+        <p:txBody>
+          <a:bodyPr wrap="square" rtlCol="0">
+            <a:spAutoFit/>
+          </a:bodyPr>
+          <a:lstStyle/>
+          <a:p>
+            <a:r>
+              <a:rPr lang="ko-KR" altLang="en-US" sz="1200" b="1" dirty="0"/>
+              <a:t>부패한 정치</a:t>
+            </a:r>
+            <a:r>
+              <a:rPr lang="en-US" altLang="ko-KR" sz="1200" b="1" dirty="0"/>
+              <a:t>,,, </a:t>
+            </a:r>
+            <a:r>
+              <a:rPr lang="ko-KR" altLang="en-US" sz="1200" b="1" dirty="0"/>
+              <a:t>부정부패</a:t>
+            </a:r>
+            <a:r>
+              <a:rPr lang="en-US" altLang="ko-KR" sz="1200" b="1" dirty="0"/>
+              <a:t>,,,</a:t>
+            </a:r>
+          </a:p>
+          <a:p>
+            <a:r>
+              <a:rPr lang="ko-KR" altLang="en-US" sz="1200" b="1" dirty="0"/>
+              <a:t>끊임없는</a:t>
+            </a:r>
+            <a:r>
+              <a:rPr lang="en-US" altLang="ko-KR" sz="1200" b="1" dirty="0"/>
+              <a:t> </a:t>
+            </a:r>
+            <a:r>
+              <a:rPr lang="ko-KR" altLang="en-US" sz="1200" b="1" dirty="0"/>
+              <a:t>위기</a:t>
+            </a:r>
+            <a:r>
+              <a:rPr lang="en-US" altLang="ko-KR" sz="1200" b="1" dirty="0"/>
+              <a:t>,,,</a:t>
+            </a:r>
+          </a:p>
+          <a:p>
+            <a:endParaRPr lang="en-US" altLang="ko-KR" sz="1200" b="1" dirty="0"/>
+          </a:p>
+          <a:p>
+            <a:r>
+              <a:rPr lang="ko-KR" altLang="en-US" sz="1200" b="1" dirty="0" err="1"/>
+              <a:t>장각</a:t>
+            </a:r>
+            <a:r>
+              <a:rPr lang="ko-KR" altLang="en-US" sz="1200" b="1" dirty="0"/>
+              <a:t> 형제들은</a:t>
+            </a:r>
+            <a:endParaRPr lang="en-US" altLang="ko-KR" sz="1200" b="1" dirty="0"/>
+          </a:p>
+          <a:p>
+            <a:r>
+              <a:rPr lang="ko-KR" altLang="en-US" sz="1200" b="1" dirty="0"/>
+              <a:t>태평도를 창시하여</a:t>
+            </a:r>
+            <a:endParaRPr lang="en-US" altLang="ko-KR" sz="1200" b="1" dirty="0"/>
+          </a:p>
+          <a:p>
+            <a:r>
+              <a:rPr lang="ko-KR" altLang="en-US" sz="1200" b="1" dirty="0"/>
+              <a:t>백성들의 마음을 사로잡고</a:t>
+            </a:r>
+            <a:endParaRPr lang="en-US" altLang="ko-KR" sz="1200" b="1" dirty="0"/>
+          </a:p>
+        </p:txBody>
+      </p:sp>
+      <p:sp>
+        <p:nvSpPr>
+          <p:cNvPr id="16" name="사각형: 둥근 모서리 15">
+            <a:extLst>
+              <a:ext uri="{FF2B5EF4-FFF2-40B4-BE49-F238E27FC236}">
+                <a16:creationId xmlns:a16="http://schemas.microsoft.com/office/drawing/2014/main" id="{00B47D0F-2D6D-4D52-A562-764820024919}"/>
+              </a:ext>
+            </a:extLst>
+          </p:cNvPr>
+          <p:cNvSpPr/>
+          <p:nvPr/>
+        </p:nvSpPr>
+        <p:spPr>
+          <a:xfrm>
+            <a:off x="3098099" y="1740920"/>
+            <a:ext cx="2220686" cy="3773977"/>
+          </a:xfrm>
+          <a:prstGeom prst="roundRect">
+            <a:avLst/>
+          </a:prstGeom>
+          <a:solidFill>
+            <a:schemeClr val="accent2">
+              <a:lumMod val="40000"/>
+              <a:lumOff val="60000"/>
+            </a:schemeClr>
+          </a:solidFill>
+          <a:ln w="38100">
+            <a:solidFill>
+              <a:schemeClr val="accent2">
+                <a:lumMod val="75000"/>
+              </a:schemeClr>
+            </a:solidFill>
+          </a:ln>
+        </p:spPr>
+        <p:style>
+          <a:lnRef idx="2">
+            <a:schemeClr val="accent1">
+              <a:shade val="50000"/>
+            </a:schemeClr>
+          </a:lnRef>
+          <a:fillRef idx="1">
+            <a:schemeClr val="accent1"/>
+          </a:fillRef>
+          <a:effectRef idx="0">
+            <a:schemeClr val="accent1"/>
+          </a:effectRef>
+          <a:fontRef idx="minor">
+            <a:schemeClr val="lt1"/>
+          </a:fontRef>
+        </p:style>
+        <p:txBody>
+          <a:bodyPr rtlCol="0" anchor="ctr"/>
+          <a:lstStyle/>
+          <a:p>
+            <a:pPr algn="ctr"/>
+            <a:endParaRPr lang="ko-KR" altLang="en-US" dirty="0"/>
+          </a:p>
+        </p:txBody>
+      </p:sp>
+      <p:pic>
+        <p:nvPicPr>
+          <p:cNvPr id="17" name="그림 16">
+            <a:extLst>
+              <a:ext uri="{FF2B5EF4-FFF2-40B4-BE49-F238E27FC236}">
+                <a16:creationId xmlns:a16="http://schemas.microsoft.com/office/drawing/2014/main" id="{45E68C5A-CA51-4386-B43D-5BEE6E0B0AE7}"/>
+              </a:ext>
+            </a:extLst>
+          </p:cNvPr>
+          <p:cNvPicPr>
+            <a:picLocks noChangeAspect="1"/>
+          </p:cNvPicPr>
+          <p:nvPr/>
+        </p:nvPicPr>
+        <p:blipFill>
+          <a:blip r:embed="rId3">
+            <a:extLst>
+              <a:ext uri="{28A0092B-C50C-407E-A947-70E740481C1C}">
+                <a14:useLocalDpi xmlns:a14="http://schemas.microsoft.com/office/drawing/2010/main" val="0"/>
+              </a:ext>
+            </a:extLst>
+          </a:blip>
+          <a:stretch>
+            <a:fillRect/>
+          </a:stretch>
+        </p:blipFill>
+        <p:spPr>
+          <a:xfrm>
+            <a:off x="3455836" y="2121159"/>
+            <a:ext cx="1505211" cy="1046373"/>
+          </a:xfrm>
+          <a:prstGeom prst="rect">
+            <a:avLst/>
+          </a:prstGeom>
+        </p:spPr>
+      </p:pic>
+      <p:sp>
+        <p:nvSpPr>
+          <p:cNvPr id="18" name="직사각형 17">
+            <a:extLst>
+              <a:ext uri="{FF2B5EF4-FFF2-40B4-BE49-F238E27FC236}">
+                <a16:creationId xmlns:a16="http://schemas.microsoft.com/office/drawing/2014/main" id="{315D3377-7373-413C-B3A1-46CB5798684B}"/>
+              </a:ext>
+            </a:extLst>
+          </p:cNvPr>
+          <p:cNvSpPr/>
+          <p:nvPr/>
+        </p:nvSpPr>
+        <p:spPr>
+          <a:xfrm>
+            <a:off x="3455836" y="2121159"/>
+            <a:ext cx="1505211" cy="1046373"/>
+          </a:xfrm>
+          <a:prstGeom prst="rect">
+            <a:avLst/>
+          </a:prstGeom>
+          <a:noFill/>
+          <a:ln w="34925">
+            <a:solidFill>
+              <a:schemeClr val="accent2">
+                <a:lumMod val="50000"/>
+              </a:schemeClr>
+            </a:solidFill>
+          </a:ln>
+        </p:spPr>
+        <p:style>
+          <a:lnRef idx="2">
+            <a:schemeClr val="accent1">
+              <a:shade val="50000"/>
+            </a:schemeClr>
+          </a:lnRef>
+          <a:fillRef idx="1">
+            <a:schemeClr val="accent1"/>
+          </a:fillRef>
+          <a:effectRef idx="0">
+            <a:schemeClr val="accent1"/>
+          </a:effectRef>
+          <a:fontRef idx="minor">
+            <a:schemeClr val="lt1"/>
+          </a:fontRef>
+        </p:style>
+        <p:txBody>
+          <a:bodyPr rtlCol="0" anchor="ctr"/>
+          <a:lstStyle/>
+          <a:p>
+            <a:pPr algn="ctr"/>
+            <a:endParaRPr lang="ko-KR" altLang="en-US"/>
+          </a:p>
+        </p:txBody>
+      </p:sp>
+      <p:sp>
+        <p:nvSpPr>
+          <p:cNvPr id="19" name="사각형: 둥근 모서리 18">
+            <a:extLst>
+              <a:ext uri="{FF2B5EF4-FFF2-40B4-BE49-F238E27FC236}">
+                <a16:creationId xmlns:a16="http://schemas.microsoft.com/office/drawing/2014/main" id="{A64D3E57-47DC-4B4E-972F-576B773E1F48}"/>
+              </a:ext>
+            </a:extLst>
+          </p:cNvPr>
+          <p:cNvSpPr/>
+          <p:nvPr/>
+        </p:nvSpPr>
+        <p:spPr>
+          <a:xfrm>
+            <a:off x="3292163" y="3328500"/>
+            <a:ext cx="1827065" cy="438539"/>
+          </a:xfrm>
+          <a:prstGeom prst="roundRect">
+            <a:avLst/>
+          </a:prstGeom>
+          <a:solidFill>
+            <a:schemeClr val="accent2">
+              <a:lumMod val="20000"/>
+              <a:lumOff val="80000"/>
+            </a:schemeClr>
+          </a:solidFill>
+          <a:ln w="25400">
+            <a:solidFill>
+              <a:schemeClr val="accent2">
+                <a:lumMod val="50000"/>
+              </a:schemeClr>
+            </a:solidFill>
+          </a:ln>
+        </p:spPr>
+        <p:style>
+          <a:lnRef idx="2">
+            <a:schemeClr val="accent1">
+              <a:shade val="50000"/>
+            </a:schemeClr>
+          </a:lnRef>
+          <a:fillRef idx="1">
+            <a:schemeClr val="accent1"/>
+          </a:fillRef>
+          <a:effectRef idx="0">
+            <a:schemeClr val="accent1"/>
+          </a:effectRef>
+          <a:fontRef idx="minor">
+            <a:schemeClr val="lt1"/>
+          </a:fontRef>
+        </p:style>
+        <p:txBody>
+          <a:bodyPr rtlCol="0" anchor="ctr"/>
+          <a:lstStyle/>
+          <a:p>
+            <a:pPr algn="ctr"/>
+            <a:endParaRPr lang="ko-KR" altLang="en-US"/>
+          </a:p>
+        </p:txBody>
+      </p:sp>
+      <p:sp>
+        <p:nvSpPr>
+          <p:cNvPr id="20" name="TextBox 19">
+            <a:extLst>
+              <a:ext uri="{FF2B5EF4-FFF2-40B4-BE49-F238E27FC236}">
+                <a16:creationId xmlns:a16="http://schemas.microsoft.com/office/drawing/2014/main" id="{63DB0277-36DE-43F4-82A8-74F642A6D7A0}"/>
+              </a:ext>
+            </a:extLst>
+          </p:cNvPr>
+          <p:cNvSpPr txBox="1"/>
+          <p:nvPr/>
+        </p:nvSpPr>
+        <p:spPr>
+          <a:xfrm>
+            <a:off x="3286675" y="3348963"/>
+            <a:ext cx="1832553" cy="461665"/>
+          </a:xfrm>
+          <a:prstGeom prst="rect">
+            <a:avLst/>
+          </a:prstGeom>
+          <a:noFill/>
+          <a:ln w="3175">
+            <a:noFill/>
+          </a:ln>
+        </p:spPr>
+        <p:txBody>
+          <a:bodyPr wrap="square" rtlCol="0">
+            <a:spAutoFit/>
+          </a:bodyPr>
+          <a:lstStyle/>
+          <a:p>
+            <a:r>
+              <a:rPr lang="ko-KR" altLang="en-US" sz="2400" b="1" dirty="0">
+                <a:ln w="12700">
+                  <a:solidFill>
+                    <a:schemeClr val="accent2">
+                      <a:lumMod val="60000"/>
+                      <a:lumOff val="40000"/>
+                    </a:schemeClr>
+                  </a:solidFill>
+                </a:ln>
+                <a:solidFill>
+                  <a:schemeClr val="accent2">
+                    <a:lumMod val="50000"/>
+                  </a:schemeClr>
+                </a:solidFill>
+              </a:rPr>
+              <a:t>황건적의 난</a:t>
+            </a:r>
+          </a:p>
+        </p:txBody>
+      </p:sp>
+      <p:sp>
+        <p:nvSpPr>
+          <p:cNvPr id="21" name="TextBox 20">
+            <a:extLst>
+              <a:ext uri="{FF2B5EF4-FFF2-40B4-BE49-F238E27FC236}">
+                <a16:creationId xmlns:a16="http://schemas.microsoft.com/office/drawing/2014/main" id="{EC0AA151-E1B4-41A0-B1E6-B6D1CAC3AA09}"/>
+              </a:ext>
+            </a:extLst>
+          </p:cNvPr>
+          <p:cNvSpPr txBox="1"/>
+          <p:nvPr/>
+        </p:nvSpPr>
+        <p:spPr>
+          <a:xfrm>
+            <a:off x="3098099" y="4037883"/>
+            <a:ext cx="2270900" cy="1200329"/>
+          </a:xfrm>
+          <a:prstGeom prst="rect">
+            <a:avLst/>
+          </a:prstGeom>
+          <a:noFill/>
+        </p:spPr>
+        <p:txBody>
+          <a:bodyPr wrap="square" rtlCol="0">
+            <a:spAutoFit/>
+          </a:bodyPr>
+          <a:lstStyle/>
+          <a:p>
+            <a:r>
+              <a:rPr lang="ko-KR" altLang="en-US" sz="1200" b="1" dirty="0"/>
+              <a:t>각지의 농민들은</a:t>
+            </a:r>
+            <a:endParaRPr lang="en-US" altLang="ko-KR" sz="1200" b="1" dirty="0"/>
+          </a:p>
+          <a:p>
+            <a:r>
+              <a:rPr lang="ko-KR" altLang="en-US" sz="1200" b="1" dirty="0"/>
+              <a:t>노란 수건을 두르고 </a:t>
+            </a:r>
+            <a:endParaRPr lang="en-US" altLang="ko-KR" sz="1200" b="1" dirty="0"/>
+          </a:p>
+          <a:p>
+            <a:r>
+              <a:rPr lang="ko-KR" altLang="en-US" sz="1200" b="1" dirty="0"/>
+              <a:t>봉기하여 황건적이 된다</a:t>
+            </a:r>
+            <a:r>
+              <a:rPr lang="en-US" altLang="ko-KR" sz="1200" b="1" dirty="0"/>
+              <a:t>.</a:t>
+            </a:r>
+          </a:p>
+          <a:p>
+            <a:endParaRPr lang="en-US" altLang="ko-KR" sz="1200" b="1" dirty="0"/>
+          </a:p>
+          <a:p>
+            <a:r>
+              <a:rPr lang="ko-KR" altLang="en-US" sz="1200" b="1" dirty="0"/>
+              <a:t>부패한 관리들은</a:t>
+            </a:r>
+            <a:r>
+              <a:rPr lang="en-US" altLang="ko-KR" sz="1200" b="1" dirty="0"/>
+              <a:t> </a:t>
+            </a:r>
+            <a:r>
+              <a:rPr lang="ko-KR" altLang="en-US" sz="1200" b="1" dirty="0"/>
+              <a:t>백성들에게 물리칠 것을 요청하게 되는데</a:t>
+            </a:r>
+            <a:r>
+              <a:rPr lang="en-US" altLang="ko-KR" sz="1200" b="1" dirty="0"/>
+              <a:t>,,</a:t>
+            </a:r>
+          </a:p>
+        </p:txBody>
+      </p:sp>
+      <p:cxnSp>
+        <p:nvCxnSpPr>
+          <p:cNvPr id="23" name="직선 화살표 연결선 22">
+            <a:extLst>
+              <a:ext uri="{FF2B5EF4-FFF2-40B4-BE49-F238E27FC236}">
+                <a16:creationId xmlns:a16="http://schemas.microsoft.com/office/drawing/2014/main" id="{EF9783F7-D367-4FD6-AA7C-038132DCCD3E}"/>
+              </a:ext>
+            </a:extLst>
+          </p:cNvPr>
+          <p:cNvCxnSpPr>
+            <a:cxnSpLocks/>
+            <a:stCxn id="16" idx="3"/>
+          </p:cNvCxnSpPr>
+          <p:nvPr/>
+        </p:nvCxnSpPr>
+        <p:spPr>
+          <a:xfrm flipV="1">
+            <a:off x="5318785" y="2350569"/>
+            <a:ext cx="1163177" cy="1277340"/>
+          </a:xfrm>
+          <a:prstGeom prst="straightConnector1">
+            <a:avLst/>
+          </a:prstGeom>
+          <a:ln w="25400">
+            <a:solidFill>
+              <a:schemeClr val="accent1">
+                <a:lumMod val="75000"/>
+              </a:schemeClr>
+            </a:solidFill>
+            <a:tailEnd type="triangle"/>
+          </a:ln>
+        </p:spPr>
+        <p:style>
+          <a:lnRef idx="1">
+            <a:schemeClr val="accent1"/>
+          </a:lnRef>
+          <a:fillRef idx="0">
+            <a:schemeClr val="accent1"/>
+          </a:fillRef>
+          <a:effectRef idx="0">
+            <a:schemeClr val="accent1"/>
+          </a:effectRef>
+          <a:fontRef idx="minor">
+            <a:schemeClr val="tx1"/>
+          </a:fontRef>
+        </p:style>
+      </p:cxnSp>
+      <p:cxnSp>
+        <p:nvCxnSpPr>
+          <p:cNvPr id="24" name="직선 화살표 연결선 23">
+            <a:extLst>
+              <a:ext uri="{FF2B5EF4-FFF2-40B4-BE49-F238E27FC236}">
+                <a16:creationId xmlns:a16="http://schemas.microsoft.com/office/drawing/2014/main" id="{C410B8FF-9387-4D87-B429-579B50C3C46B}"/>
+              </a:ext>
+            </a:extLst>
+          </p:cNvPr>
+          <p:cNvCxnSpPr>
+            <a:cxnSpLocks/>
+            <a:stCxn id="16" idx="3"/>
+          </p:cNvCxnSpPr>
+          <p:nvPr/>
+        </p:nvCxnSpPr>
+        <p:spPr>
+          <a:xfrm>
+            <a:off x="5318785" y="3627909"/>
+            <a:ext cx="1163177" cy="1197290"/>
+          </a:xfrm>
+          <a:prstGeom prst="straightConnector1">
+            <a:avLst/>
+          </a:prstGeom>
+          <a:ln w="25400">
+            <a:solidFill>
+              <a:srgbClr val="C00000"/>
+            </a:solidFill>
+            <a:tailEnd type="triangle"/>
+          </a:ln>
+        </p:spPr>
+        <p:style>
+          <a:lnRef idx="1">
+            <a:schemeClr val="accent1"/>
+          </a:lnRef>
+          <a:fillRef idx="0">
+            <a:schemeClr val="accent1"/>
+          </a:fillRef>
+          <a:effectRef idx="0">
+            <a:schemeClr val="accent1"/>
+          </a:effectRef>
+          <a:fontRef idx="minor">
+            <a:schemeClr val="tx1"/>
+          </a:fontRef>
+        </p:style>
+      </p:cxnSp>
+      <p:sp>
+        <p:nvSpPr>
+          <p:cNvPr id="38" name="사각형: 둥근 모서리 37">
+            <a:extLst>
+              <a:ext uri="{FF2B5EF4-FFF2-40B4-BE49-F238E27FC236}">
+                <a16:creationId xmlns:a16="http://schemas.microsoft.com/office/drawing/2014/main" id="{81EBA88B-B30D-4BEC-A5F6-8B6E21802F2B}"/>
+              </a:ext>
+            </a:extLst>
+          </p:cNvPr>
+          <p:cNvSpPr/>
+          <p:nvPr/>
+        </p:nvSpPr>
+        <p:spPr>
+          <a:xfrm>
+            <a:off x="6648455" y="1138335"/>
+            <a:ext cx="1782031" cy="2290665"/>
+          </a:xfrm>
+          <a:prstGeom prst="roundRect">
+            <a:avLst/>
+          </a:prstGeom>
+          <a:ln w="31750">
+            <a:solidFill>
+              <a:schemeClr val="accent1">
+                <a:shade val="50000"/>
+              </a:schemeClr>
+            </a:solidFill>
+          </a:ln>
+        </p:spPr>
+        <p:style>
+          <a:lnRef idx="2">
+            <a:schemeClr val="accent1">
+              <a:shade val="50000"/>
+            </a:schemeClr>
+          </a:lnRef>
+          <a:fillRef idx="1">
+            <a:schemeClr val="accent1"/>
+          </a:fillRef>
+          <a:effectRef idx="0">
+            <a:schemeClr val="accent1"/>
+          </a:effectRef>
+          <a:fontRef idx="minor">
+            <a:schemeClr val="lt1"/>
+          </a:fontRef>
+        </p:style>
+        <p:txBody>
+          <a:bodyPr rtlCol="0" anchor="ctr"/>
+          <a:lstStyle/>
+          <a:p>
+            <a:pPr algn="ctr"/>
+            <a:endParaRPr lang="ko-KR" altLang="en-US"/>
+          </a:p>
+        </p:txBody>
+      </p:sp>
+      <p:sp>
+        <p:nvSpPr>
+          <p:cNvPr id="39" name="사각형: 둥근 모서리 38">
+            <a:extLst>
+              <a:ext uri="{FF2B5EF4-FFF2-40B4-BE49-F238E27FC236}">
+                <a16:creationId xmlns:a16="http://schemas.microsoft.com/office/drawing/2014/main" id="{6BE4DF57-36A1-486C-A058-986CD8116851}"/>
+              </a:ext>
+            </a:extLst>
+          </p:cNvPr>
+          <p:cNvSpPr/>
+          <p:nvPr/>
+        </p:nvSpPr>
+        <p:spPr>
+          <a:xfrm>
+            <a:off x="6662056" y="4092879"/>
+            <a:ext cx="1782031" cy="2290665"/>
+          </a:xfrm>
+          <a:prstGeom prst="roundRect">
+            <a:avLst/>
+          </a:prstGeom>
+        </p:spPr>
+        <p:style>
+          <a:lnRef idx="2">
+            <a:schemeClr val="accent1">
+              <a:shade val="50000"/>
+            </a:schemeClr>
+          </a:lnRef>
+          <a:fillRef idx="1">
+            <a:schemeClr val="accent1"/>
+          </a:fillRef>
+          <a:effectRef idx="0">
+            <a:schemeClr val="accent1"/>
+          </a:effectRef>
+          <a:fontRef idx="minor">
+            <a:schemeClr val="lt1"/>
+          </a:fontRef>
+        </p:style>
+        <p:txBody>
+          <a:bodyPr rtlCol="0" anchor="ctr"/>
+          <a:lstStyle/>
+          <a:p>
+            <a:pPr algn="ctr"/>
+            <a:endParaRPr lang="ko-KR" altLang="en-US"/>
+          </a:p>
+        </p:txBody>
+      </p:sp>
+      <p:sp>
+        <p:nvSpPr>
+          <p:cNvPr id="43" name="사각형: 둥근 모서리 42">
+            <a:extLst>
+              <a:ext uri="{FF2B5EF4-FFF2-40B4-BE49-F238E27FC236}">
+                <a16:creationId xmlns:a16="http://schemas.microsoft.com/office/drawing/2014/main" id="{BA84A743-9D8F-4BC0-AE25-D4F01FC26B7D}"/>
+              </a:ext>
+            </a:extLst>
+          </p:cNvPr>
+          <p:cNvSpPr/>
+          <p:nvPr/>
+        </p:nvSpPr>
+        <p:spPr>
+          <a:xfrm>
+            <a:off x="7112926" y="939652"/>
+            <a:ext cx="880287" cy="461665"/>
+          </a:xfrm>
+          <a:prstGeom prst="roundRect">
+            <a:avLst/>
+          </a:prstGeom>
+          <a:ln w="31750">
+            <a:solidFill>
+              <a:schemeClr val="accent1">
+                <a:shade val="50000"/>
+              </a:schemeClr>
+            </a:solidFill>
+          </a:ln>
+        </p:spPr>
+        <p:style>
+          <a:lnRef idx="2">
+            <a:schemeClr val="accent1">
+              <a:shade val="50000"/>
+            </a:schemeClr>
+          </a:lnRef>
+          <a:fillRef idx="1">
+            <a:schemeClr val="accent1"/>
+          </a:fillRef>
+          <a:effectRef idx="0">
+            <a:schemeClr val="accent1"/>
+          </a:effectRef>
+          <a:fontRef idx="minor">
+            <a:schemeClr val="lt1"/>
+          </a:fontRef>
+        </p:style>
+        <p:txBody>
+          <a:bodyPr rtlCol="0" anchor="ctr"/>
+          <a:lstStyle/>
+          <a:p>
+            <a:pPr algn="ctr"/>
+            <a:endParaRPr lang="ko-KR" altLang="en-US"/>
+          </a:p>
+        </p:txBody>
+      </p:sp>
+      <p:sp>
+        <p:nvSpPr>
+          <p:cNvPr id="44" name="TextBox 43">
+            <a:extLst>
+              <a:ext uri="{FF2B5EF4-FFF2-40B4-BE49-F238E27FC236}">
+                <a16:creationId xmlns:a16="http://schemas.microsoft.com/office/drawing/2014/main" id="{207F6AEE-D3BF-4E94-B2DE-1BA54AD3E225}"/>
+              </a:ext>
+            </a:extLst>
+          </p:cNvPr>
+          <p:cNvSpPr txBox="1"/>
+          <p:nvPr/>
+        </p:nvSpPr>
+        <p:spPr>
+          <a:xfrm>
+            <a:off x="7112925" y="939651"/>
+            <a:ext cx="899605" cy="461665"/>
+          </a:xfrm>
+          <a:prstGeom prst="rect">
+            <a:avLst/>
+          </a:prstGeom>
+          <a:noFill/>
+          <a:ln>
+            <a:noFill/>
+          </a:ln>
+        </p:spPr>
+        <p:txBody>
+          <a:bodyPr wrap="none" rtlCol="0">
+            <a:spAutoFit/>
+          </a:bodyPr>
+          <a:lstStyle/>
+          <a:p>
+            <a:r>
+              <a:rPr lang="ko-KR" altLang="en-US" sz="2400" b="1" dirty="0">
+                <a:ln w="12700">
+                  <a:solidFill>
+                    <a:schemeClr val="accent1">
+                      <a:lumMod val="20000"/>
+                      <a:lumOff val="80000"/>
+                    </a:schemeClr>
+                  </a:solidFill>
+                </a:ln>
+                <a:solidFill>
+                  <a:schemeClr val="accent1">
+                    <a:lumMod val="50000"/>
+                  </a:schemeClr>
+                </a:solidFill>
+              </a:rPr>
+              <a:t>성공</a:t>
+            </a:r>
+            <a:r>
+              <a:rPr lang="en-US" altLang="ko-KR" sz="2400" b="1" dirty="0">
+                <a:ln w="12700">
+                  <a:solidFill>
+                    <a:schemeClr val="accent1">
+                      <a:lumMod val="20000"/>
+                      <a:lumOff val="80000"/>
+                    </a:schemeClr>
+                  </a:solidFill>
+                </a:ln>
+                <a:solidFill>
+                  <a:schemeClr val="accent1">
+                    <a:lumMod val="50000"/>
+                  </a:schemeClr>
+                </a:solidFill>
+              </a:rPr>
+              <a:t>!</a:t>
+            </a:r>
+            <a:endParaRPr lang="ko-KR" altLang="en-US" sz="2400" b="1" dirty="0">
+              <a:ln w="12700">
+                <a:solidFill>
+                  <a:schemeClr val="accent1">
+                    <a:lumMod val="20000"/>
+                    <a:lumOff val="80000"/>
+                  </a:schemeClr>
+                </a:solidFill>
+              </a:ln>
+              <a:solidFill>
+                <a:schemeClr val="accent1">
+                  <a:lumMod val="50000"/>
+                </a:schemeClr>
+              </a:solidFill>
+            </a:endParaRPr>
+          </a:p>
+        </p:txBody>
+      </p:sp>
+      <p:sp>
+        <p:nvSpPr>
+          <p:cNvPr id="45" name="사각형: 둥근 모서리 44">
+            <a:extLst>
+              <a:ext uri="{FF2B5EF4-FFF2-40B4-BE49-F238E27FC236}">
+                <a16:creationId xmlns:a16="http://schemas.microsoft.com/office/drawing/2014/main" id="{7DE34A1A-5FFD-4D68-AD61-631173DA5A67}"/>
+              </a:ext>
+            </a:extLst>
+          </p:cNvPr>
+          <p:cNvSpPr/>
+          <p:nvPr/>
+        </p:nvSpPr>
+        <p:spPr>
+          <a:xfrm>
+            <a:off x="7122583" y="2989239"/>
+            <a:ext cx="880287" cy="339261"/>
+          </a:xfrm>
+          <a:prstGeom prst="roundRect">
+            <a:avLst/>
+          </a:prstGeom>
+          <a:ln w="44450">
+            <a:solidFill>
+              <a:schemeClr val="accent1">
+                <a:lumMod val="20000"/>
+                <a:lumOff val="80000"/>
+              </a:schemeClr>
+            </a:solidFill>
+          </a:ln>
+        </p:spPr>
+        <p:style>
+          <a:lnRef idx="2">
+            <a:schemeClr val="accent1">
+              <a:shade val="50000"/>
+            </a:schemeClr>
+          </a:lnRef>
+          <a:fillRef idx="1">
+            <a:schemeClr val="accent1"/>
+          </a:fillRef>
+          <a:effectRef idx="0">
+            <a:schemeClr val="accent1"/>
+          </a:effectRef>
+          <a:fontRef idx="minor">
+            <a:schemeClr val="lt1"/>
+          </a:fontRef>
+        </p:style>
+        <p:txBody>
+          <a:bodyPr rtlCol="0" anchor="ctr"/>
+          <a:lstStyle/>
+          <a:p>
+            <a:pPr algn="ctr"/>
+            <a:r>
+              <a:rPr lang="ko-KR" altLang="en-US" sz="1100" dirty="0">
+                <a:ln w="12700">
+                  <a:solidFill>
+                    <a:schemeClr val="accent1">
+                      <a:lumMod val="20000"/>
+                      <a:lumOff val="80000"/>
+                    </a:schemeClr>
+                  </a:solidFill>
+                </a:ln>
+              </a:rPr>
+              <a:t>확인</a:t>
+            </a:r>
+          </a:p>
+        </p:txBody>
+      </p:sp>
+      <p:sp>
+        <p:nvSpPr>
+          <p:cNvPr id="46" name="TextBox 45">
+            <a:extLst>
+              <a:ext uri="{FF2B5EF4-FFF2-40B4-BE49-F238E27FC236}">
+                <a16:creationId xmlns:a16="http://schemas.microsoft.com/office/drawing/2014/main" id="{E47047A6-7538-4F71-9E27-AD79AEEBFCE1}"/>
+              </a:ext>
+            </a:extLst>
+          </p:cNvPr>
+          <p:cNvSpPr txBox="1"/>
+          <p:nvPr/>
+        </p:nvSpPr>
+        <p:spPr>
+          <a:xfrm>
+            <a:off x="6977559" y="1994201"/>
+            <a:ext cx="1170513" cy="253916"/>
+          </a:xfrm>
+          <a:prstGeom prst="rect">
+            <a:avLst/>
+          </a:prstGeom>
+          <a:noFill/>
+        </p:spPr>
+        <p:txBody>
+          <a:bodyPr wrap="none" rtlCol="0">
+            <a:spAutoFit/>
+          </a:bodyPr>
+          <a:lstStyle/>
+          <a:p>
+            <a:r>
+              <a:rPr lang="ko-KR" altLang="en-US" sz="1050" b="1" dirty="0">
+                <a:ln w="3175">
+                  <a:noFill/>
+                </a:ln>
+              </a:rPr>
+              <a:t>성공하였습니다</a:t>
+            </a:r>
+            <a:r>
+              <a:rPr lang="en-US" altLang="ko-KR" sz="1050" b="1" dirty="0">
+                <a:ln w="3175">
+                  <a:noFill/>
+                </a:ln>
+              </a:rPr>
+              <a:t>!</a:t>
+            </a:r>
+            <a:endParaRPr lang="ko-KR" altLang="en-US" sz="1050" b="1" dirty="0">
+              <a:ln w="3175">
+                <a:noFill/>
+              </a:ln>
+            </a:endParaRPr>
+          </a:p>
+        </p:txBody>
+      </p:sp>
+      <p:sp>
+        <p:nvSpPr>
+          <p:cNvPr id="47" name="TextBox 46">
+            <a:extLst>
+              <a:ext uri="{FF2B5EF4-FFF2-40B4-BE49-F238E27FC236}">
+                <a16:creationId xmlns:a16="http://schemas.microsoft.com/office/drawing/2014/main" id="{0558AFF9-7D51-43D6-B540-18F52533DB8E}"/>
+              </a:ext>
+            </a:extLst>
+          </p:cNvPr>
+          <p:cNvSpPr txBox="1"/>
+          <p:nvPr/>
+        </p:nvSpPr>
+        <p:spPr>
+          <a:xfrm>
+            <a:off x="7253256" y="2446800"/>
+            <a:ext cx="739957" cy="369332"/>
+          </a:xfrm>
+          <a:prstGeom prst="rect">
+            <a:avLst/>
+          </a:prstGeom>
+          <a:noFill/>
+        </p:spPr>
+        <p:txBody>
+          <a:bodyPr wrap="square" rtlCol="0">
+            <a:spAutoFit/>
+          </a:bodyPr>
+          <a:lstStyle/>
+          <a:p>
+            <a:r>
+              <a:rPr lang="ko-KR" altLang="en-US" sz="900" b="1" dirty="0"/>
+              <a:t>무력 </a:t>
+            </a:r>
+            <a:r>
+              <a:rPr lang="en-US" altLang="ko-KR" sz="900" b="1" dirty="0">
+                <a:solidFill>
+                  <a:srgbClr val="FFC000"/>
+                </a:solidFill>
+              </a:rPr>
+              <a:t>+ 5</a:t>
+            </a:r>
+          </a:p>
+          <a:p>
+            <a:r>
+              <a:rPr lang="ko-KR" altLang="en-US" sz="900" b="1" dirty="0"/>
+              <a:t>돈 </a:t>
+            </a:r>
+            <a:r>
+              <a:rPr lang="en-US" altLang="ko-KR" sz="900" b="1" dirty="0">
+                <a:solidFill>
+                  <a:srgbClr val="FFC000"/>
+                </a:solidFill>
+              </a:rPr>
+              <a:t>+ 50</a:t>
+            </a:r>
+            <a:endParaRPr lang="ko-KR" altLang="en-US" sz="900" b="1" dirty="0">
+              <a:solidFill>
+                <a:srgbClr val="FFC000"/>
+              </a:solidFill>
+            </a:endParaRPr>
+          </a:p>
+        </p:txBody>
+      </p:sp>
+      <p:sp>
+        <p:nvSpPr>
+          <p:cNvPr id="49" name="사각형: 둥근 모서리 48">
+            <a:extLst>
+              <a:ext uri="{FF2B5EF4-FFF2-40B4-BE49-F238E27FC236}">
+                <a16:creationId xmlns:a16="http://schemas.microsoft.com/office/drawing/2014/main" id="{521336B7-962C-4AEC-A64F-5CCEA729B750}"/>
+              </a:ext>
+            </a:extLst>
+          </p:cNvPr>
+          <p:cNvSpPr/>
+          <p:nvPr/>
+        </p:nvSpPr>
+        <p:spPr>
+          <a:xfrm>
+            <a:off x="7109009" y="3847237"/>
+            <a:ext cx="880287" cy="461665"/>
+          </a:xfrm>
+          <a:prstGeom prst="roundRect">
+            <a:avLst/>
+          </a:prstGeom>
+          <a:ln w="31750">
+            <a:solidFill>
+              <a:schemeClr val="accent1">
+                <a:shade val="50000"/>
+              </a:schemeClr>
+            </a:solidFill>
+          </a:ln>
+        </p:spPr>
+        <p:style>
+          <a:lnRef idx="2">
+            <a:schemeClr val="accent1">
+              <a:shade val="50000"/>
+            </a:schemeClr>
+          </a:lnRef>
+          <a:fillRef idx="1">
+            <a:schemeClr val="accent1"/>
+          </a:fillRef>
+          <a:effectRef idx="0">
+            <a:schemeClr val="accent1"/>
+          </a:effectRef>
+          <a:fontRef idx="minor">
+            <a:schemeClr val="lt1"/>
+          </a:fontRef>
+        </p:style>
+        <p:txBody>
+          <a:bodyPr rtlCol="0" anchor="ctr"/>
+          <a:lstStyle/>
+          <a:p>
+            <a:pPr algn="ctr"/>
+            <a:endParaRPr lang="ko-KR" altLang="en-US"/>
+          </a:p>
+        </p:txBody>
+      </p:sp>
+      <p:sp>
+        <p:nvSpPr>
+          <p:cNvPr id="48" name="TextBox 47">
+            <a:extLst>
+              <a:ext uri="{FF2B5EF4-FFF2-40B4-BE49-F238E27FC236}">
+                <a16:creationId xmlns:a16="http://schemas.microsoft.com/office/drawing/2014/main" id="{6E6A88E2-0B5F-4A0C-9A1C-D4C7FE3B12B8}"/>
+              </a:ext>
+            </a:extLst>
+          </p:cNvPr>
+          <p:cNvSpPr txBox="1"/>
+          <p:nvPr/>
+        </p:nvSpPr>
+        <p:spPr>
+          <a:xfrm>
+            <a:off x="7146985" y="3862046"/>
+            <a:ext cx="800219" cy="461665"/>
+          </a:xfrm>
+          <a:prstGeom prst="rect">
+            <a:avLst/>
+          </a:prstGeom>
+          <a:noFill/>
+          <a:ln>
+            <a:noFill/>
+          </a:ln>
+        </p:spPr>
+        <p:txBody>
+          <a:bodyPr wrap="none" rtlCol="0">
+            <a:spAutoFit/>
+          </a:bodyPr>
+          <a:lstStyle/>
+          <a:p>
+            <a:r>
+              <a:rPr lang="ko-KR" altLang="en-US" sz="2400" b="1" dirty="0">
+                <a:ln w="12700">
+                  <a:solidFill>
+                    <a:schemeClr val="accent1">
+                      <a:lumMod val="20000"/>
+                      <a:lumOff val="80000"/>
+                    </a:schemeClr>
+                  </a:solidFill>
+                </a:ln>
+                <a:solidFill>
+                  <a:schemeClr val="accent1">
+                    <a:lumMod val="50000"/>
+                  </a:schemeClr>
+                </a:solidFill>
+              </a:rPr>
+              <a:t>실패</a:t>
+            </a:r>
+          </a:p>
+        </p:txBody>
+      </p:sp>
+      <p:sp>
+        <p:nvSpPr>
+          <p:cNvPr id="50" name="TextBox 49">
+            <a:extLst>
+              <a:ext uri="{FF2B5EF4-FFF2-40B4-BE49-F238E27FC236}">
+                <a16:creationId xmlns:a16="http://schemas.microsoft.com/office/drawing/2014/main" id="{9A587345-CCDD-4053-A8C6-1588B66B6491}"/>
+              </a:ext>
+            </a:extLst>
+          </p:cNvPr>
+          <p:cNvSpPr txBox="1"/>
+          <p:nvPr/>
+        </p:nvSpPr>
+        <p:spPr>
+          <a:xfrm>
+            <a:off x="7038998" y="5423081"/>
+            <a:ext cx="1047634" cy="369332"/>
+          </a:xfrm>
+          <a:prstGeom prst="rect">
+            <a:avLst/>
+          </a:prstGeom>
+          <a:noFill/>
+        </p:spPr>
+        <p:txBody>
+          <a:bodyPr wrap="square" rtlCol="0">
+            <a:spAutoFit/>
+          </a:bodyPr>
+          <a:lstStyle/>
+          <a:p>
+            <a:r>
+              <a:rPr lang="ko-KR" altLang="en-US" sz="900" b="1" dirty="0"/>
+              <a:t>최종 직급 </a:t>
+            </a:r>
+            <a:r>
+              <a:rPr lang="en-US" altLang="ko-KR" sz="900" b="1" dirty="0"/>
+              <a:t>: </a:t>
+            </a:r>
+            <a:r>
+              <a:rPr lang="ko-KR" altLang="en-US" sz="900" b="1" dirty="0">
+                <a:solidFill>
+                  <a:srgbClr val="FFC000"/>
+                </a:solidFill>
+              </a:rPr>
+              <a:t>평민</a:t>
+            </a:r>
+            <a:endParaRPr lang="en-US" altLang="ko-KR" sz="900" b="1" dirty="0">
+              <a:solidFill>
+                <a:srgbClr val="FFC000"/>
+              </a:solidFill>
+            </a:endParaRPr>
+          </a:p>
+          <a:p>
+            <a:r>
+              <a:rPr lang="ko-KR" altLang="en-US" sz="900" b="1" dirty="0"/>
+              <a:t>생존 확률 </a:t>
+            </a:r>
+            <a:r>
+              <a:rPr lang="en-US" altLang="ko-KR" sz="900" b="1" dirty="0"/>
+              <a:t>: </a:t>
+            </a:r>
+            <a:r>
+              <a:rPr lang="en-US" altLang="ko-KR" sz="900" b="1" dirty="0">
+                <a:solidFill>
+                  <a:srgbClr val="FFC000"/>
+                </a:solidFill>
+              </a:rPr>
+              <a:t>30%</a:t>
+            </a:r>
+            <a:endParaRPr lang="ko-KR" altLang="en-US" sz="900" b="1" dirty="0">
+              <a:solidFill>
+                <a:srgbClr val="FFC000"/>
+              </a:solidFill>
+            </a:endParaRPr>
+          </a:p>
+        </p:txBody>
+      </p:sp>
+      <p:sp>
+        <p:nvSpPr>
+          <p:cNvPr id="52" name="사각형: 둥근 모서리 51">
+            <a:extLst>
+              <a:ext uri="{FF2B5EF4-FFF2-40B4-BE49-F238E27FC236}">
+                <a16:creationId xmlns:a16="http://schemas.microsoft.com/office/drawing/2014/main" id="{D9B389A3-5F20-4C5B-AA1B-3C9458E5A56F}"/>
+              </a:ext>
+            </a:extLst>
+          </p:cNvPr>
+          <p:cNvSpPr/>
+          <p:nvPr/>
+        </p:nvSpPr>
+        <p:spPr>
+          <a:xfrm>
+            <a:off x="7106950" y="5918348"/>
+            <a:ext cx="880287" cy="339261"/>
+          </a:xfrm>
+          <a:prstGeom prst="roundRect">
+            <a:avLst/>
+          </a:prstGeom>
+          <a:ln w="44450">
+            <a:solidFill>
+              <a:schemeClr val="accent1">
+                <a:lumMod val="20000"/>
+                <a:lumOff val="80000"/>
+              </a:schemeClr>
+            </a:solidFill>
+          </a:ln>
+        </p:spPr>
+        <p:style>
+          <a:lnRef idx="2">
+            <a:schemeClr val="accent1">
+              <a:shade val="50000"/>
+            </a:schemeClr>
+          </a:lnRef>
+          <a:fillRef idx="1">
+            <a:schemeClr val="accent1"/>
+          </a:fillRef>
+          <a:effectRef idx="0">
+            <a:schemeClr val="accent1"/>
+          </a:effectRef>
+          <a:fontRef idx="minor">
+            <a:schemeClr val="lt1"/>
+          </a:fontRef>
+        </p:style>
+        <p:txBody>
+          <a:bodyPr rtlCol="0" anchor="ctr"/>
+          <a:lstStyle/>
+          <a:p>
+            <a:pPr algn="ctr"/>
+            <a:r>
+              <a:rPr lang="ko-KR" altLang="en-US" sz="1100" dirty="0">
+                <a:ln w="12700">
+                  <a:solidFill>
+                    <a:schemeClr val="accent1">
+                      <a:lumMod val="20000"/>
+                      <a:lumOff val="80000"/>
+                    </a:schemeClr>
+                  </a:solidFill>
+                </a:ln>
+              </a:rPr>
+              <a:t>확인</a:t>
+            </a:r>
+          </a:p>
+        </p:txBody>
+      </p:sp>
+      <p:sp>
+        <p:nvSpPr>
+          <p:cNvPr id="53" name="사각형: 둥근 모서리 52">
+            <a:extLst>
+              <a:ext uri="{FF2B5EF4-FFF2-40B4-BE49-F238E27FC236}">
+                <a16:creationId xmlns:a16="http://schemas.microsoft.com/office/drawing/2014/main" id="{FF117ABF-71E4-42FD-9DD0-8606BEFA376F}"/>
+              </a:ext>
+            </a:extLst>
+          </p:cNvPr>
+          <p:cNvSpPr/>
+          <p:nvPr/>
+        </p:nvSpPr>
+        <p:spPr>
+          <a:xfrm>
+            <a:off x="6848669" y="4413380"/>
+            <a:ext cx="1418253" cy="809910"/>
+          </a:xfrm>
+          <a:prstGeom prst="roundRect">
+            <a:avLst/>
+          </a:prstGeom>
+          <a:solidFill>
+            <a:schemeClr val="bg2"/>
+          </a:solidFill>
+          <a:ln>
+            <a:noFill/>
+          </a:ln>
+        </p:spPr>
+        <p:style>
+          <a:lnRef idx="2">
+            <a:schemeClr val="accent1">
+              <a:shade val="50000"/>
+            </a:schemeClr>
+          </a:lnRef>
+          <a:fillRef idx="1">
+            <a:schemeClr val="accent1"/>
+          </a:fillRef>
+          <a:effectRef idx="0">
+            <a:schemeClr val="accent1"/>
+          </a:effectRef>
+          <a:fontRef idx="minor">
+            <a:schemeClr val="lt1"/>
+          </a:fontRef>
+        </p:style>
+        <p:txBody>
+          <a:bodyPr rtlCol="0" anchor="ctr"/>
+          <a:lstStyle/>
+          <a:p>
+            <a:pPr algn="ctr"/>
+            <a:endParaRPr lang="ko-KR" altLang="en-US"/>
+          </a:p>
+        </p:txBody>
+      </p:sp>
+      <p:graphicFrame>
+        <p:nvGraphicFramePr>
+          <p:cNvPr id="57" name="개체 56">
+            <a:extLst>
+              <a:ext uri="{FF2B5EF4-FFF2-40B4-BE49-F238E27FC236}">
+                <a16:creationId xmlns:a16="http://schemas.microsoft.com/office/drawing/2014/main" id="{02905CA7-A69F-474A-8C7A-C59807195C24}"/>
+              </a:ext>
+            </a:extLst>
+          </p:cNvPr>
+          <p:cNvGraphicFramePr>
+            <a:graphicFrameLocks noChangeAspect="1"/>
+          </p:cNvGraphicFramePr>
+          <p:nvPr>
+            <p:extLst>
+              <p:ext uri="{D42A27DB-BD31-4B8C-83A1-F6EECF244321}">
+                <p14:modId xmlns:p14="http://schemas.microsoft.com/office/powerpoint/2010/main" val="603734439"/>
+              </p:ext>
+            </p:extLst>
+          </p:nvPr>
+        </p:nvGraphicFramePr>
+        <p:xfrm>
+          <a:off x="7233284" y="4421897"/>
+          <a:ext cx="659061" cy="801393"/>
+        </p:xfrm>
+        <a:graphic>
+          <a:graphicData uri="http://schemas.openxmlformats.org/presentationml/2006/ole">
+            <mc:AlternateContent xmlns:mc="http://schemas.openxmlformats.org/markup-compatibility/2006">
+              <mc:Choice xmlns:v="urn:schemas-microsoft-com:vml" Requires="v">
+                <p:oleObj spid="_x0000_s1027" r:id="rId4" imgW="2704680" imgH="3288600" progId="">
+                  <p:embed/>
+                </p:oleObj>
+              </mc:Choice>
+              <mc:Fallback>
+                <p:oleObj r:id="rId4" imgW="2704680" imgH="3288600" progId="">
+                  <p:embed/>
+                  <p:pic>
+                    <p:nvPicPr>
+                      <p:cNvPr id="0" name=""/>
+                      <p:cNvPicPr/>
+                      <p:nvPr/>
+                    </p:nvPicPr>
+                    <p:blipFill>
+                      <a:blip r:embed="rId5"/>
+                      <a:stretch>
+                        <a:fillRect/>
+                      </a:stretch>
+                    </p:blipFill>
+                    <p:spPr>
+                      <a:xfrm>
+                        <a:off x="7233284" y="4421897"/>
+                        <a:ext cx="659061" cy="801393"/>
+                      </a:xfrm>
+                      <a:prstGeom prst="rect">
+                        <a:avLst/>
+                      </a:prstGeom>
+                    </p:spPr>
+                  </p:pic>
+                </p:oleObj>
+              </mc:Fallback>
+            </mc:AlternateContent>
+          </a:graphicData>
+        </a:graphic>
+      </p:graphicFrame>
+      <p:sp>
+        <p:nvSpPr>
+          <p:cNvPr id="58" name="타원 57">
+            <a:extLst>
+              <a:ext uri="{FF2B5EF4-FFF2-40B4-BE49-F238E27FC236}">
+                <a16:creationId xmlns:a16="http://schemas.microsoft.com/office/drawing/2014/main" id="{BD187513-5F00-46DC-86B2-BB755EE8E917}"/>
+              </a:ext>
+            </a:extLst>
+          </p:cNvPr>
+          <p:cNvSpPr/>
+          <p:nvPr/>
+        </p:nvSpPr>
+        <p:spPr>
+          <a:xfrm>
+            <a:off x="2609349" y="1170483"/>
+            <a:ext cx="299301" cy="299301"/>
+          </a:xfrm>
+          <a:prstGeom prst="ellipse">
+            <a:avLst/>
+          </a:prstGeom>
+          <a:solidFill>
+            <a:schemeClr val="accent2">
+              <a:lumMod val="60000"/>
+              <a:lumOff val="40000"/>
+            </a:schemeClr>
+          </a:solidFill>
+          <a:ln>
+            <a:noFill/>
+          </a:ln>
+        </p:spPr>
+        <p:style>
+          <a:lnRef idx="2">
+            <a:schemeClr val="accent1">
+              <a:shade val="50000"/>
+            </a:schemeClr>
+          </a:lnRef>
+          <a:fillRef idx="1">
+            <a:schemeClr val="accent1"/>
+          </a:fillRef>
+          <a:effectRef idx="0">
+            <a:schemeClr val="accent1"/>
+          </a:effectRef>
+          <a:fontRef idx="minor">
+            <a:schemeClr val="lt1"/>
+          </a:fontRef>
+        </p:style>
+        <p:txBody>
+          <a:bodyPr rtlCol="0" anchor="ctr"/>
+          <a:lstStyle/>
+          <a:p>
+            <a:pPr algn="ctr"/>
+            <a:r>
+              <a:rPr lang="en-US" altLang="ko-KR" dirty="0"/>
+              <a:t>1</a:t>
+            </a:r>
+            <a:endParaRPr lang="ko-KR" altLang="en-US" dirty="0"/>
+          </a:p>
+        </p:txBody>
+      </p:sp>
+      <p:sp>
+        <p:nvSpPr>
+          <p:cNvPr id="64" name="타원 63">
+            <a:extLst>
+              <a:ext uri="{FF2B5EF4-FFF2-40B4-BE49-F238E27FC236}">
+                <a16:creationId xmlns:a16="http://schemas.microsoft.com/office/drawing/2014/main" id="{203ECD11-9A05-4CF3-ADD7-3B726EDC20D1}"/>
+              </a:ext>
+            </a:extLst>
+          </p:cNvPr>
+          <p:cNvSpPr/>
+          <p:nvPr/>
+        </p:nvSpPr>
+        <p:spPr>
+          <a:xfrm>
+            <a:off x="6662056" y="663007"/>
+            <a:ext cx="299301" cy="299301"/>
+          </a:xfrm>
+          <a:prstGeom prst="ellipse">
+            <a:avLst/>
+          </a:prstGeom>
+          <a:solidFill>
+            <a:schemeClr val="accent2">
+              <a:lumMod val="60000"/>
+              <a:lumOff val="40000"/>
+            </a:schemeClr>
+          </a:solidFill>
+          <a:ln>
+            <a:noFill/>
+          </a:ln>
+        </p:spPr>
+        <p:style>
+          <a:lnRef idx="2">
+            <a:schemeClr val="accent1">
+              <a:shade val="50000"/>
+            </a:schemeClr>
+          </a:lnRef>
+          <a:fillRef idx="1">
+            <a:schemeClr val="accent1"/>
+          </a:fillRef>
+          <a:effectRef idx="0">
+            <a:schemeClr val="accent1"/>
+          </a:effectRef>
+          <a:fontRef idx="minor">
+            <a:schemeClr val="lt1"/>
+          </a:fontRef>
+        </p:style>
+        <p:txBody>
+          <a:bodyPr rtlCol="0" anchor="ctr"/>
+          <a:lstStyle/>
+          <a:p>
+            <a:pPr algn="ctr"/>
+            <a:r>
+              <a:rPr lang="en-US" altLang="ko-KR" dirty="0"/>
+              <a:t>2</a:t>
+            </a:r>
+            <a:endParaRPr lang="ko-KR" altLang="en-US" dirty="0"/>
+          </a:p>
+        </p:txBody>
+      </p:sp>
+      <p:sp>
+        <p:nvSpPr>
+          <p:cNvPr id="65" name="타원 64">
+            <a:extLst>
+              <a:ext uri="{FF2B5EF4-FFF2-40B4-BE49-F238E27FC236}">
+                <a16:creationId xmlns:a16="http://schemas.microsoft.com/office/drawing/2014/main" id="{55173374-854C-46C4-ACA8-1EDF30C868AF}"/>
+              </a:ext>
+            </a:extLst>
+          </p:cNvPr>
+          <p:cNvSpPr/>
+          <p:nvPr/>
+        </p:nvSpPr>
+        <p:spPr>
+          <a:xfrm>
+            <a:off x="6666119" y="3605027"/>
+            <a:ext cx="299301" cy="299301"/>
+          </a:xfrm>
+          <a:prstGeom prst="ellipse">
+            <a:avLst/>
+          </a:prstGeom>
+          <a:solidFill>
+            <a:schemeClr val="accent2">
+              <a:lumMod val="60000"/>
+              <a:lumOff val="40000"/>
+            </a:schemeClr>
+          </a:solidFill>
+          <a:ln>
+            <a:noFill/>
+          </a:ln>
+        </p:spPr>
+        <p:style>
+          <a:lnRef idx="2">
+            <a:schemeClr val="accent1">
+              <a:shade val="50000"/>
+            </a:schemeClr>
+          </a:lnRef>
+          <a:fillRef idx="1">
+            <a:schemeClr val="accent1"/>
+          </a:fillRef>
+          <a:effectRef idx="0">
+            <a:schemeClr val="accent1"/>
+          </a:effectRef>
+          <a:fontRef idx="minor">
+            <a:schemeClr val="lt1"/>
+          </a:fontRef>
+        </p:style>
+        <p:txBody>
+          <a:bodyPr rtlCol="0" anchor="ctr"/>
+          <a:lstStyle/>
+          <a:p>
+            <a:pPr algn="ctr"/>
+            <a:r>
+              <a:rPr lang="en-US" altLang="ko-KR" dirty="0"/>
+              <a:t>3</a:t>
+            </a:r>
+            <a:endParaRPr lang="ko-KR" altLang="en-US" dirty="0"/>
           </a:p>
         </p:txBody>
       </p:sp>
@@ -6088,6 +7913,756 @@
 </file>
 
 <file path=ppt/slides/slide5.xml><?xml version="1.0" encoding="utf-8"?>
+<p:sld xmlns:a="http://schemas.openxmlformats.org/drawingml/2006/main" xmlns:r="http://schemas.openxmlformats.org/officeDocument/2006/relationships" xmlns:p="http://schemas.openxmlformats.org/presentationml/2006/main">
+  <p:cSld>
+    <p:spTree>
+      <p:nvGrpSpPr>
+        <p:cNvPr id="1" name=""/>
+        <p:cNvGrpSpPr/>
+        <p:nvPr/>
+      </p:nvGrpSpPr>
+      <p:grpSpPr>
+        <a:xfrm>
+          <a:off x="0" y="0"/>
+          <a:ext cx="0" cy="0"/>
+          <a:chOff x="0" y="0"/>
+          <a:chExt cx="0" cy="0"/>
+        </a:xfrm>
+      </p:grpSpPr>
+      <p:pic>
+        <p:nvPicPr>
+          <p:cNvPr id="11" name="그림 10">
+            <a:extLst>
+              <a:ext uri="{FF2B5EF4-FFF2-40B4-BE49-F238E27FC236}">
+                <a16:creationId xmlns:a16="http://schemas.microsoft.com/office/drawing/2014/main" id="{198AE217-26FC-4349-9AB3-A7CFD411BD4C}"/>
+              </a:ext>
+            </a:extLst>
+          </p:cNvPr>
+          <p:cNvPicPr>
+            <a:picLocks noChangeAspect="1"/>
+          </p:cNvPicPr>
+          <p:nvPr/>
+        </p:nvPicPr>
+        <p:blipFill>
+          <a:blip r:embed="rId2">
+            <a:extLst>
+              <a:ext uri="{28A0092B-C50C-407E-A947-70E740481C1C}">
+                <a14:useLocalDpi xmlns:a14="http://schemas.microsoft.com/office/drawing/2010/main" val="0"/>
+              </a:ext>
+            </a:extLst>
+          </a:blip>
+          <a:stretch>
+            <a:fillRect/>
+          </a:stretch>
+        </p:blipFill>
+        <p:spPr>
+          <a:xfrm>
+            <a:off x="2816239" y="1217901"/>
+            <a:ext cx="2953957" cy="5485600"/>
+          </a:xfrm>
+          <a:prstGeom prst="rect">
+            <a:avLst/>
+          </a:prstGeom>
+        </p:spPr>
+      </p:pic>
+      <p:sp>
+        <p:nvSpPr>
+          <p:cNvPr id="5" name="TextBox 4">
+            <a:extLst>
+              <a:ext uri="{FF2B5EF4-FFF2-40B4-BE49-F238E27FC236}">
+                <a16:creationId xmlns:a16="http://schemas.microsoft.com/office/drawing/2014/main" id="{75865A3A-346F-4F15-A584-7339BE2DFAFF}"/>
+              </a:ext>
+            </a:extLst>
+          </p:cNvPr>
+          <p:cNvSpPr txBox="1"/>
+          <p:nvPr/>
+        </p:nvSpPr>
+        <p:spPr>
+          <a:xfrm>
+            <a:off x="375343" y="241489"/>
+            <a:ext cx="4696514" cy="584775"/>
+          </a:xfrm>
+          <a:prstGeom prst="rect">
+            <a:avLst/>
+          </a:prstGeom>
+          <a:noFill/>
+        </p:spPr>
+        <p:txBody>
+          <a:bodyPr wrap="square" rtlCol="0">
+            <a:spAutoFit/>
+          </a:bodyPr>
+          <a:lstStyle/>
+          <a:p>
+            <a:pPr marL="457200" indent="-457200">
+              <a:buFont typeface="Arial" panose="020B0604020202020204" pitchFamily="34" charset="0"/>
+              <a:buChar char="•"/>
+            </a:pPr>
+            <a:r>
+              <a:rPr lang="ko-KR" altLang="en-US" sz="3200" b="1" dirty="0"/>
+              <a:t>화면 기획 </a:t>
+            </a:r>
+            <a:r>
+              <a:rPr lang="en-US" altLang="ko-KR" sz="3200" b="1" dirty="0"/>
+              <a:t>– </a:t>
+            </a:r>
+            <a:r>
+              <a:rPr lang="ko-KR" altLang="en-US" sz="3200" b="1" dirty="0"/>
+              <a:t>상인 </a:t>
+            </a:r>
+            <a:r>
+              <a:rPr lang="en-US" altLang="ko-KR" sz="3200" b="1" dirty="0"/>
+              <a:t>- 1</a:t>
+            </a:r>
+            <a:r>
+              <a:rPr lang="ko-KR" altLang="en-US" sz="3200" b="1" dirty="0"/>
+              <a:t> </a:t>
+            </a:r>
+          </a:p>
+        </p:txBody>
+      </p:sp>
+      <p:sp>
+        <p:nvSpPr>
+          <p:cNvPr id="6" name="직사각형 5">
+            <a:extLst>
+              <a:ext uri="{FF2B5EF4-FFF2-40B4-BE49-F238E27FC236}">
+                <a16:creationId xmlns:a16="http://schemas.microsoft.com/office/drawing/2014/main" id="{51B1B7EB-3717-4F14-9062-0FD093CD82FB}"/>
+              </a:ext>
+            </a:extLst>
+          </p:cNvPr>
+          <p:cNvSpPr/>
+          <p:nvPr/>
+        </p:nvSpPr>
+        <p:spPr>
+          <a:xfrm>
+            <a:off x="-385590" y="241489"/>
+            <a:ext cx="5541484" cy="584775"/>
+          </a:xfrm>
+          <a:prstGeom prst="rect">
+            <a:avLst/>
+          </a:prstGeom>
+          <a:noFill/>
+          <a:ln w="31750">
+            <a:solidFill>
+              <a:schemeClr val="tx1"/>
+            </a:solidFill>
+          </a:ln>
+        </p:spPr>
+        <p:style>
+          <a:lnRef idx="2">
+            <a:schemeClr val="accent1">
+              <a:shade val="50000"/>
+            </a:schemeClr>
+          </a:lnRef>
+          <a:fillRef idx="1">
+            <a:schemeClr val="accent1"/>
+          </a:fillRef>
+          <a:effectRef idx="0">
+            <a:schemeClr val="accent1"/>
+          </a:effectRef>
+          <a:fontRef idx="minor">
+            <a:schemeClr val="lt1"/>
+          </a:fontRef>
+        </p:style>
+        <p:txBody>
+          <a:bodyPr rtlCol="0" anchor="ctr"/>
+          <a:lstStyle/>
+          <a:p>
+            <a:pPr algn="ctr"/>
+            <a:endParaRPr lang="ko-KR" altLang="en-US"/>
+          </a:p>
+        </p:txBody>
+      </p:sp>
+      <p:cxnSp>
+        <p:nvCxnSpPr>
+          <p:cNvPr id="9" name="직선 연결선 8">
+            <a:extLst>
+              <a:ext uri="{FF2B5EF4-FFF2-40B4-BE49-F238E27FC236}">
+                <a16:creationId xmlns:a16="http://schemas.microsoft.com/office/drawing/2014/main" id="{16445D33-E34A-4230-B6E1-7E05BFC662A0}"/>
+              </a:ext>
+            </a:extLst>
+          </p:cNvPr>
+          <p:cNvCxnSpPr>
+            <a:cxnSpLocks/>
+          </p:cNvCxnSpPr>
+          <p:nvPr/>
+        </p:nvCxnSpPr>
+        <p:spPr>
+          <a:xfrm>
+            <a:off x="8643668" y="0"/>
+            <a:ext cx="0" cy="6858000"/>
+          </a:xfrm>
+          <a:prstGeom prst="line">
+            <a:avLst/>
+          </a:prstGeom>
+          <a:ln w="50800">
+            <a:solidFill>
+              <a:schemeClr val="tx1"/>
+            </a:solidFill>
+          </a:ln>
+        </p:spPr>
+        <p:style>
+          <a:lnRef idx="1">
+            <a:schemeClr val="accent1"/>
+          </a:lnRef>
+          <a:fillRef idx="0">
+            <a:schemeClr val="accent1"/>
+          </a:fillRef>
+          <a:effectRef idx="0">
+            <a:schemeClr val="accent1"/>
+          </a:effectRef>
+          <a:fontRef idx="minor">
+            <a:schemeClr val="tx1"/>
+          </a:fontRef>
+        </p:style>
+      </p:cxnSp>
+      <p:sp>
+        <p:nvSpPr>
+          <p:cNvPr id="10" name="직사각형 9">
+            <a:extLst>
+              <a:ext uri="{FF2B5EF4-FFF2-40B4-BE49-F238E27FC236}">
+                <a16:creationId xmlns:a16="http://schemas.microsoft.com/office/drawing/2014/main" id="{38BA9724-64EF-42A1-9293-E353270C338A}"/>
+              </a:ext>
+            </a:extLst>
+          </p:cNvPr>
+          <p:cNvSpPr/>
+          <p:nvPr/>
+        </p:nvSpPr>
+        <p:spPr>
+          <a:xfrm>
+            <a:off x="8643668" y="0"/>
+            <a:ext cx="3548330" cy="826264"/>
+          </a:xfrm>
+          <a:prstGeom prst="rect">
+            <a:avLst/>
+          </a:prstGeom>
+          <a:solidFill>
+            <a:schemeClr val="tx1"/>
+          </a:solidFill>
+          <a:ln>
+            <a:solidFill>
+              <a:schemeClr val="tx1"/>
+            </a:solidFill>
+          </a:ln>
+        </p:spPr>
+        <p:style>
+          <a:lnRef idx="2">
+            <a:schemeClr val="accent1">
+              <a:shade val="50000"/>
+            </a:schemeClr>
+          </a:lnRef>
+          <a:fillRef idx="1">
+            <a:schemeClr val="accent1"/>
+          </a:fillRef>
+          <a:effectRef idx="0">
+            <a:schemeClr val="accent1"/>
+          </a:effectRef>
+          <a:fontRef idx="minor">
+            <a:schemeClr val="lt1"/>
+          </a:fontRef>
+        </p:style>
+        <p:txBody>
+          <a:bodyPr rtlCol="0" anchor="ctr"/>
+          <a:lstStyle/>
+          <a:p>
+            <a:r>
+              <a:rPr lang="en-US" altLang="ko-KR" sz="2400" b="1" dirty="0"/>
+              <a:t>Description</a:t>
+            </a:r>
+            <a:endParaRPr lang="ko-KR" altLang="en-US" sz="2400" b="1" dirty="0"/>
+          </a:p>
+        </p:txBody>
+      </p:sp>
+      <p:sp>
+        <p:nvSpPr>
+          <p:cNvPr id="4" name="TextBox 3">
+            <a:extLst>
+              <a:ext uri="{FF2B5EF4-FFF2-40B4-BE49-F238E27FC236}">
+                <a16:creationId xmlns:a16="http://schemas.microsoft.com/office/drawing/2014/main" id="{F192A800-4004-4BD4-8C91-07B64CA0421C}"/>
+              </a:ext>
+            </a:extLst>
+          </p:cNvPr>
+          <p:cNvSpPr txBox="1"/>
+          <p:nvPr/>
+        </p:nvSpPr>
+        <p:spPr>
+          <a:xfrm>
+            <a:off x="8643668" y="1011511"/>
+            <a:ext cx="2621230" cy="307777"/>
+          </a:xfrm>
+          <a:prstGeom prst="rect">
+            <a:avLst/>
+          </a:prstGeom>
+          <a:noFill/>
+        </p:spPr>
+        <p:txBody>
+          <a:bodyPr wrap="none" rtlCol="0">
+            <a:spAutoFit/>
+          </a:bodyPr>
+          <a:lstStyle/>
+          <a:p>
+            <a:r>
+              <a:rPr lang="en-US" altLang="ko-KR" sz="1400" dirty="0"/>
+              <a:t>1) </a:t>
+            </a:r>
+            <a:r>
+              <a:rPr lang="ko-KR" altLang="en-US" sz="1400" dirty="0"/>
+              <a:t>터치 시 수련 </a:t>
+            </a:r>
+            <a:r>
+              <a:rPr lang="en-US" altLang="ko-KR" sz="1400" dirty="0"/>
+              <a:t>UI</a:t>
+            </a:r>
+            <a:r>
+              <a:rPr lang="ko-KR" altLang="en-US" sz="1400" dirty="0"/>
+              <a:t>창이 </a:t>
+            </a:r>
+            <a:r>
+              <a:rPr lang="ko-KR" altLang="en-US" sz="1400" dirty="0" err="1"/>
+              <a:t>팝업됨</a:t>
+            </a:r>
+            <a:endParaRPr lang="en-US" altLang="ko-KR" sz="1400" dirty="0"/>
+          </a:p>
+        </p:txBody>
+      </p:sp>
+      <p:sp>
+        <p:nvSpPr>
+          <p:cNvPr id="36" name="직사각형 35">
+            <a:extLst>
+              <a:ext uri="{FF2B5EF4-FFF2-40B4-BE49-F238E27FC236}">
+                <a16:creationId xmlns:a16="http://schemas.microsoft.com/office/drawing/2014/main" id="{E310BFEE-CCFB-42F5-8D60-C789ACFABE83}"/>
+              </a:ext>
+            </a:extLst>
+          </p:cNvPr>
+          <p:cNvSpPr/>
+          <p:nvPr/>
+        </p:nvSpPr>
+        <p:spPr>
+          <a:xfrm>
+            <a:off x="2816238" y="1217901"/>
+            <a:ext cx="2953957" cy="5485600"/>
+          </a:xfrm>
+          <a:prstGeom prst="rect">
+            <a:avLst/>
+          </a:prstGeom>
+          <a:solidFill>
+            <a:schemeClr val="tx1">
+              <a:alpha val="75000"/>
+            </a:schemeClr>
+          </a:solidFill>
+          <a:ln>
+            <a:noFill/>
+          </a:ln>
+        </p:spPr>
+        <p:style>
+          <a:lnRef idx="2">
+            <a:schemeClr val="accent1">
+              <a:shade val="50000"/>
+            </a:schemeClr>
+          </a:lnRef>
+          <a:fillRef idx="1">
+            <a:schemeClr val="accent1"/>
+          </a:fillRef>
+          <a:effectRef idx="0">
+            <a:schemeClr val="accent1"/>
+          </a:effectRef>
+          <a:fontRef idx="minor">
+            <a:schemeClr val="lt1"/>
+          </a:fontRef>
+        </p:style>
+        <p:txBody>
+          <a:bodyPr rtlCol="0" anchor="ctr"/>
+          <a:lstStyle/>
+          <a:p>
+            <a:pPr algn="ctr"/>
+            <a:endParaRPr lang="ko-KR" altLang="en-US"/>
+          </a:p>
+        </p:txBody>
+      </p:sp>
+      <p:sp>
+        <p:nvSpPr>
+          <p:cNvPr id="3" name="사각형: 둥근 모서리 2">
+            <a:extLst>
+              <a:ext uri="{FF2B5EF4-FFF2-40B4-BE49-F238E27FC236}">
+                <a16:creationId xmlns:a16="http://schemas.microsoft.com/office/drawing/2014/main" id="{53E5E25B-6FCA-4501-AEC0-17B9C333D4D1}"/>
+              </a:ext>
+            </a:extLst>
+          </p:cNvPr>
+          <p:cNvSpPr/>
+          <p:nvPr/>
+        </p:nvSpPr>
+        <p:spPr>
+          <a:xfrm>
+            <a:off x="3182873" y="2073712"/>
+            <a:ext cx="2220686" cy="3773977"/>
+          </a:xfrm>
+          <a:prstGeom prst="roundRect">
+            <a:avLst/>
+          </a:prstGeom>
+          <a:solidFill>
+            <a:schemeClr val="tx2">
+              <a:lumMod val="20000"/>
+              <a:lumOff val="80000"/>
+            </a:schemeClr>
+          </a:solidFill>
+          <a:ln w="38100">
+            <a:solidFill>
+              <a:schemeClr val="bg2">
+                <a:lumMod val="50000"/>
+              </a:schemeClr>
+            </a:solidFill>
+          </a:ln>
+        </p:spPr>
+        <p:style>
+          <a:lnRef idx="2">
+            <a:schemeClr val="accent1">
+              <a:shade val="50000"/>
+            </a:schemeClr>
+          </a:lnRef>
+          <a:fillRef idx="1">
+            <a:schemeClr val="accent1"/>
+          </a:fillRef>
+          <a:effectRef idx="0">
+            <a:schemeClr val="accent1"/>
+          </a:effectRef>
+          <a:fontRef idx="minor">
+            <a:schemeClr val="lt1"/>
+          </a:fontRef>
+        </p:style>
+        <p:txBody>
+          <a:bodyPr rtlCol="0" anchor="ctr"/>
+          <a:lstStyle/>
+          <a:p>
+            <a:pPr algn="ctr"/>
+            <a:endParaRPr lang="ko-KR" altLang="en-US" dirty="0"/>
+          </a:p>
+        </p:txBody>
+      </p:sp>
+      <p:sp>
+        <p:nvSpPr>
+          <p:cNvPr id="7" name="사각형: 둥근 모서리 6">
+            <a:extLst>
+              <a:ext uri="{FF2B5EF4-FFF2-40B4-BE49-F238E27FC236}">
+                <a16:creationId xmlns:a16="http://schemas.microsoft.com/office/drawing/2014/main" id="{B5E0E757-4D84-4B43-8E0A-E0D63057CB03}"/>
+              </a:ext>
+            </a:extLst>
+          </p:cNvPr>
+          <p:cNvSpPr/>
+          <p:nvPr/>
+        </p:nvSpPr>
+        <p:spPr>
+          <a:xfrm>
+            <a:off x="5071857" y="1849777"/>
+            <a:ext cx="475861" cy="447870"/>
+          </a:xfrm>
+          <a:prstGeom prst="roundRect">
+            <a:avLst/>
+          </a:prstGeom>
+        </p:spPr>
+        <p:style>
+          <a:lnRef idx="2">
+            <a:schemeClr val="accent1">
+              <a:shade val="50000"/>
+            </a:schemeClr>
+          </a:lnRef>
+          <a:fillRef idx="1">
+            <a:schemeClr val="accent1"/>
+          </a:fillRef>
+          <a:effectRef idx="0">
+            <a:schemeClr val="accent1"/>
+          </a:effectRef>
+          <a:fontRef idx="minor">
+            <a:schemeClr val="lt1"/>
+          </a:fontRef>
+        </p:style>
+        <p:txBody>
+          <a:bodyPr rtlCol="0" anchor="ctr"/>
+          <a:lstStyle/>
+          <a:p>
+            <a:pPr algn="ctr"/>
+            <a:r>
+              <a:rPr lang="en-US" altLang="ko-KR" b="1" dirty="0"/>
+              <a:t>X</a:t>
+            </a:r>
+            <a:endParaRPr lang="ko-KR" altLang="en-US" b="1" dirty="0"/>
+          </a:p>
+        </p:txBody>
+      </p:sp>
+      <p:sp>
+        <p:nvSpPr>
+          <p:cNvPr id="8" name="TextBox 7">
+            <a:extLst>
+              <a:ext uri="{FF2B5EF4-FFF2-40B4-BE49-F238E27FC236}">
+                <a16:creationId xmlns:a16="http://schemas.microsoft.com/office/drawing/2014/main" id="{BBAE7FB8-491D-4BBD-87EF-4ED3FF594EAE}"/>
+              </a:ext>
+            </a:extLst>
+          </p:cNvPr>
+          <p:cNvSpPr txBox="1"/>
+          <p:nvPr/>
+        </p:nvSpPr>
+        <p:spPr>
+          <a:xfrm>
+            <a:off x="3970050" y="1835379"/>
+            <a:ext cx="646331" cy="369332"/>
+          </a:xfrm>
+          <a:prstGeom prst="rect">
+            <a:avLst/>
+          </a:prstGeom>
+          <a:noFill/>
+        </p:spPr>
+        <p:txBody>
+          <a:bodyPr wrap="none" rtlCol="0">
+            <a:spAutoFit/>
+          </a:bodyPr>
+          <a:lstStyle/>
+          <a:p>
+            <a:r>
+              <a:rPr lang="ko-KR" altLang="en-US" b="1" dirty="0">
+                <a:ln w="6350">
+                  <a:solidFill>
+                    <a:schemeClr val="bg2">
+                      <a:lumMod val="50000"/>
+                    </a:schemeClr>
+                  </a:solidFill>
+                </a:ln>
+                <a:solidFill>
+                  <a:schemeClr val="bg1"/>
+                </a:solidFill>
+              </a:rPr>
+              <a:t>상인</a:t>
+            </a:r>
+          </a:p>
+        </p:txBody>
+      </p:sp>
+      <p:sp>
+        <p:nvSpPr>
+          <p:cNvPr id="12" name="사각형: 둥근 모서리 11">
+            <a:extLst>
+              <a:ext uri="{FF2B5EF4-FFF2-40B4-BE49-F238E27FC236}">
+                <a16:creationId xmlns:a16="http://schemas.microsoft.com/office/drawing/2014/main" id="{B527410D-165D-4F9F-ABDE-5EC52DDCB862}"/>
+              </a:ext>
+            </a:extLst>
+          </p:cNvPr>
+          <p:cNvSpPr/>
+          <p:nvPr/>
+        </p:nvSpPr>
+        <p:spPr>
+          <a:xfrm>
+            <a:off x="3471709" y="2484662"/>
+            <a:ext cx="1643012" cy="515911"/>
+          </a:xfrm>
+          <a:prstGeom prst="roundRect">
+            <a:avLst/>
+          </a:prstGeom>
+          <a:ln w="25400">
+            <a:solidFill>
+              <a:schemeClr val="bg1"/>
+            </a:solidFill>
+          </a:ln>
+        </p:spPr>
+        <p:style>
+          <a:lnRef idx="2">
+            <a:schemeClr val="accent1">
+              <a:shade val="50000"/>
+            </a:schemeClr>
+          </a:lnRef>
+          <a:fillRef idx="1">
+            <a:schemeClr val="accent1"/>
+          </a:fillRef>
+          <a:effectRef idx="0">
+            <a:schemeClr val="accent1"/>
+          </a:effectRef>
+          <a:fontRef idx="minor">
+            <a:schemeClr val="lt1"/>
+          </a:fontRef>
+        </p:style>
+        <p:txBody>
+          <a:bodyPr rtlCol="0" anchor="ctr"/>
+          <a:lstStyle/>
+          <a:p>
+            <a:pPr algn="ctr"/>
+            <a:r>
+              <a:rPr lang="ko-KR" altLang="en-US" dirty="0"/>
+              <a:t>새로운 수련</a:t>
+            </a:r>
+          </a:p>
+        </p:txBody>
+      </p:sp>
+      <p:sp>
+        <p:nvSpPr>
+          <p:cNvPr id="37" name="사각형: 둥근 모서리 36">
+            <a:extLst>
+              <a:ext uri="{FF2B5EF4-FFF2-40B4-BE49-F238E27FC236}">
+                <a16:creationId xmlns:a16="http://schemas.microsoft.com/office/drawing/2014/main" id="{06B2AB16-8EAD-492A-8156-AF7BFC1118AA}"/>
+              </a:ext>
+            </a:extLst>
+          </p:cNvPr>
+          <p:cNvSpPr/>
+          <p:nvPr/>
+        </p:nvSpPr>
+        <p:spPr>
+          <a:xfrm>
+            <a:off x="3471709" y="3216710"/>
+            <a:ext cx="1643012" cy="515911"/>
+          </a:xfrm>
+          <a:prstGeom prst="roundRect">
+            <a:avLst/>
+          </a:prstGeom>
+          <a:ln w="25400">
+            <a:solidFill>
+              <a:schemeClr val="bg1"/>
+            </a:solidFill>
+          </a:ln>
+        </p:spPr>
+        <p:style>
+          <a:lnRef idx="2">
+            <a:schemeClr val="accent1">
+              <a:shade val="50000"/>
+            </a:schemeClr>
+          </a:lnRef>
+          <a:fillRef idx="1">
+            <a:schemeClr val="accent1"/>
+          </a:fillRef>
+          <a:effectRef idx="0">
+            <a:schemeClr val="accent1"/>
+          </a:effectRef>
+          <a:fontRef idx="minor">
+            <a:schemeClr val="lt1"/>
+          </a:fontRef>
+        </p:style>
+        <p:txBody>
+          <a:bodyPr rtlCol="0" anchor="ctr"/>
+          <a:lstStyle/>
+          <a:p>
+            <a:pPr algn="ctr"/>
+            <a:r>
+              <a:rPr lang="ko-KR" altLang="en-US" dirty="0"/>
+              <a:t>깨달음</a:t>
+            </a:r>
+          </a:p>
+        </p:txBody>
+      </p:sp>
+      <p:sp>
+        <p:nvSpPr>
+          <p:cNvPr id="38" name="사각형: 둥근 모서리 37">
+            <a:extLst>
+              <a:ext uri="{FF2B5EF4-FFF2-40B4-BE49-F238E27FC236}">
+                <a16:creationId xmlns:a16="http://schemas.microsoft.com/office/drawing/2014/main" id="{A6A555D1-7FE1-4DBD-91F7-72EDED9EC767}"/>
+              </a:ext>
+            </a:extLst>
+          </p:cNvPr>
+          <p:cNvSpPr/>
+          <p:nvPr/>
+        </p:nvSpPr>
+        <p:spPr>
+          <a:xfrm>
+            <a:off x="3472988" y="3991477"/>
+            <a:ext cx="1643012" cy="515911"/>
+          </a:xfrm>
+          <a:prstGeom prst="roundRect">
+            <a:avLst/>
+          </a:prstGeom>
+          <a:ln w="25400">
+            <a:solidFill>
+              <a:schemeClr val="bg1"/>
+            </a:solidFill>
+          </a:ln>
+        </p:spPr>
+        <p:style>
+          <a:lnRef idx="2">
+            <a:schemeClr val="accent1">
+              <a:shade val="50000"/>
+            </a:schemeClr>
+          </a:lnRef>
+          <a:fillRef idx="1">
+            <a:schemeClr val="accent1"/>
+          </a:fillRef>
+          <a:effectRef idx="0">
+            <a:schemeClr val="accent1"/>
+          </a:effectRef>
+          <a:fontRef idx="minor">
+            <a:schemeClr val="lt1"/>
+          </a:fontRef>
+        </p:style>
+        <p:txBody>
+          <a:bodyPr rtlCol="0" anchor="ctr"/>
+          <a:lstStyle/>
+          <a:p>
+            <a:pPr algn="ctr"/>
+            <a:r>
+              <a:rPr lang="ko-KR" altLang="en-US" dirty="0"/>
+              <a:t>노력</a:t>
+            </a:r>
+          </a:p>
+        </p:txBody>
+      </p:sp>
+      <p:sp>
+        <p:nvSpPr>
+          <p:cNvPr id="39" name="사각형: 둥근 모서리 38">
+            <a:extLst>
+              <a:ext uri="{FF2B5EF4-FFF2-40B4-BE49-F238E27FC236}">
+                <a16:creationId xmlns:a16="http://schemas.microsoft.com/office/drawing/2014/main" id="{DF2EF8F5-1FE5-44DC-9D26-66B18A22B881}"/>
+              </a:ext>
+            </a:extLst>
+          </p:cNvPr>
+          <p:cNvSpPr/>
+          <p:nvPr/>
+        </p:nvSpPr>
+        <p:spPr>
+          <a:xfrm>
+            <a:off x="3472988" y="4745721"/>
+            <a:ext cx="1643012" cy="515911"/>
+          </a:xfrm>
+          <a:prstGeom prst="roundRect">
+            <a:avLst/>
+          </a:prstGeom>
+          <a:ln w="25400">
+            <a:solidFill>
+              <a:schemeClr val="bg1"/>
+            </a:solidFill>
+          </a:ln>
+        </p:spPr>
+        <p:style>
+          <a:lnRef idx="2">
+            <a:schemeClr val="accent1">
+              <a:shade val="50000"/>
+            </a:schemeClr>
+          </a:lnRef>
+          <a:fillRef idx="1">
+            <a:schemeClr val="accent1"/>
+          </a:fillRef>
+          <a:effectRef idx="0">
+            <a:schemeClr val="accent1"/>
+          </a:effectRef>
+          <a:fontRef idx="minor">
+            <a:schemeClr val="lt1"/>
+          </a:fontRef>
+        </p:style>
+        <p:txBody>
+          <a:bodyPr rtlCol="0" anchor="ctr"/>
+          <a:lstStyle/>
+          <a:p>
+            <a:pPr algn="ctr"/>
+            <a:r>
+              <a:rPr lang="ko-KR" altLang="en-US" dirty="0"/>
+              <a:t>체력 단련</a:t>
+            </a:r>
+          </a:p>
+        </p:txBody>
+      </p:sp>
+    </p:spTree>
+    <p:extLst>
+      <p:ext uri="{BB962C8B-B14F-4D97-AF65-F5344CB8AC3E}">
+        <p14:creationId xmlns:p14="http://schemas.microsoft.com/office/powerpoint/2010/main" val="4109610210"/>
+      </p:ext>
+    </p:extLst>
+  </p:cSld>
+  <p:clrMapOvr>
+    <a:masterClrMapping/>
+  </p:clrMapOvr>
+</p:sld>
+</file>
+
+<file path=ppt/slides/slide6.xml><?xml version="1.0" encoding="utf-8"?>
 <p:sld xmlns:a="http://schemas.openxmlformats.org/drawingml/2006/main" xmlns:r="http://schemas.openxmlformats.org/officeDocument/2006/relationships" xmlns:p="http://schemas.openxmlformats.org/presentationml/2006/main">
   <p:cSld>
     <p:spTree>

--- a/게임 기획파일/화면 기획.pptx
+++ b/게임 기획파일/화면 기획.pptx
@@ -6945,7 +6945,7 @@
           <a:graphicData uri="http://schemas.openxmlformats.org/presentationml/2006/ole">
             <mc:AlternateContent xmlns:mc="http://schemas.openxmlformats.org/markup-compatibility/2006">
               <mc:Choice xmlns:v="urn:schemas-microsoft-com:vml" Requires="v">
-                <p:oleObj spid="_x0000_s1027" r:id="rId4" imgW="2704680" imgH="3288600" progId="">
+                <p:oleObj spid="_x0000_s1032" r:id="rId4" imgW="2704680" imgH="3288600" progId="">
                   <p:embed/>
                 </p:oleObj>
               </mc:Choice>
@@ -7187,42 +7187,6 @@
           <a:chExt cx="0" cy="0"/>
         </a:xfrm>
       </p:grpSpPr>
-      <p:pic>
-        <p:nvPicPr>
-          <p:cNvPr id="11" name="그림 10">
-            <a:extLst>
-              <a:ext uri="{FF2B5EF4-FFF2-40B4-BE49-F238E27FC236}">
-                <a16:creationId xmlns:a16="http://schemas.microsoft.com/office/drawing/2014/main" id="{198AE217-26FC-4349-9AB3-A7CFD411BD4C}"/>
-              </a:ext>
-            </a:extLst>
-          </p:cNvPr>
-          <p:cNvPicPr>
-            <a:picLocks noChangeAspect="1"/>
-          </p:cNvPicPr>
-          <p:nvPr/>
-        </p:nvPicPr>
-        <p:blipFill>
-          <a:blip r:embed="rId2">
-            <a:extLst>
-              <a:ext uri="{28A0092B-C50C-407E-A947-70E740481C1C}">
-                <a14:useLocalDpi xmlns:a14="http://schemas.microsoft.com/office/drawing/2010/main" val="0"/>
-              </a:ext>
-            </a:extLst>
-          </a:blip>
-          <a:stretch>
-            <a:fillRect/>
-          </a:stretch>
-        </p:blipFill>
-        <p:spPr>
-          <a:xfrm>
-            <a:off x="2816239" y="1217901"/>
-            <a:ext cx="2953957" cy="5485600"/>
-          </a:xfrm>
-          <a:prstGeom prst="rect">
-            <a:avLst/>
-          </a:prstGeom>
-        </p:spPr>
-      </p:pic>
       <p:sp>
         <p:nvSpPr>
           <p:cNvPr id="5" name="TextBox 4">
@@ -7437,7 +7401,7 @@
         <p:spPr>
           <a:xfrm>
             <a:off x="8643668" y="1011511"/>
-            <a:ext cx="2621230" cy="307777"/>
+            <a:ext cx="3406702" cy="3970318"/>
           </a:xfrm>
           <a:prstGeom prst="rect">
             <a:avLst/>
@@ -7456,15 +7420,81 @@
             </a:r>
             <a:r>
               <a:rPr lang="ko-KR" altLang="en-US" sz="1400" dirty="0"/>
-              <a:t>터치 시 수련 </a:t>
+              <a:t>상인 </a:t>
+            </a:r>
+            <a:r>
+              <a:rPr lang="en-US" altLang="ko-KR" sz="1400" dirty="0"/>
+              <a:t>UI </a:t>
+            </a:r>
+            <a:r>
+              <a:rPr lang="ko-KR" altLang="en-US" sz="1400" dirty="0"/>
+              <a:t>터치 시 나오는 </a:t>
+            </a:r>
+            <a:r>
+              <a:rPr lang="ko-KR" altLang="en-US" sz="1400" dirty="0" err="1"/>
+              <a:t>팝업됨</a:t>
+            </a:r>
+            <a:endParaRPr lang="en-US" altLang="ko-KR" sz="1400" dirty="0"/>
+          </a:p>
+          <a:p>
+            <a:pPr marL="342900" indent="-342900">
+              <a:buAutoNum type="arabicParenR"/>
+            </a:pPr>
+            <a:endParaRPr lang="en-US" altLang="ko-KR" sz="1400" dirty="0"/>
+          </a:p>
+          <a:p>
+            <a:r>
+              <a:rPr lang="en-US" altLang="ko-KR" sz="1400" dirty="0"/>
+              <a:t>2) </a:t>
+            </a:r>
+            <a:r>
+              <a:rPr lang="ko-KR" altLang="en-US" sz="1400" dirty="0"/>
+              <a:t>현재 가지고 있는 재화</a:t>
+            </a:r>
+            <a:endParaRPr lang="en-US" altLang="ko-KR" sz="1400" dirty="0"/>
+          </a:p>
+          <a:p>
+            <a:endParaRPr lang="en-US" altLang="ko-KR" sz="1400" dirty="0"/>
+          </a:p>
+          <a:p>
+            <a:r>
+              <a:rPr lang="en-US" altLang="ko-KR" sz="1400" dirty="0"/>
+              <a:t>3) </a:t>
+            </a:r>
+            <a:r>
+              <a:rPr lang="ko-KR" altLang="en-US" sz="1400" dirty="0"/>
+              <a:t>구매 된 항목을 나타내는 아이콘 표시</a:t>
+            </a:r>
+            <a:endParaRPr lang="en-US" altLang="ko-KR" sz="1400" dirty="0"/>
+          </a:p>
+          <a:p>
+            <a:endParaRPr lang="en-US" altLang="ko-KR" sz="1400" dirty="0"/>
+          </a:p>
+          <a:p>
+            <a:r>
+              <a:rPr lang="en-US" altLang="ko-KR" sz="1400" dirty="0"/>
+              <a:t>4) </a:t>
+            </a:r>
+            <a:r>
+              <a:rPr lang="ko-KR" altLang="en-US" sz="1400" dirty="0"/>
+              <a:t>구매 되지 않은 항목에 존재하는 </a:t>
             </a:r>
             <a:r>
               <a:rPr lang="en-US" altLang="ko-KR" sz="1400" dirty="0"/>
               <a:t>UI</a:t>
             </a:r>
+          </a:p>
+          <a:p>
+            <a:endParaRPr lang="en-US" altLang="ko-KR" sz="1400" dirty="0"/>
+          </a:p>
+          <a:p>
+            <a:r>
+              <a:rPr lang="en-US" altLang="ko-KR" sz="1400" dirty="0"/>
+              <a:t>  - </a:t>
+            </a:r>
             <a:r>
               <a:rPr lang="ko-KR" altLang="en-US" sz="1400" dirty="0"/>
-              <a:t>창이 </a:t>
+              <a:t>재화 충족 시 확인 창이 </a:t>
             </a:r>
             <a:r>
               <a:rPr lang="ko-KR" altLang="en-US" sz="1400" dirty="0" err="1"/>
@@ -7472,14 +7502,96 @@
             </a:r>
             <a:endParaRPr lang="en-US" altLang="ko-KR" sz="1400" dirty="0"/>
           </a:p>
-        </p:txBody>
-      </p:sp>
-      <p:sp>
-        <p:nvSpPr>
-          <p:cNvPr id="36" name="직사각형 35">
-            <a:extLst>
-              <a:ext uri="{FF2B5EF4-FFF2-40B4-BE49-F238E27FC236}">
-                <a16:creationId xmlns:a16="http://schemas.microsoft.com/office/drawing/2014/main" id="{E310BFEE-CCFB-42F5-8D60-C789ACFABE83}"/>
+          <a:p>
+            <a:r>
+              <a:rPr lang="ko-KR" altLang="en-US" sz="1400" dirty="0"/>
+              <a:t>    </a:t>
+            </a:r>
+            <a:r>
+              <a:rPr lang="ko-KR" altLang="en-US" sz="1400" dirty="0">
+                <a:solidFill>
+                  <a:srgbClr val="FF0000"/>
+                </a:solidFill>
+              </a:rPr>
+              <a:t>▶ 별도 페이지 기획</a:t>
+            </a:r>
+            <a:endParaRPr lang="en-US" altLang="ko-KR" sz="1400" dirty="0">
+              <a:solidFill>
+                <a:srgbClr val="FF0000"/>
+              </a:solidFill>
+            </a:endParaRPr>
+          </a:p>
+          <a:p>
+            <a:endParaRPr lang="en-US" altLang="ko-KR" sz="1400" dirty="0">
+              <a:solidFill>
+                <a:srgbClr val="FF0000"/>
+              </a:solidFill>
+            </a:endParaRPr>
+          </a:p>
+          <a:p>
+            <a:r>
+              <a:rPr lang="en-US" altLang="ko-KR" sz="1400" dirty="0"/>
+              <a:t>  - </a:t>
+            </a:r>
+            <a:r>
+              <a:rPr lang="ko-KR" altLang="en-US" sz="1400" dirty="0"/>
+              <a:t>재화 부족 시 금액부족 창이 </a:t>
+            </a:r>
+            <a:r>
+              <a:rPr lang="ko-KR" altLang="en-US" sz="1400" dirty="0" err="1"/>
+              <a:t>팝업됨</a:t>
+            </a:r>
+            <a:endParaRPr lang="en-US" altLang="ko-KR" sz="1400" dirty="0"/>
+          </a:p>
+          <a:p>
+            <a:r>
+              <a:rPr lang="ko-KR" altLang="en-US" sz="1400" dirty="0">
+                <a:solidFill>
+                  <a:srgbClr val="FF0000"/>
+                </a:solidFill>
+              </a:rPr>
+              <a:t>    ▶ 별도 페이지 기획</a:t>
+            </a:r>
+            <a:endParaRPr lang="en-US" altLang="ko-KR" sz="1400" dirty="0">
+              <a:solidFill>
+                <a:srgbClr val="FF0000"/>
+              </a:solidFill>
+            </a:endParaRPr>
+          </a:p>
+          <a:p>
+            <a:endParaRPr lang="en-US" altLang="ko-KR" sz="1400" dirty="0"/>
+          </a:p>
+          <a:p>
+            <a:endParaRPr lang="en-US" altLang="ko-KR" sz="1400" dirty="0">
+              <a:solidFill>
+                <a:srgbClr val="FF0000"/>
+              </a:solidFill>
+            </a:endParaRPr>
+          </a:p>
+          <a:p>
+            <a:endParaRPr lang="en-US" altLang="ko-KR" sz="1400" dirty="0">
+              <a:solidFill>
+                <a:srgbClr val="FF0000"/>
+              </a:solidFill>
+            </a:endParaRPr>
+          </a:p>
+          <a:p>
+            <a:pPr marL="342900" indent="-342900">
+              <a:buAutoNum type="arabicParenR"/>
+            </a:pPr>
+            <a:endParaRPr lang="en-US" altLang="ko-KR" sz="1400" dirty="0"/>
+          </a:p>
+          <a:p>
+            <a:endParaRPr lang="en-US" altLang="ko-KR" sz="1400" dirty="0"/>
+          </a:p>
+        </p:txBody>
+      </p:sp>
+      <p:sp>
+        <p:nvSpPr>
+          <p:cNvPr id="16" name="사각형: 둥근 모서리 15">
+            <a:extLst>
+              <a:ext uri="{FF2B5EF4-FFF2-40B4-BE49-F238E27FC236}">
+                <a16:creationId xmlns:a16="http://schemas.microsoft.com/office/drawing/2014/main" id="{7C6E1C1B-6CDD-4274-AD0A-DB7E637F324D}"/>
               </a:ext>
             </a:extLst>
           </p:cNvPr>
@@ -7488,61 +7600,7 @@
         </p:nvSpPr>
         <p:spPr>
           <a:xfrm>
-            <a:off x="2816238" y="1217901"/>
-            <a:ext cx="2953957" cy="5485600"/>
-          </a:xfrm>
-          <a:prstGeom prst="rect">
-            <a:avLst/>
-          </a:prstGeom>
-          <a:solidFill>
-            <a:schemeClr val="tx1">
-              <a:alpha val="75000"/>
-            </a:schemeClr>
-          </a:solidFill>
-          <a:ln>
-            <a:noFill/>
-          </a:ln>
-        </p:spPr>
-        <p:style>
-          <a:lnRef idx="2">
-            <a:schemeClr val="accent1">
-              <a:shade val="50000"/>
-            </a:schemeClr>
-          </a:lnRef>
-          <a:fillRef idx="1">
-            <a:schemeClr val="accent1"/>
-          </a:fillRef>
-          <a:effectRef idx="0">
-            <a:schemeClr val="accent1"/>
-          </a:effectRef>
-          <a:fontRef idx="minor">
-            <a:schemeClr val="lt1"/>
-          </a:fontRef>
-        </p:style>
-        <p:txBody>
-          <a:bodyPr rtlCol="0" anchor="ctr"/>
-          <a:lstStyle/>
-          <a:p>
-            <a:pPr algn="ctr"/>
-            <a:endParaRPr lang="ko-KR" altLang="en-US"/>
-          </a:p>
-        </p:txBody>
-      </p:sp>
-      <p:sp>
-        <p:nvSpPr>
-          <p:cNvPr id="3" name="사각형: 둥근 모서리 2">
-            <a:extLst>
-              <a:ext uri="{FF2B5EF4-FFF2-40B4-BE49-F238E27FC236}">
-                <a16:creationId xmlns:a16="http://schemas.microsoft.com/office/drawing/2014/main" id="{53E5E25B-6FCA-4501-AEC0-17B9C333D4D1}"/>
-              </a:ext>
-            </a:extLst>
-          </p:cNvPr>
-          <p:cNvSpPr/>
-          <p:nvPr/>
-        </p:nvSpPr>
-        <p:spPr>
-          <a:xfrm>
-            <a:off x="3182873" y="2073712"/>
+            <a:off x="241418" y="1721167"/>
             <a:ext cx="2220686" cy="3773977"/>
           </a:xfrm>
           <a:prstGeom prst="roundRect">
@@ -7589,10 +7647,10 @@
       </p:sp>
       <p:sp>
         <p:nvSpPr>
-          <p:cNvPr id="7" name="사각형: 둥근 모서리 6">
-            <a:extLst>
-              <a:ext uri="{FF2B5EF4-FFF2-40B4-BE49-F238E27FC236}">
-                <a16:creationId xmlns:a16="http://schemas.microsoft.com/office/drawing/2014/main" id="{B5E0E757-4D84-4B43-8E0A-E0D63057CB03}"/>
+          <p:cNvPr id="17" name="사각형: 둥근 모서리 16">
+            <a:extLst>
+              <a:ext uri="{FF2B5EF4-FFF2-40B4-BE49-F238E27FC236}">
+                <a16:creationId xmlns:a16="http://schemas.microsoft.com/office/drawing/2014/main" id="{12C2E446-C687-4168-B110-35E7DDD63DCE}"/>
               </a:ext>
             </a:extLst>
           </p:cNvPr>
@@ -7601,7 +7659,7 @@
         </p:nvSpPr>
         <p:spPr>
           <a:xfrm>
-            <a:off x="5071857" y="1849777"/>
+            <a:off x="2130402" y="1497232"/>
             <a:ext cx="475861" cy="447870"/>
           </a:xfrm>
           <a:prstGeom prst="roundRect">
@@ -7639,10 +7697,10 @@
       </p:sp>
       <p:sp>
         <p:nvSpPr>
-          <p:cNvPr id="8" name="TextBox 7">
-            <a:extLst>
-              <a:ext uri="{FF2B5EF4-FFF2-40B4-BE49-F238E27FC236}">
-                <a16:creationId xmlns:a16="http://schemas.microsoft.com/office/drawing/2014/main" id="{BBAE7FB8-491D-4BBD-87EF-4ED3FF594EAE}"/>
+          <p:cNvPr id="18" name="TextBox 17">
+            <a:extLst>
+              <a:ext uri="{FF2B5EF4-FFF2-40B4-BE49-F238E27FC236}">
+                <a16:creationId xmlns:a16="http://schemas.microsoft.com/office/drawing/2014/main" id="{079FD190-75C7-408A-BB65-7310A6EC3E8B}"/>
               </a:ext>
             </a:extLst>
           </p:cNvPr>
@@ -7651,7 +7709,7 @@
         </p:nvSpPr>
         <p:spPr>
           <a:xfrm>
-            <a:off x="3970050" y="1835379"/>
+            <a:off x="1028595" y="1482834"/>
             <a:ext cx="646331" cy="369332"/>
           </a:xfrm>
           <a:prstGeom prst="rect">
@@ -7685,10 +7743,10 @@
       </p:sp>
       <p:sp>
         <p:nvSpPr>
-          <p:cNvPr id="12" name="사각형: 둥근 모서리 11">
-            <a:extLst>
-              <a:ext uri="{FF2B5EF4-FFF2-40B4-BE49-F238E27FC236}">
-                <a16:creationId xmlns:a16="http://schemas.microsoft.com/office/drawing/2014/main" id="{B527410D-165D-4F9F-ABDE-5EC52DDCB862}"/>
+          <p:cNvPr id="19" name="사각형: 둥근 모서리 18">
+            <a:extLst>
+              <a:ext uri="{FF2B5EF4-FFF2-40B4-BE49-F238E27FC236}">
+                <a16:creationId xmlns:a16="http://schemas.microsoft.com/office/drawing/2014/main" id="{497419F1-4AD8-472B-B916-012CC08A7691}"/>
               </a:ext>
             </a:extLst>
           </p:cNvPr>
@@ -7697,7 +7755,7 @@
         </p:nvSpPr>
         <p:spPr>
           <a:xfrm>
-            <a:off x="3471709" y="2484662"/>
+            <a:off x="530254" y="2132117"/>
             <a:ext cx="1643012" cy="515911"/>
           </a:xfrm>
           <a:prstGeom prst="roundRect">
@@ -7739,10 +7797,10 @@
       </p:sp>
       <p:sp>
         <p:nvSpPr>
-          <p:cNvPr id="37" name="사각형: 둥근 모서리 36">
-            <a:extLst>
-              <a:ext uri="{FF2B5EF4-FFF2-40B4-BE49-F238E27FC236}">
-                <a16:creationId xmlns:a16="http://schemas.microsoft.com/office/drawing/2014/main" id="{06B2AB16-8EAD-492A-8156-AF7BFC1118AA}"/>
+          <p:cNvPr id="20" name="사각형: 둥근 모서리 19">
+            <a:extLst>
+              <a:ext uri="{FF2B5EF4-FFF2-40B4-BE49-F238E27FC236}">
+                <a16:creationId xmlns:a16="http://schemas.microsoft.com/office/drawing/2014/main" id="{0167FA1B-1D47-4C64-909F-218C37292C93}"/>
               </a:ext>
             </a:extLst>
           </p:cNvPr>
@@ -7751,7 +7809,7 @@
         </p:nvSpPr>
         <p:spPr>
           <a:xfrm>
-            <a:off x="3471709" y="3216710"/>
+            <a:off x="530254" y="2864165"/>
             <a:ext cx="1643012" cy="515911"/>
           </a:xfrm>
           <a:prstGeom prst="roundRect">
@@ -7793,10 +7851,10 @@
       </p:sp>
       <p:sp>
         <p:nvSpPr>
-          <p:cNvPr id="38" name="사각형: 둥근 모서리 37">
-            <a:extLst>
-              <a:ext uri="{FF2B5EF4-FFF2-40B4-BE49-F238E27FC236}">
-                <a16:creationId xmlns:a16="http://schemas.microsoft.com/office/drawing/2014/main" id="{A6A555D1-7FE1-4DBD-91F7-72EDED9EC767}"/>
+          <p:cNvPr id="21" name="사각형: 둥근 모서리 20">
+            <a:extLst>
+              <a:ext uri="{FF2B5EF4-FFF2-40B4-BE49-F238E27FC236}">
+                <a16:creationId xmlns:a16="http://schemas.microsoft.com/office/drawing/2014/main" id="{C4AB8D9F-4050-49AD-B76B-AC91C599461D}"/>
               </a:ext>
             </a:extLst>
           </p:cNvPr>
@@ -7805,7 +7863,7 @@
         </p:nvSpPr>
         <p:spPr>
           <a:xfrm>
-            <a:off x="3472988" y="3991477"/>
+            <a:off x="531533" y="3638932"/>
             <a:ext cx="1643012" cy="515911"/>
           </a:xfrm>
           <a:prstGeom prst="roundRect">
@@ -7847,10 +7905,10 @@
       </p:sp>
       <p:sp>
         <p:nvSpPr>
-          <p:cNvPr id="39" name="사각형: 둥근 모서리 38">
-            <a:extLst>
-              <a:ext uri="{FF2B5EF4-FFF2-40B4-BE49-F238E27FC236}">
-                <a16:creationId xmlns:a16="http://schemas.microsoft.com/office/drawing/2014/main" id="{DF2EF8F5-1FE5-44DC-9D26-66B18A22B881}"/>
+          <p:cNvPr id="22" name="사각형: 둥근 모서리 21">
+            <a:extLst>
+              <a:ext uri="{FF2B5EF4-FFF2-40B4-BE49-F238E27FC236}">
+                <a16:creationId xmlns:a16="http://schemas.microsoft.com/office/drawing/2014/main" id="{806735F1-4AED-4F36-BD71-A873E15A10F7}"/>
               </a:ext>
             </a:extLst>
           </p:cNvPr>
@@ -7859,7 +7917,7 @@
         </p:nvSpPr>
         <p:spPr>
           <a:xfrm>
-            <a:off x="3472988" y="4745721"/>
+            <a:off x="531533" y="4393176"/>
             <a:ext cx="1643012" cy="515911"/>
           </a:xfrm>
           <a:prstGeom prst="roundRect">
@@ -7899,6 +7957,4179 @@
           </a:p>
         </p:txBody>
       </p:sp>
+      <p:sp>
+        <p:nvSpPr>
+          <p:cNvPr id="23" name="사각형: 둥근 모서리 22">
+            <a:extLst>
+              <a:ext uri="{FF2B5EF4-FFF2-40B4-BE49-F238E27FC236}">
+                <a16:creationId xmlns:a16="http://schemas.microsoft.com/office/drawing/2014/main" id="{4D36C9F4-544B-499A-8EB7-9FD18DA20919}"/>
+              </a:ext>
+            </a:extLst>
+          </p:cNvPr>
+          <p:cNvSpPr/>
+          <p:nvPr/>
+        </p:nvSpPr>
+        <p:spPr>
+          <a:xfrm>
+            <a:off x="3951430" y="1165399"/>
+            <a:ext cx="1612488" cy="2257636"/>
+          </a:xfrm>
+          <a:prstGeom prst="roundRect">
+            <a:avLst/>
+          </a:prstGeom>
+          <a:solidFill>
+            <a:schemeClr val="tx2">
+              <a:lumMod val="20000"/>
+              <a:lumOff val="80000"/>
+            </a:schemeClr>
+          </a:solidFill>
+          <a:ln w="38100">
+            <a:solidFill>
+              <a:schemeClr val="bg2">
+                <a:lumMod val="50000"/>
+              </a:schemeClr>
+            </a:solidFill>
+          </a:ln>
+        </p:spPr>
+        <p:style>
+          <a:lnRef idx="2">
+            <a:schemeClr val="accent1">
+              <a:shade val="50000"/>
+            </a:schemeClr>
+          </a:lnRef>
+          <a:fillRef idx="1">
+            <a:schemeClr val="accent1"/>
+          </a:fillRef>
+          <a:effectRef idx="0">
+            <a:schemeClr val="accent1"/>
+          </a:effectRef>
+          <a:fontRef idx="minor">
+            <a:schemeClr val="lt1"/>
+          </a:fontRef>
+        </p:style>
+        <p:txBody>
+          <a:bodyPr rtlCol="0" anchor="ctr"/>
+          <a:lstStyle/>
+          <a:p>
+            <a:pPr algn="ctr"/>
+            <a:endParaRPr lang="ko-KR" altLang="en-US" dirty="0"/>
+          </a:p>
+        </p:txBody>
+      </p:sp>
+      <p:sp>
+        <p:nvSpPr>
+          <p:cNvPr id="25" name="사각형: 둥근 모서리 24">
+            <a:extLst>
+              <a:ext uri="{FF2B5EF4-FFF2-40B4-BE49-F238E27FC236}">
+                <a16:creationId xmlns:a16="http://schemas.microsoft.com/office/drawing/2014/main" id="{C84EE746-1286-4698-B5AD-890188F96B6C}"/>
+              </a:ext>
+            </a:extLst>
+          </p:cNvPr>
+          <p:cNvSpPr/>
+          <p:nvPr/>
+        </p:nvSpPr>
+        <p:spPr>
+          <a:xfrm>
+            <a:off x="6179643" y="1165399"/>
+            <a:ext cx="1612488" cy="2257636"/>
+          </a:xfrm>
+          <a:prstGeom prst="roundRect">
+            <a:avLst/>
+          </a:prstGeom>
+          <a:solidFill>
+            <a:schemeClr val="tx2">
+              <a:lumMod val="20000"/>
+              <a:lumOff val="80000"/>
+            </a:schemeClr>
+          </a:solidFill>
+          <a:ln w="38100">
+            <a:solidFill>
+              <a:schemeClr val="bg2">
+                <a:lumMod val="50000"/>
+              </a:schemeClr>
+            </a:solidFill>
+          </a:ln>
+        </p:spPr>
+        <p:style>
+          <a:lnRef idx="2">
+            <a:schemeClr val="accent1">
+              <a:shade val="50000"/>
+            </a:schemeClr>
+          </a:lnRef>
+          <a:fillRef idx="1">
+            <a:schemeClr val="accent1"/>
+          </a:fillRef>
+          <a:effectRef idx="0">
+            <a:schemeClr val="accent1"/>
+          </a:effectRef>
+          <a:fontRef idx="minor">
+            <a:schemeClr val="lt1"/>
+          </a:fontRef>
+        </p:style>
+        <p:txBody>
+          <a:bodyPr rtlCol="0" anchor="ctr"/>
+          <a:lstStyle/>
+          <a:p>
+            <a:pPr algn="ctr"/>
+            <a:endParaRPr lang="ko-KR" altLang="en-US" dirty="0"/>
+          </a:p>
+        </p:txBody>
+      </p:sp>
+      <p:sp>
+        <p:nvSpPr>
+          <p:cNvPr id="26" name="사각형: 둥근 모서리 25">
+            <a:extLst>
+              <a:ext uri="{FF2B5EF4-FFF2-40B4-BE49-F238E27FC236}">
+                <a16:creationId xmlns:a16="http://schemas.microsoft.com/office/drawing/2014/main" id="{2AE5DBE3-81BE-4F16-B04B-EA06DD473D85}"/>
+              </a:ext>
+            </a:extLst>
+          </p:cNvPr>
+          <p:cNvSpPr/>
+          <p:nvPr/>
+        </p:nvSpPr>
+        <p:spPr>
+          <a:xfrm>
+            <a:off x="3951430" y="4154843"/>
+            <a:ext cx="1612488" cy="2257636"/>
+          </a:xfrm>
+          <a:prstGeom prst="roundRect">
+            <a:avLst/>
+          </a:prstGeom>
+          <a:solidFill>
+            <a:schemeClr val="tx2">
+              <a:lumMod val="20000"/>
+              <a:lumOff val="80000"/>
+            </a:schemeClr>
+          </a:solidFill>
+          <a:ln w="38100">
+            <a:solidFill>
+              <a:schemeClr val="bg2">
+                <a:lumMod val="50000"/>
+              </a:schemeClr>
+            </a:solidFill>
+          </a:ln>
+        </p:spPr>
+        <p:style>
+          <a:lnRef idx="2">
+            <a:schemeClr val="accent1">
+              <a:shade val="50000"/>
+            </a:schemeClr>
+          </a:lnRef>
+          <a:fillRef idx="1">
+            <a:schemeClr val="accent1"/>
+          </a:fillRef>
+          <a:effectRef idx="0">
+            <a:schemeClr val="accent1"/>
+          </a:effectRef>
+          <a:fontRef idx="minor">
+            <a:schemeClr val="lt1"/>
+          </a:fontRef>
+        </p:style>
+        <p:txBody>
+          <a:bodyPr rtlCol="0" anchor="ctr"/>
+          <a:lstStyle/>
+          <a:p>
+            <a:pPr algn="ctr"/>
+            <a:endParaRPr lang="ko-KR" altLang="en-US" dirty="0"/>
+          </a:p>
+        </p:txBody>
+      </p:sp>
+      <p:sp>
+        <p:nvSpPr>
+          <p:cNvPr id="27" name="사각형: 둥근 모서리 26">
+            <a:extLst>
+              <a:ext uri="{FF2B5EF4-FFF2-40B4-BE49-F238E27FC236}">
+                <a16:creationId xmlns:a16="http://schemas.microsoft.com/office/drawing/2014/main" id="{53017BF5-722D-476C-B58E-E7CACF545864}"/>
+              </a:ext>
+            </a:extLst>
+          </p:cNvPr>
+          <p:cNvSpPr/>
+          <p:nvPr/>
+        </p:nvSpPr>
+        <p:spPr>
+          <a:xfrm>
+            <a:off x="6179643" y="4154843"/>
+            <a:ext cx="1612488" cy="2257636"/>
+          </a:xfrm>
+          <a:prstGeom prst="roundRect">
+            <a:avLst/>
+          </a:prstGeom>
+          <a:solidFill>
+            <a:schemeClr val="tx2">
+              <a:lumMod val="20000"/>
+              <a:lumOff val="80000"/>
+            </a:schemeClr>
+          </a:solidFill>
+          <a:ln w="38100">
+            <a:solidFill>
+              <a:schemeClr val="bg2">
+                <a:lumMod val="50000"/>
+              </a:schemeClr>
+            </a:solidFill>
+          </a:ln>
+        </p:spPr>
+        <p:style>
+          <a:lnRef idx="2">
+            <a:schemeClr val="accent1">
+              <a:shade val="50000"/>
+            </a:schemeClr>
+          </a:lnRef>
+          <a:fillRef idx="1">
+            <a:schemeClr val="accent1"/>
+          </a:fillRef>
+          <a:effectRef idx="0">
+            <a:schemeClr val="accent1"/>
+          </a:effectRef>
+          <a:fontRef idx="minor">
+            <a:schemeClr val="lt1"/>
+          </a:fontRef>
+        </p:style>
+        <p:txBody>
+          <a:bodyPr rtlCol="0" anchor="ctr"/>
+          <a:lstStyle/>
+          <a:p>
+            <a:pPr algn="ctr"/>
+            <a:endParaRPr lang="ko-KR" altLang="en-US" dirty="0"/>
+          </a:p>
+        </p:txBody>
+      </p:sp>
+      <p:sp>
+        <p:nvSpPr>
+          <p:cNvPr id="2" name="사각형: 둥근 모서리 1">
+            <a:extLst>
+              <a:ext uri="{FF2B5EF4-FFF2-40B4-BE49-F238E27FC236}">
+                <a16:creationId xmlns:a16="http://schemas.microsoft.com/office/drawing/2014/main" id="{7D71BCAD-92D4-4473-8A47-68AA1D39F74A}"/>
+              </a:ext>
+            </a:extLst>
+          </p:cNvPr>
+          <p:cNvSpPr/>
+          <p:nvPr/>
+        </p:nvSpPr>
+        <p:spPr>
+          <a:xfrm>
+            <a:off x="4225373" y="1330889"/>
+            <a:ext cx="1054816" cy="252548"/>
+          </a:xfrm>
+          <a:prstGeom prst="roundRect">
+            <a:avLst/>
+          </a:prstGeom>
+          <a:solidFill>
+            <a:schemeClr val="accent1">
+              <a:lumMod val="60000"/>
+              <a:lumOff val="40000"/>
+            </a:schemeClr>
+          </a:solidFill>
+          <a:ln>
+            <a:noFill/>
+          </a:ln>
+        </p:spPr>
+        <p:style>
+          <a:lnRef idx="2">
+            <a:schemeClr val="accent1">
+              <a:shade val="50000"/>
+            </a:schemeClr>
+          </a:lnRef>
+          <a:fillRef idx="1">
+            <a:schemeClr val="accent1"/>
+          </a:fillRef>
+          <a:effectRef idx="0">
+            <a:schemeClr val="accent1"/>
+          </a:effectRef>
+          <a:fontRef idx="minor">
+            <a:schemeClr val="lt1"/>
+          </a:fontRef>
+        </p:style>
+        <p:txBody>
+          <a:bodyPr rtlCol="0" anchor="ctr"/>
+          <a:lstStyle/>
+          <a:p>
+            <a:pPr algn="ctr"/>
+            <a:r>
+              <a:rPr lang="en-US" altLang="ko-KR" sz="1100" b="1" dirty="0"/>
+              <a:t>777</a:t>
+            </a:r>
+            <a:endParaRPr lang="ko-KR" altLang="en-US" sz="1100" b="1" dirty="0"/>
+          </a:p>
+        </p:txBody>
+      </p:sp>
+      <p:pic>
+        <p:nvPicPr>
+          <p:cNvPr id="14" name="그림 13">
+            <a:extLst>
+              <a:ext uri="{FF2B5EF4-FFF2-40B4-BE49-F238E27FC236}">
+                <a16:creationId xmlns:a16="http://schemas.microsoft.com/office/drawing/2014/main" id="{3132B915-D569-406B-A1CE-74AF8D261703}"/>
+              </a:ext>
+            </a:extLst>
+          </p:cNvPr>
+          <p:cNvPicPr>
+            <a:picLocks noChangeAspect="1"/>
+          </p:cNvPicPr>
+          <p:nvPr/>
+        </p:nvPicPr>
+        <p:blipFill>
+          <a:blip r:embed="rId2">
+            <a:extLst>
+              <a:ext uri="{28A0092B-C50C-407E-A947-70E740481C1C}">
+                <a14:useLocalDpi xmlns:a14="http://schemas.microsoft.com/office/drawing/2010/main" val="0"/>
+              </a:ext>
+            </a:extLst>
+          </a:blip>
+          <a:stretch>
+            <a:fillRect/>
+          </a:stretch>
+        </p:blipFill>
+        <p:spPr>
+          <a:xfrm>
+            <a:off x="4237613" y="1330889"/>
+            <a:ext cx="255946" cy="252548"/>
+          </a:xfrm>
+          <a:prstGeom prst="rect">
+            <a:avLst/>
+          </a:prstGeom>
+        </p:spPr>
+      </p:pic>
+      <p:sp>
+        <p:nvSpPr>
+          <p:cNvPr id="31" name="사각형: 둥근 모서리 30">
+            <a:extLst>
+              <a:ext uri="{FF2B5EF4-FFF2-40B4-BE49-F238E27FC236}">
+                <a16:creationId xmlns:a16="http://schemas.microsoft.com/office/drawing/2014/main" id="{EA439823-6C43-4C83-815B-C4AC4AC76B4D}"/>
+              </a:ext>
+            </a:extLst>
+          </p:cNvPr>
+          <p:cNvSpPr/>
+          <p:nvPr/>
+        </p:nvSpPr>
+        <p:spPr>
+          <a:xfrm>
+            <a:off x="4082610" y="1748927"/>
+            <a:ext cx="1131201" cy="252548"/>
+          </a:xfrm>
+          <a:prstGeom prst="roundRect">
+            <a:avLst/>
+          </a:prstGeom>
+          <a:solidFill>
+            <a:schemeClr val="accent1">
+              <a:lumMod val="60000"/>
+              <a:lumOff val="40000"/>
+            </a:schemeClr>
+          </a:solidFill>
+          <a:ln>
+            <a:noFill/>
+          </a:ln>
+        </p:spPr>
+        <p:style>
+          <a:lnRef idx="2">
+            <a:schemeClr val="accent1">
+              <a:shade val="50000"/>
+            </a:schemeClr>
+          </a:lnRef>
+          <a:fillRef idx="1">
+            <a:schemeClr val="accent1"/>
+          </a:fillRef>
+          <a:effectRef idx="0">
+            <a:schemeClr val="accent1"/>
+          </a:effectRef>
+          <a:fontRef idx="minor">
+            <a:schemeClr val="lt1"/>
+          </a:fontRef>
+        </p:style>
+        <p:txBody>
+          <a:bodyPr rtlCol="0" anchor="ctr"/>
+          <a:lstStyle/>
+          <a:p>
+            <a:pPr algn="ctr"/>
+            <a:r>
+              <a:rPr lang="ko-KR" altLang="en-US" sz="800" b="1" dirty="0">
+                <a:solidFill>
+                  <a:schemeClr val="tx1"/>
+                </a:solidFill>
+              </a:rPr>
+              <a:t>황건적의 난</a:t>
+            </a:r>
+          </a:p>
+        </p:txBody>
+      </p:sp>
+      <p:pic>
+        <p:nvPicPr>
+          <p:cNvPr id="32" name="그림 31" descr="앉아있는, 컴퓨터, 노트북, 보는이(가) 표시된 사진&#10;&#10;자동 생성된 설명">
+            <a:extLst>
+              <a:ext uri="{FF2B5EF4-FFF2-40B4-BE49-F238E27FC236}">
+                <a16:creationId xmlns:a16="http://schemas.microsoft.com/office/drawing/2014/main" id="{D1C14E25-2656-45FC-B947-15F3D0664A1C}"/>
+              </a:ext>
+            </a:extLst>
+          </p:cNvPr>
+          <p:cNvPicPr>
+            <a:picLocks noChangeAspect="1"/>
+          </p:cNvPicPr>
+          <p:nvPr/>
+        </p:nvPicPr>
+        <p:blipFill rotWithShape="1">
+          <a:blip r:embed="rId3">
+            <a:extLst>
+              <a:ext uri="{28A0092B-C50C-407E-A947-70E740481C1C}">
+                <a14:useLocalDpi xmlns:a14="http://schemas.microsoft.com/office/drawing/2010/main" val="0"/>
+              </a:ext>
+            </a:extLst>
+          </a:blip>
+          <a:srcRect t="23256" b="24321"/>
+          <a:stretch/>
+        </p:blipFill>
+        <p:spPr>
+          <a:xfrm>
+            <a:off x="5225278" y="1720528"/>
+            <a:ext cx="261925" cy="283016"/>
+          </a:xfrm>
+          <a:prstGeom prst="rect">
+            <a:avLst/>
+          </a:prstGeom>
+        </p:spPr>
+      </p:pic>
+      <p:sp>
+        <p:nvSpPr>
+          <p:cNvPr id="41" name="사각형: 둥근 모서리 40">
+            <a:extLst>
+              <a:ext uri="{FF2B5EF4-FFF2-40B4-BE49-F238E27FC236}">
+                <a16:creationId xmlns:a16="http://schemas.microsoft.com/office/drawing/2014/main" id="{60DDAE55-39AE-4E3E-9CA7-353ABCB48A96}"/>
+              </a:ext>
+            </a:extLst>
+          </p:cNvPr>
+          <p:cNvSpPr/>
+          <p:nvPr/>
+        </p:nvSpPr>
+        <p:spPr>
+          <a:xfrm>
+            <a:off x="4082561" y="2118374"/>
+            <a:ext cx="1131201" cy="252548"/>
+          </a:xfrm>
+          <a:prstGeom prst="roundRect">
+            <a:avLst/>
+          </a:prstGeom>
+          <a:solidFill>
+            <a:schemeClr val="accent1">
+              <a:lumMod val="60000"/>
+              <a:lumOff val="40000"/>
+            </a:schemeClr>
+          </a:solidFill>
+          <a:ln>
+            <a:noFill/>
+          </a:ln>
+        </p:spPr>
+        <p:style>
+          <a:lnRef idx="2">
+            <a:schemeClr val="accent1">
+              <a:shade val="50000"/>
+            </a:schemeClr>
+          </a:lnRef>
+          <a:fillRef idx="1">
+            <a:schemeClr val="accent1"/>
+          </a:fillRef>
+          <a:effectRef idx="0">
+            <a:schemeClr val="accent1"/>
+          </a:effectRef>
+          <a:fontRef idx="minor">
+            <a:schemeClr val="lt1"/>
+          </a:fontRef>
+        </p:style>
+        <p:txBody>
+          <a:bodyPr rtlCol="0" anchor="ctr"/>
+          <a:lstStyle/>
+          <a:p>
+            <a:pPr algn="ctr"/>
+            <a:r>
+              <a:rPr lang="ko-KR" altLang="en-US" sz="800" b="1" dirty="0" err="1">
+                <a:solidFill>
+                  <a:schemeClr val="tx1"/>
+                </a:solidFill>
+              </a:rPr>
+              <a:t>반동탁</a:t>
+            </a:r>
+            <a:r>
+              <a:rPr lang="ko-KR" altLang="en-US" sz="800" b="1" dirty="0">
+                <a:solidFill>
+                  <a:schemeClr val="tx1"/>
+                </a:solidFill>
+              </a:rPr>
+              <a:t> 연맹</a:t>
+            </a:r>
+            <a:endParaRPr lang="en-US" altLang="ko-KR" sz="800" b="1" dirty="0">
+              <a:solidFill>
+                <a:schemeClr val="tx1"/>
+              </a:solidFill>
+            </a:endParaRPr>
+          </a:p>
+          <a:p>
+            <a:pPr algn="ctr"/>
+            <a:r>
+              <a:rPr lang="ko-KR" altLang="en-US" sz="600" b="1" dirty="0">
+                <a:solidFill>
+                  <a:schemeClr val="accent4">
+                    <a:lumMod val="20000"/>
+                    <a:lumOff val="80000"/>
+                  </a:schemeClr>
+                </a:solidFill>
+              </a:rPr>
+              <a:t>금액 </a:t>
+            </a:r>
+            <a:r>
+              <a:rPr lang="en-US" altLang="ko-KR" sz="600" b="1" dirty="0">
+                <a:solidFill>
+                  <a:schemeClr val="accent4">
+                    <a:lumMod val="20000"/>
+                    <a:lumOff val="80000"/>
+                  </a:schemeClr>
+                </a:solidFill>
+              </a:rPr>
+              <a:t>: 1000</a:t>
+            </a:r>
+            <a:r>
+              <a:rPr lang="ko-KR" altLang="en-US" sz="600" b="1" dirty="0">
+                <a:solidFill>
+                  <a:schemeClr val="accent4">
+                    <a:lumMod val="20000"/>
+                    <a:lumOff val="80000"/>
+                  </a:schemeClr>
+                </a:solidFill>
+              </a:rPr>
+              <a:t>원</a:t>
+            </a:r>
+          </a:p>
+        </p:txBody>
+      </p:sp>
+      <p:sp>
+        <p:nvSpPr>
+          <p:cNvPr id="34" name="사각형: 둥근 모서리 33">
+            <a:extLst>
+              <a:ext uri="{FF2B5EF4-FFF2-40B4-BE49-F238E27FC236}">
+                <a16:creationId xmlns:a16="http://schemas.microsoft.com/office/drawing/2014/main" id="{C596D529-484A-47FF-ABBA-91134732D98E}"/>
+              </a:ext>
+            </a:extLst>
+          </p:cNvPr>
+          <p:cNvSpPr/>
+          <p:nvPr/>
+        </p:nvSpPr>
+        <p:spPr>
+          <a:xfrm>
+            <a:off x="5167630" y="2118374"/>
+            <a:ext cx="361623" cy="252548"/>
+          </a:xfrm>
+          <a:prstGeom prst="roundRect">
+            <a:avLst/>
+          </a:prstGeom>
+        </p:spPr>
+        <p:style>
+          <a:lnRef idx="2">
+            <a:schemeClr val="accent1">
+              <a:shade val="50000"/>
+            </a:schemeClr>
+          </a:lnRef>
+          <a:fillRef idx="1">
+            <a:schemeClr val="accent1"/>
+          </a:fillRef>
+          <a:effectRef idx="0">
+            <a:schemeClr val="accent1"/>
+          </a:effectRef>
+          <a:fontRef idx="minor">
+            <a:schemeClr val="lt1"/>
+          </a:fontRef>
+        </p:style>
+        <p:txBody>
+          <a:bodyPr rtlCol="0" anchor="ctr"/>
+          <a:lstStyle/>
+          <a:p>
+            <a:pPr algn="ctr"/>
+            <a:endParaRPr lang="ko-KR" altLang="en-US" sz="800" dirty="0"/>
+          </a:p>
+        </p:txBody>
+      </p:sp>
+      <p:sp>
+        <p:nvSpPr>
+          <p:cNvPr id="35" name="TextBox 34">
+            <a:extLst>
+              <a:ext uri="{FF2B5EF4-FFF2-40B4-BE49-F238E27FC236}">
+                <a16:creationId xmlns:a16="http://schemas.microsoft.com/office/drawing/2014/main" id="{415465BB-0B3B-4587-820B-9AEA08718874}"/>
+              </a:ext>
+            </a:extLst>
+          </p:cNvPr>
+          <p:cNvSpPr txBox="1"/>
+          <p:nvPr/>
+        </p:nvSpPr>
+        <p:spPr>
+          <a:xfrm>
+            <a:off x="5133772" y="2124701"/>
+            <a:ext cx="441146" cy="246221"/>
+          </a:xfrm>
+          <a:prstGeom prst="rect">
+            <a:avLst/>
+          </a:prstGeom>
+          <a:noFill/>
+        </p:spPr>
+        <p:txBody>
+          <a:bodyPr wrap="square" rtlCol="0">
+            <a:spAutoFit/>
+          </a:bodyPr>
+          <a:lstStyle/>
+          <a:p>
+            <a:r>
+              <a:rPr lang="ko-KR" altLang="en-US" sz="1000" b="1" dirty="0">
+                <a:solidFill>
+                  <a:schemeClr val="bg1"/>
+                </a:solidFill>
+              </a:rPr>
+              <a:t>구매</a:t>
+            </a:r>
+          </a:p>
+        </p:txBody>
+      </p:sp>
+      <p:sp>
+        <p:nvSpPr>
+          <p:cNvPr id="43" name="TextBox 42">
+            <a:extLst>
+              <a:ext uri="{FF2B5EF4-FFF2-40B4-BE49-F238E27FC236}">
+                <a16:creationId xmlns:a16="http://schemas.microsoft.com/office/drawing/2014/main" id="{2ED9C79A-8856-492E-9D95-4535D1BE9CB8}"/>
+              </a:ext>
+            </a:extLst>
+          </p:cNvPr>
+          <p:cNvSpPr txBox="1"/>
+          <p:nvPr/>
+        </p:nvSpPr>
+        <p:spPr>
+          <a:xfrm>
+            <a:off x="4197536" y="993016"/>
+            <a:ext cx="1144865" cy="307777"/>
+          </a:xfrm>
+          <a:prstGeom prst="rect">
+            <a:avLst/>
+          </a:prstGeom>
+          <a:noFill/>
+        </p:spPr>
+        <p:txBody>
+          <a:bodyPr wrap="none" rtlCol="0">
+            <a:spAutoFit/>
+          </a:bodyPr>
+          <a:lstStyle/>
+          <a:p>
+            <a:r>
+              <a:rPr lang="ko-KR" altLang="en-US" sz="1400" b="1" dirty="0">
+                <a:ln w="0">
+                  <a:solidFill>
+                    <a:schemeClr val="accent2">
+                      <a:lumMod val="50000"/>
+                    </a:schemeClr>
+                  </a:solidFill>
+                </a:ln>
+                <a:solidFill>
+                  <a:schemeClr val="accent2">
+                    <a:lumMod val="60000"/>
+                    <a:lumOff val="40000"/>
+                  </a:schemeClr>
+                </a:solidFill>
+              </a:rPr>
+              <a:t>새로운 수련</a:t>
+            </a:r>
+          </a:p>
+        </p:txBody>
+      </p:sp>
+      <p:sp>
+        <p:nvSpPr>
+          <p:cNvPr id="44" name="TextBox 43">
+            <a:extLst>
+              <a:ext uri="{FF2B5EF4-FFF2-40B4-BE49-F238E27FC236}">
+                <a16:creationId xmlns:a16="http://schemas.microsoft.com/office/drawing/2014/main" id="{CAB314D8-7D64-4D29-AAEB-89F9E2F18CA1}"/>
+              </a:ext>
+            </a:extLst>
+          </p:cNvPr>
+          <p:cNvSpPr txBox="1"/>
+          <p:nvPr/>
+        </p:nvSpPr>
+        <p:spPr>
+          <a:xfrm>
+            <a:off x="6624248" y="993015"/>
+            <a:ext cx="723275" cy="307777"/>
+          </a:xfrm>
+          <a:prstGeom prst="rect">
+            <a:avLst/>
+          </a:prstGeom>
+          <a:noFill/>
+        </p:spPr>
+        <p:txBody>
+          <a:bodyPr wrap="none" rtlCol="0">
+            <a:spAutoFit/>
+          </a:bodyPr>
+          <a:lstStyle/>
+          <a:p>
+            <a:r>
+              <a:rPr lang="ko-KR" altLang="en-US" sz="1400" b="1" dirty="0">
+                <a:ln w="0">
+                  <a:solidFill>
+                    <a:schemeClr val="accent2">
+                      <a:lumMod val="50000"/>
+                    </a:schemeClr>
+                  </a:solidFill>
+                </a:ln>
+                <a:solidFill>
+                  <a:schemeClr val="accent2">
+                    <a:lumMod val="60000"/>
+                    <a:lumOff val="40000"/>
+                  </a:schemeClr>
+                </a:solidFill>
+              </a:rPr>
+              <a:t>깨달음</a:t>
+            </a:r>
+          </a:p>
+        </p:txBody>
+      </p:sp>
+      <p:sp>
+        <p:nvSpPr>
+          <p:cNvPr id="45" name="TextBox 44">
+            <a:extLst>
+              <a:ext uri="{FF2B5EF4-FFF2-40B4-BE49-F238E27FC236}">
+                <a16:creationId xmlns:a16="http://schemas.microsoft.com/office/drawing/2014/main" id="{31DEE51F-F9FA-4FB1-B6ED-E5CE990D318D}"/>
+              </a:ext>
+            </a:extLst>
+          </p:cNvPr>
+          <p:cNvSpPr txBox="1"/>
+          <p:nvPr/>
+        </p:nvSpPr>
+        <p:spPr>
+          <a:xfrm>
+            <a:off x="4480911" y="4020523"/>
+            <a:ext cx="543739" cy="307777"/>
+          </a:xfrm>
+          <a:prstGeom prst="rect">
+            <a:avLst/>
+          </a:prstGeom>
+          <a:noFill/>
+        </p:spPr>
+        <p:txBody>
+          <a:bodyPr wrap="none" rtlCol="0">
+            <a:spAutoFit/>
+          </a:bodyPr>
+          <a:lstStyle/>
+          <a:p>
+            <a:r>
+              <a:rPr lang="ko-KR" altLang="en-US" sz="1400" b="1">
+                <a:ln w="0">
+                  <a:solidFill>
+                    <a:schemeClr val="accent2">
+                      <a:lumMod val="50000"/>
+                    </a:schemeClr>
+                  </a:solidFill>
+                </a:ln>
+                <a:solidFill>
+                  <a:schemeClr val="accent2">
+                    <a:lumMod val="60000"/>
+                    <a:lumOff val="40000"/>
+                  </a:schemeClr>
+                </a:solidFill>
+              </a:rPr>
+              <a:t>노력</a:t>
+            </a:r>
+            <a:endParaRPr lang="ko-KR" altLang="en-US" sz="1400" b="1" dirty="0">
+              <a:ln w="0">
+                <a:solidFill>
+                  <a:schemeClr val="accent2">
+                    <a:lumMod val="50000"/>
+                  </a:schemeClr>
+                </a:solidFill>
+              </a:ln>
+              <a:solidFill>
+                <a:schemeClr val="accent2">
+                  <a:lumMod val="60000"/>
+                  <a:lumOff val="40000"/>
+                </a:schemeClr>
+              </a:solidFill>
+            </a:endParaRPr>
+          </a:p>
+        </p:txBody>
+      </p:sp>
+      <p:sp>
+        <p:nvSpPr>
+          <p:cNvPr id="46" name="TextBox 45">
+            <a:extLst>
+              <a:ext uri="{FF2B5EF4-FFF2-40B4-BE49-F238E27FC236}">
+                <a16:creationId xmlns:a16="http://schemas.microsoft.com/office/drawing/2014/main" id="{9826F433-79C4-4766-8F30-C4A5FEC5D4AD}"/>
+              </a:ext>
+            </a:extLst>
+          </p:cNvPr>
+          <p:cNvSpPr txBox="1"/>
+          <p:nvPr/>
+        </p:nvSpPr>
+        <p:spPr>
+          <a:xfrm>
+            <a:off x="6499113" y="4000954"/>
+            <a:ext cx="965329" cy="307777"/>
+          </a:xfrm>
+          <a:prstGeom prst="rect">
+            <a:avLst/>
+          </a:prstGeom>
+          <a:noFill/>
+        </p:spPr>
+        <p:txBody>
+          <a:bodyPr wrap="none" rtlCol="0">
+            <a:spAutoFit/>
+          </a:bodyPr>
+          <a:lstStyle/>
+          <a:p>
+            <a:r>
+              <a:rPr lang="ko-KR" altLang="en-US" sz="1400" b="1" dirty="0">
+                <a:ln w="0">
+                  <a:solidFill>
+                    <a:schemeClr val="accent2">
+                      <a:lumMod val="50000"/>
+                    </a:schemeClr>
+                  </a:solidFill>
+                </a:ln>
+                <a:solidFill>
+                  <a:schemeClr val="accent2">
+                    <a:lumMod val="60000"/>
+                    <a:lumOff val="40000"/>
+                  </a:schemeClr>
+                </a:solidFill>
+              </a:rPr>
+              <a:t>체력 단련</a:t>
+            </a:r>
+          </a:p>
+        </p:txBody>
+      </p:sp>
+      <p:sp>
+        <p:nvSpPr>
+          <p:cNvPr id="47" name="사각형: 둥근 모서리 46">
+            <a:extLst>
+              <a:ext uri="{FF2B5EF4-FFF2-40B4-BE49-F238E27FC236}">
+                <a16:creationId xmlns:a16="http://schemas.microsoft.com/office/drawing/2014/main" id="{0A80D18D-3A89-4B8E-A2BA-9933BFAD43B8}"/>
+              </a:ext>
+            </a:extLst>
+          </p:cNvPr>
+          <p:cNvSpPr/>
+          <p:nvPr/>
+        </p:nvSpPr>
+        <p:spPr>
+          <a:xfrm>
+            <a:off x="4082561" y="2485113"/>
+            <a:ext cx="1131201" cy="252548"/>
+          </a:xfrm>
+          <a:prstGeom prst="roundRect">
+            <a:avLst/>
+          </a:prstGeom>
+          <a:solidFill>
+            <a:schemeClr val="accent1">
+              <a:lumMod val="60000"/>
+              <a:lumOff val="40000"/>
+            </a:schemeClr>
+          </a:solidFill>
+          <a:ln>
+            <a:noFill/>
+          </a:ln>
+        </p:spPr>
+        <p:style>
+          <a:lnRef idx="2">
+            <a:schemeClr val="accent1">
+              <a:shade val="50000"/>
+            </a:schemeClr>
+          </a:lnRef>
+          <a:fillRef idx="1">
+            <a:schemeClr val="accent1"/>
+          </a:fillRef>
+          <a:effectRef idx="0">
+            <a:schemeClr val="accent1"/>
+          </a:effectRef>
+          <a:fontRef idx="minor">
+            <a:schemeClr val="lt1"/>
+          </a:fontRef>
+        </p:style>
+        <p:txBody>
+          <a:bodyPr rtlCol="0" anchor="ctr"/>
+          <a:lstStyle/>
+          <a:p>
+            <a:pPr algn="ctr"/>
+            <a:r>
+              <a:rPr lang="ko-KR" altLang="en-US" sz="800" b="1" dirty="0">
+                <a:solidFill>
+                  <a:schemeClr val="tx1"/>
+                </a:solidFill>
+              </a:rPr>
+              <a:t>서주 대학살</a:t>
+            </a:r>
+            <a:endParaRPr lang="en-US" altLang="ko-KR" sz="800" b="1" dirty="0">
+              <a:solidFill>
+                <a:schemeClr val="tx1"/>
+              </a:solidFill>
+            </a:endParaRPr>
+          </a:p>
+          <a:p>
+            <a:pPr algn="ctr"/>
+            <a:r>
+              <a:rPr lang="ko-KR" altLang="en-US" sz="600" b="1" dirty="0">
+                <a:solidFill>
+                  <a:schemeClr val="accent4">
+                    <a:lumMod val="20000"/>
+                    <a:lumOff val="80000"/>
+                  </a:schemeClr>
+                </a:solidFill>
+              </a:rPr>
+              <a:t>금액 </a:t>
+            </a:r>
+            <a:r>
+              <a:rPr lang="en-US" altLang="ko-KR" sz="600" b="1" dirty="0">
+                <a:solidFill>
+                  <a:schemeClr val="accent4">
+                    <a:lumMod val="20000"/>
+                    <a:lumOff val="80000"/>
+                  </a:schemeClr>
+                </a:solidFill>
+              </a:rPr>
+              <a:t>: 1500</a:t>
+            </a:r>
+            <a:r>
+              <a:rPr lang="ko-KR" altLang="en-US" sz="600" b="1" dirty="0">
+                <a:solidFill>
+                  <a:schemeClr val="accent4">
+                    <a:lumMod val="20000"/>
+                    <a:lumOff val="80000"/>
+                  </a:schemeClr>
+                </a:solidFill>
+              </a:rPr>
+              <a:t>원</a:t>
+            </a:r>
+          </a:p>
+        </p:txBody>
+      </p:sp>
+      <p:sp>
+        <p:nvSpPr>
+          <p:cNvPr id="48" name="사각형: 둥근 모서리 47">
+            <a:extLst>
+              <a:ext uri="{FF2B5EF4-FFF2-40B4-BE49-F238E27FC236}">
+                <a16:creationId xmlns:a16="http://schemas.microsoft.com/office/drawing/2014/main" id="{C6154D4F-B5AC-481E-9D20-A1FE49D076D4}"/>
+              </a:ext>
+            </a:extLst>
+          </p:cNvPr>
+          <p:cNvSpPr/>
+          <p:nvPr/>
+        </p:nvSpPr>
+        <p:spPr>
+          <a:xfrm>
+            <a:off x="5167630" y="2485113"/>
+            <a:ext cx="361623" cy="252548"/>
+          </a:xfrm>
+          <a:prstGeom prst="roundRect">
+            <a:avLst/>
+          </a:prstGeom>
+        </p:spPr>
+        <p:style>
+          <a:lnRef idx="2">
+            <a:schemeClr val="accent1">
+              <a:shade val="50000"/>
+            </a:schemeClr>
+          </a:lnRef>
+          <a:fillRef idx="1">
+            <a:schemeClr val="accent1"/>
+          </a:fillRef>
+          <a:effectRef idx="0">
+            <a:schemeClr val="accent1"/>
+          </a:effectRef>
+          <a:fontRef idx="minor">
+            <a:schemeClr val="lt1"/>
+          </a:fontRef>
+        </p:style>
+        <p:txBody>
+          <a:bodyPr rtlCol="0" anchor="ctr"/>
+          <a:lstStyle/>
+          <a:p>
+            <a:pPr algn="ctr"/>
+            <a:endParaRPr lang="ko-KR" altLang="en-US" sz="800" dirty="0"/>
+          </a:p>
+        </p:txBody>
+      </p:sp>
+      <p:sp>
+        <p:nvSpPr>
+          <p:cNvPr id="49" name="TextBox 48">
+            <a:extLst>
+              <a:ext uri="{FF2B5EF4-FFF2-40B4-BE49-F238E27FC236}">
+                <a16:creationId xmlns:a16="http://schemas.microsoft.com/office/drawing/2014/main" id="{F9ADDDBD-F4B4-4BE0-A080-D1B7F86B2431}"/>
+              </a:ext>
+            </a:extLst>
+          </p:cNvPr>
+          <p:cNvSpPr txBox="1"/>
+          <p:nvPr/>
+        </p:nvSpPr>
+        <p:spPr>
+          <a:xfrm>
+            <a:off x="5133772" y="2491440"/>
+            <a:ext cx="441146" cy="246221"/>
+          </a:xfrm>
+          <a:prstGeom prst="rect">
+            <a:avLst/>
+          </a:prstGeom>
+          <a:noFill/>
+        </p:spPr>
+        <p:txBody>
+          <a:bodyPr wrap="square" rtlCol="0">
+            <a:spAutoFit/>
+          </a:bodyPr>
+          <a:lstStyle/>
+          <a:p>
+            <a:r>
+              <a:rPr lang="ko-KR" altLang="en-US" sz="1000" b="1" dirty="0">
+                <a:solidFill>
+                  <a:schemeClr val="bg1"/>
+                </a:solidFill>
+              </a:rPr>
+              <a:t>구매</a:t>
+            </a:r>
+          </a:p>
+        </p:txBody>
+      </p:sp>
+      <p:sp>
+        <p:nvSpPr>
+          <p:cNvPr id="53" name="사각형: 둥근 모서리 52">
+            <a:extLst>
+              <a:ext uri="{FF2B5EF4-FFF2-40B4-BE49-F238E27FC236}">
+                <a16:creationId xmlns:a16="http://schemas.microsoft.com/office/drawing/2014/main" id="{F94130C1-5398-482E-B2D9-1DEA13DFC5AC}"/>
+              </a:ext>
+            </a:extLst>
+          </p:cNvPr>
+          <p:cNvSpPr/>
+          <p:nvPr/>
+        </p:nvSpPr>
+        <p:spPr>
+          <a:xfrm>
+            <a:off x="4082561" y="2855982"/>
+            <a:ext cx="1131201" cy="252548"/>
+          </a:xfrm>
+          <a:prstGeom prst="roundRect">
+            <a:avLst/>
+          </a:prstGeom>
+          <a:solidFill>
+            <a:schemeClr val="accent1">
+              <a:lumMod val="60000"/>
+              <a:lumOff val="40000"/>
+            </a:schemeClr>
+          </a:solidFill>
+          <a:ln>
+            <a:noFill/>
+          </a:ln>
+        </p:spPr>
+        <p:style>
+          <a:lnRef idx="2">
+            <a:schemeClr val="accent1">
+              <a:shade val="50000"/>
+            </a:schemeClr>
+          </a:lnRef>
+          <a:fillRef idx="1">
+            <a:schemeClr val="accent1"/>
+          </a:fillRef>
+          <a:effectRef idx="0">
+            <a:schemeClr val="accent1"/>
+          </a:effectRef>
+          <a:fontRef idx="minor">
+            <a:schemeClr val="lt1"/>
+          </a:fontRef>
+        </p:style>
+        <p:txBody>
+          <a:bodyPr rtlCol="0" anchor="ctr"/>
+          <a:lstStyle/>
+          <a:p>
+            <a:pPr algn="ctr"/>
+            <a:r>
+              <a:rPr lang="ko-KR" altLang="en-US" sz="800" b="1" dirty="0">
+                <a:solidFill>
+                  <a:schemeClr val="tx1"/>
+                </a:solidFill>
+              </a:rPr>
+              <a:t>하비 전투</a:t>
+            </a:r>
+            <a:endParaRPr lang="en-US" altLang="ko-KR" sz="800" b="1" dirty="0">
+              <a:solidFill>
+                <a:schemeClr val="tx1"/>
+              </a:solidFill>
+            </a:endParaRPr>
+          </a:p>
+          <a:p>
+            <a:pPr algn="ctr"/>
+            <a:r>
+              <a:rPr lang="ko-KR" altLang="en-US" sz="600" b="1" dirty="0">
+                <a:solidFill>
+                  <a:schemeClr val="accent4">
+                    <a:lumMod val="20000"/>
+                    <a:lumOff val="80000"/>
+                  </a:schemeClr>
+                </a:solidFill>
+              </a:rPr>
+              <a:t>금액 </a:t>
+            </a:r>
+            <a:r>
+              <a:rPr lang="en-US" altLang="ko-KR" sz="600" b="1" dirty="0">
+                <a:solidFill>
+                  <a:schemeClr val="accent4">
+                    <a:lumMod val="20000"/>
+                    <a:lumOff val="80000"/>
+                  </a:schemeClr>
+                </a:solidFill>
+              </a:rPr>
+              <a:t>: 2000</a:t>
+            </a:r>
+            <a:r>
+              <a:rPr lang="ko-KR" altLang="en-US" sz="600" b="1" dirty="0">
+                <a:solidFill>
+                  <a:schemeClr val="accent4">
+                    <a:lumMod val="20000"/>
+                    <a:lumOff val="80000"/>
+                  </a:schemeClr>
+                </a:solidFill>
+              </a:rPr>
+              <a:t>원</a:t>
+            </a:r>
+          </a:p>
+        </p:txBody>
+      </p:sp>
+      <p:sp>
+        <p:nvSpPr>
+          <p:cNvPr id="54" name="사각형: 둥근 모서리 53">
+            <a:extLst>
+              <a:ext uri="{FF2B5EF4-FFF2-40B4-BE49-F238E27FC236}">
+                <a16:creationId xmlns:a16="http://schemas.microsoft.com/office/drawing/2014/main" id="{D31D3D9B-27A3-4299-B67B-627E2EC22EB9}"/>
+              </a:ext>
+            </a:extLst>
+          </p:cNvPr>
+          <p:cNvSpPr/>
+          <p:nvPr/>
+        </p:nvSpPr>
+        <p:spPr>
+          <a:xfrm>
+            <a:off x="5167630" y="2855982"/>
+            <a:ext cx="361623" cy="252548"/>
+          </a:xfrm>
+          <a:prstGeom prst="roundRect">
+            <a:avLst/>
+          </a:prstGeom>
+        </p:spPr>
+        <p:style>
+          <a:lnRef idx="2">
+            <a:schemeClr val="accent1">
+              <a:shade val="50000"/>
+            </a:schemeClr>
+          </a:lnRef>
+          <a:fillRef idx="1">
+            <a:schemeClr val="accent1"/>
+          </a:fillRef>
+          <a:effectRef idx="0">
+            <a:schemeClr val="accent1"/>
+          </a:effectRef>
+          <a:fontRef idx="minor">
+            <a:schemeClr val="lt1"/>
+          </a:fontRef>
+        </p:style>
+        <p:txBody>
+          <a:bodyPr rtlCol="0" anchor="ctr"/>
+          <a:lstStyle/>
+          <a:p>
+            <a:pPr algn="ctr"/>
+            <a:endParaRPr lang="ko-KR" altLang="en-US" sz="800" dirty="0"/>
+          </a:p>
+        </p:txBody>
+      </p:sp>
+      <p:sp>
+        <p:nvSpPr>
+          <p:cNvPr id="55" name="TextBox 54">
+            <a:extLst>
+              <a:ext uri="{FF2B5EF4-FFF2-40B4-BE49-F238E27FC236}">
+                <a16:creationId xmlns:a16="http://schemas.microsoft.com/office/drawing/2014/main" id="{922584C4-35D0-42BE-8CB9-43F878D6709B}"/>
+              </a:ext>
+            </a:extLst>
+          </p:cNvPr>
+          <p:cNvSpPr txBox="1"/>
+          <p:nvPr/>
+        </p:nvSpPr>
+        <p:spPr>
+          <a:xfrm>
+            <a:off x="5133772" y="2862309"/>
+            <a:ext cx="441146" cy="246221"/>
+          </a:xfrm>
+          <a:prstGeom prst="rect">
+            <a:avLst/>
+          </a:prstGeom>
+          <a:noFill/>
+        </p:spPr>
+        <p:txBody>
+          <a:bodyPr wrap="square" rtlCol="0">
+            <a:spAutoFit/>
+          </a:bodyPr>
+          <a:lstStyle/>
+          <a:p>
+            <a:r>
+              <a:rPr lang="ko-KR" altLang="en-US" sz="1000" b="1" dirty="0">
+                <a:solidFill>
+                  <a:schemeClr val="bg1"/>
+                </a:solidFill>
+              </a:rPr>
+              <a:t>구매</a:t>
+            </a:r>
+          </a:p>
+        </p:txBody>
+      </p:sp>
+      <p:sp>
+        <p:nvSpPr>
+          <p:cNvPr id="56" name="사각형: 둥근 모서리 55">
+            <a:extLst>
+              <a:ext uri="{FF2B5EF4-FFF2-40B4-BE49-F238E27FC236}">
+                <a16:creationId xmlns:a16="http://schemas.microsoft.com/office/drawing/2014/main" id="{6C3C3199-72A4-4891-832E-D38E00F9AA7A}"/>
+              </a:ext>
+            </a:extLst>
+          </p:cNvPr>
+          <p:cNvSpPr/>
+          <p:nvPr/>
+        </p:nvSpPr>
+        <p:spPr>
+          <a:xfrm>
+            <a:off x="6461429" y="1330889"/>
+            <a:ext cx="1054816" cy="252548"/>
+          </a:xfrm>
+          <a:prstGeom prst="roundRect">
+            <a:avLst/>
+          </a:prstGeom>
+          <a:solidFill>
+            <a:schemeClr val="accent1">
+              <a:lumMod val="60000"/>
+              <a:lumOff val="40000"/>
+            </a:schemeClr>
+          </a:solidFill>
+          <a:ln>
+            <a:noFill/>
+          </a:ln>
+        </p:spPr>
+        <p:style>
+          <a:lnRef idx="2">
+            <a:schemeClr val="accent1">
+              <a:shade val="50000"/>
+            </a:schemeClr>
+          </a:lnRef>
+          <a:fillRef idx="1">
+            <a:schemeClr val="accent1"/>
+          </a:fillRef>
+          <a:effectRef idx="0">
+            <a:schemeClr val="accent1"/>
+          </a:effectRef>
+          <a:fontRef idx="minor">
+            <a:schemeClr val="lt1"/>
+          </a:fontRef>
+        </p:style>
+        <p:txBody>
+          <a:bodyPr rtlCol="0" anchor="ctr"/>
+          <a:lstStyle/>
+          <a:p>
+            <a:pPr algn="ctr"/>
+            <a:r>
+              <a:rPr lang="en-US" altLang="ko-KR" sz="1100" b="1" dirty="0"/>
+              <a:t>777</a:t>
+            </a:r>
+            <a:endParaRPr lang="ko-KR" altLang="en-US" sz="1100" b="1" dirty="0"/>
+          </a:p>
+        </p:txBody>
+      </p:sp>
+      <p:pic>
+        <p:nvPicPr>
+          <p:cNvPr id="57" name="그림 56">
+            <a:extLst>
+              <a:ext uri="{FF2B5EF4-FFF2-40B4-BE49-F238E27FC236}">
+                <a16:creationId xmlns:a16="http://schemas.microsoft.com/office/drawing/2014/main" id="{08A5E8EF-CD5A-4A0B-92EB-A792DB9EF949}"/>
+              </a:ext>
+            </a:extLst>
+          </p:cNvPr>
+          <p:cNvPicPr>
+            <a:picLocks noChangeAspect="1"/>
+          </p:cNvPicPr>
+          <p:nvPr/>
+        </p:nvPicPr>
+        <p:blipFill>
+          <a:blip r:embed="rId2">
+            <a:extLst>
+              <a:ext uri="{28A0092B-C50C-407E-A947-70E740481C1C}">
+                <a14:useLocalDpi xmlns:a14="http://schemas.microsoft.com/office/drawing/2010/main" val="0"/>
+              </a:ext>
+            </a:extLst>
+          </a:blip>
+          <a:stretch>
+            <a:fillRect/>
+          </a:stretch>
+        </p:blipFill>
+        <p:spPr>
+          <a:xfrm>
+            <a:off x="6473669" y="1330889"/>
+            <a:ext cx="255946" cy="252548"/>
+          </a:xfrm>
+          <a:prstGeom prst="rect">
+            <a:avLst/>
+          </a:prstGeom>
+        </p:spPr>
+      </p:pic>
+      <p:sp>
+        <p:nvSpPr>
+          <p:cNvPr id="58" name="사각형: 둥근 모서리 57">
+            <a:extLst>
+              <a:ext uri="{FF2B5EF4-FFF2-40B4-BE49-F238E27FC236}">
+                <a16:creationId xmlns:a16="http://schemas.microsoft.com/office/drawing/2014/main" id="{C7CB2AFE-2779-41B4-8A98-F5199B6CB5DD}"/>
+              </a:ext>
+            </a:extLst>
+          </p:cNvPr>
+          <p:cNvSpPr/>
+          <p:nvPr/>
+        </p:nvSpPr>
+        <p:spPr>
+          <a:xfrm>
+            <a:off x="6298832" y="1748927"/>
+            <a:ext cx="1128538" cy="252548"/>
+          </a:xfrm>
+          <a:prstGeom prst="roundRect">
+            <a:avLst/>
+          </a:prstGeom>
+          <a:solidFill>
+            <a:schemeClr val="accent1">
+              <a:lumMod val="60000"/>
+              <a:lumOff val="40000"/>
+            </a:schemeClr>
+          </a:solidFill>
+          <a:ln>
+            <a:noFill/>
+          </a:ln>
+        </p:spPr>
+        <p:style>
+          <a:lnRef idx="2">
+            <a:schemeClr val="accent1">
+              <a:shade val="50000"/>
+            </a:schemeClr>
+          </a:lnRef>
+          <a:fillRef idx="1">
+            <a:schemeClr val="accent1"/>
+          </a:fillRef>
+          <a:effectRef idx="0">
+            <a:schemeClr val="accent1"/>
+          </a:effectRef>
+          <a:fontRef idx="minor">
+            <a:schemeClr val="lt1"/>
+          </a:fontRef>
+        </p:style>
+        <p:txBody>
+          <a:bodyPr rtlCol="0" anchor="ctr"/>
+          <a:lstStyle/>
+          <a:p>
+            <a:pPr algn="ctr"/>
+            <a:r>
+              <a:rPr lang="ko-KR" altLang="en-US" sz="800" b="1" dirty="0" err="1">
+                <a:solidFill>
+                  <a:schemeClr val="tx1"/>
+                </a:solidFill>
+              </a:rPr>
+              <a:t>꺠달음</a:t>
+            </a:r>
+            <a:r>
+              <a:rPr lang="ko-KR" altLang="en-US" sz="800" b="1" dirty="0">
+                <a:solidFill>
+                  <a:schemeClr val="tx1"/>
+                </a:solidFill>
+              </a:rPr>
+              <a:t> </a:t>
+            </a:r>
+            <a:r>
+              <a:rPr lang="en-US" altLang="ko-KR" sz="800" b="1" dirty="0">
+                <a:solidFill>
+                  <a:schemeClr val="tx1"/>
+                </a:solidFill>
+              </a:rPr>
+              <a:t>Lv. 1</a:t>
+            </a:r>
+            <a:endParaRPr lang="ko-KR" altLang="en-US" sz="800" b="1" dirty="0">
+              <a:solidFill>
+                <a:schemeClr val="tx1"/>
+              </a:solidFill>
+            </a:endParaRPr>
+          </a:p>
+        </p:txBody>
+      </p:sp>
+      <p:pic>
+        <p:nvPicPr>
+          <p:cNvPr id="59" name="그림 58" descr="앉아있는, 컴퓨터, 노트북, 보는이(가) 표시된 사진&#10;&#10;자동 생성된 설명">
+            <a:extLst>
+              <a:ext uri="{FF2B5EF4-FFF2-40B4-BE49-F238E27FC236}">
+                <a16:creationId xmlns:a16="http://schemas.microsoft.com/office/drawing/2014/main" id="{04540E7E-2991-437D-ADD5-4B450FBB195C}"/>
+              </a:ext>
+            </a:extLst>
+          </p:cNvPr>
+          <p:cNvPicPr>
+            <a:picLocks noChangeAspect="1"/>
+          </p:cNvPicPr>
+          <p:nvPr/>
+        </p:nvPicPr>
+        <p:blipFill rotWithShape="1">
+          <a:blip r:embed="rId3">
+            <a:extLst>
+              <a:ext uri="{28A0092B-C50C-407E-A947-70E740481C1C}">
+                <a14:useLocalDpi xmlns:a14="http://schemas.microsoft.com/office/drawing/2010/main" val="0"/>
+              </a:ext>
+            </a:extLst>
+          </a:blip>
+          <a:srcRect t="23256" b="24321"/>
+          <a:stretch/>
+        </p:blipFill>
+        <p:spPr>
+          <a:xfrm>
+            <a:off x="7436407" y="1721167"/>
+            <a:ext cx="261925" cy="283016"/>
+          </a:xfrm>
+          <a:prstGeom prst="rect">
+            <a:avLst/>
+          </a:prstGeom>
+        </p:spPr>
+      </p:pic>
+      <p:sp>
+        <p:nvSpPr>
+          <p:cNvPr id="60" name="사각형: 둥근 모서리 59">
+            <a:extLst>
+              <a:ext uri="{FF2B5EF4-FFF2-40B4-BE49-F238E27FC236}">
+                <a16:creationId xmlns:a16="http://schemas.microsoft.com/office/drawing/2014/main" id="{A00C1C11-A2A8-41FF-97B1-D4F06C5844FB}"/>
+              </a:ext>
+            </a:extLst>
+          </p:cNvPr>
+          <p:cNvSpPr/>
+          <p:nvPr/>
+        </p:nvSpPr>
+        <p:spPr>
+          <a:xfrm>
+            <a:off x="6298831" y="2099597"/>
+            <a:ext cx="1128539" cy="252548"/>
+          </a:xfrm>
+          <a:prstGeom prst="roundRect">
+            <a:avLst/>
+          </a:prstGeom>
+          <a:solidFill>
+            <a:schemeClr val="accent1">
+              <a:lumMod val="60000"/>
+              <a:lumOff val="40000"/>
+            </a:schemeClr>
+          </a:solidFill>
+          <a:ln>
+            <a:noFill/>
+          </a:ln>
+        </p:spPr>
+        <p:style>
+          <a:lnRef idx="2">
+            <a:schemeClr val="accent1">
+              <a:shade val="50000"/>
+            </a:schemeClr>
+          </a:lnRef>
+          <a:fillRef idx="1">
+            <a:schemeClr val="accent1"/>
+          </a:fillRef>
+          <a:effectRef idx="0">
+            <a:schemeClr val="accent1"/>
+          </a:effectRef>
+          <a:fontRef idx="minor">
+            <a:schemeClr val="lt1"/>
+          </a:fontRef>
+        </p:style>
+        <p:txBody>
+          <a:bodyPr rtlCol="0" anchor="ctr"/>
+          <a:lstStyle/>
+          <a:p>
+            <a:pPr algn="ctr"/>
+            <a:r>
+              <a:rPr lang="ko-KR" altLang="en-US" sz="800" b="1" dirty="0" err="1">
+                <a:solidFill>
+                  <a:schemeClr val="tx1"/>
+                </a:solidFill>
+              </a:rPr>
+              <a:t>꺠달음</a:t>
+            </a:r>
+            <a:r>
+              <a:rPr lang="ko-KR" altLang="en-US" sz="800" b="1" dirty="0">
+                <a:solidFill>
+                  <a:schemeClr val="tx1"/>
+                </a:solidFill>
+              </a:rPr>
+              <a:t> </a:t>
+            </a:r>
+            <a:r>
+              <a:rPr lang="en-US" altLang="ko-KR" sz="800" b="1" dirty="0">
+                <a:solidFill>
+                  <a:schemeClr val="tx1"/>
+                </a:solidFill>
+              </a:rPr>
+              <a:t>Lv. 2</a:t>
+            </a:r>
+          </a:p>
+          <a:p>
+            <a:pPr algn="ctr"/>
+            <a:r>
+              <a:rPr lang="ko-KR" altLang="en-US" sz="600" b="1" dirty="0">
+                <a:solidFill>
+                  <a:schemeClr val="accent4">
+                    <a:lumMod val="20000"/>
+                    <a:lumOff val="80000"/>
+                  </a:schemeClr>
+                </a:solidFill>
+              </a:rPr>
+              <a:t>금액 </a:t>
+            </a:r>
+            <a:r>
+              <a:rPr lang="en-US" altLang="ko-KR" sz="600" b="1" dirty="0">
+                <a:solidFill>
+                  <a:schemeClr val="accent4">
+                    <a:lumMod val="20000"/>
+                    <a:lumOff val="80000"/>
+                  </a:schemeClr>
+                </a:solidFill>
+              </a:rPr>
+              <a:t>: 1000</a:t>
+            </a:r>
+            <a:r>
+              <a:rPr lang="ko-KR" altLang="en-US" sz="600" b="1" dirty="0">
+                <a:solidFill>
+                  <a:schemeClr val="accent4">
+                    <a:lumMod val="20000"/>
+                    <a:lumOff val="80000"/>
+                  </a:schemeClr>
+                </a:solidFill>
+              </a:rPr>
+              <a:t>원</a:t>
+            </a:r>
+          </a:p>
+        </p:txBody>
+      </p:sp>
+      <p:sp>
+        <p:nvSpPr>
+          <p:cNvPr id="65" name="사각형: 둥근 모서리 64">
+            <a:extLst>
+              <a:ext uri="{FF2B5EF4-FFF2-40B4-BE49-F238E27FC236}">
+                <a16:creationId xmlns:a16="http://schemas.microsoft.com/office/drawing/2014/main" id="{1726807E-DAD3-4501-91C0-16BB3E4827AD}"/>
+              </a:ext>
+            </a:extLst>
+          </p:cNvPr>
+          <p:cNvSpPr/>
+          <p:nvPr/>
+        </p:nvSpPr>
+        <p:spPr>
+          <a:xfrm>
+            <a:off x="7384842" y="2095978"/>
+            <a:ext cx="361623" cy="252548"/>
+          </a:xfrm>
+          <a:prstGeom prst="roundRect">
+            <a:avLst/>
+          </a:prstGeom>
+        </p:spPr>
+        <p:style>
+          <a:lnRef idx="2">
+            <a:schemeClr val="accent1">
+              <a:shade val="50000"/>
+            </a:schemeClr>
+          </a:lnRef>
+          <a:fillRef idx="1">
+            <a:schemeClr val="accent1"/>
+          </a:fillRef>
+          <a:effectRef idx="0">
+            <a:schemeClr val="accent1"/>
+          </a:effectRef>
+          <a:fontRef idx="minor">
+            <a:schemeClr val="lt1"/>
+          </a:fontRef>
+        </p:style>
+        <p:txBody>
+          <a:bodyPr rtlCol="0" anchor="ctr"/>
+          <a:lstStyle/>
+          <a:p>
+            <a:pPr algn="ctr"/>
+            <a:endParaRPr lang="ko-KR" altLang="en-US" sz="800" dirty="0"/>
+          </a:p>
+        </p:txBody>
+      </p:sp>
+      <p:sp>
+        <p:nvSpPr>
+          <p:cNvPr id="66" name="TextBox 65">
+            <a:extLst>
+              <a:ext uri="{FF2B5EF4-FFF2-40B4-BE49-F238E27FC236}">
+                <a16:creationId xmlns:a16="http://schemas.microsoft.com/office/drawing/2014/main" id="{EAD0C9A8-8E1F-426B-A7B7-3C2D8D1F7B40}"/>
+              </a:ext>
+            </a:extLst>
+          </p:cNvPr>
+          <p:cNvSpPr txBox="1"/>
+          <p:nvPr/>
+        </p:nvSpPr>
+        <p:spPr>
+          <a:xfrm>
+            <a:off x="7350984" y="2095978"/>
+            <a:ext cx="441146" cy="246221"/>
+          </a:xfrm>
+          <a:prstGeom prst="rect">
+            <a:avLst/>
+          </a:prstGeom>
+          <a:noFill/>
+        </p:spPr>
+        <p:txBody>
+          <a:bodyPr wrap="square" rtlCol="0">
+            <a:spAutoFit/>
+          </a:bodyPr>
+          <a:lstStyle/>
+          <a:p>
+            <a:r>
+              <a:rPr lang="ko-KR" altLang="en-US" sz="1000" b="1" dirty="0">
+                <a:solidFill>
+                  <a:schemeClr val="bg1"/>
+                </a:solidFill>
+              </a:rPr>
+              <a:t>구매</a:t>
+            </a:r>
+          </a:p>
+        </p:txBody>
+      </p:sp>
+      <p:sp>
+        <p:nvSpPr>
+          <p:cNvPr id="67" name="사각형: 둥근 모서리 66">
+            <a:extLst>
+              <a:ext uri="{FF2B5EF4-FFF2-40B4-BE49-F238E27FC236}">
+                <a16:creationId xmlns:a16="http://schemas.microsoft.com/office/drawing/2014/main" id="{0C457E91-6E5F-49E1-A28C-3E1A451A913E}"/>
+              </a:ext>
+            </a:extLst>
+          </p:cNvPr>
+          <p:cNvSpPr/>
+          <p:nvPr/>
+        </p:nvSpPr>
+        <p:spPr>
+          <a:xfrm>
+            <a:off x="6298831" y="2467580"/>
+            <a:ext cx="1128539" cy="252548"/>
+          </a:xfrm>
+          <a:prstGeom prst="roundRect">
+            <a:avLst/>
+          </a:prstGeom>
+          <a:solidFill>
+            <a:schemeClr val="accent1">
+              <a:lumMod val="60000"/>
+              <a:lumOff val="40000"/>
+            </a:schemeClr>
+          </a:solidFill>
+          <a:ln>
+            <a:noFill/>
+          </a:ln>
+        </p:spPr>
+        <p:style>
+          <a:lnRef idx="2">
+            <a:schemeClr val="accent1">
+              <a:shade val="50000"/>
+            </a:schemeClr>
+          </a:lnRef>
+          <a:fillRef idx="1">
+            <a:schemeClr val="accent1"/>
+          </a:fillRef>
+          <a:effectRef idx="0">
+            <a:schemeClr val="accent1"/>
+          </a:effectRef>
+          <a:fontRef idx="minor">
+            <a:schemeClr val="lt1"/>
+          </a:fontRef>
+        </p:style>
+        <p:txBody>
+          <a:bodyPr rtlCol="0" anchor="ctr"/>
+          <a:lstStyle/>
+          <a:p>
+            <a:pPr algn="ctr"/>
+            <a:r>
+              <a:rPr lang="ko-KR" altLang="en-US" sz="800" b="1" dirty="0">
+                <a:solidFill>
+                  <a:schemeClr val="tx1"/>
+                </a:solidFill>
+              </a:rPr>
+              <a:t>배움 증가 </a:t>
+            </a:r>
+            <a:r>
+              <a:rPr lang="en-US" altLang="ko-KR" sz="800" b="1" dirty="0">
+                <a:solidFill>
+                  <a:schemeClr val="tx1"/>
+                </a:solidFill>
+              </a:rPr>
+              <a:t>Lv. 1</a:t>
+            </a:r>
+          </a:p>
+          <a:p>
+            <a:pPr algn="ctr"/>
+            <a:r>
+              <a:rPr lang="ko-KR" altLang="en-US" sz="600" b="1" dirty="0">
+                <a:solidFill>
+                  <a:schemeClr val="accent4">
+                    <a:lumMod val="20000"/>
+                    <a:lumOff val="80000"/>
+                  </a:schemeClr>
+                </a:solidFill>
+              </a:rPr>
+              <a:t>금액 </a:t>
+            </a:r>
+            <a:r>
+              <a:rPr lang="en-US" altLang="ko-KR" sz="600" b="1" dirty="0">
+                <a:solidFill>
+                  <a:schemeClr val="accent4">
+                    <a:lumMod val="20000"/>
+                    <a:lumOff val="80000"/>
+                  </a:schemeClr>
+                </a:solidFill>
+              </a:rPr>
+              <a:t>: 1500</a:t>
+            </a:r>
+            <a:r>
+              <a:rPr lang="ko-KR" altLang="en-US" sz="600" b="1" dirty="0">
+                <a:solidFill>
+                  <a:schemeClr val="accent4">
+                    <a:lumMod val="20000"/>
+                    <a:lumOff val="80000"/>
+                  </a:schemeClr>
+                </a:solidFill>
+              </a:rPr>
+              <a:t>원</a:t>
+            </a:r>
+          </a:p>
+        </p:txBody>
+      </p:sp>
+      <p:sp>
+        <p:nvSpPr>
+          <p:cNvPr id="68" name="사각형: 둥근 모서리 67">
+            <a:extLst>
+              <a:ext uri="{FF2B5EF4-FFF2-40B4-BE49-F238E27FC236}">
+                <a16:creationId xmlns:a16="http://schemas.microsoft.com/office/drawing/2014/main" id="{0AEA675B-2E44-400B-A711-DEDE8350AB9F}"/>
+              </a:ext>
+            </a:extLst>
+          </p:cNvPr>
+          <p:cNvSpPr/>
+          <p:nvPr/>
+        </p:nvSpPr>
+        <p:spPr>
+          <a:xfrm>
+            <a:off x="7384842" y="2463961"/>
+            <a:ext cx="361623" cy="252548"/>
+          </a:xfrm>
+          <a:prstGeom prst="roundRect">
+            <a:avLst/>
+          </a:prstGeom>
+        </p:spPr>
+        <p:style>
+          <a:lnRef idx="2">
+            <a:schemeClr val="accent1">
+              <a:shade val="50000"/>
+            </a:schemeClr>
+          </a:lnRef>
+          <a:fillRef idx="1">
+            <a:schemeClr val="accent1"/>
+          </a:fillRef>
+          <a:effectRef idx="0">
+            <a:schemeClr val="accent1"/>
+          </a:effectRef>
+          <a:fontRef idx="minor">
+            <a:schemeClr val="lt1"/>
+          </a:fontRef>
+        </p:style>
+        <p:txBody>
+          <a:bodyPr rtlCol="0" anchor="ctr"/>
+          <a:lstStyle/>
+          <a:p>
+            <a:pPr algn="ctr"/>
+            <a:endParaRPr lang="ko-KR" altLang="en-US" sz="800" dirty="0"/>
+          </a:p>
+        </p:txBody>
+      </p:sp>
+      <p:sp>
+        <p:nvSpPr>
+          <p:cNvPr id="69" name="TextBox 68">
+            <a:extLst>
+              <a:ext uri="{FF2B5EF4-FFF2-40B4-BE49-F238E27FC236}">
+                <a16:creationId xmlns:a16="http://schemas.microsoft.com/office/drawing/2014/main" id="{D27A2A22-AEDD-4F00-826E-A94E2B20161A}"/>
+              </a:ext>
+            </a:extLst>
+          </p:cNvPr>
+          <p:cNvSpPr txBox="1"/>
+          <p:nvPr/>
+        </p:nvSpPr>
+        <p:spPr>
+          <a:xfrm>
+            <a:off x="7350984" y="2470288"/>
+            <a:ext cx="441146" cy="246221"/>
+          </a:xfrm>
+          <a:prstGeom prst="rect">
+            <a:avLst/>
+          </a:prstGeom>
+          <a:noFill/>
+        </p:spPr>
+        <p:txBody>
+          <a:bodyPr wrap="square" rtlCol="0">
+            <a:spAutoFit/>
+          </a:bodyPr>
+          <a:lstStyle/>
+          <a:p>
+            <a:r>
+              <a:rPr lang="ko-KR" altLang="en-US" sz="1000" b="1" dirty="0">
+                <a:solidFill>
+                  <a:schemeClr val="bg1"/>
+                </a:solidFill>
+              </a:rPr>
+              <a:t>구매</a:t>
+            </a:r>
+          </a:p>
+        </p:txBody>
+      </p:sp>
+      <p:sp>
+        <p:nvSpPr>
+          <p:cNvPr id="70" name="사각형: 둥근 모서리 69">
+            <a:extLst>
+              <a:ext uri="{FF2B5EF4-FFF2-40B4-BE49-F238E27FC236}">
+                <a16:creationId xmlns:a16="http://schemas.microsoft.com/office/drawing/2014/main" id="{EA87ABA9-E34C-4177-8750-0867E5DC1BE3}"/>
+              </a:ext>
+            </a:extLst>
+          </p:cNvPr>
+          <p:cNvSpPr/>
+          <p:nvPr/>
+        </p:nvSpPr>
+        <p:spPr>
+          <a:xfrm>
+            <a:off x="6298831" y="2830209"/>
+            <a:ext cx="1128539" cy="252548"/>
+          </a:xfrm>
+          <a:prstGeom prst="roundRect">
+            <a:avLst/>
+          </a:prstGeom>
+          <a:solidFill>
+            <a:schemeClr val="accent1">
+              <a:lumMod val="60000"/>
+              <a:lumOff val="40000"/>
+            </a:schemeClr>
+          </a:solidFill>
+          <a:ln>
+            <a:noFill/>
+          </a:ln>
+        </p:spPr>
+        <p:style>
+          <a:lnRef idx="2">
+            <a:schemeClr val="accent1">
+              <a:shade val="50000"/>
+            </a:schemeClr>
+          </a:lnRef>
+          <a:fillRef idx="1">
+            <a:schemeClr val="accent1"/>
+          </a:fillRef>
+          <a:effectRef idx="0">
+            <a:schemeClr val="accent1"/>
+          </a:effectRef>
+          <a:fontRef idx="minor">
+            <a:schemeClr val="lt1"/>
+          </a:fontRef>
+        </p:style>
+        <p:txBody>
+          <a:bodyPr rtlCol="0" anchor="ctr"/>
+          <a:lstStyle/>
+          <a:p>
+            <a:pPr algn="ctr"/>
+            <a:r>
+              <a:rPr lang="ko-KR" altLang="en-US" sz="800" b="1" dirty="0" err="1">
+                <a:solidFill>
+                  <a:schemeClr val="tx1"/>
+                </a:solidFill>
+              </a:rPr>
+              <a:t>꺠달음</a:t>
+            </a:r>
+            <a:r>
+              <a:rPr lang="ko-KR" altLang="en-US" sz="800" b="1" dirty="0">
+                <a:solidFill>
+                  <a:schemeClr val="tx1"/>
+                </a:solidFill>
+              </a:rPr>
+              <a:t> </a:t>
+            </a:r>
+            <a:r>
+              <a:rPr lang="en-US" altLang="ko-KR" sz="800" b="1" dirty="0">
+                <a:solidFill>
+                  <a:schemeClr val="tx1"/>
+                </a:solidFill>
+              </a:rPr>
+              <a:t>Lv. 3</a:t>
+            </a:r>
+          </a:p>
+          <a:p>
+            <a:pPr algn="ctr"/>
+            <a:r>
+              <a:rPr lang="ko-KR" altLang="en-US" sz="600" b="1" dirty="0">
+                <a:solidFill>
+                  <a:schemeClr val="accent4">
+                    <a:lumMod val="20000"/>
+                    <a:lumOff val="80000"/>
+                  </a:schemeClr>
+                </a:solidFill>
+              </a:rPr>
+              <a:t>금액 </a:t>
+            </a:r>
+            <a:r>
+              <a:rPr lang="en-US" altLang="ko-KR" sz="600" b="1" dirty="0">
+                <a:solidFill>
+                  <a:schemeClr val="accent4">
+                    <a:lumMod val="20000"/>
+                    <a:lumOff val="80000"/>
+                  </a:schemeClr>
+                </a:solidFill>
+              </a:rPr>
+              <a:t>: 2000</a:t>
+            </a:r>
+            <a:r>
+              <a:rPr lang="ko-KR" altLang="en-US" sz="600" b="1" dirty="0">
+                <a:solidFill>
+                  <a:schemeClr val="accent4">
+                    <a:lumMod val="20000"/>
+                    <a:lumOff val="80000"/>
+                  </a:schemeClr>
+                </a:solidFill>
+              </a:rPr>
+              <a:t>원</a:t>
+            </a:r>
+          </a:p>
+        </p:txBody>
+      </p:sp>
+      <p:sp>
+        <p:nvSpPr>
+          <p:cNvPr id="71" name="사각형: 둥근 모서리 70">
+            <a:extLst>
+              <a:ext uri="{FF2B5EF4-FFF2-40B4-BE49-F238E27FC236}">
+                <a16:creationId xmlns:a16="http://schemas.microsoft.com/office/drawing/2014/main" id="{E8AFDD4D-53DE-4FFB-AA2B-06CC4235D014}"/>
+              </a:ext>
+            </a:extLst>
+          </p:cNvPr>
+          <p:cNvSpPr/>
+          <p:nvPr/>
+        </p:nvSpPr>
+        <p:spPr>
+          <a:xfrm>
+            <a:off x="7384842" y="2826590"/>
+            <a:ext cx="361623" cy="252548"/>
+          </a:xfrm>
+          <a:prstGeom prst="roundRect">
+            <a:avLst/>
+          </a:prstGeom>
+        </p:spPr>
+        <p:style>
+          <a:lnRef idx="2">
+            <a:schemeClr val="accent1">
+              <a:shade val="50000"/>
+            </a:schemeClr>
+          </a:lnRef>
+          <a:fillRef idx="1">
+            <a:schemeClr val="accent1"/>
+          </a:fillRef>
+          <a:effectRef idx="0">
+            <a:schemeClr val="accent1"/>
+          </a:effectRef>
+          <a:fontRef idx="minor">
+            <a:schemeClr val="lt1"/>
+          </a:fontRef>
+        </p:style>
+        <p:txBody>
+          <a:bodyPr rtlCol="0" anchor="ctr"/>
+          <a:lstStyle/>
+          <a:p>
+            <a:pPr algn="ctr"/>
+            <a:endParaRPr lang="ko-KR" altLang="en-US" sz="800" dirty="0"/>
+          </a:p>
+        </p:txBody>
+      </p:sp>
+      <p:sp>
+        <p:nvSpPr>
+          <p:cNvPr id="72" name="TextBox 71">
+            <a:extLst>
+              <a:ext uri="{FF2B5EF4-FFF2-40B4-BE49-F238E27FC236}">
+                <a16:creationId xmlns:a16="http://schemas.microsoft.com/office/drawing/2014/main" id="{E9351F32-CF12-4D6C-A069-462623A225B5}"/>
+              </a:ext>
+            </a:extLst>
+          </p:cNvPr>
+          <p:cNvSpPr txBox="1"/>
+          <p:nvPr/>
+        </p:nvSpPr>
+        <p:spPr>
+          <a:xfrm>
+            <a:off x="7350984" y="2832917"/>
+            <a:ext cx="441146" cy="246221"/>
+          </a:xfrm>
+          <a:prstGeom prst="rect">
+            <a:avLst/>
+          </a:prstGeom>
+          <a:noFill/>
+        </p:spPr>
+        <p:txBody>
+          <a:bodyPr wrap="square" rtlCol="0">
+            <a:spAutoFit/>
+          </a:bodyPr>
+          <a:lstStyle/>
+          <a:p>
+            <a:r>
+              <a:rPr lang="ko-KR" altLang="en-US" sz="1000" b="1" dirty="0">
+                <a:solidFill>
+                  <a:schemeClr val="bg1"/>
+                </a:solidFill>
+              </a:rPr>
+              <a:t>구매</a:t>
+            </a:r>
+          </a:p>
+        </p:txBody>
+      </p:sp>
+      <p:sp>
+        <p:nvSpPr>
+          <p:cNvPr id="75" name="사각형: 둥근 모서리 74">
+            <a:extLst>
+              <a:ext uri="{FF2B5EF4-FFF2-40B4-BE49-F238E27FC236}">
+                <a16:creationId xmlns:a16="http://schemas.microsoft.com/office/drawing/2014/main" id="{B3B89F0D-C2F9-4FC2-B3AE-9B212181BBF9}"/>
+              </a:ext>
+            </a:extLst>
+          </p:cNvPr>
+          <p:cNvSpPr/>
+          <p:nvPr/>
+        </p:nvSpPr>
+        <p:spPr>
+          <a:xfrm>
+            <a:off x="4225373" y="4376458"/>
+            <a:ext cx="1054816" cy="252548"/>
+          </a:xfrm>
+          <a:prstGeom prst="roundRect">
+            <a:avLst/>
+          </a:prstGeom>
+          <a:solidFill>
+            <a:schemeClr val="accent1">
+              <a:lumMod val="60000"/>
+              <a:lumOff val="40000"/>
+            </a:schemeClr>
+          </a:solidFill>
+          <a:ln>
+            <a:noFill/>
+          </a:ln>
+        </p:spPr>
+        <p:style>
+          <a:lnRef idx="2">
+            <a:schemeClr val="accent1">
+              <a:shade val="50000"/>
+            </a:schemeClr>
+          </a:lnRef>
+          <a:fillRef idx="1">
+            <a:schemeClr val="accent1"/>
+          </a:fillRef>
+          <a:effectRef idx="0">
+            <a:schemeClr val="accent1"/>
+          </a:effectRef>
+          <a:fontRef idx="minor">
+            <a:schemeClr val="lt1"/>
+          </a:fontRef>
+        </p:style>
+        <p:txBody>
+          <a:bodyPr rtlCol="0" anchor="ctr"/>
+          <a:lstStyle/>
+          <a:p>
+            <a:pPr algn="ctr"/>
+            <a:r>
+              <a:rPr lang="en-US" altLang="ko-KR" sz="1100" b="1" dirty="0"/>
+              <a:t>777</a:t>
+            </a:r>
+            <a:endParaRPr lang="ko-KR" altLang="en-US" sz="1100" b="1" dirty="0"/>
+          </a:p>
+        </p:txBody>
+      </p:sp>
+      <p:pic>
+        <p:nvPicPr>
+          <p:cNvPr id="76" name="그림 75">
+            <a:extLst>
+              <a:ext uri="{FF2B5EF4-FFF2-40B4-BE49-F238E27FC236}">
+                <a16:creationId xmlns:a16="http://schemas.microsoft.com/office/drawing/2014/main" id="{93D85DB1-7A15-4460-8BE5-EF705A2DB475}"/>
+              </a:ext>
+            </a:extLst>
+          </p:cNvPr>
+          <p:cNvPicPr>
+            <a:picLocks noChangeAspect="1"/>
+          </p:cNvPicPr>
+          <p:nvPr/>
+        </p:nvPicPr>
+        <p:blipFill>
+          <a:blip r:embed="rId2">
+            <a:extLst>
+              <a:ext uri="{28A0092B-C50C-407E-A947-70E740481C1C}">
+                <a14:useLocalDpi xmlns:a14="http://schemas.microsoft.com/office/drawing/2010/main" val="0"/>
+              </a:ext>
+            </a:extLst>
+          </a:blip>
+          <a:stretch>
+            <a:fillRect/>
+          </a:stretch>
+        </p:blipFill>
+        <p:spPr>
+          <a:xfrm>
+            <a:off x="4237613" y="4376458"/>
+            <a:ext cx="255946" cy="252548"/>
+          </a:xfrm>
+          <a:prstGeom prst="rect">
+            <a:avLst/>
+          </a:prstGeom>
+        </p:spPr>
+      </p:pic>
+      <p:sp>
+        <p:nvSpPr>
+          <p:cNvPr id="77" name="사각형: 둥근 모서리 76">
+            <a:extLst>
+              <a:ext uri="{FF2B5EF4-FFF2-40B4-BE49-F238E27FC236}">
+                <a16:creationId xmlns:a16="http://schemas.microsoft.com/office/drawing/2014/main" id="{D7DCF157-991B-46AA-8900-C95749CE8EF9}"/>
+              </a:ext>
+            </a:extLst>
+          </p:cNvPr>
+          <p:cNvSpPr/>
+          <p:nvPr/>
+        </p:nvSpPr>
+        <p:spPr>
+          <a:xfrm>
+            <a:off x="4079960" y="4799515"/>
+            <a:ext cx="1131201" cy="252548"/>
+          </a:xfrm>
+          <a:prstGeom prst="roundRect">
+            <a:avLst/>
+          </a:prstGeom>
+          <a:solidFill>
+            <a:schemeClr val="accent1">
+              <a:lumMod val="60000"/>
+              <a:lumOff val="40000"/>
+            </a:schemeClr>
+          </a:solidFill>
+          <a:ln>
+            <a:noFill/>
+          </a:ln>
+        </p:spPr>
+        <p:style>
+          <a:lnRef idx="2">
+            <a:schemeClr val="accent1">
+              <a:shade val="50000"/>
+            </a:schemeClr>
+          </a:lnRef>
+          <a:fillRef idx="1">
+            <a:schemeClr val="accent1"/>
+          </a:fillRef>
+          <a:effectRef idx="0">
+            <a:schemeClr val="accent1"/>
+          </a:effectRef>
+          <a:fontRef idx="minor">
+            <a:schemeClr val="lt1"/>
+          </a:fontRef>
+        </p:style>
+        <p:txBody>
+          <a:bodyPr rtlCol="0" anchor="ctr"/>
+          <a:lstStyle/>
+          <a:p>
+            <a:pPr algn="ctr"/>
+            <a:r>
+              <a:rPr lang="ko-KR" altLang="en-US" sz="800" b="1" dirty="0">
+                <a:solidFill>
+                  <a:schemeClr val="tx1"/>
+                </a:solidFill>
+              </a:rPr>
+              <a:t>신분 상승 </a:t>
+            </a:r>
+            <a:r>
+              <a:rPr lang="en-US" altLang="ko-KR" sz="800" b="1" dirty="0">
+                <a:solidFill>
+                  <a:schemeClr val="tx1"/>
+                </a:solidFill>
+              </a:rPr>
+              <a:t>Lv. 1</a:t>
+            </a:r>
+            <a:endParaRPr lang="ko-KR" altLang="en-US" sz="800" b="1" dirty="0">
+              <a:solidFill>
+                <a:schemeClr val="tx1"/>
+              </a:solidFill>
+            </a:endParaRPr>
+          </a:p>
+        </p:txBody>
+      </p:sp>
+      <p:pic>
+        <p:nvPicPr>
+          <p:cNvPr id="78" name="그림 77" descr="앉아있는, 컴퓨터, 노트북, 보는이(가) 표시된 사진&#10;&#10;자동 생성된 설명">
+            <a:extLst>
+              <a:ext uri="{FF2B5EF4-FFF2-40B4-BE49-F238E27FC236}">
+                <a16:creationId xmlns:a16="http://schemas.microsoft.com/office/drawing/2014/main" id="{C8E1505B-25E4-49C3-B340-3312923B4BB8}"/>
+              </a:ext>
+            </a:extLst>
+          </p:cNvPr>
+          <p:cNvPicPr>
+            <a:picLocks noChangeAspect="1"/>
+          </p:cNvPicPr>
+          <p:nvPr/>
+        </p:nvPicPr>
+        <p:blipFill rotWithShape="1">
+          <a:blip r:embed="rId3">
+            <a:extLst>
+              <a:ext uri="{28A0092B-C50C-407E-A947-70E740481C1C}">
+                <a14:useLocalDpi xmlns:a14="http://schemas.microsoft.com/office/drawing/2010/main" val="0"/>
+              </a:ext>
+            </a:extLst>
+          </a:blip>
+          <a:srcRect t="23256" b="24321"/>
+          <a:stretch/>
+        </p:blipFill>
+        <p:spPr>
+          <a:xfrm>
+            <a:off x="5208728" y="4782451"/>
+            <a:ext cx="261925" cy="283016"/>
+          </a:xfrm>
+          <a:prstGeom prst="rect">
+            <a:avLst/>
+          </a:prstGeom>
+        </p:spPr>
+      </p:pic>
+      <p:sp>
+        <p:nvSpPr>
+          <p:cNvPr id="79" name="사각형: 둥근 모서리 78">
+            <a:extLst>
+              <a:ext uri="{FF2B5EF4-FFF2-40B4-BE49-F238E27FC236}">
+                <a16:creationId xmlns:a16="http://schemas.microsoft.com/office/drawing/2014/main" id="{5CC3A16E-4343-4236-9240-5F2D3E01FCEF}"/>
+              </a:ext>
+            </a:extLst>
+          </p:cNvPr>
+          <p:cNvSpPr/>
+          <p:nvPr/>
+        </p:nvSpPr>
+        <p:spPr>
+          <a:xfrm>
+            <a:off x="4079960" y="5181585"/>
+            <a:ext cx="1131201" cy="252548"/>
+          </a:xfrm>
+          <a:prstGeom prst="roundRect">
+            <a:avLst/>
+          </a:prstGeom>
+          <a:solidFill>
+            <a:schemeClr val="accent1">
+              <a:lumMod val="60000"/>
+              <a:lumOff val="40000"/>
+            </a:schemeClr>
+          </a:solidFill>
+          <a:ln>
+            <a:noFill/>
+          </a:ln>
+        </p:spPr>
+        <p:style>
+          <a:lnRef idx="2">
+            <a:schemeClr val="accent1">
+              <a:shade val="50000"/>
+            </a:schemeClr>
+          </a:lnRef>
+          <a:fillRef idx="1">
+            <a:schemeClr val="accent1"/>
+          </a:fillRef>
+          <a:effectRef idx="0">
+            <a:schemeClr val="accent1"/>
+          </a:effectRef>
+          <a:fontRef idx="minor">
+            <a:schemeClr val="lt1"/>
+          </a:fontRef>
+        </p:style>
+        <p:txBody>
+          <a:bodyPr rtlCol="0" anchor="ctr"/>
+          <a:lstStyle/>
+          <a:p>
+            <a:pPr algn="ctr"/>
+            <a:r>
+              <a:rPr lang="ko-KR" altLang="en-US" sz="800" b="1" dirty="0">
+                <a:solidFill>
+                  <a:schemeClr val="tx1"/>
+                </a:solidFill>
+              </a:rPr>
+              <a:t>신분 상승 </a:t>
+            </a:r>
+            <a:r>
+              <a:rPr lang="en-US" altLang="ko-KR" sz="800" b="1" dirty="0">
+                <a:solidFill>
+                  <a:schemeClr val="tx1"/>
+                </a:solidFill>
+              </a:rPr>
+              <a:t>Lv. 2</a:t>
+            </a:r>
+          </a:p>
+          <a:p>
+            <a:pPr algn="ctr"/>
+            <a:r>
+              <a:rPr lang="ko-KR" altLang="en-US" sz="600" b="1" dirty="0">
+                <a:solidFill>
+                  <a:schemeClr val="accent4">
+                    <a:lumMod val="20000"/>
+                    <a:lumOff val="80000"/>
+                  </a:schemeClr>
+                </a:solidFill>
+              </a:rPr>
+              <a:t>금액 </a:t>
+            </a:r>
+            <a:r>
+              <a:rPr lang="en-US" altLang="ko-KR" sz="600" b="1" dirty="0">
+                <a:solidFill>
+                  <a:schemeClr val="accent4">
+                    <a:lumMod val="20000"/>
+                    <a:lumOff val="80000"/>
+                  </a:schemeClr>
+                </a:solidFill>
+              </a:rPr>
+              <a:t>: 1000</a:t>
+            </a:r>
+            <a:r>
+              <a:rPr lang="ko-KR" altLang="en-US" sz="600" b="1" dirty="0">
+                <a:solidFill>
+                  <a:schemeClr val="accent4">
+                    <a:lumMod val="20000"/>
+                    <a:lumOff val="80000"/>
+                  </a:schemeClr>
+                </a:solidFill>
+              </a:rPr>
+              <a:t>원</a:t>
+            </a:r>
+          </a:p>
+        </p:txBody>
+      </p:sp>
+      <p:sp>
+        <p:nvSpPr>
+          <p:cNvPr id="80" name="사각형: 둥근 모서리 79">
+            <a:extLst>
+              <a:ext uri="{FF2B5EF4-FFF2-40B4-BE49-F238E27FC236}">
+                <a16:creationId xmlns:a16="http://schemas.microsoft.com/office/drawing/2014/main" id="{61E2B31A-47B7-4319-8BC3-10D91E406720}"/>
+              </a:ext>
+            </a:extLst>
+          </p:cNvPr>
+          <p:cNvSpPr/>
+          <p:nvPr/>
+        </p:nvSpPr>
+        <p:spPr>
+          <a:xfrm>
+            <a:off x="5165029" y="5181585"/>
+            <a:ext cx="361623" cy="252548"/>
+          </a:xfrm>
+          <a:prstGeom prst="roundRect">
+            <a:avLst/>
+          </a:prstGeom>
+        </p:spPr>
+        <p:style>
+          <a:lnRef idx="2">
+            <a:schemeClr val="accent1">
+              <a:shade val="50000"/>
+            </a:schemeClr>
+          </a:lnRef>
+          <a:fillRef idx="1">
+            <a:schemeClr val="accent1"/>
+          </a:fillRef>
+          <a:effectRef idx="0">
+            <a:schemeClr val="accent1"/>
+          </a:effectRef>
+          <a:fontRef idx="minor">
+            <a:schemeClr val="lt1"/>
+          </a:fontRef>
+        </p:style>
+        <p:txBody>
+          <a:bodyPr rtlCol="0" anchor="ctr"/>
+          <a:lstStyle/>
+          <a:p>
+            <a:pPr algn="ctr"/>
+            <a:endParaRPr lang="ko-KR" altLang="en-US" sz="800" dirty="0"/>
+          </a:p>
+        </p:txBody>
+      </p:sp>
+      <p:sp>
+        <p:nvSpPr>
+          <p:cNvPr id="81" name="TextBox 80">
+            <a:extLst>
+              <a:ext uri="{FF2B5EF4-FFF2-40B4-BE49-F238E27FC236}">
+                <a16:creationId xmlns:a16="http://schemas.microsoft.com/office/drawing/2014/main" id="{ECC74CBA-B1E8-4181-9100-4CA26CC208C0}"/>
+              </a:ext>
+            </a:extLst>
+          </p:cNvPr>
+          <p:cNvSpPr txBox="1"/>
+          <p:nvPr/>
+        </p:nvSpPr>
+        <p:spPr>
+          <a:xfrm>
+            <a:off x="5131171" y="5187912"/>
+            <a:ext cx="441146" cy="246221"/>
+          </a:xfrm>
+          <a:prstGeom prst="rect">
+            <a:avLst/>
+          </a:prstGeom>
+          <a:noFill/>
+        </p:spPr>
+        <p:txBody>
+          <a:bodyPr wrap="square" rtlCol="0">
+            <a:spAutoFit/>
+          </a:bodyPr>
+          <a:lstStyle/>
+          <a:p>
+            <a:r>
+              <a:rPr lang="ko-KR" altLang="en-US" sz="1000" b="1" dirty="0">
+                <a:solidFill>
+                  <a:schemeClr val="bg1"/>
+                </a:solidFill>
+              </a:rPr>
+              <a:t>구매</a:t>
+            </a:r>
+          </a:p>
+        </p:txBody>
+      </p:sp>
+      <p:sp>
+        <p:nvSpPr>
+          <p:cNvPr id="85" name="사각형: 둥근 모서리 84">
+            <a:extLst>
+              <a:ext uri="{FF2B5EF4-FFF2-40B4-BE49-F238E27FC236}">
+                <a16:creationId xmlns:a16="http://schemas.microsoft.com/office/drawing/2014/main" id="{E97B551B-C16B-4F5C-8586-78C09A30DA79}"/>
+              </a:ext>
+            </a:extLst>
+          </p:cNvPr>
+          <p:cNvSpPr/>
+          <p:nvPr/>
+        </p:nvSpPr>
+        <p:spPr>
+          <a:xfrm>
+            <a:off x="4078986" y="5566327"/>
+            <a:ext cx="1131201" cy="252548"/>
+          </a:xfrm>
+          <a:prstGeom prst="roundRect">
+            <a:avLst/>
+          </a:prstGeom>
+          <a:solidFill>
+            <a:schemeClr val="accent1">
+              <a:lumMod val="60000"/>
+              <a:lumOff val="40000"/>
+            </a:schemeClr>
+          </a:solidFill>
+          <a:ln>
+            <a:noFill/>
+          </a:ln>
+        </p:spPr>
+        <p:style>
+          <a:lnRef idx="2">
+            <a:schemeClr val="accent1">
+              <a:shade val="50000"/>
+            </a:schemeClr>
+          </a:lnRef>
+          <a:fillRef idx="1">
+            <a:schemeClr val="accent1"/>
+          </a:fillRef>
+          <a:effectRef idx="0">
+            <a:schemeClr val="accent1"/>
+          </a:effectRef>
+          <a:fontRef idx="minor">
+            <a:schemeClr val="lt1"/>
+          </a:fontRef>
+        </p:style>
+        <p:txBody>
+          <a:bodyPr rtlCol="0" anchor="ctr"/>
+          <a:lstStyle/>
+          <a:p>
+            <a:pPr algn="ctr"/>
+            <a:r>
+              <a:rPr lang="ko-KR" altLang="en-US" sz="800" b="1" dirty="0">
+                <a:solidFill>
+                  <a:schemeClr val="tx1"/>
+                </a:solidFill>
+              </a:rPr>
+              <a:t>배우는 양 증가</a:t>
+            </a:r>
+            <a:r>
+              <a:rPr lang="en-US" altLang="ko-KR" sz="800" b="1" dirty="0">
+                <a:solidFill>
+                  <a:schemeClr val="tx1"/>
+                </a:solidFill>
+              </a:rPr>
+              <a:t> Lv.1</a:t>
+            </a:r>
+          </a:p>
+          <a:p>
+            <a:pPr algn="ctr"/>
+            <a:r>
+              <a:rPr lang="ko-KR" altLang="en-US" sz="600" b="1" dirty="0">
+                <a:solidFill>
+                  <a:schemeClr val="accent4">
+                    <a:lumMod val="20000"/>
+                    <a:lumOff val="80000"/>
+                  </a:schemeClr>
+                </a:solidFill>
+              </a:rPr>
+              <a:t>금액 </a:t>
+            </a:r>
+            <a:r>
+              <a:rPr lang="en-US" altLang="ko-KR" sz="600" b="1" dirty="0">
+                <a:solidFill>
+                  <a:schemeClr val="accent4">
+                    <a:lumMod val="20000"/>
+                    <a:lumOff val="80000"/>
+                  </a:schemeClr>
+                </a:solidFill>
+              </a:rPr>
+              <a:t>: 1500</a:t>
+            </a:r>
+            <a:r>
+              <a:rPr lang="ko-KR" altLang="en-US" sz="600" b="1" dirty="0">
+                <a:solidFill>
+                  <a:schemeClr val="accent4">
+                    <a:lumMod val="20000"/>
+                    <a:lumOff val="80000"/>
+                  </a:schemeClr>
+                </a:solidFill>
+              </a:rPr>
+              <a:t>원</a:t>
+            </a:r>
+            <a:r>
+              <a:rPr lang="ko-KR" altLang="en-US" sz="600" b="1" dirty="0">
+                <a:solidFill>
+                  <a:schemeClr val="tx1"/>
+                </a:solidFill>
+              </a:rPr>
+              <a:t> </a:t>
+            </a:r>
+          </a:p>
+        </p:txBody>
+      </p:sp>
+      <p:sp>
+        <p:nvSpPr>
+          <p:cNvPr id="86" name="사각형: 둥근 모서리 85">
+            <a:extLst>
+              <a:ext uri="{FF2B5EF4-FFF2-40B4-BE49-F238E27FC236}">
+                <a16:creationId xmlns:a16="http://schemas.microsoft.com/office/drawing/2014/main" id="{AF4EEDD5-5CED-4561-A572-DF3E25AEB801}"/>
+              </a:ext>
+            </a:extLst>
+          </p:cNvPr>
+          <p:cNvSpPr/>
+          <p:nvPr/>
+        </p:nvSpPr>
+        <p:spPr>
+          <a:xfrm>
+            <a:off x="5164055" y="5566327"/>
+            <a:ext cx="361623" cy="252548"/>
+          </a:xfrm>
+          <a:prstGeom prst="roundRect">
+            <a:avLst/>
+          </a:prstGeom>
+        </p:spPr>
+        <p:style>
+          <a:lnRef idx="2">
+            <a:schemeClr val="accent1">
+              <a:shade val="50000"/>
+            </a:schemeClr>
+          </a:lnRef>
+          <a:fillRef idx="1">
+            <a:schemeClr val="accent1"/>
+          </a:fillRef>
+          <a:effectRef idx="0">
+            <a:schemeClr val="accent1"/>
+          </a:effectRef>
+          <a:fontRef idx="minor">
+            <a:schemeClr val="lt1"/>
+          </a:fontRef>
+        </p:style>
+        <p:txBody>
+          <a:bodyPr rtlCol="0" anchor="ctr"/>
+          <a:lstStyle/>
+          <a:p>
+            <a:pPr algn="ctr"/>
+            <a:endParaRPr lang="ko-KR" altLang="en-US" sz="800" dirty="0"/>
+          </a:p>
+        </p:txBody>
+      </p:sp>
+      <p:sp>
+        <p:nvSpPr>
+          <p:cNvPr id="87" name="TextBox 86">
+            <a:extLst>
+              <a:ext uri="{FF2B5EF4-FFF2-40B4-BE49-F238E27FC236}">
+                <a16:creationId xmlns:a16="http://schemas.microsoft.com/office/drawing/2014/main" id="{956D8466-4237-4B5D-BBF9-137FFFC8002B}"/>
+              </a:ext>
+            </a:extLst>
+          </p:cNvPr>
+          <p:cNvSpPr txBox="1"/>
+          <p:nvPr/>
+        </p:nvSpPr>
+        <p:spPr>
+          <a:xfrm>
+            <a:off x="5130197" y="5572654"/>
+            <a:ext cx="441146" cy="246221"/>
+          </a:xfrm>
+          <a:prstGeom prst="rect">
+            <a:avLst/>
+          </a:prstGeom>
+          <a:noFill/>
+        </p:spPr>
+        <p:txBody>
+          <a:bodyPr wrap="square" rtlCol="0">
+            <a:spAutoFit/>
+          </a:bodyPr>
+          <a:lstStyle/>
+          <a:p>
+            <a:r>
+              <a:rPr lang="ko-KR" altLang="en-US" sz="1000" b="1" dirty="0">
+                <a:solidFill>
+                  <a:schemeClr val="bg1"/>
+                </a:solidFill>
+              </a:rPr>
+              <a:t>구매</a:t>
+            </a:r>
+          </a:p>
+        </p:txBody>
+      </p:sp>
+      <p:sp>
+        <p:nvSpPr>
+          <p:cNvPr id="88" name="사각형: 둥근 모서리 87">
+            <a:extLst>
+              <a:ext uri="{FF2B5EF4-FFF2-40B4-BE49-F238E27FC236}">
+                <a16:creationId xmlns:a16="http://schemas.microsoft.com/office/drawing/2014/main" id="{F9E61238-A7F8-44BC-8A27-1B6B202A8F8D}"/>
+              </a:ext>
+            </a:extLst>
+          </p:cNvPr>
+          <p:cNvSpPr/>
+          <p:nvPr/>
+        </p:nvSpPr>
+        <p:spPr>
+          <a:xfrm>
+            <a:off x="4078986" y="5948397"/>
+            <a:ext cx="1131201" cy="252548"/>
+          </a:xfrm>
+          <a:prstGeom prst="roundRect">
+            <a:avLst/>
+          </a:prstGeom>
+          <a:solidFill>
+            <a:schemeClr val="accent1">
+              <a:lumMod val="60000"/>
+              <a:lumOff val="40000"/>
+            </a:schemeClr>
+          </a:solidFill>
+          <a:ln>
+            <a:noFill/>
+          </a:ln>
+        </p:spPr>
+        <p:style>
+          <a:lnRef idx="2">
+            <a:schemeClr val="accent1">
+              <a:shade val="50000"/>
+            </a:schemeClr>
+          </a:lnRef>
+          <a:fillRef idx="1">
+            <a:schemeClr val="accent1"/>
+          </a:fillRef>
+          <a:effectRef idx="0">
+            <a:schemeClr val="accent1"/>
+          </a:effectRef>
+          <a:fontRef idx="minor">
+            <a:schemeClr val="lt1"/>
+          </a:fontRef>
+        </p:style>
+        <p:txBody>
+          <a:bodyPr rtlCol="0" anchor="ctr"/>
+          <a:lstStyle/>
+          <a:p>
+            <a:pPr algn="ctr"/>
+            <a:r>
+              <a:rPr lang="ko-KR" altLang="en-US" sz="800" b="1" dirty="0">
+                <a:solidFill>
+                  <a:schemeClr val="tx1"/>
+                </a:solidFill>
+              </a:rPr>
+              <a:t>보상 증가</a:t>
+            </a:r>
+            <a:r>
+              <a:rPr lang="en-US" altLang="ko-KR" sz="800" b="1" dirty="0">
+                <a:solidFill>
+                  <a:schemeClr val="tx1"/>
+                </a:solidFill>
+              </a:rPr>
+              <a:t> Lv.1</a:t>
+            </a:r>
+          </a:p>
+          <a:p>
+            <a:pPr algn="ctr"/>
+            <a:r>
+              <a:rPr lang="ko-KR" altLang="en-US" sz="600" b="1" dirty="0">
+                <a:solidFill>
+                  <a:schemeClr val="accent4">
+                    <a:lumMod val="20000"/>
+                    <a:lumOff val="80000"/>
+                  </a:schemeClr>
+                </a:solidFill>
+              </a:rPr>
+              <a:t>금액 </a:t>
+            </a:r>
+            <a:r>
+              <a:rPr lang="en-US" altLang="ko-KR" sz="600" b="1" dirty="0">
+                <a:solidFill>
+                  <a:schemeClr val="accent4">
+                    <a:lumMod val="20000"/>
+                    <a:lumOff val="80000"/>
+                  </a:schemeClr>
+                </a:solidFill>
+              </a:rPr>
+              <a:t>: 2000</a:t>
+            </a:r>
+            <a:r>
+              <a:rPr lang="ko-KR" altLang="en-US" sz="600" b="1" dirty="0">
+                <a:solidFill>
+                  <a:schemeClr val="accent4">
+                    <a:lumMod val="20000"/>
+                    <a:lumOff val="80000"/>
+                  </a:schemeClr>
+                </a:solidFill>
+              </a:rPr>
+              <a:t>원</a:t>
+            </a:r>
+            <a:r>
+              <a:rPr lang="ko-KR" altLang="en-US" sz="600" b="1" dirty="0">
+                <a:solidFill>
+                  <a:schemeClr val="tx1"/>
+                </a:solidFill>
+              </a:rPr>
+              <a:t> </a:t>
+            </a:r>
+          </a:p>
+        </p:txBody>
+      </p:sp>
+      <p:sp>
+        <p:nvSpPr>
+          <p:cNvPr id="89" name="사각형: 둥근 모서리 88">
+            <a:extLst>
+              <a:ext uri="{FF2B5EF4-FFF2-40B4-BE49-F238E27FC236}">
+                <a16:creationId xmlns:a16="http://schemas.microsoft.com/office/drawing/2014/main" id="{45E2AC58-5AAF-4656-A619-8565F11C6AA1}"/>
+              </a:ext>
+            </a:extLst>
+          </p:cNvPr>
+          <p:cNvSpPr/>
+          <p:nvPr/>
+        </p:nvSpPr>
+        <p:spPr>
+          <a:xfrm>
+            <a:off x="5164055" y="5948397"/>
+            <a:ext cx="361623" cy="252548"/>
+          </a:xfrm>
+          <a:prstGeom prst="roundRect">
+            <a:avLst/>
+          </a:prstGeom>
+        </p:spPr>
+        <p:style>
+          <a:lnRef idx="2">
+            <a:schemeClr val="accent1">
+              <a:shade val="50000"/>
+            </a:schemeClr>
+          </a:lnRef>
+          <a:fillRef idx="1">
+            <a:schemeClr val="accent1"/>
+          </a:fillRef>
+          <a:effectRef idx="0">
+            <a:schemeClr val="accent1"/>
+          </a:effectRef>
+          <a:fontRef idx="minor">
+            <a:schemeClr val="lt1"/>
+          </a:fontRef>
+        </p:style>
+        <p:txBody>
+          <a:bodyPr rtlCol="0" anchor="ctr"/>
+          <a:lstStyle/>
+          <a:p>
+            <a:pPr algn="ctr"/>
+            <a:endParaRPr lang="ko-KR" altLang="en-US" sz="800" dirty="0"/>
+          </a:p>
+        </p:txBody>
+      </p:sp>
+      <p:sp>
+        <p:nvSpPr>
+          <p:cNvPr id="90" name="TextBox 89">
+            <a:extLst>
+              <a:ext uri="{FF2B5EF4-FFF2-40B4-BE49-F238E27FC236}">
+                <a16:creationId xmlns:a16="http://schemas.microsoft.com/office/drawing/2014/main" id="{0197D7E2-0768-4C34-8928-41013CAAD29C}"/>
+              </a:ext>
+            </a:extLst>
+          </p:cNvPr>
+          <p:cNvSpPr txBox="1"/>
+          <p:nvPr/>
+        </p:nvSpPr>
+        <p:spPr>
+          <a:xfrm>
+            <a:off x="5130197" y="5954724"/>
+            <a:ext cx="441146" cy="246221"/>
+          </a:xfrm>
+          <a:prstGeom prst="rect">
+            <a:avLst/>
+          </a:prstGeom>
+          <a:noFill/>
+        </p:spPr>
+        <p:txBody>
+          <a:bodyPr wrap="square" rtlCol="0">
+            <a:spAutoFit/>
+          </a:bodyPr>
+          <a:lstStyle/>
+          <a:p>
+            <a:r>
+              <a:rPr lang="ko-KR" altLang="en-US" sz="1000" b="1" dirty="0">
+                <a:solidFill>
+                  <a:schemeClr val="bg1"/>
+                </a:solidFill>
+              </a:rPr>
+              <a:t>구매</a:t>
+            </a:r>
+          </a:p>
+        </p:txBody>
+      </p:sp>
+      <p:sp>
+        <p:nvSpPr>
+          <p:cNvPr id="91" name="사각형: 둥근 모서리 90">
+            <a:extLst>
+              <a:ext uri="{FF2B5EF4-FFF2-40B4-BE49-F238E27FC236}">
+                <a16:creationId xmlns:a16="http://schemas.microsoft.com/office/drawing/2014/main" id="{E882EC4D-EC81-4788-BFE4-CA1544BFC636}"/>
+              </a:ext>
+            </a:extLst>
+          </p:cNvPr>
+          <p:cNvSpPr/>
+          <p:nvPr/>
+        </p:nvSpPr>
+        <p:spPr>
+          <a:xfrm>
+            <a:off x="6461429" y="4380503"/>
+            <a:ext cx="1054816" cy="252548"/>
+          </a:xfrm>
+          <a:prstGeom prst="roundRect">
+            <a:avLst/>
+          </a:prstGeom>
+          <a:solidFill>
+            <a:schemeClr val="accent1">
+              <a:lumMod val="60000"/>
+              <a:lumOff val="40000"/>
+            </a:schemeClr>
+          </a:solidFill>
+          <a:ln>
+            <a:noFill/>
+          </a:ln>
+        </p:spPr>
+        <p:style>
+          <a:lnRef idx="2">
+            <a:schemeClr val="accent1">
+              <a:shade val="50000"/>
+            </a:schemeClr>
+          </a:lnRef>
+          <a:fillRef idx="1">
+            <a:schemeClr val="accent1"/>
+          </a:fillRef>
+          <a:effectRef idx="0">
+            <a:schemeClr val="accent1"/>
+          </a:effectRef>
+          <a:fontRef idx="minor">
+            <a:schemeClr val="lt1"/>
+          </a:fontRef>
+        </p:style>
+        <p:txBody>
+          <a:bodyPr rtlCol="0" anchor="ctr"/>
+          <a:lstStyle/>
+          <a:p>
+            <a:pPr algn="ctr"/>
+            <a:r>
+              <a:rPr lang="en-US" altLang="ko-KR" sz="1100" b="1" dirty="0"/>
+              <a:t>777</a:t>
+            </a:r>
+            <a:endParaRPr lang="ko-KR" altLang="en-US" sz="1100" b="1" dirty="0"/>
+          </a:p>
+        </p:txBody>
+      </p:sp>
+      <p:pic>
+        <p:nvPicPr>
+          <p:cNvPr id="92" name="그림 91">
+            <a:extLst>
+              <a:ext uri="{FF2B5EF4-FFF2-40B4-BE49-F238E27FC236}">
+                <a16:creationId xmlns:a16="http://schemas.microsoft.com/office/drawing/2014/main" id="{FBEB75EA-0677-44FB-9BB3-B78A1B8F6BC6}"/>
+              </a:ext>
+            </a:extLst>
+          </p:cNvPr>
+          <p:cNvPicPr>
+            <a:picLocks noChangeAspect="1"/>
+          </p:cNvPicPr>
+          <p:nvPr/>
+        </p:nvPicPr>
+        <p:blipFill>
+          <a:blip r:embed="rId2">
+            <a:extLst>
+              <a:ext uri="{28A0092B-C50C-407E-A947-70E740481C1C}">
+                <a14:useLocalDpi xmlns:a14="http://schemas.microsoft.com/office/drawing/2010/main" val="0"/>
+              </a:ext>
+            </a:extLst>
+          </a:blip>
+          <a:stretch>
+            <a:fillRect/>
+          </a:stretch>
+        </p:blipFill>
+        <p:spPr>
+          <a:xfrm>
+            <a:off x="6473669" y="4380503"/>
+            <a:ext cx="255946" cy="252548"/>
+          </a:xfrm>
+          <a:prstGeom prst="rect">
+            <a:avLst/>
+          </a:prstGeom>
+        </p:spPr>
+      </p:pic>
+      <p:sp>
+        <p:nvSpPr>
+          <p:cNvPr id="96" name="사각형: 둥근 모서리 95">
+            <a:extLst>
+              <a:ext uri="{FF2B5EF4-FFF2-40B4-BE49-F238E27FC236}">
+                <a16:creationId xmlns:a16="http://schemas.microsoft.com/office/drawing/2014/main" id="{24396A70-EF32-4F41-AFCB-B109AF658844}"/>
+              </a:ext>
+            </a:extLst>
+          </p:cNvPr>
+          <p:cNvSpPr/>
+          <p:nvPr/>
+        </p:nvSpPr>
+        <p:spPr>
+          <a:xfrm>
+            <a:off x="6266691" y="4791081"/>
+            <a:ext cx="1131201" cy="252548"/>
+          </a:xfrm>
+          <a:prstGeom prst="roundRect">
+            <a:avLst/>
+          </a:prstGeom>
+          <a:solidFill>
+            <a:schemeClr val="accent1">
+              <a:lumMod val="60000"/>
+              <a:lumOff val="40000"/>
+            </a:schemeClr>
+          </a:solidFill>
+          <a:ln>
+            <a:noFill/>
+          </a:ln>
+        </p:spPr>
+        <p:style>
+          <a:lnRef idx="2">
+            <a:schemeClr val="accent1">
+              <a:shade val="50000"/>
+            </a:schemeClr>
+          </a:lnRef>
+          <a:fillRef idx="1">
+            <a:schemeClr val="accent1"/>
+          </a:fillRef>
+          <a:effectRef idx="0">
+            <a:schemeClr val="accent1"/>
+          </a:effectRef>
+          <a:fontRef idx="minor">
+            <a:schemeClr val="lt1"/>
+          </a:fontRef>
+        </p:style>
+        <p:txBody>
+          <a:bodyPr rtlCol="0" anchor="ctr"/>
+          <a:lstStyle/>
+          <a:p>
+            <a:pPr algn="ctr"/>
+            <a:r>
+              <a:rPr lang="ko-KR" altLang="en-US" sz="800" b="1" dirty="0">
+                <a:solidFill>
+                  <a:schemeClr val="tx1"/>
+                </a:solidFill>
+              </a:rPr>
+              <a:t>의지 </a:t>
+            </a:r>
+            <a:r>
+              <a:rPr lang="en-US" altLang="ko-KR" sz="800" b="1" dirty="0">
+                <a:solidFill>
+                  <a:schemeClr val="tx1"/>
+                </a:solidFill>
+              </a:rPr>
+              <a:t>Lv. 1</a:t>
+            </a:r>
+            <a:endParaRPr lang="ko-KR" altLang="en-US" sz="800" b="1" dirty="0">
+              <a:solidFill>
+                <a:schemeClr val="tx1"/>
+              </a:solidFill>
+            </a:endParaRPr>
+          </a:p>
+        </p:txBody>
+      </p:sp>
+      <p:pic>
+        <p:nvPicPr>
+          <p:cNvPr id="97" name="그림 96" descr="앉아있는, 컴퓨터, 노트북, 보는이(가) 표시된 사진&#10;&#10;자동 생성된 설명">
+            <a:extLst>
+              <a:ext uri="{FF2B5EF4-FFF2-40B4-BE49-F238E27FC236}">
+                <a16:creationId xmlns:a16="http://schemas.microsoft.com/office/drawing/2014/main" id="{02A565E5-964A-445B-BB37-A64F4644EEB7}"/>
+              </a:ext>
+            </a:extLst>
+          </p:cNvPr>
+          <p:cNvPicPr>
+            <a:picLocks noChangeAspect="1"/>
+          </p:cNvPicPr>
+          <p:nvPr/>
+        </p:nvPicPr>
+        <p:blipFill rotWithShape="1">
+          <a:blip r:embed="rId3">
+            <a:extLst>
+              <a:ext uri="{28A0092B-C50C-407E-A947-70E740481C1C}">
+                <a14:useLocalDpi xmlns:a14="http://schemas.microsoft.com/office/drawing/2010/main" val="0"/>
+              </a:ext>
+            </a:extLst>
+          </a:blip>
+          <a:srcRect t="23256" b="24321"/>
+          <a:stretch/>
+        </p:blipFill>
+        <p:spPr>
+          <a:xfrm>
+            <a:off x="7425927" y="4774017"/>
+            <a:ext cx="261925" cy="283016"/>
+          </a:xfrm>
+          <a:prstGeom prst="rect">
+            <a:avLst/>
+          </a:prstGeom>
+        </p:spPr>
+      </p:pic>
+      <p:sp>
+        <p:nvSpPr>
+          <p:cNvPr id="98" name="사각형: 둥근 모서리 97">
+            <a:extLst>
+              <a:ext uri="{FF2B5EF4-FFF2-40B4-BE49-F238E27FC236}">
+                <a16:creationId xmlns:a16="http://schemas.microsoft.com/office/drawing/2014/main" id="{04128619-2CC2-48CD-88EE-D1A9E50A744A}"/>
+              </a:ext>
+            </a:extLst>
+          </p:cNvPr>
+          <p:cNvSpPr/>
+          <p:nvPr/>
+        </p:nvSpPr>
+        <p:spPr>
+          <a:xfrm>
+            <a:off x="6266691" y="5181585"/>
+            <a:ext cx="1131201" cy="252548"/>
+          </a:xfrm>
+          <a:prstGeom prst="roundRect">
+            <a:avLst/>
+          </a:prstGeom>
+          <a:solidFill>
+            <a:schemeClr val="accent1">
+              <a:lumMod val="60000"/>
+              <a:lumOff val="40000"/>
+            </a:schemeClr>
+          </a:solidFill>
+          <a:ln>
+            <a:noFill/>
+          </a:ln>
+        </p:spPr>
+        <p:style>
+          <a:lnRef idx="2">
+            <a:schemeClr val="accent1">
+              <a:shade val="50000"/>
+            </a:schemeClr>
+          </a:lnRef>
+          <a:fillRef idx="1">
+            <a:schemeClr val="accent1"/>
+          </a:fillRef>
+          <a:effectRef idx="0">
+            <a:schemeClr val="accent1"/>
+          </a:effectRef>
+          <a:fontRef idx="minor">
+            <a:schemeClr val="lt1"/>
+          </a:fontRef>
+        </p:style>
+        <p:txBody>
+          <a:bodyPr rtlCol="0" anchor="ctr"/>
+          <a:lstStyle/>
+          <a:p>
+            <a:pPr algn="ctr"/>
+            <a:r>
+              <a:rPr lang="ko-KR" altLang="en-US" sz="800" b="1" dirty="0">
+                <a:solidFill>
+                  <a:schemeClr val="tx1"/>
+                </a:solidFill>
+              </a:rPr>
+              <a:t>의지 </a:t>
+            </a:r>
+            <a:r>
+              <a:rPr lang="en-US" altLang="ko-KR" sz="800" b="1" dirty="0">
+                <a:solidFill>
+                  <a:schemeClr val="tx1"/>
+                </a:solidFill>
+              </a:rPr>
+              <a:t>Lv. 2</a:t>
+            </a:r>
+          </a:p>
+          <a:p>
+            <a:pPr algn="ctr"/>
+            <a:r>
+              <a:rPr lang="ko-KR" altLang="en-US" sz="600" b="1" dirty="0">
+                <a:solidFill>
+                  <a:schemeClr val="accent4">
+                    <a:lumMod val="20000"/>
+                    <a:lumOff val="80000"/>
+                  </a:schemeClr>
+                </a:solidFill>
+              </a:rPr>
+              <a:t>금액 </a:t>
+            </a:r>
+            <a:r>
+              <a:rPr lang="en-US" altLang="ko-KR" sz="600" b="1" dirty="0">
+                <a:solidFill>
+                  <a:schemeClr val="accent4">
+                    <a:lumMod val="20000"/>
+                    <a:lumOff val="80000"/>
+                  </a:schemeClr>
+                </a:solidFill>
+              </a:rPr>
+              <a:t>: 1000</a:t>
+            </a:r>
+            <a:r>
+              <a:rPr lang="ko-KR" altLang="en-US" sz="600" b="1" dirty="0">
+                <a:solidFill>
+                  <a:schemeClr val="accent4">
+                    <a:lumMod val="20000"/>
+                    <a:lumOff val="80000"/>
+                  </a:schemeClr>
+                </a:solidFill>
+              </a:rPr>
+              <a:t>원</a:t>
+            </a:r>
+          </a:p>
+        </p:txBody>
+      </p:sp>
+      <p:sp>
+        <p:nvSpPr>
+          <p:cNvPr id="99" name="사각형: 둥근 모서리 98">
+            <a:extLst>
+              <a:ext uri="{FF2B5EF4-FFF2-40B4-BE49-F238E27FC236}">
+                <a16:creationId xmlns:a16="http://schemas.microsoft.com/office/drawing/2014/main" id="{BDD08235-7723-439A-B4DE-FE72E7FFF65A}"/>
+              </a:ext>
+            </a:extLst>
+          </p:cNvPr>
+          <p:cNvSpPr/>
+          <p:nvPr/>
+        </p:nvSpPr>
+        <p:spPr>
+          <a:xfrm>
+            <a:off x="7351760" y="5181585"/>
+            <a:ext cx="361623" cy="252548"/>
+          </a:xfrm>
+          <a:prstGeom prst="roundRect">
+            <a:avLst/>
+          </a:prstGeom>
+        </p:spPr>
+        <p:style>
+          <a:lnRef idx="2">
+            <a:schemeClr val="accent1">
+              <a:shade val="50000"/>
+            </a:schemeClr>
+          </a:lnRef>
+          <a:fillRef idx="1">
+            <a:schemeClr val="accent1"/>
+          </a:fillRef>
+          <a:effectRef idx="0">
+            <a:schemeClr val="accent1"/>
+          </a:effectRef>
+          <a:fontRef idx="minor">
+            <a:schemeClr val="lt1"/>
+          </a:fontRef>
+        </p:style>
+        <p:txBody>
+          <a:bodyPr rtlCol="0" anchor="ctr"/>
+          <a:lstStyle/>
+          <a:p>
+            <a:pPr algn="ctr"/>
+            <a:endParaRPr lang="ko-KR" altLang="en-US" sz="800" dirty="0"/>
+          </a:p>
+        </p:txBody>
+      </p:sp>
+      <p:sp>
+        <p:nvSpPr>
+          <p:cNvPr id="100" name="TextBox 99">
+            <a:extLst>
+              <a:ext uri="{FF2B5EF4-FFF2-40B4-BE49-F238E27FC236}">
+                <a16:creationId xmlns:a16="http://schemas.microsoft.com/office/drawing/2014/main" id="{47EE90EB-27CC-47A7-8D8A-51B52BEA246F}"/>
+              </a:ext>
+            </a:extLst>
+          </p:cNvPr>
+          <p:cNvSpPr txBox="1"/>
+          <p:nvPr/>
+        </p:nvSpPr>
+        <p:spPr>
+          <a:xfrm>
+            <a:off x="7317902" y="5187912"/>
+            <a:ext cx="441146" cy="246221"/>
+          </a:xfrm>
+          <a:prstGeom prst="rect">
+            <a:avLst/>
+          </a:prstGeom>
+          <a:noFill/>
+        </p:spPr>
+        <p:txBody>
+          <a:bodyPr wrap="square" rtlCol="0">
+            <a:spAutoFit/>
+          </a:bodyPr>
+          <a:lstStyle/>
+          <a:p>
+            <a:r>
+              <a:rPr lang="ko-KR" altLang="en-US" sz="1000" b="1" dirty="0">
+                <a:solidFill>
+                  <a:schemeClr val="bg1"/>
+                </a:solidFill>
+              </a:rPr>
+              <a:t>구매</a:t>
+            </a:r>
+          </a:p>
+        </p:txBody>
+      </p:sp>
+      <p:sp>
+        <p:nvSpPr>
+          <p:cNvPr id="101" name="사각형: 둥근 모서리 100">
+            <a:extLst>
+              <a:ext uri="{FF2B5EF4-FFF2-40B4-BE49-F238E27FC236}">
+                <a16:creationId xmlns:a16="http://schemas.microsoft.com/office/drawing/2014/main" id="{314D0C06-8429-4ED0-855C-863329EAB388}"/>
+              </a:ext>
+            </a:extLst>
+          </p:cNvPr>
+          <p:cNvSpPr/>
+          <p:nvPr/>
+        </p:nvSpPr>
+        <p:spPr>
+          <a:xfrm>
+            <a:off x="6265991" y="5566327"/>
+            <a:ext cx="1131201" cy="252548"/>
+          </a:xfrm>
+          <a:prstGeom prst="roundRect">
+            <a:avLst/>
+          </a:prstGeom>
+          <a:solidFill>
+            <a:schemeClr val="accent1">
+              <a:lumMod val="60000"/>
+              <a:lumOff val="40000"/>
+            </a:schemeClr>
+          </a:solidFill>
+          <a:ln>
+            <a:noFill/>
+          </a:ln>
+        </p:spPr>
+        <p:style>
+          <a:lnRef idx="2">
+            <a:schemeClr val="accent1">
+              <a:shade val="50000"/>
+            </a:schemeClr>
+          </a:lnRef>
+          <a:fillRef idx="1">
+            <a:schemeClr val="accent1"/>
+          </a:fillRef>
+          <a:effectRef idx="0">
+            <a:schemeClr val="accent1"/>
+          </a:effectRef>
+          <a:fontRef idx="minor">
+            <a:schemeClr val="lt1"/>
+          </a:fontRef>
+        </p:style>
+        <p:txBody>
+          <a:bodyPr rtlCol="0" anchor="ctr"/>
+          <a:lstStyle/>
+          <a:p>
+            <a:pPr algn="ctr"/>
+            <a:r>
+              <a:rPr lang="ko-KR" altLang="en-US" sz="800" b="1" dirty="0">
+                <a:solidFill>
+                  <a:schemeClr val="tx1"/>
+                </a:solidFill>
+              </a:rPr>
+              <a:t>의지 </a:t>
+            </a:r>
+            <a:r>
+              <a:rPr lang="en-US" altLang="ko-KR" sz="800" b="1" dirty="0">
+                <a:solidFill>
+                  <a:schemeClr val="tx1"/>
+                </a:solidFill>
+              </a:rPr>
+              <a:t>Lv. 3</a:t>
+            </a:r>
+          </a:p>
+          <a:p>
+            <a:pPr algn="ctr"/>
+            <a:r>
+              <a:rPr lang="ko-KR" altLang="en-US" sz="600" b="1" dirty="0">
+                <a:solidFill>
+                  <a:schemeClr val="accent4">
+                    <a:lumMod val="20000"/>
+                    <a:lumOff val="80000"/>
+                  </a:schemeClr>
+                </a:solidFill>
+              </a:rPr>
+              <a:t>금액 </a:t>
+            </a:r>
+            <a:r>
+              <a:rPr lang="en-US" altLang="ko-KR" sz="600" b="1" dirty="0">
+                <a:solidFill>
+                  <a:schemeClr val="accent4">
+                    <a:lumMod val="20000"/>
+                    <a:lumOff val="80000"/>
+                  </a:schemeClr>
+                </a:solidFill>
+              </a:rPr>
+              <a:t>: 1500</a:t>
+            </a:r>
+            <a:r>
+              <a:rPr lang="ko-KR" altLang="en-US" sz="600" b="1" dirty="0">
+                <a:solidFill>
+                  <a:schemeClr val="accent4">
+                    <a:lumMod val="20000"/>
+                    <a:lumOff val="80000"/>
+                  </a:schemeClr>
+                </a:solidFill>
+              </a:rPr>
+              <a:t>원</a:t>
+            </a:r>
+          </a:p>
+        </p:txBody>
+      </p:sp>
+      <p:sp>
+        <p:nvSpPr>
+          <p:cNvPr id="102" name="사각형: 둥근 모서리 101">
+            <a:extLst>
+              <a:ext uri="{FF2B5EF4-FFF2-40B4-BE49-F238E27FC236}">
+                <a16:creationId xmlns:a16="http://schemas.microsoft.com/office/drawing/2014/main" id="{93901DA0-71C3-4BE1-9113-D68C283C9EFA}"/>
+              </a:ext>
+            </a:extLst>
+          </p:cNvPr>
+          <p:cNvSpPr/>
+          <p:nvPr/>
+        </p:nvSpPr>
+        <p:spPr>
+          <a:xfrm>
+            <a:off x="7351060" y="5566327"/>
+            <a:ext cx="361623" cy="252548"/>
+          </a:xfrm>
+          <a:prstGeom prst="roundRect">
+            <a:avLst/>
+          </a:prstGeom>
+        </p:spPr>
+        <p:style>
+          <a:lnRef idx="2">
+            <a:schemeClr val="accent1">
+              <a:shade val="50000"/>
+            </a:schemeClr>
+          </a:lnRef>
+          <a:fillRef idx="1">
+            <a:schemeClr val="accent1"/>
+          </a:fillRef>
+          <a:effectRef idx="0">
+            <a:schemeClr val="accent1"/>
+          </a:effectRef>
+          <a:fontRef idx="minor">
+            <a:schemeClr val="lt1"/>
+          </a:fontRef>
+        </p:style>
+        <p:txBody>
+          <a:bodyPr rtlCol="0" anchor="ctr"/>
+          <a:lstStyle/>
+          <a:p>
+            <a:pPr algn="ctr"/>
+            <a:endParaRPr lang="ko-KR" altLang="en-US" sz="800" dirty="0"/>
+          </a:p>
+        </p:txBody>
+      </p:sp>
+      <p:sp>
+        <p:nvSpPr>
+          <p:cNvPr id="103" name="TextBox 102">
+            <a:extLst>
+              <a:ext uri="{FF2B5EF4-FFF2-40B4-BE49-F238E27FC236}">
+                <a16:creationId xmlns:a16="http://schemas.microsoft.com/office/drawing/2014/main" id="{F17BA5DA-1451-4955-BA99-AF434DC84033}"/>
+              </a:ext>
+            </a:extLst>
+          </p:cNvPr>
+          <p:cNvSpPr txBox="1"/>
+          <p:nvPr/>
+        </p:nvSpPr>
+        <p:spPr>
+          <a:xfrm>
+            <a:off x="7317202" y="5572654"/>
+            <a:ext cx="441146" cy="246221"/>
+          </a:xfrm>
+          <a:prstGeom prst="rect">
+            <a:avLst/>
+          </a:prstGeom>
+          <a:noFill/>
+        </p:spPr>
+        <p:txBody>
+          <a:bodyPr wrap="square" rtlCol="0">
+            <a:spAutoFit/>
+          </a:bodyPr>
+          <a:lstStyle/>
+          <a:p>
+            <a:r>
+              <a:rPr lang="ko-KR" altLang="en-US" sz="1000" b="1" dirty="0">
+                <a:solidFill>
+                  <a:schemeClr val="bg1"/>
+                </a:solidFill>
+              </a:rPr>
+              <a:t>구매</a:t>
+            </a:r>
+          </a:p>
+        </p:txBody>
+      </p:sp>
+      <p:sp>
+        <p:nvSpPr>
+          <p:cNvPr id="104" name="사각형: 둥근 모서리 103">
+            <a:extLst>
+              <a:ext uri="{FF2B5EF4-FFF2-40B4-BE49-F238E27FC236}">
+                <a16:creationId xmlns:a16="http://schemas.microsoft.com/office/drawing/2014/main" id="{DB4B1A4B-53D8-4C1C-A86A-9FC59DA01089}"/>
+              </a:ext>
+            </a:extLst>
+          </p:cNvPr>
+          <p:cNvSpPr/>
+          <p:nvPr/>
+        </p:nvSpPr>
+        <p:spPr>
+          <a:xfrm>
+            <a:off x="6265991" y="5948397"/>
+            <a:ext cx="1131201" cy="252548"/>
+          </a:xfrm>
+          <a:prstGeom prst="roundRect">
+            <a:avLst/>
+          </a:prstGeom>
+          <a:solidFill>
+            <a:schemeClr val="accent1">
+              <a:lumMod val="60000"/>
+              <a:lumOff val="40000"/>
+            </a:schemeClr>
+          </a:solidFill>
+          <a:ln>
+            <a:noFill/>
+          </a:ln>
+        </p:spPr>
+        <p:style>
+          <a:lnRef idx="2">
+            <a:schemeClr val="accent1">
+              <a:shade val="50000"/>
+            </a:schemeClr>
+          </a:lnRef>
+          <a:fillRef idx="1">
+            <a:schemeClr val="accent1"/>
+          </a:fillRef>
+          <a:effectRef idx="0">
+            <a:schemeClr val="accent1"/>
+          </a:effectRef>
+          <a:fontRef idx="minor">
+            <a:schemeClr val="lt1"/>
+          </a:fontRef>
+        </p:style>
+        <p:txBody>
+          <a:bodyPr rtlCol="0" anchor="ctr"/>
+          <a:lstStyle/>
+          <a:p>
+            <a:pPr algn="ctr"/>
+            <a:r>
+              <a:rPr lang="ko-KR" altLang="en-US" sz="800" b="1" dirty="0" err="1">
+                <a:solidFill>
+                  <a:schemeClr val="tx1"/>
+                </a:solidFill>
+              </a:rPr>
+              <a:t>회복량</a:t>
+            </a:r>
+            <a:r>
+              <a:rPr lang="ko-KR" altLang="en-US" sz="800" b="1" dirty="0">
+                <a:solidFill>
+                  <a:schemeClr val="tx1"/>
+                </a:solidFill>
+              </a:rPr>
+              <a:t> 증가 </a:t>
+            </a:r>
+            <a:r>
+              <a:rPr lang="en-US" altLang="ko-KR" sz="800" b="1" dirty="0">
+                <a:solidFill>
+                  <a:schemeClr val="tx1"/>
+                </a:solidFill>
+              </a:rPr>
+              <a:t>Lv. 1</a:t>
+            </a:r>
+          </a:p>
+          <a:p>
+            <a:pPr algn="ctr"/>
+            <a:r>
+              <a:rPr lang="ko-KR" altLang="en-US" sz="600" b="1" dirty="0">
+                <a:solidFill>
+                  <a:schemeClr val="accent4">
+                    <a:lumMod val="20000"/>
+                    <a:lumOff val="80000"/>
+                  </a:schemeClr>
+                </a:solidFill>
+              </a:rPr>
+              <a:t>금액 </a:t>
+            </a:r>
+            <a:r>
+              <a:rPr lang="en-US" altLang="ko-KR" sz="600" b="1" dirty="0">
+                <a:solidFill>
+                  <a:schemeClr val="accent4">
+                    <a:lumMod val="20000"/>
+                    <a:lumOff val="80000"/>
+                  </a:schemeClr>
+                </a:solidFill>
+              </a:rPr>
+              <a:t>: 2000</a:t>
+            </a:r>
+            <a:r>
+              <a:rPr lang="ko-KR" altLang="en-US" sz="600" b="1" dirty="0">
+                <a:solidFill>
+                  <a:schemeClr val="accent4">
+                    <a:lumMod val="20000"/>
+                    <a:lumOff val="80000"/>
+                  </a:schemeClr>
+                </a:solidFill>
+              </a:rPr>
+              <a:t>원</a:t>
+            </a:r>
+          </a:p>
+        </p:txBody>
+      </p:sp>
+      <p:sp>
+        <p:nvSpPr>
+          <p:cNvPr id="105" name="사각형: 둥근 모서리 104">
+            <a:extLst>
+              <a:ext uri="{FF2B5EF4-FFF2-40B4-BE49-F238E27FC236}">
+                <a16:creationId xmlns:a16="http://schemas.microsoft.com/office/drawing/2014/main" id="{5F1376AF-5FCC-4CB3-AACE-D429734F0427}"/>
+              </a:ext>
+            </a:extLst>
+          </p:cNvPr>
+          <p:cNvSpPr/>
+          <p:nvPr/>
+        </p:nvSpPr>
+        <p:spPr>
+          <a:xfrm>
+            <a:off x="7351060" y="5948397"/>
+            <a:ext cx="361623" cy="252548"/>
+          </a:xfrm>
+          <a:prstGeom prst="roundRect">
+            <a:avLst/>
+          </a:prstGeom>
+        </p:spPr>
+        <p:style>
+          <a:lnRef idx="2">
+            <a:schemeClr val="accent1">
+              <a:shade val="50000"/>
+            </a:schemeClr>
+          </a:lnRef>
+          <a:fillRef idx="1">
+            <a:schemeClr val="accent1"/>
+          </a:fillRef>
+          <a:effectRef idx="0">
+            <a:schemeClr val="accent1"/>
+          </a:effectRef>
+          <a:fontRef idx="minor">
+            <a:schemeClr val="lt1"/>
+          </a:fontRef>
+        </p:style>
+        <p:txBody>
+          <a:bodyPr rtlCol="0" anchor="ctr"/>
+          <a:lstStyle/>
+          <a:p>
+            <a:pPr algn="ctr"/>
+            <a:endParaRPr lang="ko-KR" altLang="en-US" sz="800" dirty="0"/>
+          </a:p>
+        </p:txBody>
+      </p:sp>
+      <p:sp>
+        <p:nvSpPr>
+          <p:cNvPr id="106" name="TextBox 105">
+            <a:extLst>
+              <a:ext uri="{FF2B5EF4-FFF2-40B4-BE49-F238E27FC236}">
+                <a16:creationId xmlns:a16="http://schemas.microsoft.com/office/drawing/2014/main" id="{08D87954-3B8B-4362-AC27-3CD7D83ECF46}"/>
+              </a:ext>
+            </a:extLst>
+          </p:cNvPr>
+          <p:cNvSpPr txBox="1"/>
+          <p:nvPr/>
+        </p:nvSpPr>
+        <p:spPr>
+          <a:xfrm>
+            <a:off x="7317202" y="5954724"/>
+            <a:ext cx="441146" cy="246221"/>
+          </a:xfrm>
+          <a:prstGeom prst="rect">
+            <a:avLst/>
+          </a:prstGeom>
+          <a:noFill/>
+        </p:spPr>
+        <p:txBody>
+          <a:bodyPr wrap="square" rtlCol="0">
+            <a:spAutoFit/>
+          </a:bodyPr>
+          <a:lstStyle/>
+          <a:p>
+            <a:r>
+              <a:rPr lang="ko-KR" altLang="en-US" sz="1000" b="1" dirty="0">
+                <a:solidFill>
+                  <a:schemeClr val="bg1"/>
+                </a:solidFill>
+              </a:rPr>
+              <a:t>구매</a:t>
+            </a:r>
+          </a:p>
+        </p:txBody>
+      </p:sp>
+      <p:sp>
+        <p:nvSpPr>
+          <p:cNvPr id="108" name="타원 107">
+            <a:extLst>
+              <a:ext uri="{FF2B5EF4-FFF2-40B4-BE49-F238E27FC236}">
+                <a16:creationId xmlns:a16="http://schemas.microsoft.com/office/drawing/2014/main" id="{7F58F756-6545-435C-A61B-BFD0A25585B4}"/>
+              </a:ext>
+            </a:extLst>
+          </p:cNvPr>
+          <p:cNvSpPr/>
+          <p:nvPr/>
+        </p:nvSpPr>
+        <p:spPr>
+          <a:xfrm>
+            <a:off x="5719183" y="1712633"/>
+            <a:ext cx="299301" cy="299301"/>
+          </a:xfrm>
+          <a:prstGeom prst="ellipse">
+            <a:avLst/>
+          </a:prstGeom>
+          <a:solidFill>
+            <a:schemeClr val="accent2">
+              <a:lumMod val="60000"/>
+              <a:lumOff val="40000"/>
+            </a:schemeClr>
+          </a:solidFill>
+          <a:ln>
+            <a:noFill/>
+          </a:ln>
+        </p:spPr>
+        <p:style>
+          <a:lnRef idx="2">
+            <a:schemeClr val="accent1">
+              <a:shade val="50000"/>
+            </a:schemeClr>
+          </a:lnRef>
+          <a:fillRef idx="1">
+            <a:schemeClr val="accent1"/>
+          </a:fillRef>
+          <a:effectRef idx="0">
+            <a:schemeClr val="accent1"/>
+          </a:effectRef>
+          <a:fontRef idx="minor">
+            <a:schemeClr val="lt1"/>
+          </a:fontRef>
+        </p:style>
+        <p:txBody>
+          <a:bodyPr rtlCol="0" anchor="ctr"/>
+          <a:lstStyle/>
+          <a:p>
+            <a:pPr algn="ctr"/>
+            <a:r>
+              <a:rPr lang="en-US" altLang="ko-KR" dirty="0"/>
+              <a:t>3</a:t>
+            </a:r>
+            <a:endParaRPr lang="ko-KR" altLang="en-US" dirty="0"/>
+          </a:p>
+        </p:txBody>
+      </p:sp>
+      <p:sp>
+        <p:nvSpPr>
+          <p:cNvPr id="109" name="타원 108">
+            <a:extLst>
+              <a:ext uri="{FF2B5EF4-FFF2-40B4-BE49-F238E27FC236}">
+                <a16:creationId xmlns:a16="http://schemas.microsoft.com/office/drawing/2014/main" id="{F3373212-4B07-4E41-971F-02A4EC4CB37F}"/>
+              </a:ext>
+            </a:extLst>
+          </p:cNvPr>
+          <p:cNvSpPr/>
+          <p:nvPr/>
+        </p:nvSpPr>
+        <p:spPr>
+          <a:xfrm>
+            <a:off x="5787391" y="2463961"/>
+            <a:ext cx="299301" cy="299301"/>
+          </a:xfrm>
+          <a:prstGeom prst="ellipse">
+            <a:avLst/>
+          </a:prstGeom>
+          <a:solidFill>
+            <a:schemeClr val="accent2">
+              <a:lumMod val="60000"/>
+              <a:lumOff val="40000"/>
+            </a:schemeClr>
+          </a:solidFill>
+          <a:ln>
+            <a:noFill/>
+          </a:ln>
+        </p:spPr>
+        <p:style>
+          <a:lnRef idx="2">
+            <a:schemeClr val="accent1">
+              <a:shade val="50000"/>
+            </a:schemeClr>
+          </a:lnRef>
+          <a:fillRef idx="1">
+            <a:schemeClr val="accent1"/>
+          </a:fillRef>
+          <a:effectRef idx="0">
+            <a:schemeClr val="accent1"/>
+          </a:effectRef>
+          <a:fontRef idx="minor">
+            <a:schemeClr val="lt1"/>
+          </a:fontRef>
+        </p:style>
+        <p:txBody>
+          <a:bodyPr rtlCol="0" anchor="ctr"/>
+          <a:lstStyle/>
+          <a:p>
+            <a:pPr algn="ctr"/>
+            <a:r>
+              <a:rPr lang="en-US" altLang="ko-KR" dirty="0"/>
+              <a:t>4</a:t>
+            </a:r>
+            <a:endParaRPr lang="ko-KR" altLang="en-US" dirty="0"/>
+          </a:p>
+        </p:txBody>
+      </p:sp>
+      <p:sp>
+        <p:nvSpPr>
+          <p:cNvPr id="110" name="직사각형 109">
+            <a:extLst>
+              <a:ext uri="{FF2B5EF4-FFF2-40B4-BE49-F238E27FC236}">
+                <a16:creationId xmlns:a16="http://schemas.microsoft.com/office/drawing/2014/main" id="{59D5B64A-5F5B-4F4E-93BB-5618F672CFA1}"/>
+              </a:ext>
+            </a:extLst>
+          </p:cNvPr>
+          <p:cNvSpPr/>
+          <p:nvPr/>
+        </p:nvSpPr>
+        <p:spPr>
+          <a:xfrm>
+            <a:off x="93306" y="1320133"/>
+            <a:ext cx="2598563" cy="4472280"/>
+          </a:xfrm>
+          <a:prstGeom prst="rect">
+            <a:avLst/>
+          </a:prstGeom>
+          <a:noFill/>
+          <a:ln w="31750">
+            <a:solidFill>
+              <a:schemeClr val="accent2">
+                <a:lumMod val="40000"/>
+                <a:lumOff val="60000"/>
+              </a:schemeClr>
+            </a:solidFill>
+            <a:prstDash val="dash"/>
+          </a:ln>
+        </p:spPr>
+        <p:style>
+          <a:lnRef idx="2">
+            <a:schemeClr val="accent1">
+              <a:shade val="50000"/>
+            </a:schemeClr>
+          </a:lnRef>
+          <a:fillRef idx="1">
+            <a:schemeClr val="accent1"/>
+          </a:fillRef>
+          <a:effectRef idx="0">
+            <a:schemeClr val="accent1"/>
+          </a:effectRef>
+          <a:fontRef idx="minor">
+            <a:schemeClr val="lt1"/>
+          </a:fontRef>
+        </p:style>
+        <p:txBody>
+          <a:bodyPr rtlCol="0" anchor="ctr"/>
+          <a:lstStyle/>
+          <a:p>
+            <a:pPr algn="ctr"/>
+            <a:endParaRPr lang="ko-KR" altLang="en-US"/>
+          </a:p>
+        </p:txBody>
+      </p:sp>
+      <p:sp>
+        <p:nvSpPr>
+          <p:cNvPr id="107" name="타원 106">
+            <a:extLst>
+              <a:ext uri="{FF2B5EF4-FFF2-40B4-BE49-F238E27FC236}">
+                <a16:creationId xmlns:a16="http://schemas.microsoft.com/office/drawing/2014/main" id="{2D6A2002-AC11-4AED-9D01-32E816921F8F}"/>
+              </a:ext>
+            </a:extLst>
+          </p:cNvPr>
+          <p:cNvSpPr/>
+          <p:nvPr/>
+        </p:nvSpPr>
+        <p:spPr>
+          <a:xfrm>
+            <a:off x="1263860" y="1160248"/>
+            <a:ext cx="299301" cy="299301"/>
+          </a:xfrm>
+          <a:prstGeom prst="ellipse">
+            <a:avLst/>
+          </a:prstGeom>
+          <a:solidFill>
+            <a:schemeClr val="accent2">
+              <a:lumMod val="60000"/>
+              <a:lumOff val="40000"/>
+            </a:schemeClr>
+          </a:solidFill>
+          <a:ln>
+            <a:noFill/>
+          </a:ln>
+        </p:spPr>
+        <p:style>
+          <a:lnRef idx="2">
+            <a:schemeClr val="accent1">
+              <a:shade val="50000"/>
+            </a:schemeClr>
+          </a:lnRef>
+          <a:fillRef idx="1">
+            <a:schemeClr val="accent1"/>
+          </a:fillRef>
+          <a:effectRef idx="0">
+            <a:schemeClr val="accent1"/>
+          </a:effectRef>
+          <a:fontRef idx="minor">
+            <a:schemeClr val="lt1"/>
+          </a:fontRef>
+        </p:style>
+        <p:txBody>
+          <a:bodyPr rtlCol="0" anchor="ctr"/>
+          <a:lstStyle/>
+          <a:p>
+            <a:pPr algn="ctr"/>
+            <a:r>
+              <a:rPr lang="en-US" altLang="ko-KR" dirty="0"/>
+              <a:t>1</a:t>
+            </a:r>
+            <a:endParaRPr lang="ko-KR" altLang="en-US" dirty="0"/>
+          </a:p>
+        </p:txBody>
+      </p:sp>
+      <p:sp>
+        <p:nvSpPr>
+          <p:cNvPr id="111" name="직사각형 110">
+            <a:extLst>
+              <a:ext uri="{FF2B5EF4-FFF2-40B4-BE49-F238E27FC236}">
+                <a16:creationId xmlns:a16="http://schemas.microsoft.com/office/drawing/2014/main" id="{FCE8930E-C63B-4EB1-8B69-AD65D9DBE83C}"/>
+              </a:ext>
+            </a:extLst>
+          </p:cNvPr>
+          <p:cNvSpPr/>
+          <p:nvPr/>
+        </p:nvSpPr>
+        <p:spPr>
+          <a:xfrm>
+            <a:off x="3857918" y="971688"/>
+            <a:ext cx="1818052" cy="2568260"/>
+          </a:xfrm>
+          <a:prstGeom prst="rect">
+            <a:avLst/>
+          </a:prstGeom>
+          <a:noFill/>
+          <a:ln w="31750">
+            <a:solidFill>
+              <a:schemeClr val="accent2">
+                <a:lumMod val="40000"/>
+                <a:lumOff val="60000"/>
+              </a:schemeClr>
+            </a:solidFill>
+            <a:prstDash val="dash"/>
+          </a:ln>
+        </p:spPr>
+        <p:style>
+          <a:lnRef idx="2">
+            <a:schemeClr val="accent1">
+              <a:shade val="50000"/>
+            </a:schemeClr>
+          </a:lnRef>
+          <a:fillRef idx="1">
+            <a:schemeClr val="accent1"/>
+          </a:fillRef>
+          <a:effectRef idx="0">
+            <a:schemeClr val="accent1"/>
+          </a:effectRef>
+          <a:fontRef idx="minor">
+            <a:schemeClr val="lt1"/>
+          </a:fontRef>
+        </p:style>
+        <p:txBody>
+          <a:bodyPr rtlCol="0" anchor="ctr"/>
+          <a:lstStyle/>
+          <a:p>
+            <a:pPr algn="ctr"/>
+            <a:endParaRPr lang="ko-KR" altLang="en-US"/>
+          </a:p>
+        </p:txBody>
+      </p:sp>
+      <p:cxnSp>
+        <p:nvCxnSpPr>
+          <p:cNvPr id="113" name="직선 연결선 112">
+            <a:extLst>
+              <a:ext uri="{FF2B5EF4-FFF2-40B4-BE49-F238E27FC236}">
+                <a16:creationId xmlns:a16="http://schemas.microsoft.com/office/drawing/2014/main" id="{108AE069-7B61-46B6-9DD8-CD770AE9A538}"/>
+              </a:ext>
+            </a:extLst>
+          </p:cNvPr>
+          <p:cNvCxnSpPr>
+            <a:cxnSpLocks/>
+            <a:stCxn id="32" idx="3"/>
+            <a:endCxn id="108" idx="2"/>
+          </p:cNvCxnSpPr>
+          <p:nvPr/>
+        </p:nvCxnSpPr>
+        <p:spPr>
+          <a:xfrm>
+            <a:off x="5487203" y="1862036"/>
+            <a:ext cx="231980" cy="248"/>
+          </a:xfrm>
+          <a:prstGeom prst="line">
+            <a:avLst/>
+          </a:prstGeom>
+          <a:ln w="15875">
+            <a:solidFill>
+              <a:schemeClr val="accent2">
+                <a:lumMod val="50000"/>
+              </a:schemeClr>
+            </a:solidFill>
+          </a:ln>
+        </p:spPr>
+        <p:style>
+          <a:lnRef idx="1">
+            <a:schemeClr val="accent1"/>
+          </a:lnRef>
+          <a:fillRef idx="0">
+            <a:schemeClr val="accent1"/>
+          </a:fillRef>
+          <a:effectRef idx="0">
+            <a:schemeClr val="accent1"/>
+          </a:effectRef>
+          <a:fontRef idx="minor">
+            <a:schemeClr val="tx1"/>
+          </a:fontRef>
+        </p:style>
+      </p:cxnSp>
+      <p:cxnSp>
+        <p:nvCxnSpPr>
+          <p:cNvPr id="117" name="직선 연결선 116">
+            <a:extLst>
+              <a:ext uri="{FF2B5EF4-FFF2-40B4-BE49-F238E27FC236}">
+                <a16:creationId xmlns:a16="http://schemas.microsoft.com/office/drawing/2014/main" id="{5DF3CB38-8A39-4C12-9BBA-C301ED428473}"/>
+              </a:ext>
+            </a:extLst>
+          </p:cNvPr>
+          <p:cNvCxnSpPr>
+            <a:cxnSpLocks/>
+            <a:stCxn id="49" idx="3"/>
+            <a:endCxn id="109" idx="2"/>
+          </p:cNvCxnSpPr>
+          <p:nvPr/>
+        </p:nvCxnSpPr>
+        <p:spPr>
+          <a:xfrm flipV="1">
+            <a:off x="5574918" y="2613612"/>
+            <a:ext cx="212473" cy="939"/>
+          </a:xfrm>
+          <a:prstGeom prst="line">
+            <a:avLst/>
+          </a:prstGeom>
+          <a:ln w="15875">
+            <a:solidFill>
+              <a:schemeClr val="accent2">
+                <a:lumMod val="50000"/>
+              </a:schemeClr>
+            </a:solidFill>
+          </a:ln>
+        </p:spPr>
+        <p:style>
+          <a:lnRef idx="1">
+            <a:schemeClr val="accent1"/>
+          </a:lnRef>
+          <a:fillRef idx="0">
+            <a:schemeClr val="accent1"/>
+          </a:fillRef>
+          <a:effectRef idx="0">
+            <a:schemeClr val="accent1"/>
+          </a:effectRef>
+          <a:fontRef idx="minor">
+            <a:schemeClr val="tx1"/>
+          </a:fontRef>
+        </p:style>
+      </p:cxnSp>
+      <p:cxnSp>
+        <p:nvCxnSpPr>
+          <p:cNvPr id="121" name="연결선: 꺾임 120">
+            <a:extLst>
+              <a:ext uri="{FF2B5EF4-FFF2-40B4-BE49-F238E27FC236}">
+                <a16:creationId xmlns:a16="http://schemas.microsoft.com/office/drawing/2014/main" id="{0D4E60DA-386F-40AA-831C-7ECA5938471E}"/>
+              </a:ext>
+            </a:extLst>
+          </p:cNvPr>
+          <p:cNvCxnSpPr>
+            <a:stCxn id="35" idx="3"/>
+            <a:endCxn id="109" idx="2"/>
+          </p:cNvCxnSpPr>
+          <p:nvPr/>
+        </p:nvCxnSpPr>
+        <p:spPr>
+          <a:xfrm>
+            <a:off x="5574918" y="2247812"/>
+            <a:ext cx="212473" cy="365800"/>
+          </a:xfrm>
+          <a:prstGeom prst="bentConnector3">
+            <a:avLst/>
+          </a:prstGeom>
+          <a:ln w="15875">
+            <a:solidFill>
+              <a:schemeClr val="accent2">
+                <a:lumMod val="50000"/>
+              </a:schemeClr>
+            </a:solidFill>
+          </a:ln>
+        </p:spPr>
+        <p:style>
+          <a:lnRef idx="1">
+            <a:schemeClr val="accent1"/>
+          </a:lnRef>
+          <a:fillRef idx="0">
+            <a:schemeClr val="accent1"/>
+          </a:fillRef>
+          <a:effectRef idx="0">
+            <a:schemeClr val="accent1"/>
+          </a:effectRef>
+          <a:fontRef idx="minor">
+            <a:schemeClr val="tx1"/>
+          </a:fontRef>
+        </p:style>
+      </p:cxnSp>
+      <p:cxnSp>
+        <p:nvCxnSpPr>
+          <p:cNvPr id="123" name="연결선: 꺾임 122">
+            <a:extLst>
+              <a:ext uri="{FF2B5EF4-FFF2-40B4-BE49-F238E27FC236}">
+                <a16:creationId xmlns:a16="http://schemas.microsoft.com/office/drawing/2014/main" id="{CD2BAE8F-A61F-40EC-B13B-8583661012EF}"/>
+              </a:ext>
+            </a:extLst>
+          </p:cNvPr>
+          <p:cNvCxnSpPr>
+            <a:stCxn id="55" idx="3"/>
+            <a:endCxn id="109" idx="2"/>
+          </p:cNvCxnSpPr>
+          <p:nvPr/>
+        </p:nvCxnSpPr>
+        <p:spPr>
+          <a:xfrm flipV="1">
+            <a:off x="5574918" y="2613612"/>
+            <a:ext cx="212473" cy="371808"/>
+          </a:xfrm>
+          <a:prstGeom prst="bentConnector3">
+            <a:avLst/>
+          </a:prstGeom>
+          <a:ln w="15875">
+            <a:solidFill>
+              <a:schemeClr val="accent2">
+                <a:lumMod val="50000"/>
+              </a:schemeClr>
+            </a:solidFill>
+          </a:ln>
+        </p:spPr>
+        <p:style>
+          <a:lnRef idx="1">
+            <a:schemeClr val="accent1"/>
+          </a:lnRef>
+          <a:fillRef idx="0">
+            <a:schemeClr val="accent1"/>
+          </a:fillRef>
+          <a:effectRef idx="0">
+            <a:schemeClr val="accent1"/>
+          </a:effectRef>
+          <a:fontRef idx="minor">
+            <a:schemeClr val="tx1"/>
+          </a:fontRef>
+        </p:style>
+      </p:cxnSp>
+      <p:sp>
+        <p:nvSpPr>
+          <p:cNvPr id="124" name="타원 123">
+            <a:extLst>
+              <a:ext uri="{FF2B5EF4-FFF2-40B4-BE49-F238E27FC236}">
+                <a16:creationId xmlns:a16="http://schemas.microsoft.com/office/drawing/2014/main" id="{3B84867F-B3B7-4D9E-B291-DBB91D676432}"/>
+              </a:ext>
+            </a:extLst>
+          </p:cNvPr>
+          <p:cNvSpPr/>
+          <p:nvPr/>
+        </p:nvSpPr>
+        <p:spPr>
+          <a:xfrm>
+            <a:off x="5561393" y="1305388"/>
+            <a:ext cx="299301" cy="299301"/>
+          </a:xfrm>
+          <a:prstGeom prst="ellipse">
+            <a:avLst/>
+          </a:prstGeom>
+          <a:solidFill>
+            <a:schemeClr val="accent2">
+              <a:lumMod val="60000"/>
+              <a:lumOff val="40000"/>
+            </a:schemeClr>
+          </a:solidFill>
+          <a:ln>
+            <a:noFill/>
+          </a:ln>
+        </p:spPr>
+        <p:style>
+          <a:lnRef idx="2">
+            <a:schemeClr val="accent1">
+              <a:shade val="50000"/>
+            </a:schemeClr>
+          </a:lnRef>
+          <a:fillRef idx="1">
+            <a:schemeClr val="accent1"/>
+          </a:fillRef>
+          <a:effectRef idx="0">
+            <a:schemeClr val="accent1"/>
+          </a:effectRef>
+          <a:fontRef idx="minor">
+            <a:schemeClr val="lt1"/>
+          </a:fontRef>
+        </p:style>
+        <p:txBody>
+          <a:bodyPr rtlCol="0" anchor="ctr"/>
+          <a:lstStyle/>
+          <a:p>
+            <a:pPr algn="ctr"/>
+            <a:r>
+              <a:rPr lang="en-US" altLang="ko-KR" dirty="0"/>
+              <a:t>2</a:t>
+            </a:r>
+            <a:endParaRPr lang="ko-KR" altLang="en-US" dirty="0"/>
+          </a:p>
+        </p:txBody>
+      </p:sp>
+      <p:cxnSp>
+        <p:nvCxnSpPr>
+          <p:cNvPr id="126" name="직선 연결선 125">
+            <a:extLst>
+              <a:ext uri="{FF2B5EF4-FFF2-40B4-BE49-F238E27FC236}">
+                <a16:creationId xmlns:a16="http://schemas.microsoft.com/office/drawing/2014/main" id="{A4B2DE8F-A17E-4D8C-B3AA-184603BBC248}"/>
+              </a:ext>
+            </a:extLst>
+          </p:cNvPr>
+          <p:cNvCxnSpPr>
+            <a:stCxn id="2" idx="3"/>
+            <a:endCxn id="124" idx="2"/>
+          </p:cNvCxnSpPr>
+          <p:nvPr/>
+        </p:nvCxnSpPr>
+        <p:spPr>
+          <a:xfrm flipV="1">
+            <a:off x="5280189" y="1455039"/>
+            <a:ext cx="281204" cy="2124"/>
+          </a:xfrm>
+          <a:prstGeom prst="line">
+            <a:avLst/>
+          </a:prstGeom>
+          <a:ln w="15875">
+            <a:solidFill>
+              <a:schemeClr val="accent2">
+                <a:lumMod val="50000"/>
+              </a:schemeClr>
+            </a:solidFill>
+          </a:ln>
+        </p:spPr>
+        <p:style>
+          <a:lnRef idx="1">
+            <a:schemeClr val="accent1"/>
+          </a:lnRef>
+          <a:fillRef idx="0">
+            <a:schemeClr val="accent1"/>
+          </a:fillRef>
+          <a:effectRef idx="0">
+            <a:schemeClr val="accent1"/>
+          </a:effectRef>
+          <a:fontRef idx="minor">
+            <a:schemeClr val="tx1"/>
+          </a:fontRef>
+        </p:style>
+      </p:cxnSp>
     </p:spTree>
     <p:extLst>
       <p:ext uri="{BB962C8B-B14F-4D97-AF65-F5344CB8AC3E}">
@@ -7929,42 +12160,118 @@
           <a:chExt cx="0" cy="0"/>
         </a:xfrm>
       </p:grpSpPr>
-      <p:pic>
-        <p:nvPicPr>
-          <p:cNvPr id="11" name="그림 10">
-            <a:extLst>
-              <a:ext uri="{FF2B5EF4-FFF2-40B4-BE49-F238E27FC236}">
-                <a16:creationId xmlns:a16="http://schemas.microsoft.com/office/drawing/2014/main" id="{198AE217-26FC-4349-9AB3-A7CFD411BD4C}"/>
-              </a:ext>
-            </a:extLst>
-          </p:cNvPr>
-          <p:cNvPicPr>
-            <a:picLocks noChangeAspect="1"/>
-          </p:cNvPicPr>
-          <p:nvPr/>
-        </p:nvPicPr>
-        <p:blipFill>
-          <a:blip r:embed="rId2">
-            <a:extLst>
-              <a:ext uri="{28A0092B-C50C-407E-A947-70E740481C1C}">
-                <a14:useLocalDpi xmlns:a14="http://schemas.microsoft.com/office/drawing/2010/main" val="0"/>
-              </a:ext>
-            </a:extLst>
-          </a:blip>
-          <a:stretch>
-            <a:fillRect/>
-          </a:stretch>
-        </p:blipFill>
-        <p:spPr>
-          <a:xfrm>
-            <a:off x="2816239" y="1217901"/>
-            <a:ext cx="2953957" cy="5485600"/>
+      <p:sp>
+        <p:nvSpPr>
+          <p:cNvPr id="30" name="직사각형 29">
+            <a:extLst>
+              <a:ext uri="{FF2B5EF4-FFF2-40B4-BE49-F238E27FC236}">
+                <a16:creationId xmlns:a16="http://schemas.microsoft.com/office/drawing/2014/main" id="{AFB192CC-53A7-4119-94DF-5CA335BCC429}"/>
+              </a:ext>
+            </a:extLst>
+          </p:cNvPr>
+          <p:cNvSpPr/>
+          <p:nvPr/>
+        </p:nvSpPr>
+        <p:spPr>
+          <a:xfrm>
+            <a:off x="4801003" y="1264770"/>
+            <a:ext cx="2598563" cy="2841320"/>
           </a:xfrm>
           <a:prstGeom prst="rect">
             <a:avLst/>
           </a:prstGeom>
-        </p:spPr>
-      </p:pic>
+          <a:noFill/>
+          <a:ln w="31750">
+            <a:solidFill>
+              <a:schemeClr val="accent2">
+                <a:lumMod val="40000"/>
+                <a:lumOff val="60000"/>
+              </a:schemeClr>
+            </a:solidFill>
+            <a:prstDash val="dash"/>
+          </a:ln>
+        </p:spPr>
+        <p:style>
+          <a:lnRef idx="2">
+            <a:schemeClr val="accent1">
+              <a:shade val="50000"/>
+            </a:schemeClr>
+          </a:lnRef>
+          <a:fillRef idx="1">
+            <a:schemeClr val="accent1"/>
+          </a:fillRef>
+          <a:effectRef idx="0">
+            <a:schemeClr val="accent1"/>
+          </a:effectRef>
+          <a:fontRef idx="minor">
+            <a:schemeClr val="lt1"/>
+          </a:fontRef>
+        </p:style>
+        <p:txBody>
+          <a:bodyPr rtlCol="0" anchor="ctr"/>
+          <a:lstStyle/>
+          <a:p>
+            <a:pPr algn="ctr"/>
+            <a:endParaRPr lang="ko-KR" altLang="en-US"/>
+          </a:p>
+        </p:txBody>
+      </p:sp>
+      <p:sp>
+        <p:nvSpPr>
+          <p:cNvPr id="29" name="직사각형 28">
+            <a:extLst>
+              <a:ext uri="{FF2B5EF4-FFF2-40B4-BE49-F238E27FC236}">
+                <a16:creationId xmlns:a16="http://schemas.microsoft.com/office/drawing/2014/main" id="{100C6D43-6B49-4EF7-9346-49791B1FA936}"/>
+              </a:ext>
+            </a:extLst>
+          </p:cNvPr>
+          <p:cNvSpPr/>
+          <p:nvPr/>
+        </p:nvSpPr>
+        <p:spPr>
+          <a:xfrm>
+            <a:off x="1172776" y="1264770"/>
+            <a:ext cx="2598563" cy="2841320"/>
+          </a:xfrm>
+          <a:prstGeom prst="rect">
+            <a:avLst/>
+          </a:prstGeom>
+          <a:noFill/>
+          <a:ln w="31750">
+            <a:solidFill>
+              <a:schemeClr val="accent2">
+                <a:lumMod val="40000"/>
+                <a:lumOff val="60000"/>
+              </a:schemeClr>
+            </a:solidFill>
+            <a:prstDash val="dash"/>
+          </a:ln>
+        </p:spPr>
+        <p:style>
+          <a:lnRef idx="2">
+            <a:schemeClr val="accent1">
+              <a:shade val="50000"/>
+            </a:schemeClr>
+          </a:lnRef>
+          <a:fillRef idx="1">
+            <a:schemeClr val="accent1"/>
+          </a:fillRef>
+          <a:effectRef idx="0">
+            <a:schemeClr val="accent1"/>
+          </a:effectRef>
+          <a:fontRef idx="minor">
+            <a:schemeClr val="lt1"/>
+          </a:fontRef>
+        </p:style>
+        <p:txBody>
+          <a:bodyPr rtlCol="0" anchor="ctr"/>
+          <a:lstStyle/>
+          <a:p>
+            <a:pPr algn="ctr"/>
+            <a:endParaRPr lang="ko-KR" altLang="en-US"/>
+          </a:p>
+        </p:txBody>
+      </p:sp>
       <p:sp>
         <p:nvSpPr>
           <p:cNvPr id="5" name="TextBox 4">
@@ -8187,7 +12494,7 @@
         <p:spPr>
           <a:xfrm>
             <a:off x="8643668" y="1011511"/>
-            <a:ext cx="2621230" cy="307777"/>
+            <a:ext cx="3643946" cy="861774"/>
           </a:xfrm>
           <a:prstGeom prst="rect">
             <a:avLst/>
@@ -8206,7 +12513,71 @@
             </a:r>
             <a:r>
               <a:rPr lang="ko-KR" altLang="en-US" sz="1400" dirty="0"/>
-              <a:t>터치 시 수련 </a:t>
+              <a:t>구매 </a:t>
+            </a:r>
+            <a:r>
+              <a:rPr lang="en-US" altLang="ko-KR" sz="1400" dirty="0"/>
+              <a:t>UI </a:t>
+            </a:r>
+            <a:r>
+              <a:rPr lang="ko-KR" altLang="en-US" sz="1400" dirty="0"/>
+              <a:t>터치 시 확인 창이 </a:t>
+            </a:r>
+            <a:r>
+              <a:rPr lang="ko-KR" altLang="en-US" sz="1400" dirty="0" err="1"/>
+              <a:t>팝업됨</a:t>
+            </a:r>
+            <a:endParaRPr lang="en-US" altLang="ko-KR" sz="1400" dirty="0"/>
+          </a:p>
+          <a:p>
+            <a:r>
+              <a:rPr lang="en-US" altLang="ko-KR" sz="1100" b="1" dirty="0"/>
+              <a:t>     (</a:t>
+            </a:r>
+            <a:r>
+              <a:rPr lang="ko-KR" altLang="en-US" sz="1100" b="1" dirty="0"/>
+              <a:t>물건의 이름</a:t>
+            </a:r>
+            <a:r>
+              <a:rPr lang="en-US" altLang="ko-KR" sz="1100" b="1" dirty="0"/>
+              <a:t>, </a:t>
+            </a:r>
+            <a:r>
+              <a:rPr lang="ko-KR" altLang="en-US" sz="1100" b="1" dirty="0"/>
+              <a:t>금액</a:t>
+            </a:r>
+            <a:r>
+              <a:rPr lang="en-US" altLang="ko-KR" sz="1100" b="1" dirty="0"/>
+              <a:t>, </a:t>
+            </a:r>
+            <a:r>
+              <a:rPr lang="ko-KR" altLang="en-US" sz="1100" b="1" dirty="0"/>
+              <a:t>능력치</a:t>
+            </a:r>
+            <a:r>
+              <a:rPr lang="en-US" altLang="ko-KR" sz="1100" b="1" dirty="0"/>
+              <a:t>, </a:t>
+            </a:r>
+            <a:r>
+              <a:rPr lang="ko-KR" altLang="en-US" sz="1100" b="1" dirty="0"/>
+              <a:t>보유금액 표기</a:t>
+            </a:r>
+            <a:r>
+              <a:rPr lang="en-US" altLang="ko-KR" sz="1100" b="1" dirty="0"/>
+              <a:t>)</a:t>
+            </a:r>
+          </a:p>
+          <a:p>
+            <a:endParaRPr lang="en-US" altLang="ko-KR" sz="1100" b="1" dirty="0"/>
+          </a:p>
+          <a:p>
+            <a:r>
+              <a:rPr lang="en-US" altLang="ko-KR" sz="1400" dirty="0"/>
+              <a:t>2) </a:t>
+            </a:r>
+            <a:r>
+              <a:rPr lang="ko-KR" altLang="en-US" sz="1400" dirty="0"/>
+              <a:t>구매 </a:t>
             </a:r>
             <a:r>
               <a:rPr lang="en-US" altLang="ko-KR" sz="1400" dirty="0"/>
@@ -8214,7 +12585,7 @@
             </a:r>
             <a:r>
               <a:rPr lang="ko-KR" altLang="en-US" sz="1400" dirty="0"/>
-              <a:t>창이 </a:t>
+              <a:t>를 터치 후 금액부족일 시 </a:t>
             </a:r>
             <a:r>
               <a:rPr lang="ko-KR" altLang="en-US" sz="1400" dirty="0" err="1"/>
@@ -8226,10 +12597,10 @@
       </p:sp>
       <p:sp>
         <p:nvSpPr>
-          <p:cNvPr id="36" name="직사각형 35">
-            <a:extLst>
-              <a:ext uri="{FF2B5EF4-FFF2-40B4-BE49-F238E27FC236}">
-                <a16:creationId xmlns:a16="http://schemas.microsoft.com/office/drawing/2014/main" id="{E310BFEE-CCFB-42F5-8D60-C789ACFABE83}"/>
+          <p:cNvPr id="3" name="사각형: 둥근 모서리 2">
+            <a:extLst>
+              <a:ext uri="{FF2B5EF4-FFF2-40B4-BE49-F238E27FC236}">
+                <a16:creationId xmlns:a16="http://schemas.microsoft.com/office/drawing/2014/main" id="{53E5E25B-6FCA-4501-AEC0-17B9C333D4D1}"/>
               </a:ext>
             </a:extLst>
           </p:cNvPr>
@@ -8238,62 +12609,8 @@
         </p:nvSpPr>
         <p:spPr>
           <a:xfrm>
-            <a:off x="2816238" y="1217901"/>
-            <a:ext cx="2953957" cy="5485600"/>
-          </a:xfrm>
-          <a:prstGeom prst="rect">
-            <a:avLst/>
-          </a:prstGeom>
-          <a:solidFill>
-            <a:schemeClr val="tx1">
-              <a:alpha val="75000"/>
-            </a:schemeClr>
-          </a:solidFill>
-          <a:ln>
-            <a:noFill/>
-          </a:ln>
-        </p:spPr>
-        <p:style>
-          <a:lnRef idx="2">
-            <a:schemeClr val="accent1">
-              <a:shade val="50000"/>
-            </a:schemeClr>
-          </a:lnRef>
-          <a:fillRef idx="1">
-            <a:schemeClr val="accent1"/>
-          </a:fillRef>
-          <a:effectRef idx="0">
-            <a:schemeClr val="accent1"/>
-          </a:effectRef>
-          <a:fontRef idx="minor">
-            <a:schemeClr val="lt1"/>
-          </a:fontRef>
-        </p:style>
-        <p:txBody>
-          <a:bodyPr rtlCol="0" anchor="ctr"/>
-          <a:lstStyle/>
-          <a:p>
-            <a:pPr algn="ctr"/>
-            <a:endParaRPr lang="ko-KR" altLang="en-US"/>
-          </a:p>
-        </p:txBody>
-      </p:sp>
-      <p:sp>
-        <p:nvSpPr>
-          <p:cNvPr id="3" name="사각형: 둥근 모서리 2">
-            <a:extLst>
-              <a:ext uri="{FF2B5EF4-FFF2-40B4-BE49-F238E27FC236}">
-                <a16:creationId xmlns:a16="http://schemas.microsoft.com/office/drawing/2014/main" id="{53E5E25B-6FCA-4501-AEC0-17B9C333D4D1}"/>
-              </a:ext>
-            </a:extLst>
-          </p:cNvPr>
-          <p:cNvSpPr/>
-          <p:nvPr/>
-        </p:nvSpPr>
-        <p:spPr>
-          <a:xfrm>
-            <a:off x="3182873" y="2073712"/>
-            <a:ext cx="2220686" cy="3773977"/>
+            <a:off x="1327646" y="1852094"/>
+            <a:ext cx="2220686" cy="2162386"/>
           </a:xfrm>
           <a:prstGeom prst="roundRect">
             <a:avLst/>
@@ -8339,56 +12656,6 @@
       </p:sp>
       <p:sp>
         <p:nvSpPr>
-          <p:cNvPr id="7" name="사각형: 둥근 모서리 6">
-            <a:extLst>
-              <a:ext uri="{FF2B5EF4-FFF2-40B4-BE49-F238E27FC236}">
-                <a16:creationId xmlns:a16="http://schemas.microsoft.com/office/drawing/2014/main" id="{B5E0E757-4D84-4B43-8E0A-E0D63057CB03}"/>
-              </a:ext>
-            </a:extLst>
-          </p:cNvPr>
-          <p:cNvSpPr/>
-          <p:nvPr/>
-        </p:nvSpPr>
-        <p:spPr>
-          <a:xfrm>
-            <a:off x="5071857" y="1849777"/>
-            <a:ext cx="475861" cy="447870"/>
-          </a:xfrm>
-          <a:prstGeom prst="roundRect">
-            <a:avLst/>
-          </a:prstGeom>
-        </p:spPr>
-        <p:style>
-          <a:lnRef idx="2">
-            <a:schemeClr val="accent1">
-              <a:shade val="50000"/>
-            </a:schemeClr>
-          </a:lnRef>
-          <a:fillRef idx="1">
-            <a:schemeClr val="accent1"/>
-          </a:fillRef>
-          <a:effectRef idx="0">
-            <a:schemeClr val="accent1"/>
-          </a:effectRef>
-          <a:fontRef idx="minor">
-            <a:schemeClr val="lt1"/>
-          </a:fontRef>
-        </p:style>
-        <p:txBody>
-          <a:bodyPr rtlCol="0" anchor="ctr"/>
-          <a:lstStyle/>
-          <a:p>
-            <a:pPr algn="ctr"/>
-            <a:r>
-              <a:rPr lang="en-US" altLang="ko-KR" b="1" dirty="0"/>
-              <a:t>X</a:t>
-            </a:r>
-            <a:endParaRPr lang="ko-KR" altLang="en-US" b="1" dirty="0"/>
-          </a:p>
-        </p:txBody>
-      </p:sp>
-      <p:sp>
-        <p:nvSpPr>
           <p:cNvPr id="8" name="TextBox 7">
             <a:extLst>
               <a:ext uri="{FF2B5EF4-FFF2-40B4-BE49-F238E27FC236}">
@@ -8401,7 +12668,7 @@
         </p:nvSpPr>
         <p:spPr>
           <a:xfrm>
-            <a:off x="3970050" y="1835379"/>
+            <a:off x="2114824" y="1667428"/>
             <a:ext cx="646331" cy="369332"/>
           </a:xfrm>
           <a:prstGeom prst="rect">
@@ -8428,17 +12695,179 @@
                   <a:schemeClr val="bg1"/>
                 </a:solidFill>
               </a:rPr>
-              <a:t>상인</a:t>
-            </a:r>
-          </a:p>
-        </p:txBody>
-      </p:sp>
-      <p:sp>
-        <p:nvSpPr>
-          <p:cNvPr id="12" name="사각형: 둥근 모서리 11">
-            <a:extLst>
-              <a:ext uri="{FF2B5EF4-FFF2-40B4-BE49-F238E27FC236}">
-                <a16:creationId xmlns:a16="http://schemas.microsoft.com/office/drawing/2014/main" id="{B527410D-165D-4F9F-ABDE-5EC52DDCB862}"/>
+              <a:t>구매</a:t>
+            </a:r>
+          </a:p>
+        </p:txBody>
+      </p:sp>
+      <p:sp>
+        <p:nvSpPr>
+          <p:cNvPr id="2" name="TextBox 1">
+            <a:extLst>
+              <a:ext uri="{FF2B5EF4-FFF2-40B4-BE49-F238E27FC236}">
+                <a16:creationId xmlns:a16="http://schemas.microsoft.com/office/drawing/2014/main" id="{179DECDB-4FED-46A9-AD60-36000C50C8F2}"/>
+              </a:ext>
+            </a:extLst>
+          </p:cNvPr>
+          <p:cNvSpPr txBox="1"/>
+          <p:nvPr/>
+        </p:nvSpPr>
+        <p:spPr>
+          <a:xfrm>
+            <a:off x="1390266" y="2471622"/>
+            <a:ext cx="2095445" cy="923330"/>
+          </a:xfrm>
+          <a:prstGeom prst="rect">
+            <a:avLst/>
+          </a:prstGeom>
+          <a:noFill/>
+        </p:spPr>
+        <p:txBody>
+          <a:bodyPr wrap="none" rtlCol="0">
+            <a:spAutoFit/>
+          </a:bodyPr>
+          <a:lstStyle/>
+          <a:p>
+            <a:pPr algn="ctr"/>
+            <a:r>
+              <a:rPr lang="en-US" altLang="ko-KR" sz="1200" b="1" dirty="0"/>
+              <a:t>~~</a:t>
+            </a:r>
+            <a:r>
+              <a:rPr lang="ko-KR" altLang="en-US" sz="1200" b="1" dirty="0"/>
+              <a:t>을</a:t>
+            </a:r>
+            <a:r>
+              <a:rPr lang="en-US" altLang="ko-KR" sz="1200" b="1" dirty="0"/>
+              <a:t>(</a:t>
+            </a:r>
+            <a:r>
+              <a:rPr lang="ko-KR" altLang="en-US" sz="1200" b="1" dirty="0"/>
+              <a:t>를</a:t>
+            </a:r>
+            <a:r>
+              <a:rPr lang="en-US" altLang="ko-KR" sz="1200" b="1" dirty="0"/>
+              <a:t>)</a:t>
+            </a:r>
+          </a:p>
+          <a:p>
+            <a:pPr algn="ctr"/>
+            <a:r>
+              <a:rPr lang="en-US" altLang="ko-KR" sz="1200" b="1" dirty="0"/>
+              <a:t>[</a:t>
+            </a:r>
+            <a:r>
+              <a:rPr lang="ko-KR" altLang="en-US" sz="1200" b="1" dirty="0"/>
+              <a:t>금액</a:t>
+            </a:r>
+            <a:r>
+              <a:rPr lang="en-US" altLang="ko-KR" sz="1200" b="1" dirty="0"/>
+              <a:t>]</a:t>
+            </a:r>
+            <a:r>
+              <a:rPr lang="ko-KR" altLang="en-US" sz="1200" b="1" dirty="0"/>
+              <a:t>에 구매하시겠습니까</a:t>
+            </a:r>
+            <a:r>
+              <a:rPr lang="en-US" altLang="ko-KR" sz="1200" b="1" dirty="0"/>
+              <a:t>?</a:t>
+            </a:r>
+          </a:p>
+          <a:p>
+            <a:pPr algn="ctr"/>
+            <a:r>
+              <a:rPr lang="en-US" altLang="ko-KR" sz="1200" b="1" dirty="0"/>
+              <a:t>&lt;</a:t>
+            </a:r>
+            <a:r>
+              <a:rPr lang="ko-KR" altLang="en-US" sz="1200" b="1" dirty="0"/>
+              <a:t>능력치</a:t>
+            </a:r>
+            <a:r>
+              <a:rPr lang="en-US" altLang="ko-KR" sz="1200" b="1" dirty="0"/>
+              <a:t>&gt; (50 </a:t>
+            </a:r>
+            <a:r>
+              <a:rPr lang="ko-KR" altLang="en-US" sz="1200" b="1" dirty="0"/>
+              <a:t>▶ </a:t>
+            </a:r>
+            <a:r>
+              <a:rPr lang="en-US" altLang="ko-KR" sz="1200" b="1" dirty="0"/>
+              <a:t>70)</a:t>
+            </a:r>
+          </a:p>
+          <a:p>
+            <a:endParaRPr lang="ko-KR" altLang="en-US" dirty="0"/>
+          </a:p>
+        </p:txBody>
+      </p:sp>
+      <p:sp>
+        <p:nvSpPr>
+          <p:cNvPr id="13" name="TextBox 12">
+            <a:extLst>
+              <a:ext uri="{FF2B5EF4-FFF2-40B4-BE49-F238E27FC236}">
+                <a16:creationId xmlns:a16="http://schemas.microsoft.com/office/drawing/2014/main" id="{6D07E5BE-8D49-43F1-83D7-941E77F61695}"/>
+              </a:ext>
+            </a:extLst>
+          </p:cNvPr>
+          <p:cNvSpPr txBox="1"/>
+          <p:nvPr/>
+        </p:nvSpPr>
+        <p:spPr>
+          <a:xfrm>
+            <a:off x="1924065" y="3275111"/>
+            <a:ext cx="1027845" cy="307777"/>
+          </a:xfrm>
+          <a:prstGeom prst="rect">
+            <a:avLst/>
+          </a:prstGeom>
+          <a:noFill/>
+        </p:spPr>
+        <p:txBody>
+          <a:bodyPr wrap="none" rtlCol="0">
+            <a:spAutoFit/>
+          </a:bodyPr>
+          <a:lstStyle/>
+          <a:p>
+            <a:r>
+              <a:rPr lang="ko-KR" altLang="en-US" sz="1400" b="1" dirty="0">
+                <a:solidFill>
+                  <a:schemeClr val="tx1">
+                    <a:lumMod val="95000"/>
+                    <a:lumOff val="5000"/>
+                  </a:schemeClr>
+                </a:solidFill>
+              </a:rPr>
+              <a:t>금액 </a:t>
+            </a:r>
+            <a:r>
+              <a:rPr lang="en-US" altLang="ko-KR" sz="1400" b="1" dirty="0">
+                <a:solidFill>
+                  <a:schemeClr val="tx1">
+                    <a:lumMod val="95000"/>
+                    <a:lumOff val="5000"/>
+                  </a:schemeClr>
+                </a:solidFill>
+              </a:rPr>
+              <a:t>: 777</a:t>
+            </a:r>
+            <a:endParaRPr lang="ko-KR" altLang="en-US" sz="1400" b="1" dirty="0">
+              <a:solidFill>
+                <a:schemeClr val="tx1">
+                  <a:lumMod val="95000"/>
+                  <a:lumOff val="5000"/>
+                </a:schemeClr>
+              </a:solidFill>
+            </a:endParaRPr>
+          </a:p>
+        </p:txBody>
+      </p:sp>
+      <p:sp>
+        <p:nvSpPr>
+          <p:cNvPr id="15" name="사각형: 둥근 모서리 14">
+            <a:extLst>
+              <a:ext uri="{FF2B5EF4-FFF2-40B4-BE49-F238E27FC236}">
+                <a16:creationId xmlns:a16="http://schemas.microsoft.com/office/drawing/2014/main" id="{093CF3F3-A5D1-45C7-80B8-DD4D744F6526}"/>
               </a:ext>
             </a:extLst>
           </p:cNvPr>
@@ -8447,17 +12876,12 @@
         </p:nvSpPr>
         <p:spPr>
           <a:xfrm>
-            <a:off x="3471709" y="2484662"/>
-            <a:ext cx="1643012" cy="515911"/>
+            <a:off x="1550432" y="3613104"/>
+            <a:ext cx="747265" cy="308900"/>
           </a:xfrm>
           <a:prstGeom prst="roundRect">
             <a:avLst/>
           </a:prstGeom>
-          <a:ln w="25400">
-            <a:solidFill>
-              <a:schemeClr val="bg1"/>
-            </a:solidFill>
-          </a:ln>
         </p:spPr>
         <p:style>
           <a:lnRef idx="2">
@@ -8481,18 +12905,18 @@
           <a:p>
             <a:pPr algn="ctr"/>
             <a:r>
-              <a:rPr lang="ko-KR" altLang="en-US" dirty="0"/>
-              <a:t>새로운 수련</a:t>
-            </a:r>
-          </a:p>
-        </p:txBody>
-      </p:sp>
-      <p:sp>
-        <p:nvSpPr>
-          <p:cNvPr id="37" name="사각형: 둥근 모서리 36">
-            <a:extLst>
-              <a:ext uri="{FF2B5EF4-FFF2-40B4-BE49-F238E27FC236}">
-                <a16:creationId xmlns:a16="http://schemas.microsoft.com/office/drawing/2014/main" id="{06B2AB16-8EAD-492A-8156-AF7BFC1118AA}"/>
+              <a:rPr lang="ko-KR" altLang="en-US" sz="1400" b="1" dirty="0"/>
+              <a:t>확인</a:t>
+            </a:r>
+          </a:p>
+        </p:txBody>
+      </p:sp>
+      <p:sp>
+        <p:nvSpPr>
+          <p:cNvPr id="20" name="사각형: 둥근 모서리 19">
+            <a:extLst>
+              <a:ext uri="{FF2B5EF4-FFF2-40B4-BE49-F238E27FC236}">
+                <a16:creationId xmlns:a16="http://schemas.microsoft.com/office/drawing/2014/main" id="{91CA5DF0-E528-4FB0-A180-0C000FFA82BF}"/>
               </a:ext>
             </a:extLst>
           </p:cNvPr>
@@ -8501,17 +12925,12 @@
         </p:nvSpPr>
         <p:spPr>
           <a:xfrm>
-            <a:off x="3471709" y="3216710"/>
-            <a:ext cx="1643012" cy="515911"/>
+            <a:off x="2578277" y="3613104"/>
+            <a:ext cx="747265" cy="308900"/>
           </a:xfrm>
           <a:prstGeom prst="roundRect">
             <a:avLst/>
           </a:prstGeom>
-          <a:ln w="25400">
-            <a:solidFill>
-              <a:schemeClr val="bg1"/>
-            </a:solidFill>
-          </a:ln>
         </p:spPr>
         <p:style>
           <a:lnRef idx="2">
@@ -8535,18 +12954,18 @@
           <a:p>
             <a:pPr algn="ctr"/>
             <a:r>
-              <a:rPr lang="ko-KR" altLang="en-US" dirty="0"/>
-              <a:t>깨달음</a:t>
-            </a:r>
-          </a:p>
-        </p:txBody>
-      </p:sp>
-      <p:sp>
-        <p:nvSpPr>
-          <p:cNvPr id="38" name="사각형: 둥근 모서리 37">
-            <a:extLst>
-              <a:ext uri="{FF2B5EF4-FFF2-40B4-BE49-F238E27FC236}">
-                <a16:creationId xmlns:a16="http://schemas.microsoft.com/office/drawing/2014/main" id="{A6A555D1-7FE1-4DBD-91F7-72EDED9EC767}"/>
+              <a:rPr lang="ko-KR" altLang="en-US" sz="1400" b="1" dirty="0"/>
+              <a:t>취소</a:t>
+            </a:r>
+          </a:p>
+        </p:txBody>
+      </p:sp>
+      <p:sp>
+        <p:nvSpPr>
+          <p:cNvPr id="21" name="사각형: 둥근 모서리 20">
+            <a:extLst>
+              <a:ext uri="{FF2B5EF4-FFF2-40B4-BE49-F238E27FC236}">
+                <a16:creationId xmlns:a16="http://schemas.microsoft.com/office/drawing/2014/main" id="{590AC04F-250B-461D-85E4-14E4F2D874A9}"/>
               </a:ext>
             </a:extLst>
           </p:cNvPr>
@@ -8555,15 +12974,23 @@
         </p:nvSpPr>
         <p:spPr>
           <a:xfrm>
-            <a:off x="3472988" y="3991477"/>
-            <a:ext cx="1643012" cy="515911"/>
+            <a:off x="4959227" y="1852094"/>
+            <a:ext cx="2220686" cy="2162386"/>
           </a:xfrm>
           <a:prstGeom prst="roundRect">
             <a:avLst/>
           </a:prstGeom>
-          <a:ln w="25400">
+          <a:solidFill>
+            <a:schemeClr val="tx2">
+              <a:lumMod val="20000"/>
+              <a:lumOff val="80000"/>
+            </a:schemeClr>
+          </a:solidFill>
+          <a:ln w="38100">
             <a:solidFill>
-              <a:schemeClr val="bg1"/>
+              <a:schemeClr val="bg2">
+                <a:lumMod val="50000"/>
+              </a:schemeClr>
             </a:solidFill>
           </a:ln>
         </p:spPr>
@@ -8588,19 +13015,163 @@
           <a:lstStyle/>
           <a:p>
             <a:pPr algn="ctr"/>
-            <a:r>
-              <a:rPr lang="ko-KR" altLang="en-US" dirty="0"/>
-              <a:t>노력</a:t>
-            </a:r>
-          </a:p>
-        </p:txBody>
-      </p:sp>
-      <p:sp>
-        <p:nvSpPr>
-          <p:cNvPr id="39" name="사각형: 둥근 모서리 38">
-            <a:extLst>
-              <a:ext uri="{FF2B5EF4-FFF2-40B4-BE49-F238E27FC236}">
-                <a16:creationId xmlns:a16="http://schemas.microsoft.com/office/drawing/2014/main" id="{DF2EF8F5-1FE5-44DC-9D26-66B18A22B881}"/>
+            <a:endParaRPr lang="ko-KR" altLang="en-US" dirty="0"/>
+          </a:p>
+        </p:txBody>
+      </p:sp>
+      <p:sp>
+        <p:nvSpPr>
+          <p:cNvPr id="22" name="TextBox 21">
+            <a:extLst>
+              <a:ext uri="{FF2B5EF4-FFF2-40B4-BE49-F238E27FC236}">
+                <a16:creationId xmlns:a16="http://schemas.microsoft.com/office/drawing/2014/main" id="{21DD3B1F-CD90-4903-85FF-F8A1F03D29B2}"/>
+              </a:ext>
+            </a:extLst>
+          </p:cNvPr>
+          <p:cNvSpPr txBox="1"/>
+          <p:nvPr/>
+        </p:nvSpPr>
+        <p:spPr>
+          <a:xfrm>
+            <a:off x="5542002" y="1667428"/>
+            <a:ext cx="1107996" cy="369332"/>
+          </a:xfrm>
+          <a:prstGeom prst="rect">
+            <a:avLst/>
+          </a:prstGeom>
+          <a:noFill/>
+        </p:spPr>
+        <p:txBody>
+          <a:bodyPr wrap="none" rtlCol="0">
+            <a:spAutoFit/>
+          </a:bodyPr>
+          <a:lstStyle/>
+          <a:p>
+            <a:r>
+              <a:rPr lang="ko-KR" altLang="en-US" b="1" dirty="0">
+                <a:ln w="6350">
+                  <a:solidFill>
+                    <a:schemeClr val="bg2">
+                      <a:lumMod val="50000"/>
+                    </a:schemeClr>
+                  </a:solidFill>
+                </a:ln>
+                <a:solidFill>
+                  <a:schemeClr val="bg1"/>
+                </a:solidFill>
+              </a:rPr>
+              <a:t>금액부족</a:t>
+            </a:r>
+          </a:p>
+        </p:txBody>
+      </p:sp>
+      <p:sp>
+        <p:nvSpPr>
+          <p:cNvPr id="23" name="TextBox 22">
+            <a:extLst>
+              <a:ext uri="{FF2B5EF4-FFF2-40B4-BE49-F238E27FC236}">
+                <a16:creationId xmlns:a16="http://schemas.microsoft.com/office/drawing/2014/main" id="{34DD1F1B-96D8-4241-8D39-6A52D70AC7EF}"/>
+              </a:ext>
+            </a:extLst>
+          </p:cNvPr>
+          <p:cNvSpPr txBox="1"/>
+          <p:nvPr/>
+        </p:nvSpPr>
+        <p:spPr>
+          <a:xfrm>
+            <a:off x="5153953" y="2552545"/>
+            <a:ext cx="1872628" cy="276999"/>
+          </a:xfrm>
+          <a:prstGeom prst="rect">
+            <a:avLst/>
+          </a:prstGeom>
+          <a:noFill/>
+        </p:spPr>
+        <p:txBody>
+          <a:bodyPr wrap="none" rtlCol="0">
+            <a:spAutoFit/>
+          </a:bodyPr>
+          <a:lstStyle/>
+          <a:p>
+            <a:pPr algn="ctr"/>
+            <a:r>
+              <a:rPr lang="ko-KR" altLang="en-US" sz="1200" b="1" dirty="0"/>
+              <a:t>보유 금액이 부족합니다</a:t>
+            </a:r>
+            <a:r>
+              <a:rPr lang="en-US" altLang="ko-KR" sz="1200" b="1" dirty="0"/>
+              <a:t>.</a:t>
+            </a:r>
+          </a:p>
+        </p:txBody>
+      </p:sp>
+      <p:sp>
+        <p:nvSpPr>
+          <p:cNvPr id="24" name="TextBox 23">
+            <a:extLst>
+              <a:ext uri="{FF2B5EF4-FFF2-40B4-BE49-F238E27FC236}">
+                <a16:creationId xmlns:a16="http://schemas.microsoft.com/office/drawing/2014/main" id="{282BAE64-627D-420A-A5AD-271F94CF9E24}"/>
+              </a:ext>
+            </a:extLst>
+          </p:cNvPr>
+          <p:cNvSpPr txBox="1"/>
+          <p:nvPr/>
+        </p:nvSpPr>
+        <p:spPr>
+          <a:xfrm>
+            <a:off x="5379976" y="3212851"/>
+            <a:ext cx="1420582" cy="307777"/>
+          </a:xfrm>
+          <a:prstGeom prst="rect">
+            <a:avLst/>
+          </a:prstGeom>
+          <a:noFill/>
+        </p:spPr>
+        <p:txBody>
+          <a:bodyPr wrap="none" rtlCol="0">
+            <a:spAutoFit/>
+          </a:bodyPr>
+          <a:lstStyle/>
+          <a:p>
+            <a:r>
+              <a:rPr lang="ko-KR" altLang="en-US" sz="1400" b="1" dirty="0">
+                <a:solidFill>
+                  <a:schemeClr val="tx1">
+                    <a:lumMod val="95000"/>
+                    <a:lumOff val="5000"/>
+                  </a:schemeClr>
+                </a:solidFill>
+              </a:rPr>
+              <a:t>부족한 금액 </a:t>
+            </a:r>
+            <a:r>
+              <a:rPr lang="en-US" altLang="ko-KR" sz="1400" b="1" dirty="0">
+                <a:solidFill>
+                  <a:schemeClr val="tx1">
+                    <a:lumMod val="95000"/>
+                    <a:lumOff val="5000"/>
+                  </a:schemeClr>
+                </a:solidFill>
+              </a:rPr>
+              <a:t>: 4</a:t>
+            </a:r>
+            <a:endParaRPr lang="ko-KR" altLang="en-US" sz="1400" b="1" dirty="0">
+              <a:solidFill>
+                <a:schemeClr val="tx1">
+                  <a:lumMod val="95000"/>
+                  <a:lumOff val="5000"/>
+                </a:schemeClr>
+              </a:solidFill>
+            </a:endParaRPr>
+          </a:p>
+        </p:txBody>
+      </p:sp>
+      <p:sp>
+        <p:nvSpPr>
+          <p:cNvPr id="25" name="사각형: 둥근 모서리 24">
+            <a:extLst>
+              <a:ext uri="{FF2B5EF4-FFF2-40B4-BE49-F238E27FC236}">
+                <a16:creationId xmlns:a16="http://schemas.microsoft.com/office/drawing/2014/main" id="{3AAB8D70-D615-45A9-BF05-1F3D40D4B326}"/>
               </a:ext>
             </a:extLst>
           </p:cNvPr>
@@ -8609,17 +13180,12 @@
         </p:nvSpPr>
         <p:spPr>
           <a:xfrm>
-            <a:off x="3472988" y="4745721"/>
-            <a:ext cx="1643012" cy="515911"/>
+            <a:off x="5726651" y="3613104"/>
+            <a:ext cx="747265" cy="308900"/>
           </a:xfrm>
           <a:prstGeom prst="roundRect">
             <a:avLst/>
           </a:prstGeom>
-          <a:ln w="25400">
-            <a:solidFill>
-              <a:schemeClr val="bg1"/>
-            </a:solidFill>
-          </a:ln>
         </p:spPr>
         <p:style>
           <a:lnRef idx="2">
@@ -8643,9 +13209,127 @@
           <a:p>
             <a:pPr algn="ctr"/>
             <a:r>
-              <a:rPr lang="ko-KR" altLang="en-US" dirty="0"/>
-              <a:t>체력 단련</a:t>
-            </a:r>
+              <a:rPr lang="ko-KR" altLang="en-US" sz="1400" b="1" dirty="0"/>
+              <a:t>확인</a:t>
+            </a:r>
+          </a:p>
+        </p:txBody>
+      </p:sp>
+      <p:sp>
+        <p:nvSpPr>
+          <p:cNvPr id="27" name="타원 26">
+            <a:extLst>
+              <a:ext uri="{FF2B5EF4-FFF2-40B4-BE49-F238E27FC236}">
+                <a16:creationId xmlns:a16="http://schemas.microsoft.com/office/drawing/2014/main" id="{E3CB705A-E067-4DA7-89D9-1DD6DB881F74}"/>
+              </a:ext>
+            </a:extLst>
+          </p:cNvPr>
+          <p:cNvSpPr/>
+          <p:nvPr/>
+        </p:nvSpPr>
+        <p:spPr>
+          <a:xfrm>
+            <a:off x="2288336" y="1093379"/>
+            <a:ext cx="299301" cy="299301"/>
+          </a:xfrm>
+          <a:prstGeom prst="ellipse">
+            <a:avLst/>
+          </a:prstGeom>
+          <a:solidFill>
+            <a:schemeClr val="accent2">
+              <a:lumMod val="60000"/>
+              <a:lumOff val="40000"/>
+            </a:schemeClr>
+          </a:solidFill>
+          <a:ln>
+            <a:noFill/>
+          </a:ln>
+        </p:spPr>
+        <p:style>
+          <a:lnRef idx="2">
+            <a:schemeClr val="accent1">
+              <a:shade val="50000"/>
+            </a:schemeClr>
+          </a:lnRef>
+          <a:fillRef idx="1">
+            <a:schemeClr val="accent1"/>
+          </a:fillRef>
+          <a:effectRef idx="0">
+            <a:schemeClr val="accent1"/>
+          </a:effectRef>
+          <a:fontRef idx="minor">
+            <a:schemeClr val="lt1"/>
+          </a:fontRef>
+        </p:style>
+        <p:txBody>
+          <a:bodyPr rtlCol="0" anchor="ctr"/>
+          <a:lstStyle/>
+          <a:p>
+            <a:pPr algn="ctr"/>
+            <a:r>
+              <a:rPr lang="en-US" altLang="ko-KR" dirty="0"/>
+              <a:t>1</a:t>
+            </a:r>
+            <a:endParaRPr lang="ko-KR" altLang="en-US" dirty="0"/>
+          </a:p>
+        </p:txBody>
+      </p:sp>
+      <p:sp>
+        <p:nvSpPr>
+          <p:cNvPr id="28" name="타원 27">
+            <a:extLst>
+              <a:ext uri="{FF2B5EF4-FFF2-40B4-BE49-F238E27FC236}">
+                <a16:creationId xmlns:a16="http://schemas.microsoft.com/office/drawing/2014/main" id="{07F43F3B-0F14-4B39-9459-187039D42BF1}"/>
+              </a:ext>
+            </a:extLst>
+          </p:cNvPr>
+          <p:cNvSpPr/>
+          <p:nvPr/>
+        </p:nvSpPr>
+        <p:spPr>
+          <a:xfrm>
+            <a:off x="5950635" y="1075482"/>
+            <a:ext cx="299301" cy="299301"/>
+          </a:xfrm>
+          <a:prstGeom prst="ellipse">
+            <a:avLst/>
+          </a:prstGeom>
+          <a:solidFill>
+            <a:schemeClr val="accent2">
+              <a:lumMod val="60000"/>
+              <a:lumOff val="40000"/>
+            </a:schemeClr>
+          </a:solidFill>
+          <a:ln>
+            <a:noFill/>
+          </a:ln>
+        </p:spPr>
+        <p:style>
+          <a:lnRef idx="2">
+            <a:schemeClr val="accent1">
+              <a:shade val="50000"/>
+            </a:schemeClr>
+          </a:lnRef>
+          <a:fillRef idx="1">
+            <a:schemeClr val="accent1"/>
+          </a:fillRef>
+          <a:effectRef idx="0">
+            <a:schemeClr val="accent1"/>
+          </a:effectRef>
+          <a:fontRef idx="minor">
+            <a:schemeClr val="lt1"/>
+          </a:fontRef>
+        </p:style>
+        <p:txBody>
+          <a:bodyPr rtlCol="0" anchor="ctr"/>
+          <a:lstStyle/>
+          <a:p>
+            <a:pPr algn="ctr"/>
+            <a:r>
+              <a:rPr lang="en-US" altLang="ko-KR" dirty="0"/>
+              <a:t>2</a:t>
+            </a:r>
+            <a:endParaRPr lang="ko-KR" altLang="en-US" dirty="0"/>
           </a:p>
         </p:txBody>
       </p:sp>

--- a/게임 기획파일/화면 기획.pptx
+++ b/게임 기획파일/화면 기획.pptx
@@ -3353,7 +3353,7 @@
           <a:lstStyle/>
           <a:p>
             <a:r>
-              <a:rPr lang="ko-KR" altLang="en-US" dirty="0"/>
+              <a:rPr lang="ko-KR" altLang="en-US" b="1" dirty="0"/>
               <a:t>화면 기획</a:t>
             </a:r>
           </a:p>
@@ -6945,7 +6945,7 @@
           <a:graphicData uri="http://schemas.openxmlformats.org/presentationml/2006/ole">
             <mc:AlternateContent xmlns:mc="http://schemas.openxmlformats.org/markup-compatibility/2006">
               <mc:Choice xmlns:v="urn:schemas-microsoft-com:vml" Requires="v">
-                <p:oleObj spid="_x0000_s1032" r:id="rId4" imgW="2704680" imgH="3288600" progId="">
+                <p:oleObj spid="_x0000_s1034" r:id="rId4" imgW="2704680" imgH="3288600" progId="">
                   <p:embed/>
                 </p:oleObj>
               </mc:Choice>
@@ -12231,7 +12231,7 @@
         <p:spPr>
           <a:xfrm>
             <a:off x="1172776" y="1264770"/>
-            <a:ext cx="2598563" cy="2841320"/>
+            <a:ext cx="2478597" cy="2841320"/>
           </a:xfrm>
           <a:prstGeom prst="rect">
             <a:avLst/>
@@ -13363,42 +13363,6 @@
           <a:chExt cx="0" cy="0"/>
         </a:xfrm>
       </p:grpSpPr>
-      <p:pic>
-        <p:nvPicPr>
-          <p:cNvPr id="11" name="그림 10">
-            <a:extLst>
-              <a:ext uri="{FF2B5EF4-FFF2-40B4-BE49-F238E27FC236}">
-                <a16:creationId xmlns:a16="http://schemas.microsoft.com/office/drawing/2014/main" id="{198AE217-26FC-4349-9AB3-A7CFD411BD4C}"/>
-              </a:ext>
-            </a:extLst>
-          </p:cNvPr>
-          <p:cNvPicPr>
-            <a:picLocks noChangeAspect="1"/>
-          </p:cNvPicPr>
-          <p:nvPr/>
-        </p:nvPicPr>
-        <p:blipFill>
-          <a:blip r:embed="rId2">
-            <a:extLst>
-              <a:ext uri="{28A0092B-C50C-407E-A947-70E740481C1C}">
-                <a14:useLocalDpi xmlns:a14="http://schemas.microsoft.com/office/drawing/2010/main" val="0"/>
-              </a:ext>
-            </a:extLst>
-          </a:blip>
-          <a:stretch>
-            <a:fillRect/>
-          </a:stretch>
-        </p:blipFill>
-        <p:spPr>
-          <a:xfrm>
-            <a:off x="2816239" y="1217901"/>
-            <a:ext cx="2953957" cy="5485600"/>
-          </a:xfrm>
-          <a:prstGeom prst="rect">
-            <a:avLst/>
-          </a:prstGeom>
-        </p:spPr>
-      </p:pic>
       <p:sp>
         <p:nvSpPr>
           <p:cNvPr id="5" name="TextBox 4">
@@ -13654,6 +13618,850 @@
               <a:t>   </a:t>
             </a:r>
             <a:endParaRPr lang="en-US" altLang="ko-KR" sz="1400" dirty="0"/>
+          </a:p>
+        </p:txBody>
+      </p:sp>
+      <p:sp>
+        <p:nvSpPr>
+          <p:cNvPr id="8" name="사각형: 둥근 모서리 7">
+            <a:extLst>
+              <a:ext uri="{FF2B5EF4-FFF2-40B4-BE49-F238E27FC236}">
+                <a16:creationId xmlns:a16="http://schemas.microsoft.com/office/drawing/2014/main" id="{1F99E0CD-F402-4782-A5CF-8F558A837949}"/>
+              </a:ext>
+            </a:extLst>
+          </p:cNvPr>
+          <p:cNvSpPr/>
+          <p:nvPr/>
+        </p:nvSpPr>
+        <p:spPr>
+          <a:xfrm>
+            <a:off x="241418" y="1721167"/>
+            <a:ext cx="2220686" cy="3773977"/>
+          </a:xfrm>
+          <a:prstGeom prst="roundRect">
+            <a:avLst/>
+          </a:prstGeom>
+          <a:solidFill>
+            <a:schemeClr val="tx2">
+              <a:lumMod val="20000"/>
+              <a:lumOff val="80000"/>
+            </a:schemeClr>
+          </a:solidFill>
+          <a:ln w="38100">
+            <a:solidFill>
+              <a:schemeClr val="bg2">
+                <a:lumMod val="50000"/>
+              </a:schemeClr>
+            </a:solidFill>
+          </a:ln>
+        </p:spPr>
+        <p:style>
+          <a:lnRef idx="2">
+            <a:schemeClr val="accent1">
+              <a:shade val="50000"/>
+            </a:schemeClr>
+          </a:lnRef>
+          <a:fillRef idx="1">
+            <a:schemeClr val="accent1"/>
+          </a:fillRef>
+          <a:effectRef idx="0">
+            <a:schemeClr val="accent1"/>
+          </a:effectRef>
+          <a:fontRef idx="minor">
+            <a:schemeClr val="lt1"/>
+          </a:fontRef>
+        </p:style>
+        <p:txBody>
+          <a:bodyPr rtlCol="0" anchor="ctr"/>
+          <a:lstStyle/>
+          <a:p>
+            <a:pPr algn="ctr"/>
+            <a:endParaRPr lang="ko-KR" altLang="en-US" dirty="0"/>
+          </a:p>
+        </p:txBody>
+      </p:sp>
+      <p:sp>
+        <p:nvSpPr>
+          <p:cNvPr id="12" name="사각형: 둥근 모서리 11">
+            <a:extLst>
+              <a:ext uri="{FF2B5EF4-FFF2-40B4-BE49-F238E27FC236}">
+                <a16:creationId xmlns:a16="http://schemas.microsoft.com/office/drawing/2014/main" id="{88540F14-6AA1-404B-9286-26F3BBD5D4C0}"/>
+              </a:ext>
+            </a:extLst>
+          </p:cNvPr>
+          <p:cNvSpPr/>
+          <p:nvPr/>
+        </p:nvSpPr>
+        <p:spPr>
+          <a:xfrm>
+            <a:off x="2130402" y="1497232"/>
+            <a:ext cx="475861" cy="447870"/>
+          </a:xfrm>
+          <a:prstGeom prst="roundRect">
+            <a:avLst/>
+          </a:prstGeom>
+        </p:spPr>
+        <p:style>
+          <a:lnRef idx="2">
+            <a:schemeClr val="accent1">
+              <a:shade val="50000"/>
+            </a:schemeClr>
+          </a:lnRef>
+          <a:fillRef idx="1">
+            <a:schemeClr val="accent1"/>
+          </a:fillRef>
+          <a:effectRef idx="0">
+            <a:schemeClr val="accent1"/>
+          </a:effectRef>
+          <a:fontRef idx="minor">
+            <a:schemeClr val="lt1"/>
+          </a:fontRef>
+        </p:style>
+        <p:txBody>
+          <a:bodyPr rtlCol="0" anchor="ctr"/>
+          <a:lstStyle/>
+          <a:p>
+            <a:pPr algn="ctr"/>
+            <a:r>
+              <a:rPr lang="en-US" altLang="ko-KR" b="1" dirty="0"/>
+              <a:t>X</a:t>
+            </a:r>
+            <a:endParaRPr lang="ko-KR" altLang="en-US" b="1" dirty="0"/>
+          </a:p>
+        </p:txBody>
+      </p:sp>
+      <p:sp>
+        <p:nvSpPr>
+          <p:cNvPr id="13" name="TextBox 12">
+            <a:extLst>
+              <a:ext uri="{FF2B5EF4-FFF2-40B4-BE49-F238E27FC236}">
+                <a16:creationId xmlns:a16="http://schemas.microsoft.com/office/drawing/2014/main" id="{284E1313-DD60-453C-A78E-100E70246603}"/>
+              </a:ext>
+            </a:extLst>
+          </p:cNvPr>
+          <p:cNvSpPr txBox="1"/>
+          <p:nvPr/>
+        </p:nvSpPr>
+        <p:spPr>
+          <a:xfrm>
+            <a:off x="1028595" y="1536501"/>
+            <a:ext cx="646331" cy="369332"/>
+          </a:xfrm>
+          <a:prstGeom prst="rect">
+            <a:avLst/>
+          </a:prstGeom>
+          <a:noFill/>
+        </p:spPr>
+        <p:txBody>
+          <a:bodyPr wrap="none" rtlCol="0">
+            <a:spAutoFit/>
+          </a:bodyPr>
+          <a:lstStyle/>
+          <a:p>
+            <a:r>
+              <a:rPr lang="ko-KR" altLang="en-US" b="1" dirty="0">
+                <a:ln w="12700">
+                  <a:solidFill>
+                    <a:schemeClr val="accent6">
+                      <a:lumMod val="50000"/>
+                    </a:schemeClr>
+                  </a:solidFill>
+                </a:ln>
+                <a:solidFill>
+                  <a:schemeClr val="accent6">
+                    <a:lumMod val="20000"/>
+                    <a:lumOff val="80000"/>
+                  </a:schemeClr>
+                </a:solidFill>
+              </a:rPr>
+              <a:t>도감</a:t>
+            </a:r>
+          </a:p>
+        </p:txBody>
+      </p:sp>
+      <p:sp>
+        <p:nvSpPr>
+          <p:cNvPr id="2" name="사각형: 둥근 모서리 1">
+            <a:extLst>
+              <a:ext uri="{FF2B5EF4-FFF2-40B4-BE49-F238E27FC236}">
+                <a16:creationId xmlns:a16="http://schemas.microsoft.com/office/drawing/2014/main" id="{197180E7-9E32-48E3-9800-2421767D51EA}"/>
+              </a:ext>
+            </a:extLst>
+          </p:cNvPr>
+          <p:cNvSpPr/>
+          <p:nvPr/>
+        </p:nvSpPr>
+        <p:spPr>
+          <a:xfrm>
+            <a:off x="395382" y="3907268"/>
+            <a:ext cx="1912756" cy="403475"/>
+          </a:xfrm>
+          <a:prstGeom prst="roundRect">
+            <a:avLst/>
+          </a:prstGeom>
+          <a:ln w="25400">
+            <a:solidFill>
+              <a:schemeClr val="tx2">
+                <a:lumMod val="50000"/>
+              </a:schemeClr>
+            </a:solidFill>
+          </a:ln>
+        </p:spPr>
+        <p:style>
+          <a:lnRef idx="2">
+            <a:schemeClr val="accent1">
+              <a:shade val="50000"/>
+            </a:schemeClr>
+          </a:lnRef>
+          <a:fillRef idx="1">
+            <a:schemeClr val="accent1"/>
+          </a:fillRef>
+          <a:effectRef idx="0">
+            <a:schemeClr val="accent1"/>
+          </a:effectRef>
+          <a:fontRef idx="minor">
+            <a:schemeClr val="lt1"/>
+          </a:fontRef>
+        </p:style>
+        <p:txBody>
+          <a:bodyPr rtlCol="0" anchor="ctr"/>
+          <a:lstStyle/>
+          <a:p>
+            <a:pPr algn="ctr"/>
+            <a:r>
+              <a:rPr lang="ko-KR" altLang="en-US" dirty="0"/>
+              <a:t>계급</a:t>
+            </a:r>
+          </a:p>
+        </p:txBody>
+      </p:sp>
+      <p:sp>
+        <p:nvSpPr>
+          <p:cNvPr id="18" name="사각형: 둥근 모서리 17">
+            <a:extLst>
+              <a:ext uri="{FF2B5EF4-FFF2-40B4-BE49-F238E27FC236}">
+                <a16:creationId xmlns:a16="http://schemas.microsoft.com/office/drawing/2014/main" id="{258F1692-5316-44BE-91D4-3D860CF75B60}"/>
+              </a:ext>
+            </a:extLst>
+          </p:cNvPr>
+          <p:cNvSpPr/>
+          <p:nvPr/>
+        </p:nvSpPr>
+        <p:spPr>
+          <a:xfrm>
+            <a:off x="395382" y="4600843"/>
+            <a:ext cx="1912756" cy="403475"/>
+          </a:xfrm>
+          <a:prstGeom prst="roundRect">
+            <a:avLst/>
+          </a:prstGeom>
+          <a:ln w="25400">
+            <a:solidFill>
+              <a:schemeClr val="tx2">
+                <a:lumMod val="50000"/>
+              </a:schemeClr>
+            </a:solidFill>
+          </a:ln>
+        </p:spPr>
+        <p:style>
+          <a:lnRef idx="2">
+            <a:schemeClr val="accent1">
+              <a:shade val="50000"/>
+            </a:schemeClr>
+          </a:lnRef>
+          <a:fillRef idx="1">
+            <a:schemeClr val="accent1"/>
+          </a:fillRef>
+          <a:effectRef idx="0">
+            <a:schemeClr val="accent1"/>
+          </a:effectRef>
+          <a:fontRef idx="minor">
+            <a:schemeClr val="lt1"/>
+          </a:fontRef>
+        </p:style>
+        <p:txBody>
+          <a:bodyPr rtlCol="0" anchor="ctr"/>
+          <a:lstStyle/>
+          <a:p>
+            <a:pPr algn="ctr"/>
+            <a:r>
+              <a:rPr lang="ko-KR" altLang="en-US" dirty="0"/>
+              <a:t>죽은 이유</a:t>
+            </a:r>
+          </a:p>
+        </p:txBody>
+      </p:sp>
+      <p:sp>
+        <p:nvSpPr>
+          <p:cNvPr id="3" name="사각형: 둥근 모서리 2">
+            <a:extLst>
+              <a:ext uri="{FF2B5EF4-FFF2-40B4-BE49-F238E27FC236}">
+                <a16:creationId xmlns:a16="http://schemas.microsoft.com/office/drawing/2014/main" id="{BBEA88C3-D1E3-4E26-A386-C48B71285D82}"/>
+              </a:ext>
+            </a:extLst>
+          </p:cNvPr>
+          <p:cNvSpPr/>
+          <p:nvPr/>
+        </p:nvSpPr>
+        <p:spPr>
+          <a:xfrm>
+            <a:off x="1101012" y="1942036"/>
+            <a:ext cx="1286437" cy="1474237"/>
+          </a:xfrm>
+          <a:prstGeom prst="roundRect">
+            <a:avLst/>
+          </a:prstGeom>
+        </p:spPr>
+        <p:style>
+          <a:lnRef idx="2">
+            <a:schemeClr val="accent1">
+              <a:shade val="50000"/>
+            </a:schemeClr>
+          </a:lnRef>
+          <a:fillRef idx="1">
+            <a:schemeClr val="accent1"/>
+          </a:fillRef>
+          <a:effectRef idx="0">
+            <a:schemeClr val="accent1"/>
+          </a:effectRef>
+          <a:fontRef idx="minor">
+            <a:schemeClr val="lt1"/>
+          </a:fontRef>
+        </p:style>
+        <p:txBody>
+          <a:bodyPr rtlCol="0" anchor="ctr"/>
+          <a:lstStyle/>
+          <a:p>
+            <a:pPr algn="ctr"/>
+            <a:endParaRPr lang="ko-KR" altLang="en-US"/>
+          </a:p>
+        </p:txBody>
+      </p:sp>
+      <p:sp>
+        <p:nvSpPr>
+          <p:cNvPr id="7" name="TextBox 6">
+            <a:extLst>
+              <a:ext uri="{FF2B5EF4-FFF2-40B4-BE49-F238E27FC236}">
+                <a16:creationId xmlns:a16="http://schemas.microsoft.com/office/drawing/2014/main" id="{07B86A83-0ACC-4774-B5E1-BC177831F9D0}"/>
+              </a:ext>
+            </a:extLst>
+          </p:cNvPr>
+          <p:cNvSpPr txBox="1"/>
+          <p:nvPr/>
+        </p:nvSpPr>
+        <p:spPr>
+          <a:xfrm>
+            <a:off x="1209236" y="2035727"/>
+            <a:ext cx="1178213" cy="784830"/>
+          </a:xfrm>
+          <a:prstGeom prst="rect">
+            <a:avLst/>
+          </a:prstGeom>
+          <a:noFill/>
+        </p:spPr>
+        <p:txBody>
+          <a:bodyPr wrap="square" rtlCol="0">
+            <a:spAutoFit/>
+          </a:bodyPr>
+          <a:lstStyle/>
+          <a:p>
+            <a:pPr algn="ctr"/>
+            <a:r>
+              <a:rPr lang="en-US" altLang="ko-KR" sz="900" b="1" dirty="0"/>
+              <a:t>5</a:t>
+            </a:r>
+            <a:r>
+              <a:rPr lang="ko-KR" altLang="en-US" sz="900" b="1" dirty="0"/>
+              <a:t>번째 삶</a:t>
+            </a:r>
+            <a:endParaRPr lang="en-US" altLang="ko-KR" sz="900" b="1" dirty="0"/>
+          </a:p>
+          <a:p>
+            <a:pPr algn="ctr"/>
+            <a:r>
+              <a:rPr lang="ko-KR" altLang="en-US" sz="900" b="1" dirty="0"/>
+              <a:t>신분 </a:t>
+            </a:r>
+            <a:r>
+              <a:rPr lang="en-US" altLang="ko-KR" sz="900" b="1" dirty="0"/>
+              <a:t>: </a:t>
+            </a:r>
+            <a:r>
+              <a:rPr lang="ko-KR" altLang="en-US" sz="900" b="1" dirty="0"/>
+              <a:t>평민</a:t>
+            </a:r>
+            <a:endParaRPr lang="en-US" altLang="ko-KR" sz="900" b="1" dirty="0"/>
+          </a:p>
+          <a:p>
+            <a:pPr algn="ctr"/>
+            <a:r>
+              <a:rPr lang="en-US" altLang="ko-KR" sz="900" b="1" dirty="0"/>
+              <a:t>(</a:t>
+            </a:r>
+            <a:r>
+              <a:rPr lang="ko-KR" altLang="en-US" sz="900" b="1" dirty="0"/>
+              <a:t>확률 보너스 </a:t>
+            </a:r>
+            <a:r>
+              <a:rPr lang="en-US" altLang="ko-KR" sz="900" b="1" dirty="0">
+                <a:solidFill>
+                  <a:srgbClr val="FFC000"/>
+                </a:solidFill>
+              </a:rPr>
+              <a:t>+0%</a:t>
+            </a:r>
+            <a:r>
+              <a:rPr lang="en-US" altLang="ko-KR" sz="900" b="1" dirty="0"/>
+              <a:t>)</a:t>
+            </a:r>
+          </a:p>
+          <a:p>
+            <a:endParaRPr lang="ko-KR" altLang="en-US" dirty="0"/>
+          </a:p>
+        </p:txBody>
+      </p:sp>
+      <p:sp>
+        <p:nvSpPr>
+          <p:cNvPr id="19" name="TextBox 18">
+            <a:extLst>
+              <a:ext uri="{FF2B5EF4-FFF2-40B4-BE49-F238E27FC236}">
+                <a16:creationId xmlns:a16="http://schemas.microsoft.com/office/drawing/2014/main" id="{8E2D1F9A-F33A-42B0-8E0E-E1FADD5BF214}"/>
+              </a:ext>
+            </a:extLst>
+          </p:cNvPr>
+          <p:cNvSpPr txBox="1"/>
+          <p:nvPr/>
+        </p:nvSpPr>
+        <p:spPr>
+          <a:xfrm>
+            <a:off x="1319241" y="2628137"/>
+            <a:ext cx="957313" cy="230832"/>
+          </a:xfrm>
+          <a:prstGeom prst="rect">
+            <a:avLst/>
+          </a:prstGeom>
+          <a:noFill/>
+        </p:spPr>
+        <p:txBody>
+          <a:bodyPr wrap="none" rtlCol="0">
+            <a:spAutoFit/>
+          </a:bodyPr>
+          <a:lstStyle/>
+          <a:p>
+            <a:r>
+              <a:rPr lang="ko-KR" altLang="en-US" sz="900" b="1" dirty="0"/>
+              <a:t>보유한 보물 ↓</a:t>
+            </a:r>
+          </a:p>
+        </p:txBody>
+      </p:sp>
+      <p:sp>
+        <p:nvSpPr>
+          <p:cNvPr id="20" name="타원 19">
+            <a:extLst>
+              <a:ext uri="{FF2B5EF4-FFF2-40B4-BE49-F238E27FC236}">
+                <a16:creationId xmlns:a16="http://schemas.microsoft.com/office/drawing/2014/main" id="{8A1DC563-8A26-45EB-84C7-F5D0B5F43648}"/>
+              </a:ext>
+            </a:extLst>
+          </p:cNvPr>
+          <p:cNvSpPr/>
+          <p:nvPr/>
+        </p:nvSpPr>
+        <p:spPr>
+          <a:xfrm>
+            <a:off x="1230605" y="2855361"/>
+            <a:ext cx="177272" cy="179815"/>
+          </a:xfrm>
+          <a:prstGeom prst="ellipse">
+            <a:avLst/>
+          </a:prstGeom>
+          <a:solidFill>
+            <a:schemeClr val="accent2">
+              <a:lumMod val="20000"/>
+              <a:lumOff val="80000"/>
+            </a:schemeClr>
+          </a:solidFill>
+        </p:spPr>
+        <p:style>
+          <a:lnRef idx="2">
+            <a:schemeClr val="accent1">
+              <a:shade val="50000"/>
+            </a:schemeClr>
+          </a:lnRef>
+          <a:fillRef idx="1">
+            <a:schemeClr val="accent1"/>
+          </a:fillRef>
+          <a:effectRef idx="0">
+            <a:schemeClr val="accent1"/>
+          </a:effectRef>
+          <a:fontRef idx="minor">
+            <a:schemeClr val="lt1"/>
+          </a:fontRef>
+        </p:style>
+        <p:txBody>
+          <a:bodyPr rtlCol="0" anchor="ctr"/>
+          <a:lstStyle/>
+          <a:p>
+            <a:pPr algn="ctr"/>
+            <a:endParaRPr lang="ko-KR" altLang="en-US"/>
+          </a:p>
+        </p:txBody>
+      </p:sp>
+      <p:sp>
+        <p:nvSpPr>
+          <p:cNvPr id="21" name="타원 20">
+            <a:extLst>
+              <a:ext uri="{FF2B5EF4-FFF2-40B4-BE49-F238E27FC236}">
+                <a16:creationId xmlns:a16="http://schemas.microsoft.com/office/drawing/2014/main" id="{0F33FFB8-B294-4A58-A587-E1D5110E3553}"/>
+              </a:ext>
+            </a:extLst>
+          </p:cNvPr>
+          <p:cNvSpPr/>
+          <p:nvPr/>
+        </p:nvSpPr>
+        <p:spPr>
+          <a:xfrm>
+            <a:off x="1668497" y="2856539"/>
+            <a:ext cx="177272" cy="179815"/>
+          </a:xfrm>
+          <a:prstGeom prst="ellipse">
+            <a:avLst/>
+          </a:prstGeom>
+          <a:solidFill>
+            <a:schemeClr val="accent2">
+              <a:lumMod val="20000"/>
+              <a:lumOff val="80000"/>
+            </a:schemeClr>
+          </a:solidFill>
+        </p:spPr>
+        <p:style>
+          <a:lnRef idx="2">
+            <a:schemeClr val="accent1">
+              <a:shade val="50000"/>
+            </a:schemeClr>
+          </a:lnRef>
+          <a:fillRef idx="1">
+            <a:schemeClr val="accent1"/>
+          </a:fillRef>
+          <a:effectRef idx="0">
+            <a:schemeClr val="accent1"/>
+          </a:effectRef>
+          <a:fontRef idx="minor">
+            <a:schemeClr val="lt1"/>
+          </a:fontRef>
+        </p:style>
+        <p:txBody>
+          <a:bodyPr rtlCol="0" anchor="ctr"/>
+          <a:lstStyle/>
+          <a:p>
+            <a:pPr algn="ctr"/>
+            <a:endParaRPr lang="ko-KR" altLang="en-US"/>
+          </a:p>
+        </p:txBody>
+      </p:sp>
+      <p:sp>
+        <p:nvSpPr>
+          <p:cNvPr id="22" name="타원 21">
+            <a:extLst>
+              <a:ext uri="{FF2B5EF4-FFF2-40B4-BE49-F238E27FC236}">
+                <a16:creationId xmlns:a16="http://schemas.microsoft.com/office/drawing/2014/main" id="{6BA9F42A-788E-41CB-B7D5-C723F72DEA62}"/>
+              </a:ext>
+            </a:extLst>
+          </p:cNvPr>
+          <p:cNvSpPr/>
+          <p:nvPr/>
+        </p:nvSpPr>
+        <p:spPr>
+          <a:xfrm>
+            <a:off x="2108245" y="2861995"/>
+            <a:ext cx="177272" cy="179815"/>
+          </a:xfrm>
+          <a:prstGeom prst="ellipse">
+            <a:avLst/>
+          </a:prstGeom>
+          <a:solidFill>
+            <a:schemeClr val="accent2">
+              <a:lumMod val="20000"/>
+              <a:lumOff val="80000"/>
+            </a:schemeClr>
+          </a:solidFill>
+        </p:spPr>
+        <p:style>
+          <a:lnRef idx="2">
+            <a:schemeClr val="accent1">
+              <a:shade val="50000"/>
+            </a:schemeClr>
+          </a:lnRef>
+          <a:fillRef idx="1">
+            <a:schemeClr val="accent1"/>
+          </a:fillRef>
+          <a:effectRef idx="0">
+            <a:schemeClr val="accent1"/>
+          </a:effectRef>
+          <a:fontRef idx="minor">
+            <a:schemeClr val="lt1"/>
+          </a:fontRef>
+        </p:style>
+        <p:txBody>
+          <a:bodyPr rtlCol="0" anchor="ctr"/>
+          <a:lstStyle/>
+          <a:p>
+            <a:pPr algn="ctr"/>
+            <a:endParaRPr lang="ko-KR" altLang="en-US"/>
+          </a:p>
+        </p:txBody>
+      </p:sp>
+      <p:sp>
+        <p:nvSpPr>
+          <p:cNvPr id="23" name="타원 22">
+            <a:extLst>
+              <a:ext uri="{FF2B5EF4-FFF2-40B4-BE49-F238E27FC236}">
+                <a16:creationId xmlns:a16="http://schemas.microsoft.com/office/drawing/2014/main" id="{F597C72A-FA49-4637-956B-4F604EBD2EA9}"/>
+              </a:ext>
+            </a:extLst>
+          </p:cNvPr>
+          <p:cNvSpPr/>
+          <p:nvPr/>
+        </p:nvSpPr>
+        <p:spPr>
+          <a:xfrm>
+            <a:off x="1230605" y="3128005"/>
+            <a:ext cx="177272" cy="179815"/>
+          </a:xfrm>
+          <a:prstGeom prst="ellipse">
+            <a:avLst/>
+          </a:prstGeom>
+          <a:solidFill>
+            <a:schemeClr val="accent2">
+              <a:lumMod val="20000"/>
+              <a:lumOff val="80000"/>
+            </a:schemeClr>
+          </a:solidFill>
+        </p:spPr>
+        <p:style>
+          <a:lnRef idx="2">
+            <a:schemeClr val="accent1">
+              <a:shade val="50000"/>
+            </a:schemeClr>
+          </a:lnRef>
+          <a:fillRef idx="1">
+            <a:schemeClr val="accent1"/>
+          </a:fillRef>
+          <a:effectRef idx="0">
+            <a:schemeClr val="accent1"/>
+          </a:effectRef>
+          <a:fontRef idx="minor">
+            <a:schemeClr val="lt1"/>
+          </a:fontRef>
+        </p:style>
+        <p:txBody>
+          <a:bodyPr rtlCol="0" anchor="ctr"/>
+          <a:lstStyle/>
+          <a:p>
+            <a:pPr algn="ctr"/>
+            <a:endParaRPr lang="ko-KR" altLang="en-US"/>
+          </a:p>
+        </p:txBody>
+      </p:sp>
+      <p:sp>
+        <p:nvSpPr>
+          <p:cNvPr id="24" name="타원 23">
+            <a:extLst>
+              <a:ext uri="{FF2B5EF4-FFF2-40B4-BE49-F238E27FC236}">
+                <a16:creationId xmlns:a16="http://schemas.microsoft.com/office/drawing/2014/main" id="{BF941A05-A7C3-4DBE-9504-B85F58D93EF9}"/>
+              </a:ext>
+            </a:extLst>
+          </p:cNvPr>
+          <p:cNvSpPr/>
+          <p:nvPr/>
+        </p:nvSpPr>
+        <p:spPr>
+          <a:xfrm>
+            <a:off x="1668497" y="3129183"/>
+            <a:ext cx="177272" cy="179815"/>
+          </a:xfrm>
+          <a:prstGeom prst="ellipse">
+            <a:avLst/>
+          </a:prstGeom>
+          <a:solidFill>
+            <a:schemeClr val="accent2">
+              <a:lumMod val="20000"/>
+              <a:lumOff val="80000"/>
+            </a:schemeClr>
+          </a:solidFill>
+        </p:spPr>
+        <p:style>
+          <a:lnRef idx="2">
+            <a:schemeClr val="accent1">
+              <a:shade val="50000"/>
+            </a:schemeClr>
+          </a:lnRef>
+          <a:fillRef idx="1">
+            <a:schemeClr val="accent1"/>
+          </a:fillRef>
+          <a:effectRef idx="0">
+            <a:schemeClr val="accent1"/>
+          </a:effectRef>
+          <a:fontRef idx="minor">
+            <a:schemeClr val="lt1"/>
+          </a:fontRef>
+        </p:style>
+        <p:txBody>
+          <a:bodyPr rtlCol="0" anchor="ctr"/>
+          <a:lstStyle/>
+          <a:p>
+            <a:pPr algn="ctr"/>
+            <a:endParaRPr lang="ko-KR" altLang="en-US"/>
+          </a:p>
+        </p:txBody>
+      </p:sp>
+      <p:sp>
+        <p:nvSpPr>
+          <p:cNvPr id="25" name="타원 24">
+            <a:extLst>
+              <a:ext uri="{FF2B5EF4-FFF2-40B4-BE49-F238E27FC236}">
+                <a16:creationId xmlns:a16="http://schemas.microsoft.com/office/drawing/2014/main" id="{D5609A11-5EA7-41C1-8978-C39543C08E79}"/>
+              </a:ext>
+            </a:extLst>
+          </p:cNvPr>
+          <p:cNvSpPr/>
+          <p:nvPr/>
+        </p:nvSpPr>
+        <p:spPr>
+          <a:xfrm>
+            <a:off x="2108245" y="3134639"/>
+            <a:ext cx="177272" cy="179815"/>
+          </a:xfrm>
+          <a:prstGeom prst="ellipse">
+            <a:avLst/>
+          </a:prstGeom>
+          <a:solidFill>
+            <a:schemeClr val="accent2">
+              <a:lumMod val="20000"/>
+              <a:lumOff val="80000"/>
+            </a:schemeClr>
+          </a:solidFill>
+        </p:spPr>
+        <p:style>
+          <a:lnRef idx="2">
+            <a:schemeClr val="accent1">
+              <a:shade val="50000"/>
+            </a:schemeClr>
+          </a:lnRef>
+          <a:fillRef idx="1">
+            <a:schemeClr val="accent1"/>
+          </a:fillRef>
+          <a:effectRef idx="0">
+            <a:schemeClr val="accent1"/>
+          </a:effectRef>
+          <a:fontRef idx="minor">
+            <a:schemeClr val="lt1"/>
+          </a:fontRef>
+        </p:style>
+        <p:txBody>
+          <a:bodyPr rtlCol="0" anchor="ctr"/>
+          <a:lstStyle/>
+          <a:p>
+            <a:pPr algn="ctr"/>
+            <a:endParaRPr lang="ko-KR" altLang="en-US"/>
+          </a:p>
+        </p:txBody>
+      </p:sp>
+      <p:sp>
+        <p:nvSpPr>
+          <p:cNvPr id="26" name="사각형: 둥근 모서리 25">
+            <a:extLst>
+              <a:ext uri="{FF2B5EF4-FFF2-40B4-BE49-F238E27FC236}">
+                <a16:creationId xmlns:a16="http://schemas.microsoft.com/office/drawing/2014/main" id="{8AA8717A-DC93-4B63-A4FE-719D0BB59D96}"/>
+              </a:ext>
+            </a:extLst>
+          </p:cNvPr>
+          <p:cNvSpPr/>
+          <p:nvPr/>
+        </p:nvSpPr>
+        <p:spPr>
+          <a:xfrm>
+            <a:off x="299032" y="1942036"/>
+            <a:ext cx="757662" cy="1474237"/>
+          </a:xfrm>
+          <a:prstGeom prst="roundRect">
+            <a:avLst/>
+          </a:prstGeom>
+        </p:spPr>
+        <p:style>
+          <a:lnRef idx="2">
+            <a:schemeClr val="accent1">
+              <a:shade val="50000"/>
+            </a:schemeClr>
+          </a:lnRef>
+          <a:fillRef idx="1">
+            <a:schemeClr val="accent1"/>
+          </a:fillRef>
+          <a:effectRef idx="0">
+            <a:schemeClr val="accent1"/>
+          </a:effectRef>
+          <a:fontRef idx="minor">
+            <a:schemeClr val="lt1"/>
+          </a:fontRef>
+        </p:style>
+        <p:txBody>
+          <a:bodyPr rtlCol="0" anchor="ctr"/>
+          <a:lstStyle/>
+          <a:p>
+            <a:pPr algn="ctr"/>
+            <a:endParaRPr lang="ko-KR" altLang="en-US"/>
+          </a:p>
+        </p:txBody>
+      </p:sp>
+      <p:sp>
+        <p:nvSpPr>
+          <p:cNvPr id="27" name="TextBox 26">
+            <a:extLst>
+              <a:ext uri="{FF2B5EF4-FFF2-40B4-BE49-F238E27FC236}">
+                <a16:creationId xmlns:a16="http://schemas.microsoft.com/office/drawing/2014/main" id="{AF87D8EA-8643-408B-8144-3EFE9C363476}"/>
+              </a:ext>
+            </a:extLst>
+          </p:cNvPr>
+          <p:cNvSpPr txBox="1"/>
+          <p:nvPr/>
+        </p:nvSpPr>
+        <p:spPr>
+          <a:xfrm>
+            <a:off x="229219" y="2231239"/>
+            <a:ext cx="958917" cy="923330"/>
+          </a:xfrm>
+          <a:prstGeom prst="rect">
+            <a:avLst/>
+          </a:prstGeom>
+          <a:noFill/>
+        </p:spPr>
+        <p:txBody>
+          <a:bodyPr wrap="none" rtlCol="0">
+            <a:spAutoFit/>
+          </a:bodyPr>
+          <a:lstStyle/>
+          <a:p>
+            <a:pPr algn="ctr"/>
+            <a:r>
+              <a:rPr lang="ko-KR" altLang="en-US" dirty="0"/>
+              <a:t>현재 </a:t>
+            </a:r>
+            <a:endParaRPr lang="en-US" altLang="ko-KR" dirty="0"/>
+          </a:p>
+          <a:p>
+            <a:pPr algn="ctr"/>
+            <a:r>
+              <a:rPr lang="ko-KR" altLang="en-US" dirty="0"/>
+              <a:t>캐릭터 </a:t>
+            </a:r>
+            <a:endParaRPr lang="en-US" altLang="ko-KR" dirty="0"/>
+          </a:p>
+          <a:p>
+            <a:pPr algn="ctr"/>
+            <a:r>
+              <a:rPr lang="ko-KR" altLang="en-US" dirty="0"/>
+              <a:t>모습</a:t>
+            </a:r>
           </a:p>
         </p:txBody>
       </p:sp>

--- a/게임 기획파일/화면 기획.pptx
+++ b/게임 기획파일/화면 기획.pptx
@@ -11,6 +11,7 @@
     <p:sldId id="259" r:id="rId5"/>
     <p:sldId id="262" r:id="rId6"/>
     <p:sldId id="260" r:id="rId7"/>
+    <p:sldId id="263" r:id="rId8"/>
   </p:sldIdLst>
   <p:sldSz cx="12192000" cy="6858000"/>
   <p:notesSz cx="6858000" cy="9144000"/>
@@ -264,7 +265,7 @@
           <a:p>
             <a:fld id="{F893D3BF-84EF-4F8A-9F24-44EBC5984044}" type="datetimeFigureOut">
               <a:rPr lang="ko-KR" altLang="en-US" smtClean="0"/>
-              <a:t>2020-08-15</a:t>
+              <a:t>2020-08-16</a:t>
             </a:fld>
             <a:endParaRPr lang="ko-KR" altLang="en-US"/>
           </a:p>
@@ -462,7 +463,7 @@
           <a:p>
             <a:fld id="{F893D3BF-84EF-4F8A-9F24-44EBC5984044}" type="datetimeFigureOut">
               <a:rPr lang="ko-KR" altLang="en-US" smtClean="0"/>
-              <a:t>2020-08-15</a:t>
+              <a:t>2020-08-16</a:t>
             </a:fld>
             <a:endParaRPr lang="ko-KR" altLang="en-US"/>
           </a:p>
@@ -670,7 +671,7 @@
           <a:p>
             <a:fld id="{F893D3BF-84EF-4F8A-9F24-44EBC5984044}" type="datetimeFigureOut">
               <a:rPr lang="ko-KR" altLang="en-US" smtClean="0"/>
-              <a:t>2020-08-15</a:t>
+              <a:t>2020-08-16</a:t>
             </a:fld>
             <a:endParaRPr lang="ko-KR" altLang="en-US"/>
           </a:p>
@@ -868,7 +869,7 @@
           <a:p>
             <a:fld id="{F893D3BF-84EF-4F8A-9F24-44EBC5984044}" type="datetimeFigureOut">
               <a:rPr lang="ko-KR" altLang="en-US" smtClean="0"/>
-              <a:t>2020-08-15</a:t>
+              <a:t>2020-08-16</a:t>
             </a:fld>
             <a:endParaRPr lang="ko-KR" altLang="en-US"/>
           </a:p>
@@ -1143,7 +1144,7 @@
           <a:p>
             <a:fld id="{F893D3BF-84EF-4F8A-9F24-44EBC5984044}" type="datetimeFigureOut">
               <a:rPr lang="ko-KR" altLang="en-US" smtClean="0"/>
-              <a:t>2020-08-15</a:t>
+              <a:t>2020-08-16</a:t>
             </a:fld>
             <a:endParaRPr lang="ko-KR" altLang="en-US"/>
           </a:p>
@@ -1408,7 +1409,7 @@
           <a:p>
             <a:fld id="{F893D3BF-84EF-4F8A-9F24-44EBC5984044}" type="datetimeFigureOut">
               <a:rPr lang="ko-KR" altLang="en-US" smtClean="0"/>
-              <a:t>2020-08-15</a:t>
+              <a:t>2020-08-16</a:t>
             </a:fld>
             <a:endParaRPr lang="ko-KR" altLang="en-US"/>
           </a:p>
@@ -1820,7 +1821,7 @@
           <a:p>
             <a:fld id="{F893D3BF-84EF-4F8A-9F24-44EBC5984044}" type="datetimeFigureOut">
               <a:rPr lang="ko-KR" altLang="en-US" smtClean="0"/>
-              <a:t>2020-08-15</a:t>
+              <a:t>2020-08-16</a:t>
             </a:fld>
             <a:endParaRPr lang="ko-KR" altLang="en-US"/>
           </a:p>
@@ -1961,7 +1962,7 @@
           <a:p>
             <a:fld id="{F893D3BF-84EF-4F8A-9F24-44EBC5984044}" type="datetimeFigureOut">
               <a:rPr lang="ko-KR" altLang="en-US" smtClean="0"/>
-              <a:t>2020-08-15</a:t>
+              <a:t>2020-08-16</a:t>
             </a:fld>
             <a:endParaRPr lang="ko-KR" altLang="en-US"/>
           </a:p>
@@ -2074,7 +2075,7 @@
           <a:p>
             <a:fld id="{F893D3BF-84EF-4F8A-9F24-44EBC5984044}" type="datetimeFigureOut">
               <a:rPr lang="ko-KR" altLang="en-US" smtClean="0"/>
-              <a:t>2020-08-15</a:t>
+              <a:t>2020-08-16</a:t>
             </a:fld>
             <a:endParaRPr lang="ko-KR" altLang="en-US"/>
           </a:p>
@@ -2385,7 +2386,7 @@
           <a:p>
             <a:fld id="{F893D3BF-84EF-4F8A-9F24-44EBC5984044}" type="datetimeFigureOut">
               <a:rPr lang="ko-KR" altLang="en-US" smtClean="0"/>
-              <a:t>2020-08-15</a:t>
+              <a:t>2020-08-16</a:t>
             </a:fld>
             <a:endParaRPr lang="ko-KR" altLang="en-US"/>
           </a:p>
@@ -2673,7 +2674,7 @@
           <a:p>
             <a:fld id="{F893D3BF-84EF-4F8A-9F24-44EBC5984044}" type="datetimeFigureOut">
               <a:rPr lang="ko-KR" altLang="en-US" smtClean="0"/>
-              <a:t>2020-08-15</a:t>
+              <a:t>2020-08-16</a:t>
             </a:fld>
             <a:endParaRPr lang="ko-KR" altLang="en-US"/>
           </a:p>
@@ -2914,7 +2915,7 @@
           <a:p>
             <a:fld id="{F893D3BF-84EF-4F8A-9F24-44EBC5984044}" type="datetimeFigureOut">
               <a:rPr lang="ko-KR" altLang="en-US" smtClean="0"/>
-              <a:t>2020-08-15</a:t>
+              <a:t>2020-08-16</a:t>
             </a:fld>
             <a:endParaRPr lang="ko-KR" altLang="en-US"/>
           </a:p>
@@ -6945,7 +6946,7 @@
           <a:graphicData uri="http://schemas.openxmlformats.org/presentationml/2006/ole">
             <mc:AlternateContent xmlns:mc="http://schemas.openxmlformats.org/markup-compatibility/2006">
               <mc:Choice xmlns:v="urn:schemas-microsoft-com:vml" Requires="v">
-                <p:oleObj spid="_x0000_s1034" r:id="rId4" imgW="2704680" imgH="3288600" progId="">
+                <p:oleObj spid="_x0000_s1037" r:id="rId4" imgW="2704680" imgH="3288600" progId="">
                   <p:embed/>
                 </p:oleObj>
               </mc:Choice>
@@ -13378,7 +13379,7 @@
         <p:spPr>
           <a:xfrm>
             <a:off x="375343" y="241489"/>
-            <a:ext cx="3833099" cy="584775"/>
+            <a:ext cx="5151971" cy="584775"/>
           </a:xfrm>
           <a:prstGeom prst="rect">
             <a:avLst/>
@@ -13401,12 +13402,17 @@
             </a:r>
             <a:r>
               <a:rPr lang="en-US" altLang="ko-KR" sz="3200" b="1" dirty="0"/>
-              <a:t>- </a:t>
+              <a:t>– </a:t>
             </a:r>
             <a:r>
               <a:rPr lang="ko-KR" altLang="en-US" sz="3200" b="1" dirty="0"/>
               <a:t>도감</a:t>
             </a:r>
+            <a:r>
+              <a:rPr lang="en-US" altLang="ko-KR" sz="3200" b="1" dirty="0"/>
+              <a:t>-1</a:t>
+            </a:r>
+            <a:endParaRPr lang="ko-KR" altLang="en-US" sz="3200" b="1" dirty="0"/>
           </a:p>
         </p:txBody>
       </p:sp>
@@ -13577,7 +13583,7 @@
         <p:spPr>
           <a:xfrm>
             <a:off x="8643668" y="1011511"/>
-            <a:ext cx="2621230" cy="523220"/>
+            <a:ext cx="3509294" cy="3108543"/>
           </a:xfrm>
           <a:prstGeom prst="rect">
             <a:avLst/>
@@ -13596,15 +13602,15 @@
             </a:r>
             <a:r>
               <a:rPr lang="ko-KR" altLang="en-US" sz="1400" dirty="0"/>
-              <a:t>터치 시 수련 </a:t>
+              <a:t>도감 </a:t>
             </a:r>
             <a:r>
               <a:rPr lang="en-US" altLang="ko-KR" sz="1400" dirty="0"/>
-              <a:t>UI</a:t>
+              <a:t>UI </a:t>
             </a:r>
             <a:r>
               <a:rPr lang="ko-KR" altLang="en-US" sz="1400" dirty="0"/>
-              <a:t>창이 </a:t>
+              <a:t>터치 시 나오는 </a:t>
             </a:r>
             <a:r>
               <a:rPr lang="ko-KR" altLang="en-US" sz="1400" dirty="0" err="1"/>
@@ -13614,10 +13620,147 @@
           </a:p>
           <a:p>
             <a:r>
-              <a:rPr lang="en-US" altLang="ko-KR" sz="1400"/>
+              <a:rPr lang="en-US" altLang="ko-KR" sz="1400" dirty="0"/>
+              <a:t>   - </a:t>
+            </a:r>
+            <a:r>
+              <a:rPr lang="ko-KR" altLang="en-US" sz="1400" dirty="0"/>
+              <a:t>플레이어의 현재 캐릭터</a:t>
+            </a:r>
+            <a:r>
+              <a:rPr lang="en-US" altLang="ko-KR" sz="1400" dirty="0"/>
+              <a:t>, </a:t>
+            </a:r>
+            <a:r>
+              <a:rPr lang="ko-KR" altLang="en-US" sz="1400" dirty="0"/>
+              <a:t>신분</a:t>
+            </a:r>
+            <a:r>
+              <a:rPr lang="en-US" altLang="ko-KR" sz="1400" dirty="0"/>
+              <a:t>,</a:t>
+            </a:r>
+          </a:p>
+          <a:p>
+            <a:r>
+              <a:rPr lang="en-US" altLang="ko-KR" sz="1400" dirty="0"/>
+              <a:t>     </a:t>
+            </a:r>
+            <a:r>
+              <a:rPr lang="ko-KR" altLang="en-US" sz="1400" dirty="0"/>
+              <a:t>가지고 있는 보물을 표시</a:t>
+            </a:r>
+            <a:endParaRPr lang="en-US" altLang="ko-KR" sz="1400" dirty="0"/>
+          </a:p>
+          <a:p>
+            <a:r>
+              <a:rPr lang="en-US" altLang="ko-KR" sz="1400" dirty="0"/>
               <a:t>   </a:t>
             </a:r>
+          </a:p>
+          <a:p>
+            <a:r>
+              <a:rPr lang="en-US" altLang="ko-KR" sz="1400" dirty="0"/>
+              <a:t>   1-1) </a:t>
+            </a:r>
+            <a:r>
+              <a:rPr lang="ko-KR" altLang="en-US" sz="1400" dirty="0"/>
+              <a:t>보물</a:t>
+            </a:r>
+            <a:r>
+              <a:rPr lang="en-US" altLang="ko-KR" sz="1400" dirty="0"/>
+              <a:t> – </a:t>
+            </a:r>
+            <a:r>
+              <a:rPr lang="ko-KR" altLang="en-US" sz="1400" dirty="0"/>
+              <a:t>수련을 통해서 획득</a:t>
+            </a:r>
             <a:endParaRPr lang="en-US" altLang="ko-KR" sz="1400" dirty="0"/>
+          </a:p>
+          <a:p>
+            <a:endParaRPr lang="en-US" altLang="ko-KR" sz="1400" dirty="0"/>
+          </a:p>
+          <a:p>
+            <a:r>
+              <a:rPr lang="en-US" altLang="ko-KR" sz="1400" dirty="0"/>
+              <a:t>2) </a:t>
+            </a:r>
+            <a:r>
+              <a:rPr lang="ko-KR" altLang="en-US" sz="1400" dirty="0"/>
+              <a:t>계급 도감을 터치 시 어느 정도의</a:t>
+            </a:r>
+            <a:endParaRPr lang="en-US" altLang="ko-KR" sz="1400" dirty="0"/>
+          </a:p>
+          <a:p>
+            <a:r>
+              <a:rPr lang="en-US" altLang="ko-KR" sz="1400" dirty="0"/>
+              <a:t>   </a:t>
+            </a:r>
+            <a:r>
+              <a:rPr lang="ko-KR" altLang="en-US" sz="1400" dirty="0"/>
+              <a:t>도감을 모아뒀는지 확인이 가능</a:t>
+            </a:r>
+            <a:endParaRPr lang="en-US" altLang="ko-KR" sz="1400" dirty="0"/>
+          </a:p>
+          <a:p>
+            <a:endParaRPr lang="en-US" altLang="ko-KR" sz="1400" dirty="0"/>
+          </a:p>
+          <a:p>
+            <a:r>
+              <a:rPr lang="en-US" altLang="ko-KR" sz="1400" dirty="0"/>
+              <a:t>3) </a:t>
+            </a:r>
+            <a:r>
+              <a:rPr lang="ko-KR" altLang="en-US" sz="1400" dirty="0"/>
+              <a:t>도감의 달성도 표시</a:t>
+            </a:r>
+            <a:endParaRPr lang="en-US" altLang="ko-KR" sz="1400" dirty="0"/>
+          </a:p>
+          <a:p>
+            <a:r>
+              <a:rPr lang="en-US" altLang="ko-KR" sz="1400" dirty="0"/>
+              <a:t>    - </a:t>
+            </a:r>
+            <a:r>
+              <a:rPr lang="ko-KR" altLang="en-US" sz="1400" dirty="0"/>
+              <a:t>새로운 계급이 열릴 때 </a:t>
+            </a:r>
+            <a:r>
+              <a:rPr lang="en-US" altLang="ko-KR" sz="1400" dirty="0"/>
+              <a:t>% </a:t>
+            </a:r>
+            <a:r>
+              <a:rPr lang="ko-KR" altLang="en-US" sz="1400" dirty="0"/>
+              <a:t>증가</a:t>
+            </a:r>
+            <a:endParaRPr lang="en-US" altLang="ko-KR" sz="1400" dirty="0"/>
+          </a:p>
+          <a:p>
+            <a:endParaRPr lang="en-US" altLang="ko-KR" sz="1400" dirty="0"/>
+          </a:p>
+          <a:p>
+            <a:r>
+              <a:rPr lang="en-US" altLang="ko-KR" sz="1400" dirty="0"/>
+              <a:t>4) </a:t>
+            </a:r>
+            <a:r>
+              <a:rPr lang="ko-KR" altLang="en-US" sz="1400" dirty="0"/>
+              <a:t>계급을 클릭 시 계급 캐릭터</a:t>
+            </a:r>
+            <a:r>
+              <a:rPr lang="en-US" altLang="ko-KR" sz="1400" dirty="0"/>
+              <a:t>, </a:t>
+            </a:r>
+            <a:r>
+              <a:rPr lang="ko-KR" altLang="en-US" sz="1400" dirty="0"/>
+              <a:t>설명 표시</a:t>
+            </a:r>
+            <a:endParaRPr lang="en-US" altLang="ko-KR" sz="1400" dirty="0"/>
+          </a:p>
+          <a:p>
+            <a:r>
+              <a:rPr lang="en-US" altLang="ko-KR" sz="1400" dirty="0"/>
+              <a:t>   </a:t>
+            </a:r>
           </a:p>
         </p:txBody>
       </p:sp>
@@ -14465,10 +14608,3373 @@
           </a:p>
         </p:txBody>
       </p:sp>
+      <p:sp>
+        <p:nvSpPr>
+          <p:cNvPr id="28" name="사각형: 둥근 모서리 27">
+            <a:extLst>
+              <a:ext uri="{FF2B5EF4-FFF2-40B4-BE49-F238E27FC236}">
+                <a16:creationId xmlns:a16="http://schemas.microsoft.com/office/drawing/2014/main" id="{2F637E0B-7DE0-4373-B7A5-F98882EAAAEF}"/>
+              </a:ext>
+            </a:extLst>
+          </p:cNvPr>
+          <p:cNvSpPr/>
+          <p:nvPr/>
+        </p:nvSpPr>
+        <p:spPr>
+          <a:xfrm>
+            <a:off x="3162472" y="1721167"/>
+            <a:ext cx="2220686" cy="3773977"/>
+          </a:xfrm>
+          <a:prstGeom prst="roundRect">
+            <a:avLst/>
+          </a:prstGeom>
+          <a:solidFill>
+            <a:schemeClr val="tx2">
+              <a:lumMod val="20000"/>
+              <a:lumOff val="80000"/>
+            </a:schemeClr>
+          </a:solidFill>
+          <a:ln w="38100">
+            <a:solidFill>
+              <a:schemeClr val="bg2">
+                <a:lumMod val="50000"/>
+              </a:schemeClr>
+            </a:solidFill>
+          </a:ln>
+        </p:spPr>
+        <p:style>
+          <a:lnRef idx="2">
+            <a:schemeClr val="accent1">
+              <a:shade val="50000"/>
+            </a:schemeClr>
+          </a:lnRef>
+          <a:fillRef idx="1">
+            <a:schemeClr val="accent1"/>
+          </a:fillRef>
+          <a:effectRef idx="0">
+            <a:schemeClr val="accent1"/>
+          </a:effectRef>
+          <a:fontRef idx="minor">
+            <a:schemeClr val="lt1"/>
+          </a:fontRef>
+        </p:style>
+        <p:txBody>
+          <a:bodyPr rtlCol="0" anchor="ctr"/>
+          <a:lstStyle/>
+          <a:p>
+            <a:pPr algn="ctr"/>
+            <a:endParaRPr lang="ko-KR" altLang="en-US" dirty="0"/>
+          </a:p>
+        </p:txBody>
+      </p:sp>
+      <p:sp>
+        <p:nvSpPr>
+          <p:cNvPr id="29" name="사각형: 둥근 모서리 28">
+            <a:extLst>
+              <a:ext uri="{FF2B5EF4-FFF2-40B4-BE49-F238E27FC236}">
+                <a16:creationId xmlns:a16="http://schemas.microsoft.com/office/drawing/2014/main" id="{63F83D13-D7B3-4D99-B6AD-8136A74EC211}"/>
+              </a:ext>
+            </a:extLst>
+          </p:cNvPr>
+          <p:cNvSpPr/>
+          <p:nvPr/>
+        </p:nvSpPr>
+        <p:spPr>
+          <a:xfrm>
+            <a:off x="5051456" y="1497232"/>
+            <a:ext cx="475861" cy="447870"/>
+          </a:xfrm>
+          <a:prstGeom prst="roundRect">
+            <a:avLst/>
+          </a:prstGeom>
+        </p:spPr>
+        <p:style>
+          <a:lnRef idx="2">
+            <a:schemeClr val="accent1">
+              <a:shade val="50000"/>
+            </a:schemeClr>
+          </a:lnRef>
+          <a:fillRef idx="1">
+            <a:schemeClr val="accent1"/>
+          </a:fillRef>
+          <a:effectRef idx="0">
+            <a:schemeClr val="accent1"/>
+          </a:effectRef>
+          <a:fontRef idx="minor">
+            <a:schemeClr val="lt1"/>
+          </a:fontRef>
+        </p:style>
+        <p:txBody>
+          <a:bodyPr rtlCol="0" anchor="ctr"/>
+          <a:lstStyle/>
+          <a:p>
+            <a:pPr algn="ctr"/>
+            <a:r>
+              <a:rPr lang="en-US" altLang="ko-KR" b="1" dirty="0"/>
+              <a:t>X</a:t>
+            </a:r>
+            <a:endParaRPr lang="ko-KR" altLang="en-US" b="1" dirty="0"/>
+          </a:p>
+        </p:txBody>
+      </p:sp>
+      <p:sp>
+        <p:nvSpPr>
+          <p:cNvPr id="30" name="사각형: 둥근 모서리 29">
+            <a:extLst>
+              <a:ext uri="{FF2B5EF4-FFF2-40B4-BE49-F238E27FC236}">
+                <a16:creationId xmlns:a16="http://schemas.microsoft.com/office/drawing/2014/main" id="{0091B0EE-934C-41B4-9929-879092969A1A}"/>
+              </a:ext>
+            </a:extLst>
+          </p:cNvPr>
+          <p:cNvSpPr/>
+          <p:nvPr/>
+        </p:nvSpPr>
+        <p:spPr>
+          <a:xfrm>
+            <a:off x="5806647" y="1721167"/>
+            <a:ext cx="2220686" cy="3773977"/>
+          </a:xfrm>
+          <a:prstGeom prst="roundRect">
+            <a:avLst/>
+          </a:prstGeom>
+          <a:solidFill>
+            <a:schemeClr val="tx2">
+              <a:lumMod val="20000"/>
+              <a:lumOff val="80000"/>
+            </a:schemeClr>
+          </a:solidFill>
+          <a:ln w="38100">
+            <a:solidFill>
+              <a:schemeClr val="bg2">
+                <a:lumMod val="50000"/>
+              </a:schemeClr>
+            </a:solidFill>
+          </a:ln>
+        </p:spPr>
+        <p:style>
+          <a:lnRef idx="2">
+            <a:schemeClr val="accent1">
+              <a:shade val="50000"/>
+            </a:schemeClr>
+          </a:lnRef>
+          <a:fillRef idx="1">
+            <a:schemeClr val="accent1"/>
+          </a:fillRef>
+          <a:effectRef idx="0">
+            <a:schemeClr val="accent1"/>
+          </a:effectRef>
+          <a:fontRef idx="minor">
+            <a:schemeClr val="lt1"/>
+          </a:fontRef>
+        </p:style>
+        <p:txBody>
+          <a:bodyPr rtlCol="0" anchor="ctr"/>
+          <a:lstStyle/>
+          <a:p>
+            <a:pPr algn="ctr"/>
+            <a:endParaRPr lang="ko-KR" altLang="en-US" dirty="0"/>
+          </a:p>
+        </p:txBody>
+      </p:sp>
+      <p:sp>
+        <p:nvSpPr>
+          <p:cNvPr id="31" name="사각형: 둥근 모서리 30">
+            <a:extLst>
+              <a:ext uri="{FF2B5EF4-FFF2-40B4-BE49-F238E27FC236}">
+                <a16:creationId xmlns:a16="http://schemas.microsoft.com/office/drawing/2014/main" id="{7761F45F-5CCB-4EBC-920C-90F3B0748F4E}"/>
+              </a:ext>
+            </a:extLst>
+          </p:cNvPr>
+          <p:cNvSpPr/>
+          <p:nvPr/>
+        </p:nvSpPr>
+        <p:spPr>
+          <a:xfrm>
+            <a:off x="7695631" y="1497232"/>
+            <a:ext cx="475861" cy="447870"/>
+          </a:xfrm>
+          <a:prstGeom prst="roundRect">
+            <a:avLst/>
+          </a:prstGeom>
+        </p:spPr>
+        <p:style>
+          <a:lnRef idx="2">
+            <a:schemeClr val="accent1">
+              <a:shade val="50000"/>
+            </a:schemeClr>
+          </a:lnRef>
+          <a:fillRef idx="1">
+            <a:schemeClr val="accent1"/>
+          </a:fillRef>
+          <a:effectRef idx="0">
+            <a:schemeClr val="accent1"/>
+          </a:effectRef>
+          <a:fontRef idx="minor">
+            <a:schemeClr val="lt1"/>
+          </a:fontRef>
+        </p:style>
+        <p:txBody>
+          <a:bodyPr rtlCol="0" anchor="ctr"/>
+          <a:lstStyle/>
+          <a:p>
+            <a:pPr algn="ctr"/>
+            <a:r>
+              <a:rPr lang="en-US" altLang="ko-KR" b="1" dirty="0"/>
+              <a:t>X</a:t>
+            </a:r>
+            <a:endParaRPr lang="ko-KR" altLang="en-US" b="1" dirty="0"/>
+          </a:p>
+        </p:txBody>
+      </p:sp>
+      <p:sp>
+        <p:nvSpPr>
+          <p:cNvPr id="32" name="TextBox 31">
+            <a:extLst>
+              <a:ext uri="{FF2B5EF4-FFF2-40B4-BE49-F238E27FC236}">
+                <a16:creationId xmlns:a16="http://schemas.microsoft.com/office/drawing/2014/main" id="{2C8D68FF-3AA5-43C6-80CA-4B1EA6A01338}"/>
+              </a:ext>
+            </a:extLst>
+          </p:cNvPr>
+          <p:cNvSpPr txBox="1"/>
+          <p:nvPr/>
+        </p:nvSpPr>
+        <p:spPr>
+          <a:xfrm>
+            <a:off x="3982289" y="1534731"/>
+            <a:ext cx="646331" cy="369332"/>
+          </a:xfrm>
+          <a:prstGeom prst="rect">
+            <a:avLst/>
+          </a:prstGeom>
+          <a:noFill/>
+        </p:spPr>
+        <p:txBody>
+          <a:bodyPr wrap="none" rtlCol="0">
+            <a:spAutoFit/>
+          </a:bodyPr>
+          <a:lstStyle/>
+          <a:p>
+            <a:r>
+              <a:rPr lang="ko-KR" altLang="en-US" b="1" dirty="0">
+                <a:ln w="12700">
+                  <a:solidFill>
+                    <a:schemeClr val="accent6">
+                      <a:lumMod val="50000"/>
+                    </a:schemeClr>
+                  </a:solidFill>
+                </a:ln>
+                <a:solidFill>
+                  <a:schemeClr val="accent6">
+                    <a:lumMod val="20000"/>
+                    <a:lumOff val="80000"/>
+                  </a:schemeClr>
+                </a:solidFill>
+              </a:rPr>
+              <a:t>계급</a:t>
+            </a:r>
+          </a:p>
+        </p:txBody>
+      </p:sp>
+      <p:sp>
+        <p:nvSpPr>
+          <p:cNvPr id="33" name="TextBox 32">
+            <a:extLst>
+              <a:ext uri="{FF2B5EF4-FFF2-40B4-BE49-F238E27FC236}">
+                <a16:creationId xmlns:a16="http://schemas.microsoft.com/office/drawing/2014/main" id="{233AB1A5-BB4F-4C34-AC6B-15EEDFEAD31F}"/>
+              </a:ext>
+            </a:extLst>
+          </p:cNvPr>
+          <p:cNvSpPr txBox="1"/>
+          <p:nvPr/>
+        </p:nvSpPr>
+        <p:spPr>
+          <a:xfrm>
+            <a:off x="6593824" y="1534731"/>
+            <a:ext cx="646331" cy="369332"/>
+          </a:xfrm>
+          <a:prstGeom prst="rect">
+            <a:avLst/>
+          </a:prstGeom>
+          <a:noFill/>
+        </p:spPr>
+        <p:txBody>
+          <a:bodyPr wrap="none" rtlCol="0">
+            <a:spAutoFit/>
+          </a:bodyPr>
+          <a:lstStyle/>
+          <a:p>
+            <a:r>
+              <a:rPr lang="ko-KR" altLang="en-US" b="1" dirty="0">
+                <a:ln w="12700">
+                  <a:solidFill>
+                    <a:schemeClr val="accent6">
+                      <a:lumMod val="50000"/>
+                    </a:schemeClr>
+                  </a:solidFill>
+                </a:ln>
+                <a:solidFill>
+                  <a:schemeClr val="accent6">
+                    <a:lumMod val="20000"/>
+                    <a:lumOff val="80000"/>
+                  </a:schemeClr>
+                </a:solidFill>
+              </a:rPr>
+              <a:t>평민</a:t>
+            </a:r>
+          </a:p>
+        </p:txBody>
+      </p:sp>
+      <p:sp>
+        <p:nvSpPr>
+          <p:cNvPr id="37" name="사각형: 둥근 모서리 36">
+            <a:extLst>
+              <a:ext uri="{FF2B5EF4-FFF2-40B4-BE49-F238E27FC236}">
+                <a16:creationId xmlns:a16="http://schemas.microsoft.com/office/drawing/2014/main" id="{597C59F3-DB9E-4CD7-8877-CE387CA4C546}"/>
+              </a:ext>
+            </a:extLst>
+          </p:cNvPr>
+          <p:cNvSpPr/>
+          <p:nvPr/>
+        </p:nvSpPr>
+        <p:spPr>
+          <a:xfrm>
+            <a:off x="3252178" y="2767349"/>
+            <a:ext cx="554304" cy="486892"/>
+          </a:xfrm>
+          <a:prstGeom prst="roundRect">
+            <a:avLst/>
+          </a:prstGeom>
+        </p:spPr>
+        <p:style>
+          <a:lnRef idx="2">
+            <a:schemeClr val="accent1">
+              <a:shade val="50000"/>
+            </a:schemeClr>
+          </a:lnRef>
+          <a:fillRef idx="1">
+            <a:schemeClr val="accent1"/>
+          </a:fillRef>
+          <a:effectRef idx="0">
+            <a:schemeClr val="accent1"/>
+          </a:effectRef>
+          <a:fontRef idx="minor">
+            <a:schemeClr val="lt1"/>
+          </a:fontRef>
+        </p:style>
+        <p:txBody>
+          <a:bodyPr rtlCol="0" anchor="ctr"/>
+          <a:lstStyle/>
+          <a:p>
+            <a:pPr algn="ctr"/>
+            <a:endParaRPr lang="ko-KR" altLang="en-US"/>
+          </a:p>
+        </p:txBody>
+      </p:sp>
+      <p:sp>
+        <p:nvSpPr>
+          <p:cNvPr id="38" name="사각형: 둥근 모서리 37">
+            <a:extLst>
+              <a:ext uri="{FF2B5EF4-FFF2-40B4-BE49-F238E27FC236}">
+                <a16:creationId xmlns:a16="http://schemas.microsoft.com/office/drawing/2014/main" id="{35857D10-276B-4053-9EBC-0F51427CFAA5}"/>
+              </a:ext>
+            </a:extLst>
+          </p:cNvPr>
+          <p:cNvSpPr/>
+          <p:nvPr/>
+        </p:nvSpPr>
+        <p:spPr>
+          <a:xfrm>
+            <a:off x="3982289" y="2767349"/>
+            <a:ext cx="554304" cy="486892"/>
+          </a:xfrm>
+          <a:prstGeom prst="roundRect">
+            <a:avLst/>
+          </a:prstGeom>
+        </p:spPr>
+        <p:style>
+          <a:lnRef idx="2">
+            <a:schemeClr val="accent1">
+              <a:shade val="50000"/>
+            </a:schemeClr>
+          </a:lnRef>
+          <a:fillRef idx="1">
+            <a:schemeClr val="accent1"/>
+          </a:fillRef>
+          <a:effectRef idx="0">
+            <a:schemeClr val="accent1"/>
+          </a:effectRef>
+          <a:fontRef idx="minor">
+            <a:schemeClr val="lt1"/>
+          </a:fontRef>
+        </p:style>
+        <p:txBody>
+          <a:bodyPr rtlCol="0" anchor="ctr"/>
+          <a:lstStyle/>
+          <a:p>
+            <a:pPr algn="ctr"/>
+            <a:endParaRPr lang="ko-KR" altLang="en-US" dirty="0"/>
+          </a:p>
+        </p:txBody>
+      </p:sp>
+      <p:sp>
+        <p:nvSpPr>
+          <p:cNvPr id="39" name="사각형: 둥근 모서리 38">
+            <a:extLst>
+              <a:ext uri="{FF2B5EF4-FFF2-40B4-BE49-F238E27FC236}">
+                <a16:creationId xmlns:a16="http://schemas.microsoft.com/office/drawing/2014/main" id="{1EF91D49-0DC2-4DC1-BB9C-2F54059C43DC}"/>
+              </a:ext>
+            </a:extLst>
+          </p:cNvPr>
+          <p:cNvSpPr/>
+          <p:nvPr/>
+        </p:nvSpPr>
+        <p:spPr>
+          <a:xfrm>
+            <a:off x="4718455" y="2767349"/>
+            <a:ext cx="554304" cy="486892"/>
+          </a:xfrm>
+          <a:prstGeom prst="roundRect">
+            <a:avLst/>
+          </a:prstGeom>
+        </p:spPr>
+        <p:style>
+          <a:lnRef idx="2">
+            <a:schemeClr val="accent1">
+              <a:shade val="50000"/>
+            </a:schemeClr>
+          </a:lnRef>
+          <a:fillRef idx="1">
+            <a:schemeClr val="accent1"/>
+          </a:fillRef>
+          <a:effectRef idx="0">
+            <a:schemeClr val="accent1"/>
+          </a:effectRef>
+          <a:fontRef idx="minor">
+            <a:schemeClr val="lt1"/>
+          </a:fontRef>
+        </p:style>
+        <p:txBody>
+          <a:bodyPr rtlCol="0" anchor="ctr"/>
+          <a:lstStyle/>
+          <a:p>
+            <a:pPr algn="ctr"/>
+            <a:endParaRPr lang="ko-KR" altLang="en-US" dirty="0"/>
+          </a:p>
+        </p:txBody>
+      </p:sp>
+      <p:sp>
+        <p:nvSpPr>
+          <p:cNvPr id="40" name="사각형: 둥근 모서리 39">
+            <a:extLst>
+              <a:ext uri="{FF2B5EF4-FFF2-40B4-BE49-F238E27FC236}">
+                <a16:creationId xmlns:a16="http://schemas.microsoft.com/office/drawing/2014/main" id="{474C77C9-114B-418C-AE19-A17F9DE1DE1E}"/>
+              </a:ext>
+            </a:extLst>
+          </p:cNvPr>
+          <p:cNvSpPr/>
+          <p:nvPr/>
+        </p:nvSpPr>
+        <p:spPr>
+          <a:xfrm>
+            <a:off x="3252178" y="3533886"/>
+            <a:ext cx="554304" cy="486892"/>
+          </a:xfrm>
+          <a:prstGeom prst="roundRect">
+            <a:avLst/>
+          </a:prstGeom>
+        </p:spPr>
+        <p:style>
+          <a:lnRef idx="2">
+            <a:schemeClr val="accent1">
+              <a:shade val="50000"/>
+            </a:schemeClr>
+          </a:lnRef>
+          <a:fillRef idx="1">
+            <a:schemeClr val="accent1"/>
+          </a:fillRef>
+          <a:effectRef idx="0">
+            <a:schemeClr val="accent1"/>
+          </a:effectRef>
+          <a:fontRef idx="minor">
+            <a:schemeClr val="lt1"/>
+          </a:fontRef>
+        </p:style>
+        <p:txBody>
+          <a:bodyPr rtlCol="0" anchor="ctr"/>
+          <a:lstStyle/>
+          <a:p>
+            <a:pPr algn="ctr"/>
+            <a:endParaRPr lang="ko-KR" altLang="en-US"/>
+          </a:p>
+        </p:txBody>
+      </p:sp>
+      <p:sp>
+        <p:nvSpPr>
+          <p:cNvPr id="41" name="사각형: 둥근 모서리 40">
+            <a:extLst>
+              <a:ext uri="{FF2B5EF4-FFF2-40B4-BE49-F238E27FC236}">
+                <a16:creationId xmlns:a16="http://schemas.microsoft.com/office/drawing/2014/main" id="{BADA6FAB-DC65-45A8-A7EA-7EEBA4737255}"/>
+              </a:ext>
+            </a:extLst>
+          </p:cNvPr>
+          <p:cNvSpPr/>
+          <p:nvPr/>
+        </p:nvSpPr>
+        <p:spPr>
+          <a:xfrm>
+            <a:off x="3982289" y="3533886"/>
+            <a:ext cx="554304" cy="486892"/>
+          </a:xfrm>
+          <a:prstGeom prst="roundRect">
+            <a:avLst/>
+          </a:prstGeom>
+        </p:spPr>
+        <p:style>
+          <a:lnRef idx="2">
+            <a:schemeClr val="accent1">
+              <a:shade val="50000"/>
+            </a:schemeClr>
+          </a:lnRef>
+          <a:fillRef idx="1">
+            <a:schemeClr val="accent1"/>
+          </a:fillRef>
+          <a:effectRef idx="0">
+            <a:schemeClr val="accent1"/>
+          </a:effectRef>
+          <a:fontRef idx="minor">
+            <a:schemeClr val="lt1"/>
+          </a:fontRef>
+        </p:style>
+        <p:txBody>
+          <a:bodyPr rtlCol="0" anchor="ctr"/>
+          <a:lstStyle/>
+          <a:p>
+            <a:pPr algn="ctr"/>
+            <a:endParaRPr lang="ko-KR" altLang="en-US" dirty="0"/>
+          </a:p>
+        </p:txBody>
+      </p:sp>
+      <p:sp>
+        <p:nvSpPr>
+          <p:cNvPr id="42" name="사각형: 둥근 모서리 41">
+            <a:extLst>
+              <a:ext uri="{FF2B5EF4-FFF2-40B4-BE49-F238E27FC236}">
+                <a16:creationId xmlns:a16="http://schemas.microsoft.com/office/drawing/2014/main" id="{61A14ABB-D5D1-4905-84D0-13623A6BD16A}"/>
+              </a:ext>
+            </a:extLst>
+          </p:cNvPr>
+          <p:cNvSpPr/>
+          <p:nvPr/>
+        </p:nvSpPr>
+        <p:spPr>
+          <a:xfrm>
+            <a:off x="4718455" y="3533886"/>
+            <a:ext cx="554304" cy="486892"/>
+          </a:xfrm>
+          <a:prstGeom prst="roundRect">
+            <a:avLst/>
+          </a:prstGeom>
+        </p:spPr>
+        <p:style>
+          <a:lnRef idx="2">
+            <a:schemeClr val="accent1">
+              <a:shade val="50000"/>
+            </a:schemeClr>
+          </a:lnRef>
+          <a:fillRef idx="1">
+            <a:schemeClr val="accent1"/>
+          </a:fillRef>
+          <a:effectRef idx="0">
+            <a:schemeClr val="accent1"/>
+          </a:effectRef>
+          <a:fontRef idx="minor">
+            <a:schemeClr val="lt1"/>
+          </a:fontRef>
+        </p:style>
+        <p:txBody>
+          <a:bodyPr rtlCol="0" anchor="ctr"/>
+          <a:lstStyle/>
+          <a:p>
+            <a:pPr algn="ctr"/>
+            <a:endParaRPr lang="ko-KR" altLang="en-US" dirty="0"/>
+          </a:p>
+        </p:txBody>
+      </p:sp>
+      <p:sp>
+        <p:nvSpPr>
+          <p:cNvPr id="43" name="사각형: 둥근 모서리 42">
+            <a:extLst>
+              <a:ext uri="{FF2B5EF4-FFF2-40B4-BE49-F238E27FC236}">
+                <a16:creationId xmlns:a16="http://schemas.microsoft.com/office/drawing/2014/main" id="{958EBE8B-3589-4DD0-9BB3-FEB3D3CCB82A}"/>
+              </a:ext>
+            </a:extLst>
+          </p:cNvPr>
+          <p:cNvSpPr/>
+          <p:nvPr/>
+        </p:nvSpPr>
+        <p:spPr>
+          <a:xfrm>
+            <a:off x="3252178" y="4302952"/>
+            <a:ext cx="554304" cy="486892"/>
+          </a:xfrm>
+          <a:prstGeom prst="roundRect">
+            <a:avLst/>
+          </a:prstGeom>
+        </p:spPr>
+        <p:style>
+          <a:lnRef idx="2">
+            <a:schemeClr val="accent1">
+              <a:shade val="50000"/>
+            </a:schemeClr>
+          </a:lnRef>
+          <a:fillRef idx="1">
+            <a:schemeClr val="accent1"/>
+          </a:fillRef>
+          <a:effectRef idx="0">
+            <a:schemeClr val="accent1"/>
+          </a:effectRef>
+          <a:fontRef idx="minor">
+            <a:schemeClr val="lt1"/>
+          </a:fontRef>
+        </p:style>
+        <p:txBody>
+          <a:bodyPr rtlCol="0" anchor="ctr"/>
+          <a:lstStyle/>
+          <a:p>
+            <a:pPr algn="ctr"/>
+            <a:endParaRPr lang="ko-KR" altLang="en-US"/>
+          </a:p>
+        </p:txBody>
+      </p:sp>
+      <p:sp>
+        <p:nvSpPr>
+          <p:cNvPr id="44" name="사각형: 둥근 모서리 43">
+            <a:extLst>
+              <a:ext uri="{FF2B5EF4-FFF2-40B4-BE49-F238E27FC236}">
+                <a16:creationId xmlns:a16="http://schemas.microsoft.com/office/drawing/2014/main" id="{44C3F774-D2BA-4499-B342-8C9C44D9883B}"/>
+              </a:ext>
+            </a:extLst>
+          </p:cNvPr>
+          <p:cNvSpPr/>
+          <p:nvPr/>
+        </p:nvSpPr>
+        <p:spPr>
+          <a:xfrm>
+            <a:off x="3982289" y="4302952"/>
+            <a:ext cx="554304" cy="486892"/>
+          </a:xfrm>
+          <a:prstGeom prst="roundRect">
+            <a:avLst/>
+          </a:prstGeom>
+        </p:spPr>
+        <p:style>
+          <a:lnRef idx="2">
+            <a:schemeClr val="accent1">
+              <a:shade val="50000"/>
+            </a:schemeClr>
+          </a:lnRef>
+          <a:fillRef idx="1">
+            <a:schemeClr val="accent1"/>
+          </a:fillRef>
+          <a:effectRef idx="0">
+            <a:schemeClr val="accent1"/>
+          </a:effectRef>
+          <a:fontRef idx="minor">
+            <a:schemeClr val="lt1"/>
+          </a:fontRef>
+        </p:style>
+        <p:txBody>
+          <a:bodyPr rtlCol="0" anchor="ctr"/>
+          <a:lstStyle/>
+          <a:p>
+            <a:pPr algn="ctr"/>
+            <a:endParaRPr lang="ko-KR" altLang="en-US" dirty="0"/>
+          </a:p>
+        </p:txBody>
+      </p:sp>
+      <p:sp>
+        <p:nvSpPr>
+          <p:cNvPr id="45" name="사각형: 둥근 모서리 44">
+            <a:extLst>
+              <a:ext uri="{FF2B5EF4-FFF2-40B4-BE49-F238E27FC236}">
+                <a16:creationId xmlns:a16="http://schemas.microsoft.com/office/drawing/2014/main" id="{B6D02F7B-BA47-4778-9123-CD6AC938342D}"/>
+              </a:ext>
+            </a:extLst>
+          </p:cNvPr>
+          <p:cNvSpPr/>
+          <p:nvPr/>
+        </p:nvSpPr>
+        <p:spPr>
+          <a:xfrm>
+            <a:off x="4718455" y="4302952"/>
+            <a:ext cx="554304" cy="486892"/>
+          </a:xfrm>
+          <a:prstGeom prst="roundRect">
+            <a:avLst/>
+          </a:prstGeom>
+        </p:spPr>
+        <p:style>
+          <a:lnRef idx="2">
+            <a:schemeClr val="accent1">
+              <a:shade val="50000"/>
+            </a:schemeClr>
+          </a:lnRef>
+          <a:fillRef idx="1">
+            <a:schemeClr val="accent1"/>
+          </a:fillRef>
+          <a:effectRef idx="0">
+            <a:schemeClr val="accent1"/>
+          </a:effectRef>
+          <a:fontRef idx="minor">
+            <a:schemeClr val="lt1"/>
+          </a:fontRef>
+        </p:style>
+        <p:txBody>
+          <a:bodyPr rtlCol="0" anchor="ctr"/>
+          <a:lstStyle/>
+          <a:p>
+            <a:pPr algn="ctr"/>
+            <a:endParaRPr lang="ko-KR" altLang="en-US" dirty="0"/>
+          </a:p>
+        </p:txBody>
+      </p:sp>
+      <p:sp>
+        <p:nvSpPr>
+          <p:cNvPr id="15" name="사각형: 둥근 모서리 14">
+            <a:extLst>
+              <a:ext uri="{FF2B5EF4-FFF2-40B4-BE49-F238E27FC236}">
+                <a16:creationId xmlns:a16="http://schemas.microsoft.com/office/drawing/2014/main" id="{D0FA9E34-7F8B-4793-A75A-325D5D0A4E56}"/>
+              </a:ext>
+            </a:extLst>
+          </p:cNvPr>
+          <p:cNvSpPr/>
+          <p:nvPr/>
+        </p:nvSpPr>
+        <p:spPr>
+          <a:xfrm>
+            <a:off x="3268805" y="2205584"/>
+            <a:ext cx="2020581" cy="189744"/>
+          </a:xfrm>
+          <a:prstGeom prst="roundRect">
+            <a:avLst/>
+          </a:prstGeom>
+        </p:spPr>
+        <p:style>
+          <a:lnRef idx="2">
+            <a:schemeClr val="accent1">
+              <a:shade val="50000"/>
+            </a:schemeClr>
+          </a:lnRef>
+          <a:fillRef idx="1">
+            <a:schemeClr val="accent1"/>
+          </a:fillRef>
+          <a:effectRef idx="0">
+            <a:schemeClr val="accent1"/>
+          </a:effectRef>
+          <a:fontRef idx="minor">
+            <a:schemeClr val="lt1"/>
+          </a:fontRef>
+        </p:style>
+        <p:txBody>
+          <a:bodyPr rtlCol="0" anchor="ctr"/>
+          <a:lstStyle/>
+          <a:p>
+            <a:pPr algn="ctr"/>
+            <a:endParaRPr lang="ko-KR" altLang="en-US"/>
+          </a:p>
+        </p:txBody>
+      </p:sp>
+      <p:sp>
+        <p:nvSpPr>
+          <p:cNvPr id="16" name="TextBox 15">
+            <a:extLst>
+              <a:ext uri="{FF2B5EF4-FFF2-40B4-BE49-F238E27FC236}">
+                <a16:creationId xmlns:a16="http://schemas.microsoft.com/office/drawing/2014/main" id="{E5ED4A0A-5909-4605-B1A4-A2F9E36368B2}"/>
+              </a:ext>
+            </a:extLst>
+          </p:cNvPr>
+          <p:cNvSpPr txBox="1"/>
+          <p:nvPr/>
+        </p:nvSpPr>
+        <p:spPr>
+          <a:xfrm>
+            <a:off x="3917457" y="1875931"/>
+            <a:ext cx="723275" cy="307777"/>
+          </a:xfrm>
+          <a:prstGeom prst="rect">
+            <a:avLst/>
+          </a:prstGeom>
+          <a:noFill/>
+        </p:spPr>
+        <p:txBody>
+          <a:bodyPr wrap="none" rtlCol="0">
+            <a:spAutoFit/>
+          </a:bodyPr>
+          <a:lstStyle/>
+          <a:p>
+            <a:r>
+              <a:rPr lang="ko-KR" altLang="en-US" sz="1400" dirty="0"/>
+              <a:t>달성도</a:t>
+            </a:r>
+          </a:p>
+        </p:txBody>
+      </p:sp>
+      <p:sp>
+        <p:nvSpPr>
+          <p:cNvPr id="17" name="TextBox 16">
+            <a:extLst>
+              <a:ext uri="{FF2B5EF4-FFF2-40B4-BE49-F238E27FC236}">
+                <a16:creationId xmlns:a16="http://schemas.microsoft.com/office/drawing/2014/main" id="{A2F442D7-C186-4997-9B85-A6058F74C7FC}"/>
+              </a:ext>
+            </a:extLst>
+          </p:cNvPr>
+          <p:cNvSpPr txBox="1"/>
+          <p:nvPr/>
+        </p:nvSpPr>
+        <p:spPr>
+          <a:xfrm>
+            <a:off x="4047216" y="2146567"/>
+            <a:ext cx="497252" cy="307777"/>
+          </a:xfrm>
+          <a:prstGeom prst="rect">
+            <a:avLst/>
+          </a:prstGeom>
+          <a:noFill/>
+        </p:spPr>
+        <p:txBody>
+          <a:bodyPr wrap="none" rtlCol="0">
+            <a:spAutoFit/>
+          </a:bodyPr>
+          <a:lstStyle/>
+          <a:p>
+            <a:r>
+              <a:rPr lang="en-US" altLang="ko-KR" sz="1400" dirty="0"/>
+              <a:t>0 %</a:t>
+            </a:r>
+            <a:endParaRPr lang="ko-KR" altLang="en-US" sz="1400" dirty="0"/>
+          </a:p>
+        </p:txBody>
+      </p:sp>
+      <p:sp>
+        <p:nvSpPr>
+          <p:cNvPr id="46" name="TextBox 45">
+            <a:extLst>
+              <a:ext uri="{FF2B5EF4-FFF2-40B4-BE49-F238E27FC236}">
+                <a16:creationId xmlns:a16="http://schemas.microsoft.com/office/drawing/2014/main" id="{B5829940-CE0C-46A5-8224-403E6C5492A0}"/>
+              </a:ext>
+            </a:extLst>
+          </p:cNvPr>
+          <p:cNvSpPr txBox="1"/>
+          <p:nvPr/>
+        </p:nvSpPr>
+        <p:spPr>
+          <a:xfrm>
+            <a:off x="3282366" y="3256886"/>
+            <a:ext cx="492443" cy="276999"/>
+          </a:xfrm>
+          <a:prstGeom prst="rect">
+            <a:avLst/>
+          </a:prstGeom>
+          <a:noFill/>
+        </p:spPr>
+        <p:txBody>
+          <a:bodyPr wrap="none" rtlCol="0">
+            <a:spAutoFit/>
+          </a:bodyPr>
+          <a:lstStyle/>
+          <a:p>
+            <a:r>
+              <a:rPr lang="ko-KR" altLang="en-US" sz="1200" b="1" dirty="0"/>
+              <a:t>평민</a:t>
+            </a:r>
+          </a:p>
+        </p:txBody>
+      </p:sp>
+      <p:sp>
+        <p:nvSpPr>
+          <p:cNvPr id="47" name="TextBox 46">
+            <a:extLst>
+              <a:ext uri="{FF2B5EF4-FFF2-40B4-BE49-F238E27FC236}">
+                <a16:creationId xmlns:a16="http://schemas.microsoft.com/office/drawing/2014/main" id="{3BC4D1EE-747B-4A5C-B222-B371543F401C}"/>
+              </a:ext>
+            </a:extLst>
+          </p:cNvPr>
+          <p:cNvSpPr txBox="1"/>
+          <p:nvPr/>
+        </p:nvSpPr>
+        <p:spPr>
+          <a:xfrm>
+            <a:off x="4031349" y="3269656"/>
+            <a:ext cx="492443" cy="276999"/>
+          </a:xfrm>
+          <a:prstGeom prst="rect">
+            <a:avLst/>
+          </a:prstGeom>
+          <a:noFill/>
+        </p:spPr>
+        <p:txBody>
+          <a:bodyPr wrap="none" rtlCol="0">
+            <a:spAutoFit/>
+          </a:bodyPr>
+          <a:lstStyle/>
+          <a:p>
+            <a:r>
+              <a:rPr lang="ko-KR" altLang="en-US" sz="1200" b="1" dirty="0"/>
+              <a:t>병졸</a:t>
+            </a:r>
+          </a:p>
+        </p:txBody>
+      </p:sp>
+      <p:sp>
+        <p:nvSpPr>
+          <p:cNvPr id="48" name="TextBox 47">
+            <a:extLst>
+              <a:ext uri="{FF2B5EF4-FFF2-40B4-BE49-F238E27FC236}">
+                <a16:creationId xmlns:a16="http://schemas.microsoft.com/office/drawing/2014/main" id="{3879B5E3-B18F-43F9-8AA3-1F78B3BD03DB}"/>
+              </a:ext>
+            </a:extLst>
+          </p:cNvPr>
+          <p:cNvSpPr txBox="1"/>
+          <p:nvPr/>
+        </p:nvSpPr>
+        <p:spPr>
+          <a:xfrm>
+            <a:off x="4672441" y="3256886"/>
+            <a:ext cx="646331" cy="276999"/>
+          </a:xfrm>
+          <a:prstGeom prst="rect">
+            <a:avLst/>
+          </a:prstGeom>
+          <a:noFill/>
+        </p:spPr>
+        <p:txBody>
+          <a:bodyPr wrap="none" rtlCol="0">
+            <a:spAutoFit/>
+          </a:bodyPr>
+          <a:lstStyle/>
+          <a:p>
+            <a:r>
+              <a:rPr lang="ko-KR" altLang="en-US" sz="1200" b="1"/>
+              <a:t>정예병</a:t>
+            </a:r>
+            <a:endParaRPr lang="ko-KR" altLang="en-US" sz="1200" b="1" dirty="0"/>
+          </a:p>
+        </p:txBody>
+      </p:sp>
+      <p:sp>
+        <p:nvSpPr>
+          <p:cNvPr id="49" name="TextBox 48">
+            <a:extLst>
+              <a:ext uri="{FF2B5EF4-FFF2-40B4-BE49-F238E27FC236}">
+                <a16:creationId xmlns:a16="http://schemas.microsoft.com/office/drawing/2014/main" id="{299BDDEC-4573-4F28-905B-7CA99CDB14A6}"/>
+              </a:ext>
+            </a:extLst>
+          </p:cNvPr>
+          <p:cNvSpPr txBox="1"/>
+          <p:nvPr/>
+        </p:nvSpPr>
+        <p:spPr>
+          <a:xfrm>
+            <a:off x="3205421" y="4015921"/>
+            <a:ext cx="646331" cy="276999"/>
+          </a:xfrm>
+          <a:prstGeom prst="rect">
+            <a:avLst/>
+          </a:prstGeom>
+          <a:noFill/>
+        </p:spPr>
+        <p:txBody>
+          <a:bodyPr wrap="none" rtlCol="0">
+            <a:spAutoFit/>
+          </a:bodyPr>
+          <a:lstStyle/>
+          <a:p>
+            <a:r>
+              <a:rPr lang="ko-KR" altLang="en-US" sz="1200" b="1"/>
+              <a:t>호위군</a:t>
+            </a:r>
+            <a:endParaRPr lang="ko-KR" altLang="en-US" sz="1200" b="1" dirty="0"/>
+          </a:p>
+        </p:txBody>
+      </p:sp>
+      <p:sp>
+        <p:nvSpPr>
+          <p:cNvPr id="50" name="TextBox 49">
+            <a:extLst>
+              <a:ext uri="{FF2B5EF4-FFF2-40B4-BE49-F238E27FC236}">
+                <a16:creationId xmlns:a16="http://schemas.microsoft.com/office/drawing/2014/main" id="{05ECE422-21FC-4343-B3BF-BD540D372583}"/>
+              </a:ext>
+            </a:extLst>
+          </p:cNvPr>
+          <p:cNvSpPr txBox="1"/>
+          <p:nvPr/>
+        </p:nvSpPr>
+        <p:spPr>
+          <a:xfrm>
+            <a:off x="4031349" y="4028410"/>
+            <a:ext cx="492443" cy="276999"/>
+          </a:xfrm>
+          <a:prstGeom prst="rect">
+            <a:avLst/>
+          </a:prstGeom>
+          <a:noFill/>
+        </p:spPr>
+        <p:txBody>
+          <a:bodyPr wrap="none" rtlCol="0">
+            <a:spAutoFit/>
+          </a:bodyPr>
+          <a:lstStyle/>
+          <a:p>
+            <a:r>
+              <a:rPr lang="ko-KR" altLang="en-US" sz="1200" b="1" dirty="0"/>
+              <a:t>장군</a:t>
+            </a:r>
+          </a:p>
+        </p:txBody>
+      </p:sp>
+      <p:sp>
+        <p:nvSpPr>
+          <p:cNvPr id="51" name="TextBox 50">
+            <a:extLst>
+              <a:ext uri="{FF2B5EF4-FFF2-40B4-BE49-F238E27FC236}">
+                <a16:creationId xmlns:a16="http://schemas.microsoft.com/office/drawing/2014/main" id="{1AA6A494-7EB4-493C-9C21-95BE89AF62A8}"/>
+              </a:ext>
+            </a:extLst>
+          </p:cNvPr>
+          <p:cNvSpPr txBox="1"/>
+          <p:nvPr/>
+        </p:nvSpPr>
+        <p:spPr>
+          <a:xfrm>
+            <a:off x="4697841" y="4015921"/>
+            <a:ext cx="646331" cy="276999"/>
+          </a:xfrm>
+          <a:prstGeom prst="rect">
+            <a:avLst/>
+          </a:prstGeom>
+          <a:noFill/>
+        </p:spPr>
+        <p:txBody>
+          <a:bodyPr wrap="none" rtlCol="0">
+            <a:spAutoFit/>
+          </a:bodyPr>
+          <a:lstStyle/>
+          <a:p>
+            <a:r>
+              <a:rPr lang="ko-KR" altLang="en-US" sz="1200" b="1" dirty="0"/>
+              <a:t>대장군</a:t>
+            </a:r>
+          </a:p>
+        </p:txBody>
+      </p:sp>
+      <p:sp>
+        <p:nvSpPr>
+          <p:cNvPr id="52" name="TextBox 51">
+            <a:extLst>
+              <a:ext uri="{FF2B5EF4-FFF2-40B4-BE49-F238E27FC236}">
+                <a16:creationId xmlns:a16="http://schemas.microsoft.com/office/drawing/2014/main" id="{6B11F4AF-F00C-422F-A8D5-B5C4C70124F3}"/>
+              </a:ext>
+            </a:extLst>
+          </p:cNvPr>
+          <p:cNvSpPr txBox="1"/>
+          <p:nvPr/>
+        </p:nvSpPr>
+        <p:spPr>
+          <a:xfrm>
+            <a:off x="3359309" y="4803141"/>
+            <a:ext cx="338554" cy="276999"/>
+          </a:xfrm>
+          <a:prstGeom prst="rect">
+            <a:avLst/>
+          </a:prstGeom>
+          <a:noFill/>
+        </p:spPr>
+        <p:txBody>
+          <a:bodyPr wrap="none" rtlCol="0">
+            <a:spAutoFit/>
+          </a:bodyPr>
+          <a:lstStyle/>
+          <a:p>
+            <a:r>
+              <a:rPr lang="ko-KR" altLang="en-US" sz="1200" b="1" dirty="0"/>
+              <a:t>공</a:t>
+            </a:r>
+          </a:p>
+        </p:txBody>
+      </p:sp>
+      <p:sp>
+        <p:nvSpPr>
+          <p:cNvPr id="53" name="TextBox 52">
+            <a:extLst>
+              <a:ext uri="{FF2B5EF4-FFF2-40B4-BE49-F238E27FC236}">
+                <a16:creationId xmlns:a16="http://schemas.microsoft.com/office/drawing/2014/main" id="{420A89DE-93A4-4E0F-8D1A-030EB858CE20}"/>
+              </a:ext>
+            </a:extLst>
+          </p:cNvPr>
+          <p:cNvSpPr txBox="1"/>
+          <p:nvPr/>
+        </p:nvSpPr>
+        <p:spPr>
+          <a:xfrm>
+            <a:off x="4036002" y="4806184"/>
+            <a:ext cx="492443" cy="276999"/>
+          </a:xfrm>
+          <a:prstGeom prst="rect">
+            <a:avLst/>
+          </a:prstGeom>
+          <a:noFill/>
+        </p:spPr>
+        <p:txBody>
+          <a:bodyPr wrap="none" rtlCol="0">
+            <a:spAutoFit/>
+          </a:bodyPr>
+          <a:lstStyle/>
+          <a:p>
+            <a:r>
+              <a:rPr lang="ko-KR" altLang="en-US" sz="1200" b="1" dirty="0"/>
+              <a:t>군주</a:t>
+            </a:r>
+          </a:p>
+        </p:txBody>
+      </p:sp>
+      <p:sp>
+        <p:nvSpPr>
+          <p:cNvPr id="54" name="TextBox 53">
+            <a:extLst>
+              <a:ext uri="{FF2B5EF4-FFF2-40B4-BE49-F238E27FC236}">
+                <a16:creationId xmlns:a16="http://schemas.microsoft.com/office/drawing/2014/main" id="{F31A3612-89E9-43ED-9673-EF75C81315A4}"/>
+              </a:ext>
+            </a:extLst>
+          </p:cNvPr>
+          <p:cNvSpPr txBox="1"/>
+          <p:nvPr/>
+        </p:nvSpPr>
+        <p:spPr>
+          <a:xfrm>
+            <a:off x="4746166" y="4803141"/>
+            <a:ext cx="492443" cy="276999"/>
+          </a:xfrm>
+          <a:prstGeom prst="rect">
+            <a:avLst/>
+          </a:prstGeom>
+          <a:noFill/>
+        </p:spPr>
+        <p:txBody>
+          <a:bodyPr wrap="none" rtlCol="0">
+            <a:spAutoFit/>
+          </a:bodyPr>
+          <a:lstStyle/>
+          <a:p>
+            <a:r>
+              <a:rPr lang="ko-KR" altLang="en-US" sz="1200" b="1" dirty="0"/>
+              <a:t>황제</a:t>
+            </a:r>
+          </a:p>
+        </p:txBody>
+      </p:sp>
+      <p:sp>
+        <p:nvSpPr>
+          <p:cNvPr id="55" name="TextBox 54">
+            <a:extLst>
+              <a:ext uri="{FF2B5EF4-FFF2-40B4-BE49-F238E27FC236}">
+                <a16:creationId xmlns:a16="http://schemas.microsoft.com/office/drawing/2014/main" id="{322BE474-A339-40E7-ADC5-A14CBDF35471}"/>
+              </a:ext>
+            </a:extLst>
+          </p:cNvPr>
+          <p:cNvSpPr txBox="1"/>
+          <p:nvPr/>
+        </p:nvSpPr>
+        <p:spPr>
+          <a:xfrm>
+            <a:off x="5397343" y="3314454"/>
+            <a:ext cx="415498" cy="369332"/>
+          </a:xfrm>
+          <a:prstGeom prst="rect">
+            <a:avLst/>
+          </a:prstGeom>
+          <a:noFill/>
+        </p:spPr>
+        <p:txBody>
+          <a:bodyPr wrap="none" rtlCol="0">
+            <a:spAutoFit/>
+          </a:bodyPr>
+          <a:lstStyle/>
+          <a:p>
+            <a:r>
+              <a:rPr lang="ko-KR" altLang="en-US" dirty="0"/>
+              <a:t>▶</a:t>
+            </a:r>
+          </a:p>
+        </p:txBody>
+      </p:sp>
+      <p:sp>
+        <p:nvSpPr>
+          <p:cNvPr id="56" name="사각형: 둥근 모서리 55">
+            <a:extLst>
+              <a:ext uri="{FF2B5EF4-FFF2-40B4-BE49-F238E27FC236}">
+                <a16:creationId xmlns:a16="http://schemas.microsoft.com/office/drawing/2014/main" id="{45210BA8-96C5-4B78-9ECA-7DD93A5F8FE8}"/>
+              </a:ext>
+            </a:extLst>
+          </p:cNvPr>
+          <p:cNvSpPr/>
+          <p:nvPr/>
+        </p:nvSpPr>
+        <p:spPr>
+          <a:xfrm>
+            <a:off x="6010248" y="2086664"/>
+            <a:ext cx="1813481" cy="1676496"/>
+          </a:xfrm>
+          <a:prstGeom prst="roundRect">
+            <a:avLst/>
+          </a:prstGeom>
+        </p:spPr>
+        <p:style>
+          <a:lnRef idx="2">
+            <a:schemeClr val="accent1">
+              <a:shade val="50000"/>
+            </a:schemeClr>
+          </a:lnRef>
+          <a:fillRef idx="1">
+            <a:schemeClr val="accent1"/>
+          </a:fillRef>
+          <a:effectRef idx="0">
+            <a:schemeClr val="accent1"/>
+          </a:effectRef>
+          <a:fontRef idx="minor">
+            <a:schemeClr val="lt1"/>
+          </a:fontRef>
+        </p:style>
+        <p:txBody>
+          <a:bodyPr rtlCol="0" anchor="ctr"/>
+          <a:lstStyle/>
+          <a:p>
+            <a:pPr algn="ctr"/>
+            <a:endParaRPr lang="ko-KR" altLang="en-US"/>
+          </a:p>
+        </p:txBody>
+      </p:sp>
+      <p:sp>
+        <p:nvSpPr>
+          <p:cNvPr id="57" name="TextBox 56">
+            <a:extLst>
+              <a:ext uri="{FF2B5EF4-FFF2-40B4-BE49-F238E27FC236}">
+                <a16:creationId xmlns:a16="http://schemas.microsoft.com/office/drawing/2014/main" id="{9C29A8F2-603C-4FA3-8FFE-1C4B8DB502DB}"/>
+              </a:ext>
+            </a:extLst>
+          </p:cNvPr>
+          <p:cNvSpPr txBox="1"/>
+          <p:nvPr/>
+        </p:nvSpPr>
+        <p:spPr>
+          <a:xfrm>
+            <a:off x="6009675" y="3889910"/>
+            <a:ext cx="1813481" cy="553998"/>
+          </a:xfrm>
+          <a:prstGeom prst="rect">
+            <a:avLst/>
+          </a:prstGeom>
+          <a:noFill/>
+        </p:spPr>
+        <p:txBody>
+          <a:bodyPr wrap="square" rtlCol="0">
+            <a:spAutoFit/>
+          </a:bodyPr>
+          <a:lstStyle/>
+          <a:p>
+            <a:pPr algn="ctr"/>
+            <a:r>
+              <a:rPr lang="ko-KR" altLang="en-US" sz="1000" b="1" dirty="0"/>
+              <a:t>남들과 똑같이 농사짓고</a:t>
+            </a:r>
+            <a:r>
+              <a:rPr lang="en-US" altLang="ko-KR" sz="1000" b="1" dirty="0"/>
+              <a:t>!</a:t>
+            </a:r>
+          </a:p>
+          <a:p>
+            <a:pPr algn="ctr"/>
+            <a:r>
+              <a:rPr lang="ko-KR" altLang="en-US" sz="1000" b="1" dirty="0"/>
+              <a:t>나도 열심히 살아서 </a:t>
+            </a:r>
+            <a:r>
+              <a:rPr lang="en-US" altLang="ko-KR" sz="1000" b="1" dirty="0"/>
+              <a:t>!!</a:t>
+            </a:r>
+          </a:p>
+          <a:p>
+            <a:pPr algn="ctr"/>
+            <a:r>
+              <a:rPr lang="ko-KR" altLang="en-US" sz="1000" b="1" dirty="0"/>
+              <a:t>부자가 될 거야</a:t>
+            </a:r>
+            <a:r>
+              <a:rPr lang="en-US" altLang="ko-KR" sz="1000" b="1" dirty="0"/>
+              <a:t>!</a:t>
+            </a:r>
+            <a:endParaRPr lang="ko-KR" altLang="en-US" sz="1000" b="1" dirty="0"/>
+          </a:p>
+        </p:txBody>
+      </p:sp>
+      <p:sp>
+        <p:nvSpPr>
+          <p:cNvPr id="58" name="직사각형 57">
+            <a:extLst>
+              <a:ext uri="{FF2B5EF4-FFF2-40B4-BE49-F238E27FC236}">
+                <a16:creationId xmlns:a16="http://schemas.microsoft.com/office/drawing/2014/main" id="{C4DB9803-5754-4E1E-85EC-8425D40034CC}"/>
+              </a:ext>
+            </a:extLst>
+          </p:cNvPr>
+          <p:cNvSpPr/>
+          <p:nvPr/>
+        </p:nvSpPr>
+        <p:spPr>
+          <a:xfrm>
+            <a:off x="6230745" y="2325189"/>
+            <a:ext cx="1361263" cy="1297577"/>
+          </a:xfrm>
+          <a:prstGeom prst="rect">
+            <a:avLst/>
+          </a:prstGeom>
+          <a:solidFill>
+            <a:schemeClr val="accent1">
+              <a:lumMod val="60000"/>
+              <a:lumOff val="40000"/>
+            </a:schemeClr>
+          </a:solidFill>
+          <a:ln>
+            <a:solidFill>
+              <a:schemeClr val="accent1">
+                <a:lumMod val="75000"/>
+              </a:schemeClr>
+            </a:solidFill>
+          </a:ln>
+        </p:spPr>
+        <p:style>
+          <a:lnRef idx="2">
+            <a:schemeClr val="accent1">
+              <a:shade val="50000"/>
+            </a:schemeClr>
+          </a:lnRef>
+          <a:fillRef idx="1">
+            <a:schemeClr val="accent1"/>
+          </a:fillRef>
+          <a:effectRef idx="0">
+            <a:schemeClr val="accent1"/>
+          </a:effectRef>
+          <a:fontRef idx="minor">
+            <a:schemeClr val="lt1"/>
+          </a:fontRef>
+        </p:style>
+        <p:txBody>
+          <a:bodyPr rtlCol="0" anchor="ctr"/>
+          <a:lstStyle/>
+          <a:p>
+            <a:pPr algn="ctr"/>
+            <a:r>
+              <a:rPr lang="ko-KR" altLang="en-US" dirty="0"/>
+              <a:t>도트</a:t>
+            </a:r>
+            <a:endParaRPr lang="en-US" altLang="ko-KR" dirty="0"/>
+          </a:p>
+          <a:p>
+            <a:pPr algn="ctr"/>
+            <a:r>
+              <a:rPr lang="ko-KR" altLang="en-US" dirty="0"/>
+              <a:t>캐릭터</a:t>
+            </a:r>
+          </a:p>
+        </p:txBody>
+      </p:sp>
+      <p:sp>
+        <p:nvSpPr>
+          <p:cNvPr id="59" name="타원 58">
+            <a:extLst>
+              <a:ext uri="{FF2B5EF4-FFF2-40B4-BE49-F238E27FC236}">
+                <a16:creationId xmlns:a16="http://schemas.microsoft.com/office/drawing/2014/main" id="{BA711B59-7FE4-4A5A-9B65-FC0E0EE1971E}"/>
+              </a:ext>
+            </a:extLst>
+          </p:cNvPr>
+          <p:cNvSpPr/>
+          <p:nvPr/>
+        </p:nvSpPr>
+        <p:spPr>
+          <a:xfrm>
+            <a:off x="6786190" y="1160248"/>
+            <a:ext cx="299301" cy="299301"/>
+          </a:xfrm>
+          <a:prstGeom prst="ellipse">
+            <a:avLst/>
+          </a:prstGeom>
+          <a:solidFill>
+            <a:schemeClr val="accent2">
+              <a:lumMod val="60000"/>
+              <a:lumOff val="40000"/>
+            </a:schemeClr>
+          </a:solidFill>
+          <a:ln>
+            <a:noFill/>
+          </a:ln>
+        </p:spPr>
+        <p:style>
+          <a:lnRef idx="2">
+            <a:schemeClr val="accent1">
+              <a:shade val="50000"/>
+            </a:schemeClr>
+          </a:lnRef>
+          <a:fillRef idx="1">
+            <a:schemeClr val="accent1"/>
+          </a:fillRef>
+          <a:effectRef idx="0">
+            <a:schemeClr val="accent1"/>
+          </a:effectRef>
+          <a:fontRef idx="minor">
+            <a:schemeClr val="lt1"/>
+          </a:fontRef>
+        </p:style>
+        <p:txBody>
+          <a:bodyPr rtlCol="0" anchor="ctr"/>
+          <a:lstStyle/>
+          <a:p>
+            <a:pPr algn="ctr"/>
+            <a:r>
+              <a:rPr lang="en-US" altLang="ko-KR" dirty="0"/>
+              <a:t>4</a:t>
+            </a:r>
+            <a:endParaRPr lang="ko-KR" altLang="en-US" dirty="0"/>
+          </a:p>
+        </p:txBody>
+      </p:sp>
+      <p:sp>
+        <p:nvSpPr>
+          <p:cNvPr id="60" name="타원 59">
+            <a:extLst>
+              <a:ext uri="{FF2B5EF4-FFF2-40B4-BE49-F238E27FC236}">
+                <a16:creationId xmlns:a16="http://schemas.microsoft.com/office/drawing/2014/main" id="{97006468-1B8F-4CD5-B145-C85B56818757}"/>
+              </a:ext>
+            </a:extLst>
+          </p:cNvPr>
+          <p:cNvSpPr/>
+          <p:nvPr/>
+        </p:nvSpPr>
+        <p:spPr>
+          <a:xfrm>
+            <a:off x="2801677" y="2155043"/>
+            <a:ext cx="299301" cy="299301"/>
+          </a:xfrm>
+          <a:prstGeom prst="ellipse">
+            <a:avLst/>
+          </a:prstGeom>
+          <a:solidFill>
+            <a:schemeClr val="accent2">
+              <a:lumMod val="60000"/>
+              <a:lumOff val="40000"/>
+            </a:schemeClr>
+          </a:solidFill>
+          <a:ln>
+            <a:noFill/>
+          </a:ln>
+        </p:spPr>
+        <p:style>
+          <a:lnRef idx="2">
+            <a:schemeClr val="accent1">
+              <a:shade val="50000"/>
+            </a:schemeClr>
+          </a:lnRef>
+          <a:fillRef idx="1">
+            <a:schemeClr val="accent1"/>
+          </a:fillRef>
+          <a:effectRef idx="0">
+            <a:schemeClr val="accent1"/>
+          </a:effectRef>
+          <a:fontRef idx="minor">
+            <a:schemeClr val="lt1"/>
+          </a:fontRef>
+        </p:style>
+        <p:txBody>
+          <a:bodyPr rtlCol="0" anchor="ctr"/>
+          <a:lstStyle/>
+          <a:p>
+            <a:pPr algn="ctr"/>
+            <a:r>
+              <a:rPr lang="en-US" altLang="ko-KR" dirty="0"/>
+              <a:t>3</a:t>
+            </a:r>
+            <a:endParaRPr lang="ko-KR" altLang="en-US" dirty="0"/>
+          </a:p>
+        </p:txBody>
+      </p:sp>
+      <p:sp>
+        <p:nvSpPr>
+          <p:cNvPr id="61" name="타원 60">
+            <a:extLst>
+              <a:ext uri="{FF2B5EF4-FFF2-40B4-BE49-F238E27FC236}">
+                <a16:creationId xmlns:a16="http://schemas.microsoft.com/office/drawing/2014/main" id="{522FC4C8-15FE-4D3D-B197-2B3ABC1F48AF}"/>
+              </a:ext>
+            </a:extLst>
+          </p:cNvPr>
+          <p:cNvSpPr/>
+          <p:nvPr/>
+        </p:nvSpPr>
+        <p:spPr>
+          <a:xfrm>
+            <a:off x="1198860" y="1179122"/>
+            <a:ext cx="299301" cy="299301"/>
+          </a:xfrm>
+          <a:prstGeom prst="ellipse">
+            <a:avLst/>
+          </a:prstGeom>
+          <a:solidFill>
+            <a:schemeClr val="accent2">
+              <a:lumMod val="60000"/>
+              <a:lumOff val="40000"/>
+            </a:schemeClr>
+          </a:solidFill>
+          <a:ln>
+            <a:noFill/>
+          </a:ln>
+        </p:spPr>
+        <p:style>
+          <a:lnRef idx="2">
+            <a:schemeClr val="accent1">
+              <a:shade val="50000"/>
+            </a:schemeClr>
+          </a:lnRef>
+          <a:fillRef idx="1">
+            <a:schemeClr val="accent1"/>
+          </a:fillRef>
+          <a:effectRef idx="0">
+            <a:schemeClr val="accent1"/>
+          </a:effectRef>
+          <a:fontRef idx="minor">
+            <a:schemeClr val="lt1"/>
+          </a:fontRef>
+        </p:style>
+        <p:txBody>
+          <a:bodyPr rtlCol="0" anchor="ctr"/>
+          <a:lstStyle/>
+          <a:p>
+            <a:pPr algn="ctr"/>
+            <a:r>
+              <a:rPr lang="en-US" altLang="ko-KR" dirty="0"/>
+              <a:t>1</a:t>
+            </a:r>
+            <a:endParaRPr lang="ko-KR" altLang="en-US" dirty="0"/>
+          </a:p>
+        </p:txBody>
+      </p:sp>
+      <p:sp>
+        <p:nvSpPr>
+          <p:cNvPr id="62" name="타원 61">
+            <a:extLst>
+              <a:ext uri="{FF2B5EF4-FFF2-40B4-BE49-F238E27FC236}">
+                <a16:creationId xmlns:a16="http://schemas.microsoft.com/office/drawing/2014/main" id="{85B6E681-14C7-46A0-9B90-ADC3340A2191}"/>
+              </a:ext>
+            </a:extLst>
+          </p:cNvPr>
+          <p:cNvSpPr/>
+          <p:nvPr/>
+        </p:nvSpPr>
+        <p:spPr>
+          <a:xfrm>
+            <a:off x="4155803" y="1158048"/>
+            <a:ext cx="299301" cy="299301"/>
+          </a:xfrm>
+          <a:prstGeom prst="ellipse">
+            <a:avLst/>
+          </a:prstGeom>
+          <a:solidFill>
+            <a:schemeClr val="accent2">
+              <a:lumMod val="60000"/>
+              <a:lumOff val="40000"/>
+            </a:schemeClr>
+          </a:solidFill>
+          <a:ln>
+            <a:noFill/>
+          </a:ln>
+        </p:spPr>
+        <p:style>
+          <a:lnRef idx="2">
+            <a:schemeClr val="accent1">
+              <a:shade val="50000"/>
+            </a:schemeClr>
+          </a:lnRef>
+          <a:fillRef idx="1">
+            <a:schemeClr val="accent1"/>
+          </a:fillRef>
+          <a:effectRef idx="0">
+            <a:schemeClr val="accent1"/>
+          </a:effectRef>
+          <a:fontRef idx="minor">
+            <a:schemeClr val="lt1"/>
+          </a:fontRef>
+        </p:style>
+        <p:txBody>
+          <a:bodyPr rtlCol="0" anchor="ctr"/>
+          <a:lstStyle/>
+          <a:p>
+            <a:pPr algn="ctr"/>
+            <a:r>
+              <a:rPr lang="en-US" altLang="ko-KR" dirty="0"/>
+              <a:t>2</a:t>
+            </a:r>
+            <a:endParaRPr lang="ko-KR" altLang="en-US" dirty="0"/>
+          </a:p>
+        </p:txBody>
+      </p:sp>
     </p:spTree>
     <p:extLst>
       <p:ext uri="{BB962C8B-B14F-4D97-AF65-F5344CB8AC3E}">
         <p14:creationId xmlns:p14="http://schemas.microsoft.com/office/powerpoint/2010/main" val="2789678563"/>
+      </p:ext>
+    </p:extLst>
+  </p:cSld>
+  <p:clrMapOvr>
+    <a:masterClrMapping/>
+  </p:clrMapOvr>
+</p:sld>
+</file>
+
+<file path=ppt/slides/slide7.xml><?xml version="1.0" encoding="utf-8"?>
+<p:sld xmlns:a="http://schemas.openxmlformats.org/drawingml/2006/main" xmlns:r="http://schemas.openxmlformats.org/officeDocument/2006/relationships" xmlns:p="http://schemas.openxmlformats.org/presentationml/2006/main">
+  <p:cSld>
+    <p:spTree>
+      <p:nvGrpSpPr>
+        <p:cNvPr id="1" name=""/>
+        <p:cNvGrpSpPr/>
+        <p:nvPr/>
+      </p:nvGrpSpPr>
+      <p:grpSpPr>
+        <a:xfrm>
+          <a:off x="0" y="0"/>
+          <a:ext cx="0" cy="0"/>
+          <a:chOff x="0" y="0"/>
+          <a:chExt cx="0" cy="0"/>
+        </a:xfrm>
+      </p:grpSpPr>
+      <p:sp>
+        <p:nvSpPr>
+          <p:cNvPr id="5" name="TextBox 4">
+            <a:extLst>
+              <a:ext uri="{FF2B5EF4-FFF2-40B4-BE49-F238E27FC236}">
+                <a16:creationId xmlns:a16="http://schemas.microsoft.com/office/drawing/2014/main" id="{75865A3A-346F-4F15-A584-7339BE2DFAFF}"/>
+              </a:ext>
+            </a:extLst>
+          </p:cNvPr>
+          <p:cNvSpPr txBox="1"/>
+          <p:nvPr/>
+        </p:nvSpPr>
+        <p:spPr>
+          <a:xfrm>
+            <a:off x="375343" y="241489"/>
+            <a:ext cx="5151971" cy="584775"/>
+          </a:xfrm>
+          <a:prstGeom prst="rect">
+            <a:avLst/>
+          </a:prstGeom>
+          <a:noFill/>
+        </p:spPr>
+        <p:txBody>
+          <a:bodyPr wrap="square" rtlCol="0">
+            <a:spAutoFit/>
+          </a:bodyPr>
+          <a:lstStyle/>
+          <a:p>
+            <a:pPr marL="457200" indent="-457200">
+              <a:buFont typeface="Arial" panose="020B0604020202020204" pitchFamily="34" charset="0"/>
+              <a:buChar char="•"/>
+            </a:pPr>
+            <a:r>
+              <a:rPr lang="ko-KR" altLang="en-US" sz="3200" b="1" dirty="0"/>
+              <a:t>화면 기획 </a:t>
+            </a:r>
+            <a:r>
+              <a:rPr lang="en-US" altLang="ko-KR" sz="3200" b="1" dirty="0"/>
+              <a:t>– </a:t>
+            </a:r>
+            <a:r>
+              <a:rPr lang="ko-KR" altLang="en-US" sz="3200" b="1" dirty="0"/>
+              <a:t>도감</a:t>
+            </a:r>
+            <a:r>
+              <a:rPr lang="en-US" altLang="ko-KR" sz="3200" b="1" dirty="0"/>
+              <a:t>-2</a:t>
+            </a:r>
+            <a:endParaRPr lang="ko-KR" altLang="en-US" sz="3200" b="1" dirty="0"/>
+          </a:p>
+        </p:txBody>
+      </p:sp>
+      <p:sp>
+        <p:nvSpPr>
+          <p:cNvPr id="6" name="직사각형 5">
+            <a:extLst>
+              <a:ext uri="{FF2B5EF4-FFF2-40B4-BE49-F238E27FC236}">
+                <a16:creationId xmlns:a16="http://schemas.microsoft.com/office/drawing/2014/main" id="{51B1B7EB-3717-4F14-9062-0FD093CD82FB}"/>
+              </a:ext>
+            </a:extLst>
+          </p:cNvPr>
+          <p:cNvSpPr/>
+          <p:nvPr/>
+        </p:nvSpPr>
+        <p:spPr>
+          <a:xfrm>
+            <a:off x="-385590" y="241489"/>
+            <a:ext cx="5541484" cy="584775"/>
+          </a:xfrm>
+          <a:prstGeom prst="rect">
+            <a:avLst/>
+          </a:prstGeom>
+          <a:noFill/>
+          <a:ln w="31750">
+            <a:solidFill>
+              <a:schemeClr val="tx1"/>
+            </a:solidFill>
+          </a:ln>
+        </p:spPr>
+        <p:style>
+          <a:lnRef idx="2">
+            <a:schemeClr val="accent1">
+              <a:shade val="50000"/>
+            </a:schemeClr>
+          </a:lnRef>
+          <a:fillRef idx="1">
+            <a:schemeClr val="accent1"/>
+          </a:fillRef>
+          <a:effectRef idx="0">
+            <a:schemeClr val="accent1"/>
+          </a:effectRef>
+          <a:fontRef idx="minor">
+            <a:schemeClr val="lt1"/>
+          </a:fontRef>
+        </p:style>
+        <p:txBody>
+          <a:bodyPr rtlCol="0" anchor="ctr"/>
+          <a:lstStyle/>
+          <a:p>
+            <a:pPr algn="ctr"/>
+            <a:endParaRPr lang="ko-KR" altLang="en-US"/>
+          </a:p>
+        </p:txBody>
+      </p:sp>
+      <p:cxnSp>
+        <p:nvCxnSpPr>
+          <p:cNvPr id="9" name="직선 연결선 8">
+            <a:extLst>
+              <a:ext uri="{FF2B5EF4-FFF2-40B4-BE49-F238E27FC236}">
+                <a16:creationId xmlns:a16="http://schemas.microsoft.com/office/drawing/2014/main" id="{16445D33-E34A-4230-B6E1-7E05BFC662A0}"/>
+              </a:ext>
+            </a:extLst>
+          </p:cNvPr>
+          <p:cNvCxnSpPr>
+            <a:cxnSpLocks/>
+          </p:cNvCxnSpPr>
+          <p:nvPr/>
+        </p:nvCxnSpPr>
+        <p:spPr>
+          <a:xfrm>
+            <a:off x="8643668" y="0"/>
+            <a:ext cx="0" cy="6858000"/>
+          </a:xfrm>
+          <a:prstGeom prst="line">
+            <a:avLst/>
+          </a:prstGeom>
+          <a:ln w="50800">
+            <a:solidFill>
+              <a:schemeClr val="tx1"/>
+            </a:solidFill>
+          </a:ln>
+        </p:spPr>
+        <p:style>
+          <a:lnRef idx="1">
+            <a:schemeClr val="accent1"/>
+          </a:lnRef>
+          <a:fillRef idx="0">
+            <a:schemeClr val="accent1"/>
+          </a:fillRef>
+          <a:effectRef idx="0">
+            <a:schemeClr val="accent1"/>
+          </a:effectRef>
+          <a:fontRef idx="minor">
+            <a:schemeClr val="tx1"/>
+          </a:fontRef>
+        </p:style>
+      </p:cxnSp>
+      <p:sp>
+        <p:nvSpPr>
+          <p:cNvPr id="10" name="직사각형 9">
+            <a:extLst>
+              <a:ext uri="{FF2B5EF4-FFF2-40B4-BE49-F238E27FC236}">
+                <a16:creationId xmlns:a16="http://schemas.microsoft.com/office/drawing/2014/main" id="{38BA9724-64EF-42A1-9293-E353270C338A}"/>
+              </a:ext>
+            </a:extLst>
+          </p:cNvPr>
+          <p:cNvSpPr/>
+          <p:nvPr/>
+        </p:nvSpPr>
+        <p:spPr>
+          <a:xfrm>
+            <a:off x="8643668" y="0"/>
+            <a:ext cx="3548330" cy="826264"/>
+          </a:xfrm>
+          <a:prstGeom prst="rect">
+            <a:avLst/>
+          </a:prstGeom>
+          <a:solidFill>
+            <a:schemeClr val="tx1"/>
+          </a:solidFill>
+          <a:ln>
+            <a:solidFill>
+              <a:schemeClr val="tx1"/>
+            </a:solidFill>
+          </a:ln>
+        </p:spPr>
+        <p:style>
+          <a:lnRef idx="2">
+            <a:schemeClr val="accent1">
+              <a:shade val="50000"/>
+            </a:schemeClr>
+          </a:lnRef>
+          <a:fillRef idx="1">
+            <a:schemeClr val="accent1"/>
+          </a:fillRef>
+          <a:effectRef idx="0">
+            <a:schemeClr val="accent1"/>
+          </a:effectRef>
+          <a:fontRef idx="minor">
+            <a:schemeClr val="lt1"/>
+          </a:fontRef>
+        </p:style>
+        <p:txBody>
+          <a:bodyPr rtlCol="0" anchor="ctr"/>
+          <a:lstStyle/>
+          <a:p>
+            <a:r>
+              <a:rPr lang="en-US" altLang="ko-KR" sz="2400" b="1" dirty="0"/>
+              <a:t>Description</a:t>
+            </a:r>
+            <a:endParaRPr lang="ko-KR" altLang="en-US" sz="2400" b="1" dirty="0"/>
+          </a:p>
+        </p:txBody>
+      </p:sp>
+      <p:sp>
+        <p:nvSpPr>
+          <p:cNvPr id="4" name="TextBox 3">
+            <a:extLst>
+              <a:ext uri="{FF2B5EF4-FFF2-40B4-BE49-F238E27FC236}">
+                <a16:creationId xmlns:a16="http://schemas.microsoft.com/office/drawing/2014/main" id="{F192A800-4004-4BD4-8C91-07B64CA0421C}"/>
+              </a:ext>
+            </a:extLst>
+          </p:cNvPr>
+          <p:cNvSpPr txBox="1"/>
+          <p:nvPr/>
+        </p:nvSpPr>
+        <p:spPr>
+          <a:xfrm>
+            <a:off x="8643668" y="1011511"/>
+            <a:ext cx="3469219" cy="1384995"/>
+          </a:xfrm>
+          <a:prstGeom prst="rect">
+            <a:avLst/>
+          </a:prstGeom>
+          <a:noFill/>
+        </p:spPr>
+        <p:txBody>
+          <a:bodyPr wrap="none" rtlCol="0">
+            <a:spAutoFit/>
+          </a:bodyPr>
+          <a:lstStyle/>
+          <a:p>
+            <a:r>
+              <a:rPr lang="en-US" altLang="ko-KR" sz="1400" dirty="0"/>
+              <a:t>1) </a:t>
+            </a:r>
+            <a:r>
+              <a:rPr lang="ko-KR" altLang="en-US" sz="1400" dirty="0"/>
+              <a:t>죽은 이유 도감을 터치 시 어느 정도의</a:t>
+            </a:r>
+            <a:endParaRPr lang="en-US" altLang="ko-KR" sz="1400" dirty="0"/>
+          </a:p>
+          <a:p>
+            <a:r>
+              <a:rPr lang="en-US" altLang="ko-KR" sz="1400" dirty="0"/>
+              <a:t>   </a:t>
+            </a:r>
+            <a:r>
+              <a:rPr lang="ko-KR" altLang="en-US" sz="1400" dirty="0"/>
+              <a:t>도감을 모아뒀는지 확인이 가능</a:t>
+            </a:r>
+            <a:endParaRPr lang="en-US" altLang="ko-KR" sz="1400" dirty="0"/>
+          </a:p>
+          <a:p>
+            <a:r>
+              <a:rPr lang="en-US" altLang="ko-KR" sz="1400" dirty="0"/>
+              <a:t> </a:t>
+            </a:r>
+          </a:p>
+          <a:p>
+            <a:r>
+              <a:rPr lang="en-US" altLang="ko-KR" sz="1400" dirty="0"/>
+              <a:t>2) </a:t>
+            </a:r>
+            <a:r>
+              <a:rPr lang="ko-KR" altLang="en-US" sz="1400" dirty="0"/>
+              <a:t>죽은 이유 클릭 시 상황에 맞는 그림</a:t>
+            </a:r>
+            <a:r>
+              <a:rPr lang="en-US" altLang="ko-KR" sz="1400" dirty="0"/>
+              <a:t>,</a:t>
+            </a:r>
+          </a:p>
+          <a:p>
+            <a:r>
+              <a:rPr lang="en-US" altLang="ko-KR" sz="1400" dirty="0"/>
+              <a:t>    </a:t>
+            </a:r>
+            <a:r>
+              <a:rPr lang="ko-KR" altLang="en-US" sz="1400" dirty="0"/>
+              <a:t>설명 표시 </a:t>
+            </a:r>
+            <a:endParaRPr lang="en-US" altLang="ko-KR" sz="1400" dirty="0"/>
+          </a:p>
+          <a:p>
+            <a:r>
+              <a:rPr lang="en-US" altLang="ko-KR" sz="1400" dirty="0"/>
+              <a:t>   </a:t>
+            </a:r>
+          </a:p>
+        </p:txBody>
+      </p:sp>
+      <p:sp>
+        <p:nvSpPr>
+          <p:cNvPr id="28" name="사각형: 둥근 모서리 27">
+            <a:extLst>
+              <a:ext uri="{FF2B5EF4-FFF2-40B4-BE49-F238E27FC236}">
+                <a16:creationId xmlns:a16="http://schemas.microsoft.com/office/drawing/2014/main" id="{2F637E0B-7DE0-4373-B7A5-F98882EAAAEF}"/>
+              </a:ext>
+            </a:extLst>
+          </p:cNvPr>
+          <p:cNvSpPr/>
+          <p:nvPr/>
+        </p:nvSpPr>
+        <p:spPr>
+          <a:xfrm>
+            <a:off x="1441903" y="1721167"/>
+            <a:ext cx="2220686" cy="3773977"/>
+          </a:xfrm>
+          <a:prstGeom prst="roundRect">
+            <a:avLst/>
+          </a:prstGeom>
+          <a:solidFill>
+            <a:schemeClr val="tx2">
+              <a:lumMod val="20000"/>
+              <a:lumOff val="80000"/>
+            </a:schemeClr>
+          </a:solidFill>
+          <a:ln w="38100">
+            <a:solidFill>
+              <a:schemeClr val="bg2">
+                <a:lumMod val="50000"/>
+              </a:schemeClr>
+            </a:solidFill>
+          </a:ln>
+        </p:spPr>
+        <p:style>
+          <a:lnRef idx="2">
+            <a:schemeClr val="accent1">
+              <a:shade val="50000"/>
+            </a:schemeClr>
+          </a:lnRef>
+          <a:fillRef idx="1">
+            <a:schemeClr val="accent1"/>
+          </a:fillRef>
+          <a:effectRef idx="0">
+            <a:schemeClr val="accent1"/>
+          </a:effectRef>
+          <a:fontRef idx="minor">
+            <a:schemeClr val="lt1"/>
+          </a:fontRef>
+        </p:style>
+        <p:txBody>
+          <a:bodyPr rtlCol="0" anchor="ctr"/>
+          <a:lstStyle/>
+          <a:p>
+            <a:pPr algn="ctr"/>
+            <a:endParaRPr lang="ko-KR" altLang="en-US" dirty="0"/>
+          </a:p>
+        </p:txBody>
+      </p:sp>
+      <p:sp>
+        <p:nvSpPr>
+          <p:cNvPr id="29" name="사각형: 둥근 모서리 28">
+            <a:extLst>
+              <a:ext uri="{FF2B5EF4-FFF2-40B4-BE49-F238E27FC236}">
+                <a16:creationId xmlns:a16="http://schemas.microsoft.com/office/drawing/2014/main" id="{63F83D13-D7B3-4D99-B6AD-8136A74EC211}"/>
+              </a:ext>
+            </a:extLst>
+          </p:cNvPr>
+          <p:cNvSpPr/>
+          <p:nvPr/>
+        </p:nvSpPr>
+        <p:spPr>
+          <a:xfrm>
+            <a:off x="3330887" y="1497232"/>
+            <a:ext cx="475861" cy="447870"/>
+          </a:xfrm>
+          <a:prstGeom prst="roundRect">
+            <a:avLst/>
+          </a:prstGeom>
+        </p:spPr>
+        <p:style>
+          <a:lnRef idx="2">
+            <a:schemeClr val="accent1">
+              <a:shade val="50000"/>
+            </a:schemeClr>
+          </a:lnRef>
+          <a:fillRef idx="1">
+            <a:schemeClr val="accent1"/>
+          </a:fillRef>
+          <a:effectRef idx="0">
+            <a:schemeClr val="accent1"/>
+          </a:effectRef>
+          <a:fontRef idx="minor">
+            <a:schemeClr val="lt1"/>
+          </a:fontRef>
+        </p:style>
+        <p:txBody>
+          <a:bodyPr rtlCol="0" anchor="ctr"/>
+          <a:lstStyle/>
+          <a:p>
+            <a:pPr algn="ctr"/>
+            <a:r>
+              <a:rPr lang="en-US" altLang="ko-KR" b="1" dirty="0"/>
+              <a:t>X</a:t>
+            </a:r>
+            <a:endParaRPr lang="ko-KR" altLang="en-US" b="1" dirty="0"/>
+          </a:p>
+        </p:txBody>
+      </p:sp>
+      <p:sp>
+        <p:nvSpPr>
+          <p:cNvPr id="30" name="사각형: 둥근 모서리 29">
+            <a:extLst>
+              <a:ext uri="{FF2B5EF4-FFF2-40B4-BE49-F238E27FC236}">
+                <a16:creationId xmlns:a16="http://schemas.microsoft.com/office/drawing/2014/main" id="{0091B0EE-934C-41B4-9929-879092969A1A}"/>
+              </a:ext>
+            </a:extLst>
+          </p:cNvPr>
+          <p:cNvSpPr/>
+          <p:nvPr/>
+        </p:nvSpPr>
+        <p:spPr>
+          <a:xfrm>
+            <a:off x="4741075" y="1721167"/>
+            <a:ext cx="2220686" cy="3773977"/>
+          </a:xfrm>
+          <a:prstGeom prst="roundRect">
+            <a:avLst/>
+          </a:prstGeom>
+          <a:solidFill>
+            <a:schemeClr val="tx2">
+              <a:lumMod val="20000"/>
+              <a:lumOff val="80000"/>
+            </a:schemeClr>
+          </a:solidFill>
+          <a:ln w="38100">
+            <a:solidFill>
+              <a:schemeClr val="bg2">
+                <a:lumMod val="50000"/>
+              </a:schemeClr>
+            </a:solidFill>
+          </a:ln>
+        </p:spPr>
+        <p:style>
+          <a:lnRef idx="2">
+            <a:schemeClr val="accent1">
+              <a:shade val="50000"/>
+            </a:schemeClr>
+          </a:lnRef>
+          <a:fillRef idx="1">
+            <a:schemeClr val="accent1"/>
+          </a:fillRef>
+          <a:effectRef idx="0">
+            <a:schemeClr val="accent1"/>
+          </a:effectRef>
+          <a:fontRef idx="minor">
+            <a:schemeClr val="lt1"/>
+          </a:fontRef>
+        </p:style>
+        <p:txBody>
+          <a:bodyPr rtlCol="0" anchor="ctr"/>
+          <a:lstStyle/>
+          <a:p>
+            <a:pPr algn="ctr"/>
+            <a:endParaRPr lang="ko-KR" altLang="en-US" dirty="0"/>
+          </a:p>
+        </p:txBody>
+      </p:sp>
+      <p:sp>
+        <p:nvSpPr>
+          <p:cNvPr id="31" name="사각형: 둥근 모서리 30">
+            <a:extLst>
+              <a:ext uri="{FF2B5EF4-FFF2-40B4-BE49-F238E27FC236}">
+                <a16:creationId xmlns:a16="http://schemas.microsoft.com/office/drawing/2014/main" id="{7761F45F-5CCB-4EBC-920C-90F3B0748F4E}"/>
+              </a:ext>
+            </a:extLst>
+          </p:cNvPr>
+          <p:cNvSpPr/>
+          <p:nvPr/>
+        </p:nvSpPr>
+        <p:spPr>
+          <a:xfrm>
+            <a:off x="6630059" y="1497232"/>
+            <a:ext cx="475861" cy="447870"/>
+          </a:xfrm>
+          <a:prstGeom prst="roundRect">
+            <a:avLst/>
+          </a:prstGeom>
+        </p:spPr>
+        <p:style>
+          <a:lnRef idx="2">
+            <a:schemeClr val="accent1">
+              <a:shade val="50000"/>
+            </a:schemeClr>
+          </a:lnRef>
+          <a:fillRef idx="1">
+            <a:schemeClr val="accent1"/>
+          </a:fillRef>
+          <a:effectRef idx="0">
+            <a:schemeClr val="accent1"/>
+          </a:effectRef>
+          <a:fontRef idx="minor">
+            <a:schemeClr val="lt1"/>
+          </a:fontRef>
+        </p:style>
+        <p:txBody>
+          <a:bodyPr rtlCol="0" anchor="ctr"/>
+          <a:lstStyle/>
+          <a:p>
+            <a:pPr algn="ctr"/>
+            <a:r>
+              <a:rPr lang="en-US" altLang="ko-KR" b="1" dirty="0"/>
+              <a:t>X</a:t>
+            </a:r>
+            <a:endParaRPr lang="ko-KR" altLang="en-US" b="1" dirty="0"/>
+          </a:p>
+        </p:txBody>
+      </p:sp>
+      <p:sp>
+        <p:nvSpPr>
+          <p:cNvPr id="32" name="TextBox 31">
+            <a:extLst>
+              <a:ext uri="{FF2B5EF4-FFF2-40B4-BE49-F238E27FC236}">
+                <a16:creationId xmlns:a16="http://schemas.microsoft.com/office/drawing/2014/main" id="{2C8D68FF-3AA5-43C6-80CA-4B1EA6A01338}"/>
+              </a:ext>
+            </a:extLst>
+          </p:cNvPr>
+          <p:cNvSpPr txBox="1"/>
+          <p:nvPr/>
+        </p:nvSpPr>
+        <p:spPr>
+          <a:xfrm>
+            <a:off x="1943997" y="1534731"/>
+            <a:ext cx="1189749" cy="369332"/>
+          </a:xfrm>
+          <a:prstGeom prst="rect">
+            <a:avLst/>
+          </a:prstGeom>
+          <a:noFill/>
+        </p:spPr>
+        <p:txBody>
+          <a:bodyPr wrap="none" rtlCol="0">
+            <a:spAutoFit/>
+          </a:bodyPr>
+          <a:lstStyle/>
+          <a:p>
+            <a:r>
+              <a:rPr lang="ko-KR" altLang="en-US" b="1">
+                <a:ln w="12700">
+                  <a:solidFill>
+                    <a:schemeClr val="accent6">
+                      <a:lumMod val="50000"/>
+                    </a:schemeClr>
+                  </a:solidFill>
+                </a:ln>
+                <a:solidFill>
+                  <a:schemeClr val="accent6">
+                    <a:lumMod val="20000"/>
+                    <a:lumOff val="80000"/>
+                  </a:schemeClr>
+                </a:solidFill>
+              </a:rPr>
+              <a:t>죽은 이유</a:t>
+            </a:r>
+            <a:endParaRPr lang="ko-KR" altLang="en-US" b="1" dirty="0">
+              <a:ln w="12700">
+                <a:solidFill>
+                  <a:schemeClr val="accent6">
+                    <a:lumMod val="50000"/>
+                  </a:schemeClr>
+                </a:solidFill>
+              </a:ln>
+              <a:solidFill>
+                <a:schemeClr val="accent6">
+                  <a:lumMod val="20000"/>
+                  <a:lumOff val="80000"/>
+                </a:schemeClr>
+              </a:solidFill>
+            </a:endParaRPr>
+          </a:p>
+        </p:txBody>
+      </p:sp>
+      <p:sp>
+        <p:nvSpPr>
+          <p:cNvPr id="33" name="TextBox 32">
+            <a:extLst>
+              <a:ext uri="{FF2B5EF4-FFF2-40B4-BE49-F238E27FC236}">
+                <a16:creationId xmlns:a16="http://schemas.microsoft.com/office/drawing/2014/main" id="{233AB1A5-BB4F-4C34-AC6B-15EEDFEAD31F}"/>
+              </a:ext>
+            </a:extLst>
+          </p:cNvPr>
+          <p:cNvSpPr txBox="1"/>
+          <p:nvPr/>
+        </p:nvSpPr>
+        <p:spPr>
+          <a:xfrm>
+            <a:off x="5407222" y="1534731"/>
+            <a:ext cx="877163" cy="369332"/>
+          </a:xfrm>
+          <a:prstGeom prst="rect">
+            <a:avLst/>
+          </a:prstGeom>
+          <a:noFill/>
+        </p:spPr>
+        <p:txBody>
+          <a:bodyPr wrap="none" rtlCol="0">
+            <a:spAutoFit/>
+          </a:bodyPr>
+          <a:lstStyle/>
+          <a:p>
+            <a:r>
+              <a:rPr lang="ko-KR" altLang="en-US" b="1">
+                <a:ln w="12700">
+                  <a:solidFill>
+                    <a:schemeClr val="accent6">
+                      <a:lumMod val="50000"/>
+                    </a:schemeClr>
+                  </a:solidFill>
+                </a:ln>
+                <a:solidFill>
+                  <a:schemeClr val="accent6">
+                    <a:lumMod val="20000"/>
+                    <a:lumOff val="80000"/>
+                  </a:schemeClr>
+                </a:solidFill>
+              </a:rPr>
+              <a:t>도적질</a:t>
+            </a:r>
+            <a:endParaRPr lang="ko-KR" altLang="en-US" b="1" dirty="0">
+              <a:ln w="12700">
+                <a:solidFill>
+                  <a:schemeClr val="accent6">
+                    <a:lumMod val="50000"/>
+                  </a:schemeClr>
+                </a:solidFill>
+              </a:ln>
+              <a:solidFill>
+                <a:schemeClr val="accent6">
+                  <a:lumMod val="20000"/>
+                  <a:lumOff val="80000"/>
+                </a:schemeClr>
+              </a:solidFill>
+            </a:endParaRPr>
+          </a:p>
+        </p:txBody>
+      </p:sp>
+      <p:sp>
+        <p:nvSpPr>
+          <p:cNvPr id="37" name="사각형: 둥근 모서리 36">
+            <a:extLst>
+              <a:ext uri="{FF2B5EF4-FFF2-40B4-BE49-F238E27FC236}">
+                <a16:creationId xmlns:a16="http://schemas.microsoft.com/office/drawing/2014/main" id="{597C59F3-DB9E-4CD7-8877-CE387CA4C546}"/>
+              </a:ext>
+            </a:extLst>
+          </p:cNvPr>
+          <p:cNvSpPr/>
+          <p:nvPr/>
+        </p:nvSpPr>
+        <p:spPr>
+          <a:xfrm>
+            <a:off x="1531609" y="2767349"/>
+            <a:ext cx="554304" cy="486892"/>
+          </a:xfrm>
+          <a:prstGeom prst="roundRect">
+            <a:avLst/>
+          </a:prstGeom>
+        </p:spPr>
+        <p:style>
+          <a:lnRef idx="2">
+            <a:schemeClr val="accent1">
+              <a:shade val="50000"/>
+            </a:schemeClr>
+          </a:lnRef>
+          <a:fillRef idx="1">
+            <a:schemeClr val="accent1"/>
+          </a:fillRef>
+          <a:effectRef idx="0">
+            <a:schemeClr val="accent1"/>
+          </a:effectRef>
+          <a:fontRef idx="minor">
+            <a:schemeClr val="lt1"/>
+          </a:fontRef>
+        </p:style>
+        <p:txBody>
+          <a:bodyPr rtlCol="0" anchor="ctr"/>
+          <a:lstStyle/>
+          <a:p>
+            <a:pPr algn="ctr"/>
+            <a:endParaRPr lang="ko-KR" altLang="en-US"/>
+          </a:p>
+        </p:txBody>
+      </p:sp>
+      <p:sp>
+        <p:nvSpPr>
+          <p:cNvPr id="38" name="사각형: 둥근 모서리 37">
+            <a:extLst>
+              <a:ext uri="{FF2B5EF4-FFF2-40B4-BE49-F238E27FC236}">
+                <a16:creationId xmlns:a16="http://schemas.microsoft.com/office/drawing/2014/main" id="{35857D10-276B-4053-9EBC-0F51427CFAA5}"/>
+              </a:ext>
+            </a:extLst>
+          </p:cNvPr>
+          <p:cNvSpPr/>
+          <p:nvPr/>
+        </p:nvSpPr>
+        <p:spPr>
+          <a:xfrm>
+            <a:off x="2261720" y="2767349"/>
+            <a:ext cx="554304" cy="486892"/>
+          </a:xfrm>
+          <a:prstGeom prst="roundRect">
+            <a:avLst/>
+          </a:prstGeom>
+        </p:spPr>
+        <p:style>
+          <a:lnRef idx="2">
+            <a:schemeClr val="accent1">
+              <a:shade val="50000"/>
+            </a:schemeClr>
+          </a:lnRef>
+          <a:fillRef idx="1">
+            <a:schemeClr val="accent1"/>
+          </a:fillRef>
+          <a:effectRef idx="0">
+            <a:schemeClr val="accent1"/>
+          </a:effectRef>
+          <a:fontRef idx="minor">
+            <a:schemeClr val="lt1"/>
+          </a:fontRef>
+        </p:style>
+        <p:txBody>
+          <a:bodyPr rtlCol="0" anchor="ctr"/>
+          <a:lstStyle/>
+          <a:p>
+            <a:pPr algn="ctr"/>
+            <a:endParaRPr lang="ko-KR" altLang="en-US" dirty="0"/>
+          </a:p>
+        </p:txBody>
+      </p:sp>
+      <p:sp>
+        <p:nvSpPr>
+          <p:cNvPr id="39" name="사각형: 둥근 모서리 38">
+            <a:extLst>
+              <a:ext uri="{FF2B5EF4-FFF2-40B4-BE49-F238E27FC236}">
+                <a16:creationId xmlns:a16="http://schemas.microsoft.com/office/drawing/2014/main" id="{1EF91D49-0DC2-4DC1-BB9C-2F54059C43DC}"/>
+              </a:ext>
+            </a:extLst>
+          </p:cNvPr>
+          <p:cNvSpPr/>
+          <p:nvPr/>
+        </p:nvSpPr>
+        <p:spPr>
+          <a:xfrm>
+            <a:off x="2997886" y="2767349"/>
+            <a:ext cx="554304" cy="486892"/>
+          </a:xfrm>
+          <a:prstGeom prst="roundRect">
+            <a:avLst/>
+          </a:prstGeom>
+        </p:spPr>
+        <p:style>
+          <a:lnRef idx="2">
+            <a:schemeClr val="accent1">
+              <a:shade val="50000"/>
+            </a:schemeClr>
+          </a:lnRef>
+          <a:fillRef idx="1">
+            <a:schemeClr val="accent1"/>
+          </a:fillRef>
+          <a:effectRef idx="0">
+            <a:schemeClr val="accent1"/>
+          </a:effectRef>
+          <a:fontRef idx="minor">
+            <a:schemeClr val="lt1"/>
+          </a:fontRef>
+        </p:style>
+        <p:txBody>
+          <a:bodyPr rtlCol="0" anchor="ctr"/>
+          <a:lstStyle/>
+          <a:p>
+            <a:pPr algn="ctr"/>
+            <a:endParaRPr lang="ko-KR" altLang="en-US" dirty="0"/>
+          </a:p>
+        </p:txBody>
+      </p:sp>
+      <p:sp>
+        <p:nvSpPr>
+          <p:cNvPr id="40" name="사각형: 둥근 모서리 39">
+            <a:extLst>
+              <a:ext uri="{FF2B5EF4-FFF2-40B4-BE49-F238E27FC236}">
+                <a16:creationId xmlns:a16="http://schemas.microsoft.com/office/drawing/2014/main" id="{474C77C9-114B-418C-AE19-A17F9DE1DE1E}"/>
+              </a:ext>
+            </a:extLst>
+          </p:cNvPr>
+          <p:cNvSpPr/>
+          <p:nvPr/>
+        </p:nvSpPr>
+        <p:spPr>
+          <a:xfrm>
+            <a:off x="1531609" y="3533886"/>
+            <a:ext cx="554304" cy="486892"/>
+          </a:xfrm>
+          <a:prstGeom prst="roundRect">
+            <a:avLst/>
+          </a:prstGeom>
+        </p:spPr>
+        <p:style>
+          <a:lnRef idx="2">
+            <a:schemeClr val="accent1">
+              <a:shade val="50000"/>
+            </a:schemeClr>
+          </a:lnRef>
+          <a:fillRef idx="1">
+            <a:schemeClr val="accent1"/>
+          </a:fillRef>
+          <a:effectRef idx="0">
+            <a:schemeClr val="accent1"/>
+          </a:effectRef>
+          <a:fontRef idx="minor">
+            <a:schemeClr val="lt1"/>
+          </a:fontRef>
+        </p:style>
+        <p:txBody>
+          <a:bodyPr rtlCol="0" anchor="ctr"/>
+          <a:lstStyle/>
+          <a:p>
+            <a:pPr algn="ctr"/>
+            <a:endParaRPr lang="ko-KR" altLang="en-US"/>
+          </a:p>
+        </p:txBody>
+      </p:sp>
+      <p:sp>
+        <p:nvSpPr>
+          <p:cNvPr id="41" name="사각형: 둥근 모서리 40">
+            <a:extLst>
+              <a:ext uri="{FF2B5EF4-FFF2-40B4-BE49-F238E27FC236}">
+                <a16:creationId xmlns:a16="http://schemas.microsoft.com/office/drawing/2014/main" id="{BADA6FAB-DC65-45A8-A7EA-7EEBA4737255}"/>
+              </a:ext>
+            </a:extLst>
+          </p:cNvPr>
+          <p:cNvSpPr/>
+          <p:nvPr/>
+        </p:nvSpPr>
+        <p:spPr>
+          <a:xfrm>
+            <a:off x="2261720" y="3533886"/>
+            <a:ext cx="554304" cy="486892"/>
+          </a:xfrm>
+          <a:prstGeom prst="roundRect">
+            <a:avLst/>
+          </a:prstGeom>
+        </p:spPr>
+        <p:style>
+          <a:lnRef idx="2">
+            <a:schemeClr val="accent1">
+              <a:shade val="50000"/>
+            </a:schemeClr>
+          </a:lnRef>
+          <a:fillRef idx="1">
+            <a:schemeClr val="accent1"/>
+          </a:fillRef>
+          <a:effectRef idx="0">
+            <a:schemeClr val="accent1"/>
+          </a:effectRef>
+          <a:fontRef idx="minor">
+            <a:schemeClr val="lt1"/>
+          </a:fontRef>
+        </p:style>
+        <p:txBody>
+          <a:bodyPr rtlCol="0" anchor="ctr"/>
+          <a:lstStyle/>
+          <a:p>
+            <a:pPr algn="ctr"/>
+            <a:endParaRPr lang="ko-KR" altLang="en-US" dirty="0"/>
+          </a:p>
+        </p:txBody>
+      </p:sp>
+      <p:sp>
+        <p:nvSpPr>
+          <p:cNvPr id="42" name="사각형: 둥근 모서리 41">
+            <a:extLst>
+              <a:ext uri="{FF2B5EF4-FFF2-40B4-BE49-F238E27FC236}">
+                <a16:creationId xmlns:a16="http://schemas.microsoft.com/office/drawing/2014/main" id="{61A14ABB-D5D1-4905-84D0-13623A6BD16A}"/>
+              </a:ext>
+            </a:extLst>
+          </p:cNvPr>
+          <p:cNvSpPr/>
+          <p:nvPr/>
+        </p:nvSpPr>
+        <p:spPr>
+          <a:xfrm>
+            <a:off x="2997886" y="3533886"/>
+            <a:ext cx="554304" cy="486892"/>
+          </a:xfrm>
+          <a:prstGeom prst="roundRect">
+            <a:avLst/>
+          </a:prstGeom>
+        </p:spPr>
+        <p:style>
+          <a:lnRef idx="2">
+            <a:schemeClr val="accent1">
+              <a:shade val="50000"/>
+            </a:schemeClr>
+          </a:lnRef>
+          <a:fillRef idx="1">
+            <a:schemeClr val="accent1"/>
+          </a:fillRef>
+          <a:effectRef idx="0">
+            <a:schemeClr val="accent1"/>
+          </a:effectRef>
+          <a:fontRef idx="minor">
+            <a:schemeClr val="lt1"/>
+          </a:fontRef>
+        </p:style>
+        <p:txBody>
+          <a:bodyPr rtlCol="0" anchor="ctr"/>
+          <a:lstStyle/>
+          <a:p>
+            <a:pPr algn="ctr"/>
+            <a:endParaRPr lang="ko-KR" altLang="en-US" dirty="0"/>
+          </a:p>
+        </p:txBody>
+      </p:sp>
+      <p:sp>
+        <p:nvSpPr>
+          <p:cNvPr id="43" name="사각형: 둥근 모서리 42">
+            <a:extLst>
+              <a:ext uri="{FF2B5EF4-FFF2-40B4-BE49-F238E27FC236}">
+                <a16:creationId xmlns:a16="http://schemas.microsoft.com/office/drawing/2014/main" id="{958EBE8B-3589-4DD0-9BB3-FEB3D3CCB82A}"/>
+              </a:ext>
+            </a:extLst>
+          </p:cNvPr>
+          <p:cNvSpPr/>
+          <p:nvPr/>
+        </p:nvSpPr>
+        <p:spPr>
+          <a:xfrm>
+            <a:off x="1531609" y="4302952"/>
+            <a:ext cx="554304" cy="486892"/>
+          </a:xfrm>
+          <a:prstGeom prst="roundRect">
+            <a:avLst/>
+          </a:prstGeom>
+        </p:spPr>
+        <p:style>
+          <a:lnRef idx="2">
+            <a:schemeClr val="accent1">
+              <a:shade val="50000"/>
+            </a:schemeClr>
+          </a:lnRef>
+          <a:fillRef idx="1">
+            <a:schemeClr val="accent1"/>
+          </a:fillRef>
+          <a:effectRef idx="0">
+            <a:schemeClr val="accent1"/>
+          </a:effectRef>
+          <a:fontRef idx="minor">
+            <a:schemeClr val="lt1"/>
+          </a:fontRef>
+        </p:style>
+        <p:txBody>
+          <a:bodyPr rtlCol="0" anchor="ctr"/>
+          <a:lstStyle/>
+          <a:p>
+            <a:pPr algn="ctr"/>
+            <a:endParaRPr lang="ko-KR" altLang="en-US"/>
+          </a:p>
+        </p:txBody>
+      </p:sp>
+      <p:sp>
+        <p:nvSpPr>
+          <p:cNvPr id="44" name="사각형: 둥근 모서리 43">
+            <a:extLst>
+              <a:ext uri="{FF2B5EF4-FFF2-40B4-BE49-F238E27FC236}">
+                <a16:creationId xmlns:a16="http://schemas.microsoft.com/office/drawing/2014/main" id="{44C3F774-D2BA-4499-B342-8C9C44D9883B}"/>
+              </a:ext>
+            </a:extLst>
+          </p:cNvPr>
+          <p:cNvSpPr/>
+          <p:nvPr/>
+        </p:nvSpPr>
+        <p:spPr>
+          <a:xfrm>
+            <a:off x="2261720" y="4302952"/>
+            <a:ext cx="554304" cy="486892"/>
+          </a:xfrm>
+          <a:prstGeom prst="roundRect">
+            <a:avLst/>
+          </a:prstGeom>
+        </p:spPr>
+        <p:style>
+          <a:lnRef idx="2">
+            <a:schemeClr val="accent1">
+              <a:shade val="50000"/>
+            </a:schemeClr>
+          </a:lnRef>
+          <a:fillRef idx="1">
+            <a:schemeClr val="accent1"/>
+          </a:fillRef>
+          <a:effectRef idx="0">
+            <a:schemeClr val="accent1"/>
+          </a:effectRef>
+          <a:fontRef idx="minor">
+            <a:schemeClr val="lt1"/>
+          </a:fontRef>
+        </p:style>
+        <p:txBody>
+          <a:bodyPr rtlCol="0" anchor="ctr"/>
+          <a:lstStyle/>
+          <a:p>
+            <a:pPr algn="ctr"/>
+            <a:endParaRPr lang="ko-KR" altLang="en-US" dirty="0"/>
+          </a:p>
+        </p:txBody>
+      </p:sp>
+      <p:sp>
+        <p:nvSpPr>
+          <p:cNvPr id="45" name="사각형: 둥근 모서리 44">
+            <a:extLst>
+              <a:ext uri="{FF2B5EF4-FFF2-40B4-BE49-F238E27FC236}">
+                <a16:creationId xmlns:a16="http://schemas.microsoft.com/office/drawing/2014/main" id="{B6D02F7B-BA47-4778-9123-CD6AC938342D}"/>
+              </a:ext>
+            </a:extLst>
+          </p:cNvPr>
+          <p:cNvSpPr/>
+          <p:nvPr/>
+        </p:nvSpPr>
+        <p:spPr>
+          <a:xfrm>
+            <a:off x="2997886" y="4302952"/>
+            <a:ext cx="554304" cy="486892"/>
+          </a:xfrm>
+          <a:prstGeom prst="roundRect">
+            <a:avLst/>
+          </a:prstGeom>
+        </p:spPr>
+        <p:style>
+          <a:lnRef idx="2">
+            <a:schemeClr val="accent1">
+              <a:shade val="50000"/>
+            </a:schemeClr>
+          </a:lnRef>
+          <a:fillRef idx="1">
+            <a:schemeClr val="accent1"/>
+          </a:fillRef>
+          <a:effectRef idx="0">
+            <a:schemeClr val="accent1"/>
+          </a:effectRef>
+          <a:fontRef idx="minor">
+            <a:schemeClr val="lt1"/>
+          </a:fontRef>
+        </p:style>
+        <p:txBody>
+          <a:bodyPr rtlCol="0" anchor="ctr"/>
+          <a:lstStyle/>
+          <a:p>
+            <a:pPr algn="ctr"/>
+            <a:endParaRPr lang="ko-KR" altLang="en-US" dirty="0"/>
+          </a:p>
+        </p:txBody>
+      </p:sp>
+      <p:sp>
+        <p:nvSpPr>
+          <p:cNvPr id="15" name="사각형: 둥근 모서리 14">
+            <a:extLst>
+              <a:ext uri="{FF2B5EF4-FFF2-40B4-BE49-F238E27FC236}">
+                <a16:creationId xmlns:a16="http://schemas.microsoft.com/office/drawing/2014/main" id="{D0FA9E34-7F8B-4793-A75A-325D5D0A4E56}"/>
+              </a:ext>
+            </a:extLst>
+          </p:cNvPr>
+          <p:cNvSpPr/>
+          <p:nvPr/>
+        </p:nvSpPr>
+        <p:spPr>
+          <a:xfrm>
+            <a:off x="1548236" y="2205584"/>
+            <a:ext cx="2020581" cy="189744"/>
+          </a:xfrm>
+          <a:prstGeom prst="roundRect">
+            <a:avLst/>
+          </a:prstGeom>
+        </p:spPr>
+        <p:style>
+          <a:lnRef idx="2">
+            <a:schemeClr val="accent1">
+              <a:shade val="50000"/>
+            </a:schemeClr>
+          </a:lnRef>
+          <a:fillRef idx="1">
+            <a:schemeClr val="accent1"/>
+          </a:fillRef>
+          <a:effectRef idx="0">
+            <a:schemeClr val="accent1"/>
+          </a:effectRef>
+          <a:fontRef idx="minor">
+            <a:schemeClr val="lt1"/>
+          </a:fontRef>
+        </p:style>
+        <p:txBody>
+          <a:bodyPr rtlCol="0" anchor="ctr"/>
+          <a:lstStyle/>
+          <a:p>
+            <a:pPr algn="ctr"/>
+            <a:endParaRPr lang="ko-KR" altLang="en-US"/>
+          </a:p>
+        </p:txBody>
+      </p:sp>
+      <p:sp>
+        <p:nvSpPr>
+          <p:cNvPr id="16" name="TextBox 15">
+            <a:extLst>
+              <a:ext uri="{FF2B5EF4-FFF2-40B4-BE49-F238E27FC236}">
+                <a16:creationId xmlns:a16="http://schemas.microsoft.com/office/drawing/2014/main" id="{E5ED4A0A-5909-4605-B1A4-A2F9E36368B2}"/>
+              </a:ext>
+            </a:extLst>
+          </p:cNvPr>
+          <p:cNvSpPr txBox="1"/>
+          <p:nvPr/>
+        </p:nvSpPr>
+        <p:spPr>
+          <a:xfrm>
+            <a:off x="2196888" y="1875931"/>
+            <a:ext cx="723275" cy="307777"/>
+          </a:xfrm>
+          <a:prstGeom prst="rect">
+            <a:avLst/>
+          </a:prstGeom>
+          <a:noFill/>
+        </p:spPr>
+        <p:txBody>
+          <a:bodyPr wrap="none" rtlCol="0">
+            <a:spAutoFit/>
+          </a:bodyPr>
+          <a:lstStyle/>
+          <a:p>
+            <a:r>
+              <a:rPr lang="ko-KR" altLang="en-US" sz="1400" dirty="0"/>
+              <a:t>달성도</a:t>
+            </a:r>
+          </a:p>
+        </p:txBody>
+      </p:sp>
+      <p:sp>
+        <p:nvSpPr>
+          <p:cNvPr id="17" name="TextBox 16">
+            <a:extLst>
+              <a:ext uri="{FF2B5EF4-FFF2-40B4-BE49-F238E27FC236}">
+                <a16:creationId xmlns:a16="http://schemas.microsoft.com/office/drawing/2014/main" id="{A2F442D7-C186-4997-9B85-A6058F74C7FC}"/>
+              </a:ext>
+            </a:extLst>
+          </p:cNvPr>
+          <p:cNvSpPr txBox="1"/>
+          <p:nvPr/>
+        </p:nvSpPr>
+        <p:spPr>
+          <a:xfrm>
+            <a:off x="2326647" y="2146567"/>
+            <a:ext cx="497252" cy="307777"/>
+          </a:xfrm>
+          <a:prstGeom prst="rect">
+            <a:avLst/>
+          </a:prstGeom>
+          <a:noFill/>
+        </p:spPr>
+        <p:txBody>
+          <a:bodyPr wrap="none" rtlCol="0">
+            <a:spAutoFit/>
+          </a:bodyPr>
+          <a:lstStyle/>
+          <a:p>
+            <a:r>
+              <a:rPr lang="en-US" altLang="ko-KR" sz="1400" dirty="0"/>
+              <a:t>0 %</a:t>
+            </a:r>
+            <a:endParaRPr lang="ko-KR" altLang="en-US" sz="1400" dirty="0"/>
+          </a:p>
+        </p:txBody>
+      </p:sp>
+      <p:sp>
+        <p:nvSpPr>
+          <p:cNvPr id="46" name="TextBox 45">
+            <a:extLst>
+              <a:ext uri="{FF2B5EF4-FFF2-40B4-BE49-F238E27FC236}">
+                <a16:creationId xmlns:a16="http://schemas.microsoft.com/office/drawing/2014/main" id="{B5829940-CE0C-46A5-8224-403E6C5492A0}"/>
+              </a:ext>
+            </a:extLst>
+          </p:cNvPr>
+          <p:cNvSpPr txBox="1"/>
+          <p:nvPr/>
+        </p:nvSpPr>
+        <p:spPr>
+          <a:xfrm>
+            <a:off x="1539676" y="3247344"/>
+            <a:ext cx="530915" cy="230832"/>
+          </a:xfrm>
+          <a:prstGeom prst="rect">
+            <a:avLst/>
+          </a:prstGeom>
+          <a:noFill/>
+        </p:spPr>
+        <p:txBody>
+          <a:bodyPr wrap="none" rtlCol="0">
+            <a:spAutoFit/>
+          </a:bodyPr>
+          <a:lstStyle/>
+          <a:p>
+            <a:r>
+              <a:rPr lang="ko-KR" altLang="en-US" sz="900" b="1" dirty="0"/>
+              <a:t>황건적</a:t>
+            </a:r>
+          </a:p>
+        </p:txBody>
+      </p:sp>
+      <p:sp>
+        <p:nvSpPr>
+          <p:cNvPr id="47" name="TextBox 46">
+            <a:extLst>
+              <a:ext uri="{FF2B5EF4-FFF2-40B4-BE49-F238E27FC236}">
+                <a16:creationId xmlns:a16="http://schemas.microsoft.com/office/drawing/2014/main" id="{3BC4D1EE-747B-4A5C-B222-B371543F401C}"/>
+              </a:ext>
+            </a:extLst>
+          </p:cNvPr>
+          <p:cNvSpPr txBox="1"/>
+          <p:nvPr/>
+        </p:nvSpPr>
+        <p:spPr>
+          <a:xfrm>
+            <a:off x="2171490" y="3247871"/>
+            <a:ext cx="686406" cy="230832"/>
+          </a:xfrm>
+          <a:prstGeom prst="rect">
+            <a:avLst/>
+          </a:prstGeom>
+          <a:noFill/>
+        </p:spPr>
+        <p:txBody>
+          <a:bodyPr wrap="none" rtlCol="0">
+            <a:spAutoFit/>
+          </a:bodyPr>
+          <a:lstStyle/>
+          <a:p>
+            <a:r>
+              <a:rPr lang="ko-KR" altLang="en-US" sz="900" b="1" dirty="0"/>
+              <a:t>굶어 죽다</a:t>
+            </a:r>
+          </a:p>
+        </p:txBody>
+      </p:sp>
+      <p:sp>
+        <p:nvSpPr>
+          <p:cNvPr id="48" name="TextBox 47">
+            <a:extLst>
+              <a:ext uri="{FF2B5EF4-FFF2-40B4-BE49-F238E27FC236}">
+                <a16:creationId xmlns:a16="http://schemas.microsoft.com/office/drawing/2014/main" id="{3879B5E3-B18F-43F9-8AA3-1F78B3BD03DB}"/>
+              </a:ext>
+            </a:extLst>
+          </p:cNvPr>
+          <p:cNvSpPr txBox="1"/>
+          <p:nvPr/>
+        </p:nvSpPr>
+        <p:spPr>
+          <a:xfrm>
+            <a:off x="2888971" y="3247344"/>
+            <a:ext cx="801823" cy="230832"/>
+          </a:xfrm>
+          <a:prstGeom prst="rect">
+            <a:avLst/>
+          </a:prstGeom>
+          <a:noFill/>
+        </p:spPr>
+        <p:txBody>
+          <a:bodyPr wrap="none" rtlCol="0">
+            <a:spAutoFit/>
+          </a:bodyPr>
+          <a:lstStyle/>
+          <a:p>
+            <a:r>
+              <a:rPr lang="ko-KR" altLang="en-US" sz="900" b="1" dirty="0"/>
+              <a:t>의지가 없어</a:t>
+            </a:r>
+          </a:p>
+        </p:txBody>
+      </p:sp>
+      <p:sp>
+        <p:nvSpPr>
+          <p:cNvPr id="49" name="TextBox 48">
+            <a:extLst>
+              <a:ext uri="{FF2B5EF4-FFF2-40B4-BE49-F238E27FC236}">
+                <a16:creationId xmlns:a16="http://schemas.microsoft.com/office/drawing/2014/main" id="{299BDDEC-4573-4F28-905B-7CA99CDB14A6}"/>
+              </a:ext>
+            </a:extLst>
+          </p:cNvPr>
+          <p:cNvSpPr txBox="1"/>
+          <p:nvPr/>
+        </p:nvSpPr>
+        <p:spPr>
+          <a:xfrm>
+            <a:off x="1466640" y="4046449"/>
+            <a:ext cx="686406" cy="230832"/>
+          </a:xfrm>
+          <a:prstGeom prst="rect">
+            <a:avLst/>
+          </a:prstGeom>
+          <a:noFill/>
+        </p:spPr>
+        <p:txBody>
+          <a:bodyPr wrap="none" rtlCol="0">
+            <a:spAutoFit/>
+          </a:bodyPr>
+          <a:lstStyle/>
+          <a:p>
+            <a:r>
+              <a:rPr lang="ko-KR" altLang="en-US" sz="900" b="1" dirty="0"/>
+              <a:t>다 본거야</a:t>
+            </a:r>
+          </a:p>
+        </p:txBody>
+      </p:sp>
+      <p:sp>
+        <p:nvSpPr>
+          <p:cNvPr id="50" name="TextBox 49">
+            <a:extLst>
+              <a:ext uri="{FF2B5EF4-FFF2-40B4-BE49-F238E27FC236}">
+                <a16:creationId xmlns:a16="http://schemas.microsoft.com/office/drawing/2014/main" id="{05ECE422-21FC-4343-B3BF-BD540D372583}"/>
+              </a:ext>
+            </a:extLst>
+          </p:cNvPr>
+          <p:cNvSpPr txBox="1"/>
+          <p:nvPr/>
+        </p:nvSpPr>
+        <p:spPr>
+          <a:xfrm>
+            <a:off x="2339438" y="4027180"/>
+            <a:ext cx="409086" cy="230832"/>
+          </a:xfrm>
+          <a:prstGeom prst="rect">
+            <a:avLst/>
+          </a:prstGeom>
+          <a:noFill/>
+        </p:spPr>
+        <p:txBody>
+          <a:bodyPr wrap="none" rtlCol="0">
+            <a:spAutoFit/>
+          </a:bodyPr>
+          <a:lstStyle/>
+          <a:p>
+            <a:r>
+              <a:rPr lang="en-US" altLang="ko-KR" sz="900" b="1" dirty="0"/>
+              <a:t>- - -</a:t>
+            </a:r>
+          </a:p>
+        </p:txBody>
+      </p:sp>
+      <p:sp>
+        <p:nvSpPr>
+          <p:cNvPr id="55" name="TextBox 54">
+            <a:extLst>
+              <a:ext uri="{FF2B5EF4-FFF2-40B4-BE49-F238E27FC236}">
+                <a16:creationId xmlns:a16="http://schemas.microsoft.com/office/drawing/2014/main" id="{322BE474-A339-40E7-ADC5-A14CBDF35471}"/>
+              </a:ext>
+            </a:extLst>
+          </p:cNvPr>
+          <p:cNvSpPr txBox="1"/>
+          <p:nvPr/>
+        </p:nvSpPr>
+        <p:spPr>
+          <a:xfrm>
+            <a:off x="4063066" y="3314454"/>
+            <a:ext cx="415498" cy="369332"/>
+          </a:xfrm>
+          <a:prstGeom prst="rect">
+            <a:avLst/>
+          </a:prstGeom>
+          <a:noFill/>
+        </p:spPr>
+        <p:txBody>
+          <a:bodyPr wrap="none" rtlCol="0">
+            <a:spAutoFit/>
+          </a:bodyPr>
+          <a:lstStyle/>
+          <a:p>
+            <a:r>
+              <a:rPr lang="ko-KR" altLang="en-US" dirty="0"/>
+              <a:t>▶</a:t>
+            </a:r>
+          </a:p>
+        </p:txBody>
+      </p:sp>
+      <p:sp>
+        <p:nvSpPr>
+          <p:cNvPr id="56" name="사각형: 둥근 모서리 55">
+            <a:extLst>
+              <a:ext uri="{FF2B5EF4-FFF2-40B4-BE49-F238E27FC236}">
+                <a16:creationId xmlns:a16="http://schemas.microsoft.com/office/drawing/2014/main" id="{45210BA8-96C5-4B78-9ECA-7DD93A5F8FE8}"/>
+              </a:ext>
+            </a:extLst>
+          </p:cNvPr>
+          <p:cNvSpPr/>
+          <p:nvPr/>
+        </p:nvSpPr>
+        <p:spPr>
+          <a:xfrm>
+            <a:off x="4944676" y="2086664"/>
+            <a:ext cx="1813481" cy="1676496"/>
+          </a:xfrm>
+          <a:prstGeom prst="roundRect">
+            <a:avLst/>
+          </a:prstGeom>
+        </p:spPr>
+        <p:style>
+          <a:lnRef idx="2">
+            <a:schemeClr val="accent1">
+              <a:shade val="50000"/>
+            </a:schemeClr>
+          </a:lnRef>
+          <a:fillRef idx="1">
+            <a:schemeClr val="accent1"/>
+          </a:fillRef>
+          <a:effectRef idx="0">
+            <a:schemeClr val="accent1"/>
+          </a:effectRef>
+          <a:fontRef idx="minor">
+            <a:schemeClr val="lt1"/>
+          </a:fontRef>
+        </p:style>
+        <p:txBody>
+          <a:bodyPr rtlCol="0" anchor="ctr"/>
+          <a:lstStyle/>
+          <a:p>
+            <a:pPr algn="ctr"/>
+            <a:endParaRPr lang="ko-KR" altLang="en-US"/>
+          </a:p>
+        </p:txBody>
+      </p:sp>
+      <p:sp>
+        <p:nvSpPr>
+          <p:cNvPr id="57" name="TextBox 56">
+            <a:extLst>
+              <a:ext uri="{FF2B5EF4-FFF2-40B4-BE49-F238E27FC236}">
+                <a16:creationId xmlns:a16="http://schemas.microsoft.com/office/drawing/2014/main" id="{9C29A8F2-603C-4FA3-8FFE-1C4B8DB502DB}"/>
+              </a:ext>
+            </a:extLst>
+          </p:cNvPr>
+          <p:cNvSpPr txBox="1"/>
+          <p:nvPr/>
+        </p:nvSpPr>
+        <p:spPr>
+          <a:xfrm>
+            <a:off x="4944103" y="3889910"/>
+            <a:ext cx="1813481" cy="707886"/>
+          </a:xfrm>
+          <a:prstGeom prst="rect">
+            <a:avLst/>
+          </a:prstGeom>
+          <a:noFill/>
+        </p:spPr>
+        <p:txBody>
+          <a:bodyPr wrap="square" rtlCol="0">
+            <a:spAutoFit/>
+          </a:bodyPr>
+          <a:lstStyle/>
+          <a:p>
+            <a:pPr algn="ctr"/>
+            <a:r>
+              <a:rPr lang="ko-KR" altLang="en-US" sz="1000" b="1" dirty="0"/>
+              <a:t>열심히 살았는데</a:t>
+            </a:r>
+            <a:r>
+              <a:rPr lang="en-US" altLang="ko-KR" sz="1000" b="1" dirty="0"/>
+              <a:t>..</a:t>
+            </a:r>
+          </a:p>
+          <a:p>
+            <a:pPr algn="ctr"/>
+            <a:r>
+              <a:rPr lang="ko-KR" altLang="en-US" sz="1000" b="1" dirty="0"/>
+              <a:t>노란 머리띠를 쓴 사람들이</a:t>
+            </a:r>
+            <a:endParaRPr lang="en-US" altLang="ko-KR" sz="1000" b="1" dirty="0"/>
+          </a:p>
+          <a:p>
+            <a:pPr algn="ctr"/>
+            <a:r>
+              <a:rPr lang="ko-KR" altLang="en-US" sz="1000" b="1" dirty="0"/>
+              <a:t>나의 물건</a:t>
+            </a:r>
+            <a:r>
+              <a:rPr lang="en-US" altLang="ko-KR" sz="1000" b="1" dirty="0"/>
+              <a:t>, </a:t>
+            </a:r>
+            <a:r>
+              <a:rPr lang="ko-KR" altLang="en-US" sz="1000" b="1" dirty="0"/>
+              <a:t>집</a:t>
+            </a:r>
+            <a:r>
+              <a:rPr lang="en-US" altLang="ko-KR" sz="1000" b="1" dirty="0"/>
+              <a:t>, </a:t>
+            </a:r>
+            <a:r>
+              <a:rPr lang="ko-KR" altLang="en-US" sz="1000" b="1" dirty="0"/>
+              <a:t>밭을</a:t>
+            </a:r>
+            <a:endParaRPr lang="en-US" altLang="ko-KR" sz="1000" b="1" dirty="0"/>
+          </a:p>
+          <a:p>
+            <a:pPr algn="ctr"/>
+            <a:r>
+              <a:rPr lang="ko-KR" altLang="en-US" sz="1000" b="1" dirty="0"/>
+              <a:t>약탈해 가버렸다</a:t>
+            </a:r>
+            <a:r>
+              <a:rPr lang="en-US" altLang="ko-KR" sz="1000" b="1" dirty="0"/>
+              <a:t>..</a:t>
+            </a:r>
+          </a:p>
+        </p:txBody>
+      </p:sp>
+      <p:sp>
+        <p:nvSpPr>
+          <p:cNvPr id="58" name="직사각형 57">
+            <a:extLst>
+              <a:ext uri="{FF2B5EF4-FFF2-40B4-BE49-F238E27FC236}">
+                <a16:creationId xmlns:a16="http://schemas.microsoft.com/office/drawing/2014/main" id="{C4DB9803-5754-4E1E-85EC-8425D40034CC}"/>
+              </a:ext>
+            </a:extLst>
+          </p:cNvPr>
+          <p:cNvSpPr/>
+          <p:nvPr/>
+        </p:nvSpPr>
+        <p:spPr>
+          <a:xfrm>
+            <a:off x="5165173" y="2325189"/>
+            <a:ext cx="1361263" cy="1297577"/>
+          </a:xfrm>
+          <a:prstGeom prst="rect">
+            <a:avLst/>
+          </a:prstGeom>
+          <a:solidFill>
+            <a:schemeClr val="accent1">
+              <a:lumMod val="60000"/>
+              <a:lumOff val="40000"/>
+            </a:schemeClr>
+          </a:solidFill>
+          <a:ln>
+            <a:solidFill>
+              <a:schemeClr val="accent1">
+                <a:lumMod val="75000"/>
+              </a:schemeClr>
+            </a:solidFill>
+          </a:ln>
+        </p:spPr>
+        <p:style>
+          <a:lnRef idx="2">
+            <a:schemeClr val="accent1">
+              <a:shade val="50000"/>
+            </a:schemeClr>
+          </a:lnRef>
+          <a:fillRef idx="1">
+            <a:schemeClr val="accent1"/>
+          </a:fillRef>
+          <a:effectRef idx="0">
+            <a:schemeClr val="accent1"/>
+          </a:effectRef>
+          <a:fontRef idx="minor">
+            <a:schemeClr val="lt1"/>
+          </a:fontRef>
+        </p:style>
+        <p:txBody>
+          <a:bodyPr rtlCol="0" anchor="ctr"/>
+          <a:lstStyle/>
+          <a:p>
+            <a:pPr algn="ctr"/>
+            <a:r>
+              <a:rPr lang="ko-KR" altLang="en-US" dirty="0"/>
+              <a:t>도적질</a:t>
+            </a:r>
+            <a:endParaRPr lang="en-US" altLang="ko-KR" dirty="0"/>
+          </a:p>
+          <a:p>
+            <a:pPr algn="ctr"/>
+            <a:r>
+              <a:rPr lang="ko-KR" altLang="en-US" dirty="0"/>
+              <a:t>그림</a:t>
+            </a:r>
+            <a:endParaRPr lang="en-US" altLang="ko-KR" dirty="0"/>
+          </a:p>
+        </p:txBody>
+      </p:sp>
+      <p:sp>
+        <p:nvSpPr>
+          <p:cNvPr id="59" name="TextBox 58">
+            <a:extLst>
+              <a:ext uri="{FF2B5EF4-FFF2-40B4-BE49-F238E27FC236}">
+                <a16:creationId xmlns:a16="http://schemas.microsoft.com/office/drawing/2014/main" id="{75C2F731-FB34-4C36-8281-57511A0A2202}"/>
+              </a:ext>
+            </a:extLst>
+          </p:cNvPr>
+          <p:cNvSpPr txBox="1"/>
+          <p:nvPr/>
+        </p:nvSpPr>
+        <p:spPr>
+          <a:xfrm>
+            <a:off x="3085339" y="4029717"/>
+            <a:ext cx="409086" cy="230832"/>
+          </a:xfrm>
+          <a:prstGeom prst="rect">
+            <a:avLst/>
+          </a:prstGeom>
+          <a:noFill/>
+        </p:spPr>
+        <p:txBody>
+          <a:bodyPr wrap="none" rtlCol="0">
+            <a:spAutoFit/>
+          </a:bodyPr>
+          <a:lstStyle/>
+          <a:p>
+            <a:r>
+              <a:rPr lang="en-US" altLang="ko-KR" sz="900" b="1" dirty="0"/>
+              <a:t>- - -</a:t>
+            </a:r>
+          </a:p>
+        </p:txBody>
+      </p:sp>
+      <p:sp>
+        <p:nvSpPr>
+          <p:cNvPr id="62" name="TextBox 61">
+            <a:extLst>
+              <a:ext uri="{FF2B5EF4-FFF2-40B4-BE49-F238E27FC236}">
+                <a16:creationId xmlns:a16="http://schemas.microsoft.com/office/drawing/2014/main" id="{782318E5-C83D-4380-8518-DFA98315AEEB}"/>
+              </a:ext>
+            </a:extLst>
+          </p:cNvPr>
+          <p:cNvSpPr txBox="1"/>
+          <p:nvPr/>
+        </p:nvSpPr>
+        <p:spPr>
+          <a:xfrm>
+            <a:off x="3076651" y="4832247"/>
+            <a:ext cx="409086" cy="230832"/>
+          </a:xfrm>
+          <a:prstGeom prst="rect">
+            <a:avLst/>
+          </a:prstGeom>
+          <a:noFill/>
+        </p:spPr>
+        <p:txBody>
+          <a:bodyPr wrap="none" rtlCol="0">
+            <a:spAutoFit/>
+          </a:bodyPr>
+          <a:lstStyle/>
+          <a:p>
+            <a:r>
+              <a:rPr lang="en-US" altLang="ko-KR" sz="900" b="1" dirty="0"/>
+              <a:t>- - -</a:t>
+            </a:r>
+          </a:p>
+        </p:txBody>
+      </p:sp>
+      <p:sp>
+        <p:nvSpPr>
+          <p:cNvPr id="63" name="TextBox 62">
+            <a:extLst>
+              <a:ext uri="{FF2B5EF4-FFF2-40B4-BE49-F238E27FC236}">
+                <a16:creationId xmlns:a16="http://schemas.microsoft.com/office/drawing/2014/main" id="{EE03B953-8F4A-4F3F-9FC0-14EBF455A438}"/>
+              </a:ext>
+            </a:extLst>
+          </p:cNvPr>
+          <p:cNvSpPr txBox="1"/>
+          <p:nvPr/>
+        </p:nvSpPr>
+        <p:spPr>
+          <a:xfrm>
+            <a:off x="2370730" y="4837958"/>
+            <a:ext cx="409086" cy="230832"/>
+          </a:xfrm>
+          <a:prstGeom prst="rect">
+            <a:avLst/>
+          </a:prstGeom>
+          <a:noFill/>
+        </p:spPr>
+        <p:txBody>
+          <a:bodyPr wrap="none" rtlCol="0">
+            <a:spAutoFit/>
+          </a:bodyPr>
+          <a:lstStyle/>
+          <a:p>
+            <a:r>
+              <a:rPr lang="en-US" altLang="ko-KR" sz="900" b="1" dirty="0"/>
+              <a:t>- - -</a:t>
+            </a:r>
+          </a:p>
+        </p:txBody>
+      </p:sp>
+      <p:sp>
+        <p:nvSpPr>
+          <p:cNvPr id="64" name="TextBox 63">
+            <a:extLst>
+              <a:ext uri="{FF2B5EF4-FFF2-40B4-BE49-F238E27FC236}">
+                <a16:creationId xmlns:a16="http://schemas.microsoft.com/office/drawing/2014/main" id="{7F4BCD53-640A-4A13-8734-5EFB82D8289F}"/>
+              </a:ext>
+            </a:extLst>
+          </p:cNvPr>
+          <p:cNvSpPr txBox="1"/>
+          <p:nvPr/>
+        </p:nvSpPr>
+        <p:spPr>
+          <a:xfrm>
+            <a:off x="1608684" y="4832247"/>
+            <a:ext cx="409086" cy="230832"/>
+          </a:xfrm>
+          <a:prstGeom prst="rect">
+            <a:avLst/>
+          </a:prstGeom>
+          <a:noFill/>
+        </p:spPr>
+        <p:txBody>
+          <a:bodyPr wrap="none" rtlCol="0">
+            <a:spAutoFit/>
+          </a:bodyPr>
+          <a:lstStyle/>
+          <a:p>
+            <a:r>
+              <a:rPr lang="en-US" altLang="ko-KR" sz="900" b="1" dirty="0"/>
+              <a:t>- - -</a:t>
+            </a:r>
+          </a:p>
+        </p:txBody>
+      </p:sp>
+    </p:spTree>
+    <p:extLst>
+      <p:ext uri="{BB962C8B-B14F-4D97-AF65-F5344CB8AC3E}">
+        <p14:creationId xmlns:p14="http://schemas.microsoft.com/office/powerpoint/2010/main" val="3446521553"/>
       </p:ext>
     </p:extLst>
   </p:cSld>
